--- a/document/UI.pptx
+++ b/document/UI.pptx
@@ -9,9 +9,10 @@
     <p:sldId id="259" r:id="rId3"/>
     <p:sldId id="257" r:id="rId4"/>
     <p:sldId id="260" r:id="rId5"/>
-    <p:sldId id="261" r:id="rId6"/>
-    <p:sldId id="258" r:id="rId7"/>
-    <p:sldId id="262" r:id="rId8"/>
+    <p:sldId id="263" r:id="rId6"/>
+    <p:sldId id="261" r:id="rId7"/>
+    <p:sldId id="258" r:id="rId8"/>
+    <p:sldId id="262" r:id="rId9"/>
   </p:sldIdLst>
   <p:sldSz cx="12192000" cy="6858000"/>
   <p:notesSz cx="6858000" cy="9144000"/>
@@ -265,7 +266,7 @@
           <a:p>
             <a:fld id="{B72E036F-CDEF-47A9-871C-CF66AFA16CFE}" type="datetimeFigureOut">
               <a:rPr lang="ko-KR" altLang="en-US" smtClean="0"/>
-              <a:t>2024-08-02</a:t>
+              <a:t>2024-08-05</a:t>
             </a:fld>
             <a:endParaRPr lang="ko-KR" altLang="en-US"/>
           </a:p>
@@ -463,7 +464,7 @@
           <a:p>
             <a:fld id="{B72E036F-CDEF-47A9-871C-CF66AFA16CFE}" type="datetimeFigureOut">
               <a:rPr lang="ko-KR" altLang="en-US" smtClean="0"/>
-              <a:t>2024-08-02</a:t>
+              <a:t>2024-08-05</a:t>
             </a:fld>
             <a:endParaRPr lang="ko-KR" altLang="en-US"/>
           </a:p>
@@ -671,7 +672,7 @@
           <a:p>
             <a:fld id="{B72E036F-CDEF-47A9-871C-CF66AFA16CFE}" type="datetimeFigureOut">
               <a:rPr lang="ko-KR" altLang="en-US" smtClean="0"/>
-              <a:t>2024-08-02</a:t>
+              <a:t>2024-08-05</a:t>
             </a:fld>
             <a:endParaRPr lang="ko-KR" altLang="en-US"/>
           </a:p>
@@ -869,7 +870,7 @@
           <a:p>
             <a:fld id="{B72E036F-CDEF-47A9-871C-CF66AFA16CFE}" type="datetimeFigureOut">
               <a:rPr lang="ko-KR" altLang="en-US" smtClean="0"/>
-              <a:t>2024-08-02</a:t>
+              <a:t>2024-08-05</a:t>
             </a:fld>
             <a:endParaRPr lang="ko-KR" altLang="en-US"/>
           </a:p>
@@ -1144,7 +1145,7 @@
           <a:p>
             <a:fld id="{B72E036F-CDEF-47A9-871C-CF66AFA16CFE}" type="datetimeFigureOut">
               <a:rPr lang="ko-KR" altLang="en-US" smtClean="0"/>
-              <a:t>2024-08-02</a:t>
+              <a:t>2024-08-05</a:t>
             </a:fld>
             <a:endParaRPr lang="ko-KR" altLang="en-US"/>
           </a:p>
@@ -1409,7 +1410,7 @@
           <a:p>
             <a:fld id="{B72E036F-CDEF-47A9-871C-CF66AFA16CFE}" type="datetimeFigureOut">
               <a:rPr lang="ko-KR" altLang="en-US" smtClean="0"/>
-              <a:t>2024-08-02</a:t>
+              <a:t>2024-08-05</a:t>
             </a:fld>
             <a:endParaRPr lang="ko-KR" altLang="en-US"/>
           </a:p>
@@ -1821,7 +1822,7 @@
           <a:p>
             <a:fld id="{B72E036F-CDEF-47A9-871C-CF66AFA16CFE}" type="datetimeFigureOut">
               <a:rPr lang="ko-KR" altLang="en-US" smtClean="0"/>
-              <a:t>2024-08-02</a:t>
+              <a:t>2024-08-05</a:t>
             </a:fld>
             <a:endParaRPr lang="ko-KR" altLang="en-US"/>
           </a:p>
@@ -1962,7 +1963,7 @@
           <a:p>
             <a:fld id="{B72E036F-CDEF-47A9-871C-CF66AFA16CFE}" type="datetimeFigureOut">
               <a:rPr lang="ko-KR" altLang="en-US" smtClean="0"/>
-              <a:t>2024-08-02</a:t>
+              <a:t>2024-08-05</a:t>
             </a:fld>
             <a:endParaRPr lang="ko-KR" altLang="en-US"/>
           </a:p>
@@ -2075,7 +2076,7 @@
           <a:p>
             <a:fld id="{B72E036F-CDEF-47A9-871C-CF66AFA16CFE}" type="datetimeFigureOut">
               <a:rPr lang="ko-KR" altLang="en-US" smtClean="0"/>
-              <a:t>2024-08-02</a:t>
+              <a:t>2024-08-05</a:t>
             </a:fld>
             <a:endParaRPr lang="ko-KR" altLang="en-US"/>
           </a:p>
@@ -2386,7 +2387,7 @@
           <a:p>
             <a:fld id="{B72E036F-CDEF-47A9-871C-CF66AFA16CFE}" type="datetimeFigureOut">
               <a:rPr lang="ko-KR" altLang="en-US" smtClean="0"/>
-              <a:t>2024-08-02</a:t>
+              <a:t>2024-08-05</a:t>
             </a:fld>
             <a:endParaRPr lang="ko-KR" altLang="en-US"/>
           </a:p>
@@ -2674,7 +2675,7 @@
           <a:p>
             <a:fld id="{B72E036F-CDEF-47A9-871C-CF66AFA16CFE}" type="datetimeFigureOut">
               <a:rPr lang="ko-KR" altLang="en-US" smtClean="0"/>
-              <a:t>2024-08-02</a:t>
+              <a:t>2024-08-05</a:t>
             </a:fld>
             <a:endParaRPr lang="ko-KR" altLang="en-US"/>
           </a:p>
@@ -2915,7 +2916,7 @@
           <a:p>
             <a:fld id="{B72E036F-CDEF-47A9-871C-CF66AFA16CFE}" type="datetimeFigureOut">
               <a:rPr lang="ko-KR" altLang="en-US" smtClean="0"/>
-              <a:t>2024-08-02</a:t>
+              <a:t>2024-08-05</a:t>
             </a:fld>
             <a:endParaRPr lang="ko-KR" altLang="en-US"/>
           </a:p>
@@ -16431,6 +16432,3433 @@
           </p:txBody>
         </p:sp>
       </p:grpSp>
+    </p:spTree>
+    <p:extLst>
+      <p:ext uri="{BB962C8B-B14F-4D97-AF65-F5344CB8AC3E}">
+        <p14:creationId xmlns:p14="http://schemas.microsoft.com/office/powerpoint/2010/main" val="1848626730"/>
+      </p:ext>
+    </p:extLst>
+  </p:cSld>
+  <p:clrMapOvr>
+    <a:masterClrMapping/>
+  </p:clrMapOvr>
+</p:sld>
+</file>
+
+<file path=ppt/slides/slide6.xml><?xml version="1.0" encoding="utf-8"?>
+<p:sld xmlns:a="http://schemas.openxmlformats.org/drawingml/2006/main" xmlns:r="http://schemas.openxmlformats.org/officeDocument/2006/relationships" xmlns:p="http://schemas.openxmlformats.org/presentationml/2006/main">
+  <p:cSld>
+    <p:spTree>
+      <p:nvGrpSpPr>
+        <p:cNvPr id="1" name=""/>
+        <p:cNvGrpSpPr/>
+        <p:nvPr/>
+      </p:nvGrpSpPr>
+      <p:grpSpPr>
+        <a:xfrm>
+          <a:off x="0" y="0"/>
+          <a:ext cx="0" cy="0"/>
+          <a:chOff x="0" y="0"/>
+          <a:chExt cx="0" cy="0"/>
+        </a:xfrm>
+      </p:grpSpPr>
+      <p:sp>
+        <p:nvSpPr>
+          <p:cNvPr id="2" name="직사각형 1">
+            <a:extLst>
+              <a:ext uri="{FF2B5EF4-FFF2-40B4-BE49-F238E27FC236}">
+                <a16:creationId xmlns:a16="http://schemas.microsoft.com/office/drawing/2014/main" id="{45068556-FE2E-6EE4-DAEE-1DB5213159F3}"/>
+              </a:ext>
+            </a:extLst>
+          </p:cNvPr>
+          <p:cNvSpPr>
+            <a:spLocks noChangeAspect="1"/>
+          </p:cNvSpPr>
+          <p:nvPr/>
+        </p:nvSpPr>
+        <p:spPr>
+          <a:xfrm>
+            <a:off x="380999" y="193145"/>
+            <a:ext cx="11430001" cy="6429376"/>
+          </a:xfrm>
+          <a:prstGeom prst="rect">
+            <a:avLst/>
+          </a:prstGeom>
+          <a:solidFill>
+            <a:schemeClr val="tx2">
+              <a:lumMod val="25000"/>
+              <a:lumOff val="75000"/>
+            </a:schemeClr>
+          </a:solidFill>
+          <a:ln>
+            <a:noFill/>
+          </a:ln>
+        </p:spPr>
+        <p:style>
+          <a:lnRef idx="2">
+            <a:schemeClr val="accent1">
+              <a:shade val="15000"/>
+            </a:schemeClr>
+          </a:lnRef>
+          <a:fillRef idx="1">
+            <a:schemeClr val="accent1"/>
+          </a:fillRef>
+          <a:effectRef idx="0">
+            <a:schemeClr val="accent1"/>
+          </a:effectRef>
+          <a:fontRef idx="minor">
+            <a:schemeClr val="lt1"/>
+          </a:fontRef>
+        </p:style>
+        <p:txBody>
+          <a:bodyPr rtlCol="0" anchor="ctr"/>
+          <a:lstStyle/>
+          <a:p>
+            <a:pPr algn="ctr"/>
+            <a:endParaRPr lang="ko-KR" altLang="en-US" dirty="0"/>
+          </a:p>
+        </p:txBody>
+      </p:sp>
+      <p:sp>
+        <p:nvSpPr>
+          <p:cNvPr id="13" name="사각형: 둥근 모서리 12">
+            <a:extLst>
+              <a:ext uri="{FF2B5EF4-FFF2-40B4-BE49-F238E27FC236}">
+                <a16:creationId xmlns:a16="http://schemas.microsoft.com/office/drawing/2014/main" id="{8D4058C9-C661-3BAC-F68B-68D27210CFC1}"/>
+              </a:ext>
+            </a:extLst>
+          </p:cNvPr>
+          <p:cNvSpPr/>
+          <p:nvPr/>
+        </p:nvSpPr>
+        <p:spPr>
+          <a:xfrm>
+            <a:off x="584199" y="406400"/>
+            <a:ext cx="11023600" cy="6079067"/>
+          </a:xfrm>
+          <a:prstGeom prst="roundRect">
+            <a:avLst>
+              <a:gd name="adj" fmla="val 1486"/>
+            </a:avLst>
+          </a:prstGeom>
+          <a:solidFill>
+            <a:schemeClr val="bg2">
+              <a:lumMod val="75000"/>
+            </a:schemeClr>
+          </a:solidFill>
+          <a:ln>
+            <a:noFill/>
+          </a:ln>
+        </p:spPr>
+        <p:style>
+          <a:lnRef idx="2">
+            <a:schemeClr val="accent1">
+              <a:shade val="15000"/>
+            </a:schemeClr>
+          </a:lnRef>
+          <a:fillRef idx="1">
+            <a:schemeClr val="accent1"/>
+          </a:fillRef>
+          <a:effectRef idx="0">
+            <a:schemeClr val="accent1"/>
+          </a:effectRef>
+          <a:fontRef idx="minor">
+            <a:schemeClr val="lt1"/>
+          </a:fontRef>
+        </p:style>
+        <p:txBody>
+          <a:bodyPr rtlCol="0" anchor="ctr"/>
+          <a:lstStyle/>
+          <a:p>
+            <a:pPr algn="ctr"/>
+            <a:endParaRPr lang="ko-KR" altLang="en-US"/>
+          </a:p>
+        </p:txBody>
+      </p:sp>
+      <p:sp>
+        <p:nvSpPr>
+          <p:cNvPr id="14" name="직사각형 13">
+            <a:extLst>
+              <a:ext uri="{FF2B5EF4-FFF2-40B4-BE49-F238E27FC236}">
+                <a16:creationId xmlns:a16="http://schemas.microsoft.com/office/drawing/2014/main" id="{8F8A7BDD-9499-E152-6BCD-418759B9451D}"/>
+              </a:ext>
+            </a:extLst>
+          </p:cNvPr>
+          <p:cNvSpPr/>
+          <p:nvPr/>
+        </p:nvSpPr>
+        <p:spPr>
+          <a:xfrm>
+            <a:off x="4195233" y="558800"/>
+            <a:ext cx="3801533" cy="685800"/>
+          </a:xfrm>
+          <a:prstGeom prst="rect">
+            <a:avLst/>
+          </a:prstGeom>
+          <a:solidFill>
+            <a:schemeClr val="accent1">
+              <a:lumMod val="40000"/>
+              <a:lumOff val="60000"/>
+            </a:schemeClr>
+          </a:solidFill>
+        </p:spPr>
+        <p:style>
+          <a:lnRef idx="2">
+            <a:schemeClr val="accent1">
+              <a:shade val="15000"/>
+            </a:schemeClr>
+          </a:lnRef>
+          <a:fillRef idx="1">
+            <a:schemeClr val="accent1"/>
+          </a:fillRef>
+          <a:effectRef idx="0">
+            <a:schemeClr val="accent1"/>
+          </a:effectRef>
+          <a:fontRef idx="minor">
+            <a:schemeClr val="lt1"/>
+          </a:fontRef>
+        </p:style>
+        <p:txBody>
+          <a:bodyPr rtlCol="0" anchor="ctr"/>
+          <a:lstStyle/>
+          <a:p>
+            <a:pPr algn="ctr"/>
+            <a:r>
+              <a:rPr lang="ko-KR" altLang="en-US"/>
+              <a:t>의뢰 게시판</a:t>
+            </a:r>
+          </a:p>
+        </p:txBody>
+      </p:sp>
+      <p:grpSp>
+        <p:nvGrpSpPr>
+          <p:cNvPr id="23" name="그룹 22">
+            <a:extLst>
+              <a:ext uri="{FF2B5EF4-FFF2-40B4-BE49-F238E27FC236}">
+                <a16:creationId xmlns:a16="http://schemas.microsoft.com/office/drawing/2014/main" id="{E330D876-1DF3-F9B7-6445-FD40D72C4E0A}"/>
+              </a:ext>
+            </a:extLst>
+          </p:cNvPr>
+          <p:cNvGrpSpPr/>
+          <p:nvPr/>
+        </p:nvGrpSpPr>
+        <p:grpSpPr>
+          <a:xfrm>
+            <a:off x="903498" y="1214277"/>
+            <a:ext cx="2358821" cy="2545612"/>
+            <a:chOff x="1202267" y="1552255"/>
+            <a:chExt cx="2358821" cy="2545612"/>
+          </a:xfrm>
+        </p:grpSpPr>
+        <p:sp>
+          <p:nvSpPr>
+            <p:cNvPr id="17" name="직사각형 16">
+              <a:extLst>
+                <a:ext uri="{FF2B5EF4-FFF2-40B4-BE49-F238E27FC236}">
+                  <a16:creationId xmlns:a16="http://schemas.microsoft.com/office/drawing/2014/main" id="{3D3927F8-AC2C-161F-47C3-F3D5B598E85C}"/>
+                </a:ext>
+              </a:extLst>
+            </p:cNvPr>
+            <p:cNvSpPr/>
+            <p:nvPr/>
+          </p:nvSpPr>
+          <p:spPr>
+            <a:xfrm>
+              <a:off x="1202267" y="1879600"/>
+              <a:ext cx="2311400" cy="2218267"/>
+            </a:xfrm>
+            <a:prstGeom prst="rect">
+              <a:avLst/>
+            </a:prstGeom>
+            <a:solidFill>
+              <a:schemeClr val="tx2">
+                <a:lumMod val="25000"/>
+                <a:lumOff val="75000"/>
+              </a:schemeClr>
+            </a:solidFill>
+            <a:ln>
+              <a:solidFill>
+                <a:schemeClr val="tx1"/>
+              </a:solidFill>
+            </a:ln>
+          </p:spPr>
+          <p:style>
+            <a:lnRef idx="2">
+              <a:schemeClr val="accent1">
+                <a:shade val="15000"/>
+              </a:schemeClr>
+            </a:lnRef>
+            <a:fillRef idx="1">
+              <a:schemeClr val="accent1"/>
+            </a:fillRef>
+            <a:effectRef idx="0">
+              <a:schemeClr val="accent1"/>
+            </a:effectRef>
+            <a:fontRef idx="minor">
+              <a:schemeClr val="lt1"/>
+            </a:fontRef>
+          </p:style>
+          <p:txBody>
+            <a:bodyPr rtlCol="0" anchor="ctr"/>
+            <a:lstStyle/>
+            <a:p>
+              <a:pPr algn="ctr"/>
+              <a:endParaRPr lang="ko-KR" altLang="en-US"/>
+            </a:p>
+          </p:txBody>
+        </p:sp>
+        <p:pic>
+          <p:nvPicPr>
+            <p:cNvPr id="19" name="그림 18" descr="그래픽, 상징, 클립아트, 만화 영화이(가) 표시된 사진&#10;&#10;자동 생성된 설명">
+              <a:extLst>
+                <a:ext uri="{FF2B5EF4-FFF2-40B4-BE49-F238E27FC236}">
+                  <a16:creationId xmlns:a16="http://schemas.microsoft.com/office/drawing/2014/main" id="{1E972C9C-AA02-E542-21FA-F4F65AC792C3}"/>
+                </a:ext>
+              </a:extLst>
+            </p:cNvPr>
+            <p:cNvPicPr>
+              <a:picLocks noChangeAspect="1"/>
+            </p:cNvPicPr>
+            <p:nvPr/>
+          </p:nvPicPr>
+          <p:blipFill>
+            <a:blip r:embed="rId2">
+              <a:extLst>
+                <a:ext uri="{28A0092B-C50C-407E-A947-70E740481C1C}">
+                  <a14:useLocalDpi xmlns:a14="http://schemas.microsoft.com/office/drawing/2010/main" val="0"/>
+                </a:ext>
+              </a:extLst>
+            </a:blip>
+            <a:stretch>
+              <a:fillRect/>
+            </a:stretch>
+          </p:blipFill>
+          <p:spPr>
+            <a:xfrm>
+              <a:off x="2357967" y="1552255"/>
+              <a:ext cx="577183" cy="577183"/>
+            </a:xfrm>
+            <a:prstGeom prst="rect">
+              <a:avLst/>
+            </a:prstGeom>
+          </p:spPr>
+        </p:pic>
+        <p:sp>
+          <p:nvSpPr>
+            <p:cNvPr id="20" name="직사각형 19">
+              <a:extLst>
+                <a:ext uri="{FF2B5EF4-FFF2-40B4-BE49-F238E27FC236}">
+                  <a16:creationId xmlns:a16="http://schemas.microsoft.com/office/drawing/2014/main" id="{56C6F98B-9F0C-B023-4533-09CBC2D51E77}"/>
+                </a:ext>
+              </a:extLst>
+            </p:cNvPr>
+            <p:cNvSpPr/>
+            <p:nvPr/>
+          </p:nvSpPr>
+          <p:spPr>
+            <a:xfrm>
+              <a:off x="1297518" y="3210312"/>
+              <a:ext cx="690033" cy="690033"/>
+            </a:xfrm>
+            <a:prstGeom prst="rect">
+              <a:avLst/>
+            </a:prstGeom>
+            <a:solidFill>
+              <a:srgbClr val="FFFF00"/>
+            </a:solidFill>
+          </p:spPr>
+          <p:style>
+            <a:lnRef idx="2">
+              <a:schemeClr val="accent1">
+                <a:shade val="15000"/>
+              </a:schemeClr>
+            </a:lnRef>
+            <a:fillRef idx="1">
+              <a:schemeClr val="accent1"/>
+            </a:fillRef>
+            <a:effectRef idx="0">
+              <a:schemeClr val="accent1"/>
+            </a:effectRef>
+            <a:fontRef idx="minor">
+              <a:schemeClr val="lt1"/>
+            </a:fontRef>
+          </p:style>
+          <p:txBody>
+            <a:bodyPr rtlCol="0" anchor="ctr"/>
+            <a:lstStyle/>
+            <a:p>
+              <a:pPr algn="ctr"/>
+              <a:r>
+                <a:rPr lang="ko-KR" altLang="en-US" sz="1200" dirty="0" err="1">
+                  <a:solidFill>
+                    <a:schemeClr val="tx1"/>
+                  </a:solidFill>
+                </a:rPr>
+                <a:t>포션</a:t>
+              </a:r>
+              <a:endParaRPr lang="en-US" altLang="ko-KR" sz="1200" dirty="0">
+                <a:solidFill>
+                  <a:schemeClr val="tx1"/>
+                </a:solidFill>
+              </a:endParaRPr>
+            </a:p>
+            <a:p>
+              <a:pPr algn="ctr"/>
+              <a:r>
+                <a:rPr lang="ko-KR" altLang="en-US" sz="1200" dirty="0">
+                  <a:solidFill>
+                    <a:schemeClr val="tx1"/>
+                  </a:solidFill>
+                </a:rPr>
+                <a:t>이미지</a:t>
+              </a:r>
+            </a:p>
+          </p:txBody>
+        </p:sp>
+        <p:sp>
+          <p:nvSpPr>
+            <p:cNvPr id="21" name="TextBox 20">
+              <a:extLst>
+                <a:ext uri="{FF2B5EF4-FFF2-40B4-BE49-F238E27FC236}">
+                  <a16:creationId xmlns:a16="http://schemas.microsoft.com/office/drawing/2014/main" id="{560EBCC7-513F-A7EF-7C2F-9298F9FFA5BE}"/>
+                </a:ext>
+              </a:extLst>
+            </p:cNvPr>
+            <p:cNvSpPr txBox="1"/>
+            <p:nvPr/>
+          </p:nvSpPr>
+          <p:spPr>
+            <a:xfrm>
+              <a:off x="1202267" y="2212845"/>
+              <a:ext cx="2339102" cy="523220"/>
+            </a:xfrm>
+            <a:prstGeom prst="rect">
+              <a:avLst/>
+            </a:prstGeom>
+            <a:noFill/>
+          </p:spPr>
+          <p:txBody>
+            <a:bodyPr wrap="none" rtlCol="0">
+              <a:spAutoFit/>
+            </a:bodyPr>
+            <a:lstStyle/>
+            <a:p>
+              <a:r>
+                <a:rPr lang="ko-KR" altLang="en-US" sz="1400" dirty="0"/>
+                <a:t>의뢰 내용</a:t>
+              </a:r>
+              <a:r>
+                <a:rPr lang="en-US" altLang="ko-KR" sz="1400" dirty="0"/>
+                <a:t>text</a:t>
+              </a:r>
+            </a:p>
+            <a:p>
+              <a:r>
+                <a:rPr lang="ko-KR" altLang="en-US" sz="1400" dirty="0"/>
+                <a:t>글씨크기 </a:t>
+              </a:r>
+              <a:r>
+                <a:rPr lang="en-US" altLang="ko-KR" sz="1400" dirty="0"/>
+                <a:t>: 14pt, </a:t>
+              </a:r>
+              <a:r>
+                <a:rPr lang="ko-KR" altLang="en-US" sz="1400" dirty="0"/>
+                <a:t>최대 </a:t>
+              </a:r>
+              <a:r>
+                <a:rPr lang="en-US" altLang="ko-KR" sz="1400" dirty="0"/>
+                <a:t>20</a:t>
+              </a:r>
+              <a:r>
+                <a:rPr lang="ko-KR" altLang="en-US" sz="1400" dirty="0"/>
+                <a:t>자</a:t>
+              </a:r>
+            </a:p>
+          </p:txBody>
+        </p:sp>
+        <p:sp>
+          <p:nvSpPr>
+            <p:cNvPr id="22" name="TextBox 21">
+              <a:extLst>
+                <a:ext uri="{FF2B5EF4-FFF2-40B4-BE49-F238E27FC236}">
+                  <a16:creationId xmlns:a16="http://schemas.microsoft.com/office/drawing/2014/main" id="{7EB0D257-5728-4222-689A-EDF284DFCCC9}"/>
+                </a:ext>
+              </a:extLst>
+            </p:cNvPr>
+            <p:cNvSpPr txBox="1"/>
+            <p:nvPr/>
+          </p:nvSpPr>
+          <p:spPr>
+            <a:xfrm>
+              <a:off x="1940131" y="3293718"/>
+              <a:ext cx="1620957" cy="523220"/>
+            </a:xfrm>
+            <a:prstGeom prst="rect">
+              <a:avLst/>
+            </a:prstGeom>
+            <a:noFill/>
+          </p:spPr>
+          <p:txBody>
+            <a:bodyPr wrap="none" rtlCol="0">
+              <a:spAutoFit/>
+            </a:bodyPr>
+            <a:lstStyle/>
+            <a:p>
+              <a:pPr algn="ctr"/>
+              <a:r>
+                <a:rPr lang="ko-KR" altLang="en-US" sz="1400" dirty="0"/>
+                <a:t>요구 </a:t>
+              </a:r>
+              <a:r>
+                <a:rPr lang="ko-KR" altLang="en-US" sz="1400" dirty="0" err="1"/>
+                <a:t>포션</a:t>
+              </a:r>
+              <a:r>
+                <a:rPr lang="ko-KR" altLang="en-US" sz="1400" dirty="0"/>
+                <a:t> 품질</a:t>
+              </a:r>
+              <a:endParaRPr lang="en-US" altLang="ko-KR" sz="1400" dirty="0"/>
+            </a:p>
+            <a:p>
+              <a:pPr algn="ctr"/>
+              <a:r>
+                <a:rPr lang="en-US" altLang="ko-KR" sz="1400" dirty="0"/>
+                <a:t>(</a:t>
+              </a:r>
+              <a:r>
+                <a:rPr lang="ko-KR" altLang="en-US" sz="1400" dirty="0"/>
+                <a:t>최소값 </a:t>
+              </a:r>
+              <a:r>
+                <a:rPr lang="en-US" altLang="ko-KR" sz="1400" dirty="0"/>
+                <a:t>~ </a:t>
+              </a:r>
+              <a:r>
+                <a:rPr lang="ko-KR" altLang="en-US" sz="1400" dirty="0"/>
+                <a:t>최대값</a:t>
+              </a:r>
+              <a:r>
+                <a:rPr lang="en-US" altLang="ko-KR" sz="1400" dirty="0"/>
+                <a:t>)</a:t>
+              </a:r>
+            </a:p>
+          </p:txBody>
+        </p:sp>
+      </p:grpSp>
+      <p:grpSp>
+        <p:nvGrpSpPr>
+          <p:cNvPr id="55" name="그룹 54">
+            <a:extLst>
+              <a:ext uri="{FF2B5EF4-FFF2-40B4-BE49-F238E27FC236}">
+                <a16:creationId xmlns:a16="http://schemas.microsoft.com/office/drawing/2014/main" id="{5DDBE94F-352B-2556-38A0-2F902AF5368F}"/>
+              </a:ext>
+            </a:extLst>
+          </p:cNvPr>
+          <p:cNvGrpSpPr/>
+          <p:nvPr/>
+        </p:nvGrpSpPr>
+        <p:grpSpPr>
+          <a:xfrm rot="820846">
+            <a:off x="3790533" y="1429319"/>
+            <a:ext cx="2358821" cy="2545612"/>
+            <a:chOff x="1202267" y="1552255"/>
+            <a:chExt cx="2358821" cy="2545612"/>
+          </a:xfrm>
+        </p:grpSpPr>
+        <p:sp>
+          <p:nvSpPr>
+            <p:cNvPr id="56" name="직사각형 55">
+              <a:extLst>
+                <a:ext uri="{FF2B5EF4-FFF2-40B4-BE49-F238E27FC236}">
+                  <a16:creationId xmlns:a16="http://schemas.microsoft.com/office/drawing/2014/main" id="{6EB60AF0-BC29-F9B2-1878-375552C8E393}"/>
+                </a:ext>
+              </a:extLst>
+            </p:cNvPr>
+            <p:cNvSpPr/>
+            <p:nvPr/>
+          </p:nvSpPr>
+          <p:spPr>
+            <a:xfrm>
+              <a:off x="1202267" y="1879600"/>
+              <a:ext cx="2311400" cy="2218267"/>
+            </a:xfrm>
+            <a:prstGeom prst="rect">
+              <a:avLst/>
+            </a:prstGeom>
+            <a:solidFill>
+              <a:schemeClr val="tx2">
+                <a:lumMod val="25000"/>
+                <a:lumOff val="75000"/>
+              </a:schemeClr>
+            </a:solidFill>
+            <a:ln>
+              <a:solidFill>
+                <a:srgbClr val="FF0000"/>
+              </a:solidFill>
+            </a:ln>
+          </p:spPr>
+          <p:style>
+            <a:lnRef idx="2">
+              <a:schemeClr val="accent1">
+                <a:shade val="15000"/>
+              </a:schemeClr>
+            </a:lnRef>
+            <a:fillRef idx="1">
+              <a:schemeClr val="accent1"/>
+            </a:fillRef>
+            <a:effectRef idx="0">
+              <a:schemeClr val="accent1"/>
+            </a:effectRef>
+            <a:fontRef idx="minor">
+              <a:schemeClr val="lt1"/>
+            </a:fontRef>
+          </p:style>
+          <p:txBody>
+            <a:bodyPr rtlCol="0" anchor="ctr"/>
+            <a:lstStyle/>
+            <a:p>
+              <a:pPr algn="ctr"/>
+              <a:endParaRPr lang="ko-KR" altLang="en-US" dirty="0"/>
+            </a:p>
+          </p:txBody>
+        </p:sp>
+        <p:pic>
+          <p:nvPicPr>
+            <p:cNvPr id="57" name="그림 56" descr="그래픽, 상징, 클립아트, 만화 영화이(가) 표시된 사진&#10;&#10;자동 생성된 설명">
+              <a:extLst>
+                <a:ext uri="{FF2B5EF4-FFF2-40B4-BE49-F238E27FC236}">
+                  <a16:creationId xmlns:a16="http://schemas.microsoft.com/office/drawing/2014/main" id="{E6400624-3871-8220-1A6D-1BC6A4302BD4}"/>
+                </a:ext>
+              </a:extLst>
+            </p:cNvPr>
+            <p:cNvPicPr>
+              <a:picLocks noChangeAspect="1"/>
+            </p:cNvPicPr>
+            <p:nvPr/>
+          </p:nvPicPr>
+          <p:blipFill>
+            <a:blip r:embed="rId2">
+              <a:extLst>
+                <a:ext uri="{28A0092B-C50C-407E-A947-70E740481C1C}">
+                  <a14:useLocalDpi xmlns:a14="http://schemas.microsoft.com/office/drawing/2010/main" val="0"/>
+                </a:ext>
+              </a:extLst>
+            </a:blip>
+            <a:stretch>
+              <a:fillRect/>
+            </a:stretch>
+          </p:blipFill>
+          <p:spPr>
+            <a:xfrm>
+              <a:off x="2357967" y="1552255"/>
+              <a:ext cx="577183" cy="577183"/>
+            </a:xfrm>
+            <a:prstGeom prst="rect">
+              <a:avLst/>
+            </a:prstGeom>
+          </p:spPr>
+        </p:pic>
+        <p:sp>
+          <p:nvSpPr>
+            <p:cNvPr id="58" name="직사각형 57">
+              <a:extLst>
+                <a:ext uri="{FF2B5EF4-FFF2-40B4-BE49-F238E27FC236}">
+                  <a16:creationId xmlns:a16="http://schemas.microsoft.com/office/drawing/2014/main" id="{F57DFBD9-B773-072E-D2B3-B4A3F4703498}"/>
+                </a:ext>
+              </a:extLst>
+            </p:cNvPr>
+            <p:cNvSpPr/>
+            <p:nvPr/>
+          </p:nvSpPr>
+          <p:spPr>
+            <a:xfrm>
+              <a:off x="1297518" y="3210312"/>
+              <a:ext cx="690033" cy="690033"/>
+            </a:xfrm>
+            <a:prstGeom prst="rect">
+              <a:avLst/>
+            </a:prstGeom>
+            <a:solidFill>
+              <a:srgbClr val="FFFF00"/>
+            </a:solidFill>
+          </p:spPr>
+          <p:style>
+            <a:lnRef idx="2">
+              <a:schemeClr val="accent1">
+                <a:shade val="15000"/>
+              </a:schemeClr>
+            </a:lnRef>
+            <a:fillRef idx="1">
+              <a:schemeClr val="accent1"/>
+            </a:fillRef>
+            <a:effectRef idx="0">
+              <a:schemeClr val="accent1"/>
+            </a:effectRef>
+            <a:fontRef idx="minor">
+              <a:schemeClr val="lt1"/>
+            </a:fontRef>
+          </p:style>
+          <p:txBody>
+            <a:bodyPr rtlCol="0" anchor="ctr"/>
+            <a:lstStyle/>
+            <a:p>
+              <a:pPr algn="ctr"/>
+              <a:r>
+                <a:rPr lang="ko-KR" altLang="en-US" sz="1200" dirty="0" err="1">
+                  <a:solidFill>
+                    <a:schemeClr val="tx1"/>
+                  </a:solidFill>
+                </a:rPr>
+                <a:t>포션</a:t>
+              </a:r>
+              <a:endParaRPr lang="en-US" altLang="ko-KR" sz="1200" dirty="0">
+                <a:solidFill>
+                  <a:schemeClr val="tx1"/>
+                </a:solidFill>
+              </a:endParaRPr>
+            </a:p>
+            <a:p>
+              <a:pPr algn="ctr"/>
+              <a:r>
+                <a:rPr lang="ko-KR" altLang="en-US" sz="1200" dirty="0">
+                  <a:solidFill>
+                    <a:schemeClr val="tx1"/>
+                  </a:solidFill>
+                </a:rPr>
+                <a:t>이미지</a:t>
+              </a:r>
+            </a:p>
+          </p:txBody>
+        </p:sp>
+        <p:sp>
+          <p:nvSpPr>
+            <p:cNvPr id="59" name="TextBox 58">
+              <a:extLst>
+                <a:ext uri="{FF2B5EF4-FFF2-40B4-BE49-F238E27FC236}">
+                  <a16:creationId xmlns:a16="http://schemas.microsoft.com/office/drawing/2014/main" id="{FF557F3A-6DC7-B350-FA18-EFB00B74E81F}"/>
+                </a:ext>
+              </a:extLst>
+            </p:cNvPr>
+            <p:cNvSpPr txBox="1"/>
+            <p:nvPr/>
+          </p:nvSpPr>
+          <p:spPr>
+            <a:xfrm>
+              <a:off x="1202267" y="2212845"/>
+              <a:ext cx="2339102" cy="523220"/>
+            </a:xfrm>
+            <a:prstGeom prst="rect">
+              <a:avLst/>
+            </a:prstGeom>
+            <a:noFill/>
+          </p:spPr>
+          <p:txBody>
+            <a:bodyPr wrap="none" rtlCol="0">
+              <a:spAutoFit/>
+            </a:bodyPr>
+            <a:lstStyle/>
+            <a:p>
+              <a:r>
+                <a:rPr lang="ko-KR" altLang="en-US" sz="1400" dirty="0"/>
+                <a:t>의뢰 내용</a:t>
+              </a:r>
+              <a:r>
+                <a:rPr lang="en-US" altLang="ko-KR" sz="1400" dirty="0"/>
+                <a:t>text</a:t>
+              </a:r>
+            </a:p>
+            <a:p>
+              <a:r>
+                <a:rPr lang="ko-KR" altLang="en-US" sz="1400" dirty="0"/>
+                <a:t>글씨크기 </a:t>
+              </a:r>
+              <a:r>
+                <a:rPr lang="en-US" altLang="ko-KR" sz="1400" dirty="0"/>
+                <a:t>: 14pt, </a:t>
+              </a:r>
+              <a:r>
+                <a:rPr lang="ko-KR" altLang="en-US" sz="1400" dirty="0"/>
+                <a:t>최대 </a:t>
+              </a:r>
+              <a:r>
+                <a:rPr lang="en-US" altLang="ko-KR" sz="1400" dirty="0"/>
+                <a:t>20</a:t>
+              </a:r>
+              <a:r>
+                <a:rPr lang="ko-KR" altLang="en-US" sz="1400" dirty="0"/>
+                <a:t>자</a:t>
+              </a:r>
+            </a:p>
+          </p:txBody>
+        </p:sp>
+        <p:sp>
+          <p:nvSpPr>
+            <p:cNvPr id="60" name="TextBox 59">
+              <a:extLst>
+                <a:ext uri="{FF2B5EF4-FFF2-40B4-BE49-F238E27FC236}">
+                  <a16:creationId xmlns:a16="http://schemas.microsoft.com/office/drawing/2014/main" id="{2596CF37-5D91-2A0C-08F0-289B455C2426}"/>
+                </a:ext>
+              </a:extLst>
+            </p:cNvPr>
+            <p:cNvSpPr txBox="1"/>
+            <p:nvPr/>
+          </p:nvSpPr>
+          <p:spPr>
+            <a:xfrm>
+              <a:off x="1940131" y="3293718"/>
+              <a:ext cx="1620957" cy="523220"/>
+            </a:xfrm>
+            <a:prstGeom prst="rect">
+              <a:avLst/>
+            </a:prstGeom>
+            <a:noFill/>
+          </p:spPr>
+          <p:txBody>
+            <a:bodyPr wrap="none" rtlCol="0">
+              <a:spAutoFit/>
+            </a:bodyPr>
+            <a:lstStyle/>
+            <a:p>
+              <a:pPr algn="ctr"/>
+              <a:r>
+                <a:rPr lang="ko-KR" altLang="en-US" sz="1400" dirty="0"/>
+                <a:t>요구 </a:t>
+              </a:r>
+              <a:r>
+                <a:rPr lang="ko-KR" altLang="en-US" sz="1400" dirty="0" err="1"/>
+                <a:t>포션</a:t>
+              </a:r>
+              <a:r>
+                <a:rPr lang="ko-KR" altLang="en-US" sz="1400" dirty="0"/>
+                <a:t> 품질</a:t>
+              </a:r>
+              <a:endParaRPr lang="en-US" altLang="ko-KR" sz="1400" dirty="0"/>
+            </a:p>
+            <a:p>
+              <a:pPr algn="ctr"/>
+              <a:r>
+                <a:rPr lang="en-US" altLang="ko-KR" sz="1400" dirty="0"/>
+                <a:t>(</a:t>
+              </a:r>
+              <a:r>
+                <a:rPr lang="ko-KR" altLang="en-US" sz="1400" dirty="0"/>
+                <a:t>최소값 </a:t>
+              </a:r>
+              <a:r>
+                <a:rPr lang="en-US" altLang="ko-KR" sz="1400" dirty="0"/>
+                <a:t>~ </a:t>
+              </a:r>
+              <a:r>
+                <a:rPr lang="ko-KR" altLang="en-US" sz="1400" dirty="0"/>
+                <a:t>최대값</a:t>
+              </a:r>
+              <a:r>
+                <a:rPr lang="en-US" altLang="ko-KR" sz="1400" dirty="0"/>
+                <a:t>)</a:t>
+              </a:r>
+            </a:p>
+          </p:txBody>
+        </p:sp>
+      </p:grpSp>
+      <p:grpSp>
+        <p:nvGrpSpPr>
+          <p:cNvPr id="61" name="그룹 60">
+            <a:extLst>
+              <a:ext uri="{FF2B5EF4-FFF2-40B4-BE49-F238E27FC236}">
+                <a16:creationId xmlns:a16="http://schemas.microsoft.com/office/drawing/2014/main" id="{C9DBBF95-5C67-79A0-6851-B359FA6AA7C5}"/>
+              </a:ext>
+            </a:extLst>
+          </p:cNvPr>
+          <p:cNvGrpSpPr/>
+          <p:nvPr/>
+        </p:nvGrpSpPr>
+        <p:grpSpPr>
+          <a:xfrm rot="20700000">
+            <a:off x="985218" y="3131839"/>
+            <a:ext cx="2358821" cy="2545612"/>
+            <a:chOff x="1202267" y="1552255"/>
+            <a:chExt cx="2358821" cy="2545612"/>
+          </a:xfrm>
+        </p:grpSpPr>
+        <p:sp>
+          <p:nvSpPr>
+            <p:cNvPr id="62" name="직사각형 61">
+              <a:extLst>
+                <a:ext uri="{FF2B5EF4-FFF2-40B4-BE49-F238E27FC236}">
+                  <a16:creationId xmlns:a16="http://schemas.microsoft.com/office/drawing/2014/main" id="{E89139F1-EE41-7AE2-DE82-697BBB30706E}"/>
+                </a:ext>
+              </a:extLst>
+            </p:cNvPr>
+            <p:cNvSpPr/>
+            <p:nvPr/>
+          </p:nvSpPr>
+          <p:spPr>
+            <a:xfrm>
+              <a:off x="1202267" y="1879600"/>
+              <a:ext cx="2311400" cy="2218267"/>
+            </a:xfrm>
+            <a:prstGeom prst="rect">
+              <a:avLst/>
+            </a:prstGeom>
+            <a:solidFill>
+              <a:schemeClr val="tx2">
+                <a:lumMod val="25000"/>
+                <a:lumOff val="75000"/>
+              </a:schemeClr>
+            </a:solidFill>
+            <a:ln>
+              <a:solidFill>
+                <a:srgbClr val="FFFF00"/>
+              </a:solidFill>
+            </a:ln>
+          </p:spPr>
+          <p:style>
+            <a:lnRef idx="2">
+              <a:schemeClr val="accent1">
+                <a:shade val="15000"/>
+              </a:schemeClr>
+            </a:lnRef>
+            <a:fillRef idx="1">
+              <a:schemeClr val="accent1"/>
+            </a:fillRef>
+            <a:effectRef idx="0">
+              <a:schemeClr val="accent1"/>
+            </a:effectRef>
+            <a:fontRef idx="minor">
+              <a:schemeClr val="lt1"/>
+            </a:fontRef>
+          </p:style>
+          <p:txBody>
+            <a:bodyPr rtlCol="0" anchor="ctr"/>
+            <a:lstStyle/>
+            <a:p>
+              <a:pPr algn="ctr"/>
+              <a:endParaRPr lang="ko-KR" altLang="en-US"/>
+            </a:p>
+          </p:txBody>
+        </p:sp>
+        <p:pic>
+          <p:nvPicPr>
+            <p:cNvPr id="63" name="그림 62" descr="그래픽, 상징, 클립아트, 만화 영화이(가) 표시된 사진&#10;&#10;자동 생성된 설명">
+              <a:extLst>
+                <a:ext uri="{FF2B5EF4-FFF2-40B4-BE49-F238E27FC236}">
+                  <a16:creationId xmlns:a16="http://schemas.microsoft.com/office/drawing/2014/main" id="{48AB1C0C-CCAD-4E3F-3ECB-41732B301861}"/>
+                </a:ext>
+              </a:extLst>
+            </p:cNvPr>
+            <p:cNvPicPr>
+              <a:picLocks noChangeAspect="1"/>
+            </p:cNvPicPr>
+            <p:nvPr/>
+          </p:nvPicPr>
+          <p:blipFill>
+            <a:blip r:embed="rId2">
+              <a:alphaModFix/>
+              <a:extLst>
+                <a:ext uri="{28A0092B-C50C-407E-A947-70E740481C1C}">
+                  <a14:useLocalDpi xmlns:a14="http://schemas.microsoft.com/office/drawing/2010/main" val="0"/>
+                </a:ext>
+              </a:extLst>
+            </a:blip>
+            <a:stretch>
+              <a:fillRect/>
+            </a:stretch>
+          </p:blipFill>
+          <p:spPr>
+            <a:xfrm>
+              <a:off x="2357967" y="1552255"/>
+              <a:ext cx="577183" cy="577183"/>
+            </a:xfrm>
+            <a:prstGeom prst="rect">
+              <a:avLst/>
+            </a:prstGeom>
+          </p:spPr>
+        </p:pic>
+        <p:sp>
+          <p:nvSpPr>
+            <p:cNvPr id="64" name="직사각형 63">
+              <a:extLst>
+                <a:ext uri="{FF2B5EF4-FFF2-40B4-BE49-F238E27FC236}">
+                  <a16:creationId xmlns:a16="http://schemas.microsoft.com/office/drawing/2014/main" id="{A55C5DAE-975B-5E1E-8847-39B9FED6DB31}"/>
+                </a:ext>
+              </a:extLst>
+            </p:cNvPr>
+            <p:cNvSpPr/>
+            <p:nvPr/>
+          </p:nvSpPr>
+          <p:spPr>
+            <a:xfrm>
+              <a:off x="1297518" y="3210312"/>
+              <a:ext cx="690033" cy="690033"/>
+            </a:xfrm>
+            <a:prstGeom prst="rect">
+              <a:avLst/>
+            </a:prstGeom>
+            <a:solidFill>
+              <a:srgbClr val="FFFF00"/>
+            </a:solidFill>
+          </p:spPr>
+          <p:style>
+            <a:lnRef idx="2">
+              <a:schemeClr val="accent1">
+                <a:shade val="15000"/>
+              </a:schemeClr>
+            </a:lnRef>
+            <a:fillRef idx="1">
+              <a:schemeClr val="accent1"/>
+            </a:fillRef>
+            <a:effectRef idx="0">
+              <a:schemeClr val="accent1"/>
+            </a:effectRef>
+            <a:fontRef idx="minor">
+              <a:schemeClr val="lt1"/>
+            </a:fontRef>
+          </p:style>
+          <p:txBody>
+            <a:bodyPr rtlCol="0" anchor="ctr"/>
+            <a:lstStyle/>
+            <a:p>
+              <a:pPr algn="ctr"/>
+              <a:r>
+                <a:rPr lang="ko-KR" altLang="en-US" sz="1200" dirty="0" err="1">
+                  <a:solidFill>
+                    <a:schemeClr val="tx1"/>
+                  </a:solidFill>
+                </a:rPr>
+                <a:t>포션</a:t>
+              </a:r>
+              <a:endParaRPr lang="en-US" altLang="ko-KR" sz="1200" dirty="0">
+                <a:solidFill>
+                  <a:schemeClr val="tx1"/>
+                </a:solidFill>
+              </a:endParaRPr>
+            </a:p>
+            <a:p>
+              <a:pPr algn="ctr"/>
+              <a:r>
+                <a:rPr lang="ko-KR" altLang="en-US" sz="1200" dirty="0">
+                  <a:solidFill>
+                    <a:schemeClr val="tx1"/>
+                  </a:solidFill>
+                </a:rPr>
+                <a:t>이미지</a:t>
+              </a:r>
+            </a:p>
+          </p:txBody>
+        </p:sp>
+        <p:sp>
+          <p:nvSpPr>
+            <p:cNvPr id="65" name="TextBox 64">
+              <a:extLst>
+                <a:ext uri="{FF2B5EF4-FFF2-40B4-BE49-F238E27FC236}">
+                  <a16:creationId xmlns:a16="http://schemas.microsoft.com/office/drawing/2014/main" id="{0D96C6D2-E358-67F7-37F7-9FFE4A60DA22}"/>
+                </a:ext>
+              </a:extLst>
+            </p:cNvPr>
+            <p:cNvSpPr txBox="1"/>
+            <p:nvPr/>
+          </p:nvSpPr>
+          <p:spPr>
+            <a:xfrm>
+              <a:off x="1202267" y="2212845"/>
+              <a:ext cx="2339102" cy="523220"/>
+            </a:xfrm>
+            <a:prstGeom prst="rect">
+              <a:avLst/>
+            </a:prstGeom>
+            <a:noFill/>
+          </p:spPr>
+          <p:txBody>
+            <a:bodyPr wrap="none" rtlCol="0">
+              <a:spAutoFit/>
+            </a:bodyPr>
+            <a:lstStyle/>
+            <a:p>
+              <a:r>
+                <a:rPr lang="ko-KR" altLang="en-US" sz="1400" dirty="0"/>
+                <a:t>의뢰 내용</a:t>
+              </a:r>
+              <a:r>
+                <a:rPr lang="en-US" altLang="ko-KR" sz="1400" dirty="0"/>
+                <a:t>text</a:t>
+              </a:r>
+            </a:p>
+            <a:p>
+              <a:r>
+                <a:rPr lang="ko-KR" altLang="en-US" sz="1400" dirty="0"/>
+                <a:t>글씨크기 </a:t>
+              </a:r>
+              <a:r>
+                <a:rPr lang="en-US" altLang="ko-KR" sz="1400" dirty="0"/>
+                <a:t>: 14pt, </a:t>
+              </a:r>
+              <a:r>
+                <a:rPr lang="ko-KR" altLang="en-US" sz="1400" dirty="0"/>
+                <a:t>최대 </a:t>
+              </a:r>
+              <a:r>
+                <a:rPr lang="en-US" altLang="ko-KR" sz="1400" dirty="0"/>
+                <a:t>20</a:t>
+              </a:r>
+              <a:r>
+                <a:rPr lang="ko-KR" altLang="en-US" sz="1400" dirty="0"/>
+                <a:t>자</a:t>
+              </a:r>
+            </a:p>
+          </p:txBody>
+        </p:sp>
+        <p:sp>
+          <p:nvSpPr>
+            <p:cNvPr id="66" name="TextBox 65">
+              <a:extLst>
+                <a:ext uri="{FF2B5EF4-FFF2-40B4-BE49-F238E27FC236}">
+                  <a16:creationId xmlns:a16="http://schemas.microsoft.com/office/drawing/2014/main" id="{BBCA461A-2BC3-8DBC-89BC-3C383BA47A4D}"/>
+                </a:ext>
+              </a:extLst>
+            </p:cNvPr>
+            <p:cNvSpPr txBox="1"/>
+            <p:nvPr/>
+          </p:nvSpPr>
+          <p:spPr>
+            <a:xfrm>
+              <a:off x="1940131" y="3293718"/>
+              <a:ext cx="1620957" cy="523220"/>
+            </a:xfrm>
+            <a:prstGeom prst="rect">
+              <a:avLst/>
+            </a:prstGeom>
+            <a:noFill/>
+          </p:spPr>
+          <p:txBody>
+            <a:bodyPr wrap="none" rtlCol="0">
+              <a:spAutoFit/>
+            </a:bodyPr>
+            <a:lstStyle/>
+            <a:p>
+              <a:pPr algn="ctr"/>
+              <a:r>
+                <a:rPr lang="ko-KR" altLang="en-US" sz="1400" dirty="0"/>
+                <a:t>요구 </a:t>
+              </a:r>
+              <a:r>
+                <a:rPr lang="ko-KR" altLang="en-US" sz="1400" dirty="0" err="1"/>
+                <a:t>포션</a:t>
+              </a:r>
+              <a:r>
+                <a:rPr lang="ko-KR" altLang="en-US" sz="1400" dirty="0"/>
+                <a:t> 품질</a:t>
+              </a:r>
+              <a:endParaRPr lang="en-US" altLang="ko-KR" sz="1400" dirty="0"/>
+            </a:p>
+            <a:p>
+              <a:pPr algn="ctr"/>
+              <a:r>
+                <a:rPr lang="en-US" altLang="ko-KR" sz="1400" dirty="0"/>
+                <a:t>(</a:t>
+              </a:r>
+              <a:r>
+                <a:rPr lang="ko-KR" altLang="en-US" sz="1400" dirty="0"/>
+                <a:t>최소값 </a:t>
+              </a:r>
+              <a:r>
+                <a:rPr lang="en-US" altLang="ko-KR" sz="1400" dirty="0"/>
+                <a:t>~ </a:t>
+              </a:r>
+              <a:r>
+                <a:rPr lang="ko-KR" altLang="en-US" sz="1400" dirty="0"/>
+                <a:t>최대값</a:t>
+              </a:r>
+              <a:r>
+                <a:rPr lang="en-US" altLang="ko-KR" sz="1400" dirty="0"/>
+                <a:t>)</a:t>
+              </a:r>
+            </a:p>
+          </p:txBody>
+        </p:sp>
+      </p:grpSp>
+      <p:sp>
+        <p:nvSpPr>
+          <p:cNvPr id="67" name="직사각형 66">
+            <a:extLst>
+              <a:ext uri="{FF2B5EF4-FFF2-40B4-BE49-F238E27FC236}">
+                <a16:creationId xmlns:a16="http://schemas.microsoft.com/office/drawing/2014/main" id="{E1B96474-34DA-16F1-D56C-5B326D45DDDE}"/>
+              </a:ext>
+            </a:extLst>
+          </p:cNvPr>
+          <p:cNvSpPr/>
+          <p:nvPr/>
+        </p:nvSpPr>
+        <p:spPr>
+          <a:xfrm>
+            <a:off x="8900986" y="558800"/>
+            <a:ext cx="916711" cy="784791"/>
+          </a:xfrm>
+          <a:prstGeom prst="rect">
+            <a:avLst/>
+          </a:prstGeom>
+          <a:solidFill>
+            <a:schemeClr val="accent6"/>
+          </a:solidFill>
+        </p:spPr>
+        <p:style>
+          <a:lnRef idx="2">
+            <a:schemeClr val="accent1">
+              <a:shade val="15000"/>
+            </a:schemeClr>
+          </a:lnRef>
+          <a:fillRef idx="1">
+            <a:schemeClr val="accent1"/>
+          </a:fillRef>
+          <a:effectRef idx="0">
+            <a:schemeClr val="accent1"/>
+          </a:effectRef>
+          <a:fontRef idx="minor">
+            <a:schemeClr val="lt1"/>
+          </a:fontRef>
+        </p:style>
+        <p:txBody>
+          <a:bodyPr rtlCol="0" anchor="ctr"/>
+          <a:lstStyle/>
+          <a:p>
+            <a:pPr algn="ctr"/>
+            <a:r>
+              <a:rPr lang="ko-KR" altLang="en-US" sz="1400" dirty="0">
+                <a:solidFill>
+                  <a:schemeClr val="tx1"/>
+                </a:solidFill>
+              </a:rPr>
+              <a:t>현재</a:t>
+            </a:r>
+            <a:endParaRPr lang="en-US" altLang="ko-KR" sz="1400" dirty="0">
+              <a:solidFill>
+                <a:schemeClr val="tx1"/>
+              </a:solidFill>
+            </a:endParaRPr>
+          </a:p>
+          <a:p>
+            <a:pPr algn="ctr"/>
+            <a:r>
+              <a:rPr lang="ko-KR" altLang="en-US" sz="1400" dirty="0">
+                <a:solidFill>
+                  <a:schemeClr val="tx1"/>
+                </a:solidFill>
+              </a:rPr>
+              <a:t>의뢰</a:t>
+            </a:r>
+          </a:p>
+        </p:txBody>
+      </p:sp>
+      <p:grpSp>
+        <p:nvGrpSpPr>
+          <p:cNvPr id="49" name="그룹 48">
+            <a:extLst>
+              <a:ext uri="{FF2B5EF4-FFF2-40B4-BE49-F238E27FC236}">
+                <a16:creationId xmlns:a16="http://schemas.microsoft.com/office/drawing/2014/main" id="{6D855BD2-DD26-A27B-63C2-156C12FB26CB}"/>
+              </a:ext>
+            </a:extLst>
+          </p:cNvPr>
+          <p:cNvGrpSpPr/>
+          <p:nvPr/>
+        </p:nvGrpSpPr>
+        <p:grpSpPr>
+          <a:xfrm>
+            <a:off x="1597307" y="1859034"/>
+            <a:ext cx="2358821" cy="2545612"/>
+            <a:chOff x="1202267" y="1552255"/>
+            <a:chExt cx="2358821" cy="2545612"/>
+          </a:xfrm>
+        </p:grpSpPr>
+        <p:sp>
+          <p:nvSpPr>
+            <p:cNvPr id="50" name="직사각형 49">
+              <a:extLst>
+                <a:ext uri="{FF2B5EF4-FFF2-40B4-BE49-F238E27FC236}">
+                  <a16:creationId xmlns:a16="http://schemas.microsoft.com/office/drawing/2014/main" id="{36E7E254-834B-2E53-06A4-7E7892F13641}"/>
+                </a:ext>
+              </a:extLst>
+            </p:cNvPr>
+            <p:cNvSpPr/>
+            <p:nvPr/>
+          </p:nvSpPr>
+          <p:spPr>
+            <a:xfrm>
+              <a:off x="1202267" y="1879600"/>
+              <a:ext cx="2311400" cy="2218267"/>
+            </a:xfrm>
+            <a:prstGeom prst="rect">
+              <a:avLst/>
+            </a:prstGeom>
+            <a:solidFill>
+              <a:schemeClr val="tx2">
+                <a:lumMod val="25000"/>
+                <a:lumOff val="75000"/>
+              </a:schemeClr>
+            </a:solidFill>
+            <a:ln>
+              <a:solidFill>
+                <a:schemeClr val="accent2">
+                  <a:lumMod val="75000"/>
+                </a:schemeClr>
+              </a:solidFill>
+            </a:ln>
+          </p:spPr>
+          <p:style>
+            <a:lnRef idx="2">
+              <a:schemeClr val="accent1">
+                <a:shade val="15000"/>
+              </a:schemeClr>
+            </a:lnRef>
+            <a:fillRef idx="1">
+              <a:schemeClr val="accent1"/>
+            </a:fillRef>
+            <a:effectRef idx="0">
+              <a:schemeClr val="accent1"/>
+            </a:effectRef>
+            <a:fontRef idx="minor">
+              <a:schemeClr val="lt1"/>
+            </a:fontRef>
+          </p:style>
+          <p:txBody>
+            <a:bodyPr rtlCol="0" anchor="ctr"/>
+            <a:lstStyle/>
+            <a:p>
+              <a:pPr algn="ctr"/>
+              <a:endParaRPr lang="ko-KR" altLang="en-US" dirty="0"/>
+            </a:p>
+          </p:txBody>
+        </p:sp>
+        <p:pic>
+          <p:nvPicPr>
+            <p:cNvPr id="51" name="그림 50" descr="그래픽, 상징, 클립아트, 만화 영화이(가) 표시된 사진&#10;&#10;자동 생성된 설명">
+              <a:extLst>
+                <a:ext uri="{FF2B5EF4-FFF2-40B4-BE49-F238E27FC236}">
+                  <a16:creationId xmlns:a16="http://schemas.microsoft.com/office/drawing/2014/main" id="{01A84404-1D05-368F-5C08-46AF559D4BA9}"/>
+                </a:ext>
+              </a:extLst>
+            </p:cNvPr>
+            <p:cNvPicPr>
+              <a:picLocks noChangeAspect="1"/>
+            </p:cNvPicPr>
+            <p:nvPr/>
+          </p:nvPicPr>
+          <p:blipFill>
+            <a:blip r:embed="rId2">
+              <a:alphaModFix/>
+              <a:extLst>
+                <a:ext uri="{28A0092B-C50C-407E-A947-70E740481C1C}">
+                  <a14:useLocalDpi xmlns:a14="http://schemas.microsoft.com/office/drawing/2010/main" val="0"/>
+                </a:ext>
+              </a:extLst>
+            </a:blip>
+            <a:stretch>
+              <a:fillRect/>
+            </a:stretch>
+          </p:blipFill>
+          <p:spPr>
+            <a:xfrm>
+              <a:off x="2357967" y="1552255"/>
+              <a:ext cx="577183" cy="577183"/>
+            </a:xfrm>
+            <a:prstGeom prst="rect">
+              <a:avLst/>
+            </a:prstGeom>
+          </p:spPr>
+        </p:pic>
+        <p:sp>
+          <p:nvSpPr>
+            <p:cNvPr id="52" name="직사각형 51">
+              <a:extLst>
+                <a:ext uri="{FF2B5EF4-FFF2-40B4-BE49-F238E27FC236}">
+                  <a16:creationId xmlns:a16="http://schemas.microsoft.com/office/drawing/2014/main" id="{D51F5640-8FA7-2F9D-275D-7A5180474913}"/>
+                </a:ext>
+              </a:extLst>
+            </p:cNvPr>
+            <p:cNvSpPr/>
+            <p:nvPr/>
+          </p:nvSpPr>
+          <p:spPr>
+            <a:xfrm>
+              <a:off x="1297518" y="3210312"/>
+              <a:ext cx="690033" cy="690033"/>
+            </a:xfrm>
+            <a:prstGeom prst="rect">
+              <a:avLst/>
+            </a:prstGeom>
+            <a:solidFill>
+              <a:srgbClr val="FFFF00"/>
+            </a:solidFill>
+          </p:spPr>
+          <p:style>
+            <a:lnRef idx="2">
+              <a:schemeClr val="accent1">
+                <a:shade val="15000"/>
+              </a:schemeClr>
+            </a:lnRef>
+            <a:fillRef idx="1">
+              <a:schemeClr val="accent1"/>
+            </a:fillRef>
+            <a:effectRef idx="0">
+              <a:schemeClr val="accent1"/>
+            </a:effectRef>
+            <a:fontRef idx="minor">
+              <a:schemeClr val="lt1"/>
+            </a:fontRef>
+          </p:style>
+          <p:txBody>
+            <a:bodyPr rtlCol="0" anchor="ctr"/>
+            <a:lstStyle/>
+            <a:p>
+              <a:pPr algn="ctr"/>
+              <a:r>
+                <a:rPr lang="ko-KR" altLang="en-US" sz="1200" dirty="0" err="1">
+                  <a:solidFill>
+                    <a:schemeClr val="tx1"/>
+                  </a:solidFill>
+                </a:rPr>
+                <a:t>포션</a:t>
+              </a:r>
+              <a:endParaRPr lang="en-US" altLang="ko-KR" sz="1200" dirty="0">
+                <a:solidFill>
+                  <a:schemeClr val="tx1"/>
+                </a:solidFill>
+              </a:endParaRPr>
+            </a:p>
+            <a:p>
+              <a:pPr algn="ctr"/>
+              <a:r>
+                <a:rPr lang="ko-KR" altLang="en-US" sz="1200" dirty="0">
+                  <a:solidFill>
+                    <a:schemeClr val="tx1"/>
+                  </a:solidFill>
+                </a:rPr>
+                <a:t>이미지</a:t>
+              </a:r>
+            </a:p>
+          </p:txBody>
+        </p:sp>
+        <p:sp>
+          <p:nvSpPr>
+            <p:cNvPr id="53" name="TextBox 52">
+              <a:extLst>
+                <a:ext uri="{FF2B5EF4-FFF2-40B4-BE49-F238E27FC236}">
+                  <a16:creationId xmlns:a16="http://schemas.microsoft.com/office/drawing/2014/main" id="{8609193F-1B12-2E74-438F-6D2BC65948E2}"/>
+                </a:ext>
+              </a:extLst>
+            </p:cNvPr>
+            <p:cNvSpPr txBox="1"/>
+            <p:nvPr/>
+          </p:nvSpPr>
+          <p:spPr>
+            <a:xfrm>
+              <a:off x="1202267" y="2212845"/>
+              <a:ext cx="2339102" cy="523220"/>
+            </a:xfrm>
+            <a:prstGeom prst="rect">
+              <a:avLst/>
+            </a:prstGeom>
+            <a:noFill/>
+          </p:spPr>
+          <p:txBody>
+            <a:bodyPr wrap="none" rtlCol="0">
+              <a:spAutoFit/>
+            </a:bodyPr>
+            <a:lstStyle/>
+            <a:p>
+              <a:r>
+                <a:rPr lang="ko-KR" altLang="en-US" sz="1400" dirty="0"/>
+                <a:t>의뢰 내용</a:t>
+              </a:r>
+              <a:r>
+                <a:rPr lang="en-US" altLang="ko-KR" sz="1400" dirty="0"/>
+                <a:t>text</a:t>
+              </a:r>
+            </a:p>
+            <a:p>
+              <a:r>
+                <a:rPr lang="ko-KR" altLang="en-US" sz="1400" dirty="0"/>
+                <a:t>글씨크기 </a:t>
+              </a:r>
+              <a:r>
+                <a:rPr lang="en-US" altLang="ko-KR" sz="1400" dirty="0"/>
+                <a:t>: 14pt, </a:t>
+              </a:r>
+              <a:r>
+                <a:rPr lang="ko-KR" altLang="en-US" sz="1400" dirty="0"/>
+                <a:t>최대 </a:t>
+              </a:r>
+              <a:r>
+                <a:rPr lang="en-US" altLang="ko-KR" sz="1400" dirty="0"/>
+                <a:t>20</a:t>
+              </a:r>
+              <a:r>
+                <a:rPr lang="ko-KR" altLang="en-US" sz="1400" dirty="0"/>
+                <a:t>자</a:t>
+              </a:r>
+            </a:p>
+          </p:txBody>
+        </p:sp>
+        <p:sp>
+          <p:nvSpPr>
+            <p:cNvPr id="54" name="TextBox 53">
+              <a:extLst>
+                <a:ext uri="{FF2B5EF4-FFF2-40B4-BE49-F238E27FC236}">
+                  <a16:creationId xmlns:a16="http://schemas.microsoft.com/office/drawing/2014/main" id="{0B034816-F51D-87BB-211B-F95D8C583E2E}"/>
+                </a:ext>
+              </a:extLst>
+            </p:cNvPr>
+            <p:cNvSpPr txBox="1"/>
+            <p:nvPr/>
+          </p:nvSpPr>
+          <p:spPr>
+            <a:xfrm>
+              <a:off x="1940131" y="3293718"/>
+              <a:ext cx="1620957" cy="523220"/>
+            </a:xfrm>
+            <a:prstGeom prst="rect">
+              <a:avLst/>
+            </a:prstGeom>
+            <a:noFill/>
+          </p:spPr>
+          <p:txBody>
+            <a:bodyPr wrap="none" rtlCol="0">
+              <a:spAutoFit/>
+            </a:bodyPr>
+            <a:lstStyle/>
+            <a:p>
+              <a:pPr algn="ctr"/>
+              <a:r>
+                <a:rPr lang="ko-KR" altLang="en-US" sz="1400" dirty="0"/>
+                <a:t>요구 </a:t>
+              </a:r>
+              <a:r>
+                <a:rPr lang="ko-KR" altLang="en-US" sz="1400" dirty="0" err="1"/>
+                <a:t>포션</a:t>
+              </a:r>
+              <a:r>
+                <a:rPr lang="ko-KR" altLang="en-US" sz="1400" dirty="0"/>
+                <a:t> 품질</a:t>
+              </a:r>
+              <a:endParaRPr lang="en-US" altLang="ko-KR" sz="1400" dirty="0"/>
+            </a:p>
+            <a:p>
+              <a:pPr algn="ctr"/>
+              <a:r>
+                <a:rPr lang="en-US" altLang="ko-KR" sz="1400" dirty="0"/>
+                <a:t>(</a:t>
+              </a:r>
+              <a:r>
+                <a:rPr lang="ko-KR" altLang="en-US" sz="1400" dirty="0"/>
+                <a:t>최소값 </a:t>
+              </a:r>
+              <a:r>
+                <a:rPr lang="en-US" altLang="ko-KR" sz="1400" dirty="0"/>
+                <a:t>~ </a:t>
+              </a:r>
+              <a:r>
+                <a:rPr lang="ko-KR" altLang="en-US" sz="1400" dirty="0"/>
+                <a:t>최대값</a:t>
+              </a:r>
+              <a:r>
+                <a:rPr lang="en-US" altLang="ko-KR" sz="1400" dirty="0"/>
+                <a:t>)</a:t>
+              </a:r>
+            </a:p>
+          </p:txBody>
+        </p:sp>
+      </p:grpSp>
+      <p:grpSp>
+        <p:nvGrpSpPr>
+          <p:cNvPr id="9" name="그룹 8">
+            <a:extLst>
+              <a:ext uri="{FF2B5EF4-FFF2-40B4-BE49-F238E27FC236}">
+                <a16:creationId xmlns:a16="http://schemas.microsoft.com/office/drawing/2014/main" id="{C9DEAF76-4637-A90B-91F1-1056D3358592}"/>
+              </a:ext>
+            </a:extLst>
+          </p:cNvPr>
+          <p:cNvGrpSpPr/>
+          <p:nvPr/>
+        </p:nvGrpSpPr>
+        <p:grpSpPr>
+          <a:xfrm>
+            <a:off x="8693764" y="3318129"/>
+            <a:ext cx="2358821" cy="2545612"/>
+            <a:chOff x="1202267" y="1552255"/>
+            <a:chExt cx="2358821" cy="2545612"/>
+          </a:xfrm>
+        </p:grpSpPr>
+        <p:sp>
+          <p:nvSpPr>
+            <p:cNvPr id="10" name="직사각형 9">
+              <a:extLst>
+                <a:ext uri="{FF2B5EF4-FFF2-40B4-BE49-F238E27FC236}">
+                  <a16:creationId xmlns:a16="http://schemas.microsoft.com/office/drawing/2014/main" id="{6A0286BE-4551-D5C3-FEF0-F7CFC08F50AF}"/>
+                </a:ext>
+              </a:extLst>
+            </p:cNvPr>
+            <p:cNvSpPr/>
+            <p:nvPr/>
+          </p:nvSpPr>
+          <p:spPr>
+            <a:xfrm>
+              <a:off x="1202267" y="1879600"/>
+              <a:ext cx="2311400" cy="2218267"/>
+            </a:xfrm>
+            <a:prstGeom prst="rect">
+              <a:avLst/>
+            </a:prstGeom>
+            <a:solidFill>
+              <a:schemeClr val="tx2">
+                <a:lumMod val="25000"/>
+                <a:lumOff val="75000"/>
+              </a:schemeClr>
+            </a:solidFill>
+            <a:ln>
+              <a:solidFill>
+                <a:schemeClr val="tx1"/>
+              </a:solidFill>
+            </a:ln>
+          </p:spPr>
+          <p:style>
+            <a:lnRef idx="2">
+              <a:schemeClr val="accent1">
+                <a:shade val="15000"/>
+              </a:schemeClr>
+            </a:lnRef>
+            <a:fillRef idx="1">
+              <a:schemeClr val="accent1"/>
+            </a:fillRef>
+            <a:effectRef idx="0">
+              <a:schemeClr val="accent1"/>
+            </a:effectRef>
+            <a:fontRef idx="minor">
+              <a:schemeClr val="lt1"/>
+            </a:fontRef>
+          </p:style>
+          <p:txBody>
+            <a:bodyPr rtlCol="0" anchor="ctr"/>
+            <a:lstStyle/>
+            <a:p>
+              <a:pPr algn="ctr"/>
+              <a:endParaRPr lang="ko-KR" altLang="en-US"/>
+            </a:p>
+          </p:txBody>
+        </p:sp>
+        <p:pic>
+          <p:nvPicPr>
+            <p:cNvPr id="11" name="그림 10" descr="그래픽, 상징, 클립아트, 만화 영화이(가) 표시된 사진&#10;&#10;자동 생성된 설명">
+              <a:extLst>
+                <a:ext uri="{FF2B5EF4-FFF2-40B4-BE49-F238E27FC236}">
+                  <a16:creationId xmlns:a16="http://schemas.microsoft.com/office/drawing/2014/main" id="{D59733B6-3C18-4B29-D2E6-CDA88964A676}"/>
+                </a:ext>
+              </a:extLst>
+            </p:cNvPr>
+            <p:cNvPicPr>
+              <a:picLocks noChangeAspect="1"/>
+            </p:cNvPicPr>
+            <p:nvPr/>
+          </p:nvPicPr>
+          <p:blipFill>
+            <a:blip r:embed="rId2">
+              <a:extLst>
+                <a:ext uri="{28A0092B-C50C-407E-A947-70E740481C1C}">
+                  <a14:useLocalDpi xmlns:a14="http://schemas.microsoft.com/office/drawing/2010/main" val="0"/>
+                </a:ext>
+              </a:extLst>
+            </a:blip>
+            <a:stretch>
+              <a:fillRect/>
+            </a:stretch>
+          </p:blipFill>
+          <p:spPr>
+            <a:xfrm>
+              <a:off x="2357967" y="1552255"/>
+              <a:ext cx="577183" cy="577183"/>
+            </a:xfrm>
+            <a:prstGeom prst="rect">
+              <a:avLst/>
+            </a:prstGeom>
+          </p:spPr>
+        </p:pic>
+        <p:sp>
+          <p:nvSpPr>
+            <p:cNvPr id="12" name="직사각형 11">
+              <a:extLst>
+                <a:ext uri="{FF2B5EF4-FFF2-40B4-BE49-F238E27FC236}">
+                  <a16:creationId xmlns:a16="http://schemas.microsoft.com/office/drawing/2014/main" id="{C3AE1071-DD45-25B8-47D9-7F74F3C94E52}"/>
+                </a:ext>
+              </a:extLst>
+            </p:cNvPr>
+            <p:cNvSpPr/>
+            <p:nvPr/>
+          </p:nvSpPr>
+          <p:spPr>
+            <a:xfrm>
+              <a:off x="1297518" y="3210312"/>
+              <a:ext cx="690033" cy="690033"/>
+            </a:xfrm>
+            <a:prstGeom prst="rect">
+              <a:avLst/>
+            </a:prstGeom>
+            <a:solidFill>
+              <a:srgbClr val="FFFF00"/>
+            </a:solidFill>
+          </p:spPr>
+          <p:style>
+            <a:lnRef idx="2">
+              <a:schemeClr val="accent1">
+                <a:shade val="15000"/>
+              </a:schemeClr>
+            </a:lnRef>
+            <a:fillRef idx="1">
+              <a:schemeClr val="accent1"/>
+            </a:fillRef>
+            <a:effectRef idx="0">
+              <a:schemeClr val="accent1"/>
+            </a:effectRef>
+            <a:fontRef idx="minor">
+              <a:schemeClr val="lt1"/>
+            </a:fontRef>
+          </p:style>
+          <p:txBody>
+            <a:bodyPr rtlCol="0" anchor="ctr"/>
+            <a:lstStyle/>
+            <a:p>
+              <a:pPr algn="ctr"/>
+              <a:r>
+                <a:rPr lang="ko-KR" altLang="en-US" sz="1200" dirty="0" err="1">
+                  <a:solidFill>
+                    <a:schemeClr val="tx1"/>
+                  </a:solidFill>
+                </a:rPr>
+                <a:t>포션</a:t>
+              </a:r>
+              <a:endParaRPr lang="en-US" altLang="ko-KR" sz="1200" dirty="0">
+                <a:solidFill>
+                  <a:schemeClr val="tx1"/>
+                </a:solidFill>
+              </a:endParaRPr>
+            </a:p>
+            <a:p>
+              <a:pPr algn="ctr"/>
+              <a:r>
+                <a:rPr lang="ko-KR" altLang="en-US" sz="1200" dirty="0">
+                  <a:solidFill>
+                    <a:schemeClr val="tx1"/>
+                  </a:solidFill>
+                </a:rPr>
+                <a:t>이미지</a:t>
+              </a:r>
+            </a:p>
+          </p:txBody>
+        </p:sp>
+        <p:sp>
+          <p:nvSpPr>
+            <p:cNvPr id="15" name="TextBox 14">
+              <a:extLst>
+                <a:ext uri="{FF2B5EF4-FFF2-40B4-BE49-F238E27FC236}">
+                  <a16:creationId xmlns:a16="http://schemas.microsoft.com/office/drawing/2014/main" id="{F69AF835-E365-FC26-7166-B36689304687}"/>
+                </a:ext>
+              </a:extLst>
+            </p:cNvPr>
+            <p:cNvSpPr txBox="1"/>
+            <p:nvPr/>
+          </p:nvSpPr>
+          <p:spPr>
+            <a:xfrm>
+              <a:off x="1202267" y="2212845"/>
+              <a:ext cx="2339102" cy="523220"/>
+            </a:xfrm>
+            <a:prstGeom prst="rect">
+              <a:avLst/>
+            </a:prstGeom>
+            <a:noFill/>
+          </p:spPr>
+          <p:txBody>
+            <a:bodyPr wrap="none" rtlCol="0">
+              <a:spAutoFit/>
+            </a:bodyPr>
+            <a:lstStyle/>
+            <a:p>
+              <a:r>
+                <a:rPr lang="ko-KR" altLang="en-US" sz="1400" dirty="0"/>
+                <a:t>의뢰 내용</a:t>
+              </a:r>
+              <a:r>
+                <a:rPr lang="en-US" altLang="ko-KR" sz="1400" dirty="0"/>
+                <a:t>text</a:t>
+              </a:r>
+            </a:p>
+            <a:p>
+              <a:r>
+                <a:rPr lang="ko-KR" altLang="en-US" sz="1400" dirty="0"/>
+                <a:t>글씨크기 </a:t>
+              </a:r>
+              <a:r>
+                <a:rPr lang="en-US" altLang="ko-KR" sz="1400" dirty="0"/>
+                <a:t>: 14pt, </a:t>
+              </a:r>
+              <a:r>
+                <a:rPr lang="ko-KR" altLang="en-US" sz="1400" dirty="0"/>
+                <a:t>최대 </a:t>
+              </a:r>
+              <a:r>
+                <a:rPr lang="en-US" altLang="ko-KR" sz="1400" dirty="0"/>
+                <a:t>20</a:t>
+              </a:r>
+              <a:r>
+                <a:rPr lang="ko-KR" altLang="en-US" sz="1400" dirty="0"/>
+                <a:t>자</a:t>
+              </a:r>
+            </a:p>
+          </p:txBody>
+        </p:sp>
+        <p:sp>
+          <p:nvSpPr>
+            <p:cNvPr id="16" name="TextBox 15">
+              <a:extLst>
+                <a:ext uri="{FF2B5EF4-FFF2-40B4-BE49-F238E27FC236}">
+                  <a16:creationId xmlns:a16="http://schemas.microsoft.com/office/drawing/2014/main" id="{B675BB4A-291A-BFCC-E2BD-2F5AC643DC65}"/>
+                </a:ext>
+              </a:extLst>
+            </p:cNvPr>
+            <p:cNvSpPr txBox="1"/>
+            <p:nvPr/>
+          </p:nvSpPr>
+          <p:spPr>
+            <a:xfrm>
+              <a:off x="1940131" y="3293718"/>
+              <a:ext cx="1620957" cy="523220"/>
+            </a:xfrm>
+            <a:prstGeom prst="rect">
+              <a:avLst/>
+            </a:prstGeom>
+            <a:noFill/>
+          </p:spPr>
+          <p:txBody>
+            <a:bodyPr wrap="none" rtlCol="0">
+              <a:spAutoFit/>
+            </a:bodyPr>
+            <a:lstStyle/>
+            <a:p>
+              <a:pPr algn="ctr"/>
+              <a:r>
+                <a:rPr lang="ko-KR" altLang="en-US" sz="1400" dirty="0"/>
+                <a:t>요구 </a:t>
+              </a:r>
+              <a:r>
+                <a:rPr lang="ko-KR" altLang="en-US" sz="1400" dirty="0" err="1"/>
+                <a:t>포션</a:t>
+              </a:r>
+              <a:r>
+                <a:rPr lang="ko-KR" altLang="en-US" sz="1400" dirty="0"/>
+                <a:t> 품질</a:t>
+              </a:r>
+              <a:endParaRPr lang="en-US" altLang="ko-KR" sz="1400" dirty="0"/>
+            </a:p>
+            <a:p>
+              <a:pPr algn="ctr"/>
+              <a:r>
+                <a:rPr lang="en-US" altLang="ko-KR" sz="1400" dirty="0"/>
+                <a:t>(</a:t>
+              </a:r>
+              <a:r>
+                <a:rPr lang="ko-KR" altLang="en-US" sz="1400" dirty="0"/>
+                <a:t>최소값 </a:t>
+              </a:r>
+              <a:r>
+                <a:rPr lang="en-US" altLang="ko-KR" sz="1400" dirty="0"/>
+                <a:t>~ </a:t>
+              </a:r>
+              <a:r>
+                <a:rPr lang="ko-KR" altLang="en-US" sz="1400" dirty="0"/>
+                <a:t>최대값</a:t>
+              </a:r>
+              <a:r>
+                <a:rPr lang="en-US" altLang="ko-KR" sz="1400" dirty="0"/>
+                <a:t>)</a:t>
+              </a:r>
+            </a:p>
+          </p:txBody>
+        </p:sp>
+      </p:grpSp>
+      <p:grpSp>
+        <p:nvGrpSpPr>
+          <p:cNvPr id="18" name="그룹 17">
+            <a:extLst>
+              <a:ext uri="{FF2B5EF4-FFF2-40B4-BE49-F238E27FC236}">
+                <a16:creationId xmlns:a16="http://schemas.microsoft.com/office/drawing/2014/main" id="{AB7BF831-4734-D51C-B974-E6798E135F23}"/>
+              </a:ext>
+            </a:extLst>
+          </p:cNvPr>
+          <p:cNvGrpSpPr/>
+          <p:nvPr/>
+        </p:nvGrpSpPr>
+        <p:grpSpPr>
+          <a:xfrm>
+            <a:off x="6540423" y="1349700"/>
+            <a:ext cx="2358821" cy="2545612"/>
+            <a:chOff x="1202267" y="1552255"/>
+            <a:chExt cx="2358821" cy="2545612"/>
+          </a:xfrm>
+        </p:grpSpPr>
+        <p:sp>
+          <p:nvSpPr>
+            <p:cNvPr id="24" name="직사각형 23">
+              <a:extLst>
+                <a:ext uri="{FF2B5EF4-FFF2-40B4-BE49-F238E27FC236}">
+                  <a16:creationId xmlns:a16="http://schemas.microsoft.com/office/drawing/2014/main" id="{EFC73C60-9B91-3DF0-0DFF-79A168571F98}"/>
+                </a:ext>
+              </a:extLst>
+            </p:cNvPr>
+            <p:cNvSpPr/>
+            <p:nvPr/>
+          </p:nvSpPr>
+          <p:spPr>
+            <a:xfrm>
+              <a:off x="1202267" y="1879600"/>
+              <a:ext cx="2311400" cy="2218267"/>
+            </a:xfrm>
+            <a:prstGeom prst="rect">
+              <a:avLst/>
+            </a:prstGeom>
+            <a:solidFill>
+              <a:schemeClr val="tx2">
+                <a:lumMod val="25000"/>
+                <a:lumOff val="75000"/>
+              </a:schemeClr>
+            </a:solidFill>
+            <a:ln>
+              <a:solidFill>
+                <a:schemeClr val="tx1"/>
+              </a:solidFill>
+            </a:ln>
+          </p:spPr>
+          <p:style>
+            <a:lnRef idx="2">
+              <a:schemeClr val="accent1">
+                <a:shade val="15000"/>
+              </a:schemeClr>
+            </a:lnRef>
+            <a:fillRef idx="1">
+              <a:schemeClr val="accent1"/>
+            </a:fillRef>
+            <a:effectRef idx="0">
+              <a:schemeClr val="accent1"/>
+            </a:effectRef>
+            <a:fontRef idx="minor">
+              <a:schemeClr val="lt1"/>
+            </a:fontRef>
+          </p:style>
+          <p:txBody>
+            <a:bodyPr rtlCol="0" anchor="ctr"/>
+            <a:lstStyle/>
+            <a:p>
+              <a:pPr algn="ctr"/>
+              <a:endParaRPr lang="ko-KR" altLang="en-US"/>
+            </a:p>
+          </p:txBody>
+        </p:sp>
+        <p:pic>
+          <p:nvPicPr>
+            <p:cNvPr id="25" name="그림 24" descr="그래픽, 상징, 클립아트, 만화 영화이(가) 표시된 사진&#10;&#10;자동 생성된 설명">
+              <a:extLst>
+                <a:ext uri="{FF2B5EF4-FFF2-40B4-BE49-F238E27FC236}">
+                  <a16:creationId xmlns:a16="http://schemas.microsoft.com/office/drawing/2014/main" id="{1D255EB8-7A88-A072-1445-9A5DEB6EFC3F}"/>
+                </a:ext>
+              </a:extLst>
+            </p:cNvPr>
+            <p:cNvPicPr>
+              <a:picLocks noChangeAspect="1"/>
+            </p:cNvPicPr>
+            <p:nvPr/>
+          </p:nvPicPr>
+          <p:blipFill>
+            <a:blip r:embed="rId2">
+              <a:alphaModFix/>
+              <a:extLst>
+                <a:ext uri="{28A0092B-C50C-407E-A947-70E740481C1C}">
+                  <a14:useLocalDpi xmlns:a14="http://schemas.microsoft.com/office/drawing/2010/main" val="0"/>
+                </a:ext>
+              </a:extLst>
+            </a:blip>
+            <a:stretch>
+              <a:fillRect/>
+            </a:stretch>
+          </p:blipFill>
+          <p:spPr>
+            <a:xfrm>
+              <a:off x="2357967" y="1552255"/>
+              <a:ext cx="577183" cy="577183"/>
+            </a:xfrm>
+            <a:prstGeom prst="rect">
+              <a:avLst/>
+            </a:prstGeom>
+          </p:spPr>
+        </p:pic>
+        <p:sp>
+          <p:nvSpPr>
+            <p:cNvPr id="26" name="직사각형 25">
+              <a:extLst>
+                <a:ext uri="{FF2B5EF4-FFF2-40B4-BE49-F238E27FC236}">
+                  <a16:creationId xmlns:a16="http://schemas.microsoft.com/office/drawing/2014/main" id="{9E41A411-2677-6640-AE57-BF100D69CCBC}"/>
+                </a:ext>
+              </a:extLst>
+            </p:cNvPr>
+            <p:cNvSpPr/>
+            <p:nvPr/>
+          </p:nvSpPr>
+          <p:spPr>
+            <a:xfrm>
+              <a:off x="1297518" y="3210312"/>
+              <a:ext cx="690033" cy="690033"/>
+            </a:xfrm>
+            <a:prstGeom prst="rect">
+              <a:avLst/>
+            </a:prstGeom>
+            <a:solidFill>
+              <a:srgbClr val="FFFF00"/>
+            </a:solidFill>
+          </p:spPr>
+          <p:style>
+            <a:lnRef idx="2">
+              <a:schemeClr val="accent1">
+                <a:shade val="15000"/>
+              </a:schemeClr>
+            </a:lnRef>
+            <a:fillRef idx="1">
+              <a:schemeClr val="accent1"/>
+            </a:fillRef>
+            <a:effectRef idx="0">
+              <a:schemeClr val="accent1"/>
+            </a:effectRef>
+            <a:fontRef idx="minor">
+              <a:schemeClr val="lt1"/>
+            </a:fontRef>
+          </p:style>
+          <p:txBody>
+            <a:bodyPr rtlCol="0" anchor="ctr"/>
+            <a:lstStyle/>
+            <a:p>
+              <a:pPr algn="ctr"/>
+              <a:r>
+                <a:rPr lang="ko-KR" altLang="en-US" sz="1200" dirty="0" err="1">
+                  <a:solidFill>
+                    <a:schemeClr val="tx1"/>
+                  </a:solidFill>
+                </a:rPr>
+                <a:t>포션</a:t>
+              </a:r>
+              <a:endParaRPr lang="en-US" altLang="ko-KR" sz="1200" dirty="0">
+                <a:solidFill>
+                  <a:schemeClr val="tx1"/>
+                </a:solidFill>
+              </a:endParaRPr>
+            </a:p>
+            <a:p>
+              <a:pPr algn="ctr"/>
+              <a:r>
+                <a:rPr lang="ko-KR" altLang="en-US" sz="1200" dirty="0">
+                  <a:solidFill>
+                    <a:schemeClr val="tx1"/>
+                  </a:solidFill>
+                </a:rPr>
+                <a:t>이미지</a:t>
+              </a:r>
+            </a:p>
+          </p:txBody>
+        </p:sp>
+        <p:sp>
+          <p:nvSpPr>
+            <p:cNvPr id="27" name="TextBox 26">
+              <a:extLst>
+                <a:ext uri="{FF2B5EF4-FFF2-40B4-BE49-F238E27FC236}">
+                  <a16:creationId xmlns:a16="http://schemas.microsoft.com/office/drawing/2014/main" id="{3C5DFAAC-4655-C74A-7E18-CCF154C6B15F}"/>
+                </a:ext>
+              </a:extLst>
+            </p:cNvPr>
+            <p:cNvSpPr txBox="1"/>
+            <p:nvPr/>
+          </p:nvSpPr>
+          <p:spPr>
+            <a:xfrm>
+              <a:off x="1202267" y="2212845"/>
+              <a:ext cx="2339102" cy="523220"/>
+            </a:xfrm>
+            <a:prstGeom prst="rect">
+              <a:avLst/>
+            </a:prstGeom>
+            <a:noFill/>
+          </p:spPr>
+          <p:txBody>
+            <a:bodyPr wrap="none" rtlCol="0">
+              <a:spAutoFit/>
+            </a:bodyPr>
+            <a:lstStyle/>
+            <a:p>
+              <a:r>
+                <a:rPr lang="ko-KR" altLang="en-US" sz="1400" dirty="0"/>
+                <a:t>의뢰 내용</a:t>
+              </a:r>
+              <a:r>
+                <a:rPr lang="en-US" altLang="ko-KR" sz="1400" dirty="0"/>
+                <a:t>text</a:t>
+              </a:r>
+            </a:p>
+            <a:p>
+              <a:r>
+                <a:rPr lang="ko-KR" altLang="en-US" sz="1400" dirty="0"/>
+                <a:t>글씨크기 </a:t>
+              </a:r>
+              <a:r>
+                <a:rPr lang="en-US" altLang="ko-KR" sz="1400" dirty="0"/>
+                <a:t>: 14pt, </a:t>
+              </a:r>
+              <a:r>
+                <a:rPr lang="ko-KR" altLang="en-US" sz="1400" dirty="0"/>
+                <a:t>최대 </a:t>
+              </a:r>
+              <a:r>
+                <a:rPr lang="en-US" altLang="ko-KR" sz="1400" dirty="0"/>
+                <a:t>20</a:t>
+              </a:r>
+              <a:r>
+                <a:rPr lang="ko-KR" altLang="en-US" sz="1400" dirty="0"/>
+                <a:t>자</a:t>
+              </a:r>
+            </a:p>
+          </p:txBody>
+        </p:sp>
+        <p:sp>
+          <p:nvSpPr>
+            <p:cNvPr id="28" name="TextBox 27">
+              <a:extLst>
+                <a:ext uri="{FF2B5EF4-FFF2-40B4-BE49-F238E27FC236}">
+                  <a16:creationId xmlns:a16="http://schemas.microsoft.com/office/drawing/2014/main" id="{7F65C591-72C0-400C-ACDD-498B6EB36FD8}"/>
+                </a:ext>
+              </a:extLst>
+            </p:cNvPr>
+            <p:cNvSpPr txBox="1"/>
+            <p:nvPr/>
+          </p:nvSpPr>
+          <p:spPr>
+            <a:xfrm>
+              <a:off x="1940131" y="3293718"/>
+              <a:ext cx="1620957" cy="523220"/>
+            </a:xfrm>
+            <a:prstGeom prst="rect">
+              <a:avLst/>
+            </a:prstGeom>
+            <a:noFill/>
+          </p:spPr>
+          <p:txBody>
+            <a:bodyPr wrap="none" rtlCol="0">
+              <a:spAutoFit/>
+            </a:bodyPr>
+            <a:lstStyle/>
+            <a:p>
+              <a:pPr algn="ctr"/>
+              <a:r>
+                <a:rPr lang="ko-KR" altLang="en-US" sz="1400" dirty="0"/>
+                <a:t>요구 </a:t>
+              </a:r>
+              <a:r>
+                <a:rPr lang="ko-KR" altLang="en-US" sz="1400" dirty="0" err="1"/>
+                <a:t>포션</a:t>
+              </a:r>
+              <a:r>
+                <a:rPr lang="ko-KR" altLang="en-US" sz="1400" dirty="0"/>
+                <a:t> 품질</a:t>
+              </a:r>
+              <a:endParaRPr lang="en-US" altLang="ko-KR" sz="1400" dirty="0"/>
+            </a:p>
+            <a:p>
+              <a:pPr algn="ctr"/>
+              <a:r>
+                <a:rPr lang="en-US" altLang="ko-KR" sz="1400" dirty="0"/>
+                <a:t>(</a:t>
+              </a:r>
+              <a:r>
+                <a:rPr lang="ko-KR" altLang="en-US" sz="1400" dirty="0"/>
+                <a:t>최소값 </a:t>
+              </a:r>
+              <a:r>
+                <a:rPr lang="en-US" altLang="ko-KR" sz="1400" dirty="0"/>
+                <a:t>~ </a:t>
+              </a:r>
+              <a:r>
+                <a:rPr lang="ko-KR" altLang="en-US" sz="1400" dirty="0"/>
+                <a:t>최대값</a:t>
+              </a:r>
+              <a:r>
+                <a:rPr lang="en-US" altLang="ko-KR" sz="1400" dirty="0"/>
+                <a:t>)</a:t>
+              </a:r>
+            </a:p>
+          </p:txBody>
+        </p:sp>
+      </p:grpSp>
+      <p:grpSp>
+        <p:nvGrpSpPr>
+          <p:cNvPr id="29" name="그룹 28">
+            <a:extLst>
+              <a:ext uri="{FF2B5EF4-FFF2-40B4-BE49-F238E27FC236}">
+                <a16:creationId xmlns:a16="http://schemas.microsoft.com/office/drawing/2014/main" id="{E8F25CD9-DFB1-4C25-FFBD-C016B6FB8598}"/>
+              </a:ext>
+            </a:extLst>
+          </p:cNvPr>
+          <p:cNvGrpSpPr/>
+          <p:nvPr/>
+        </p:nvGrpSpPr>
+        <p:grpSpPr>
+          <a:xfrm>
+            <a:off x="4493780" y="1729465"/>
+            <a:ext cx="2358821" cy="2545612"/>
+            <a:chOff x="1202267" y="1552255"/>
+            <a:chExt cx="2358821" cy="2545612"/>
+          </a:xfrm>
+        </p:grpSpPr>
+        <p:sp>
+          <p:nvSpPr>
+            <p:cNvPr id="30" name="직사각형 29">
+              <a:extLst>
+                <a:ext uri="{FF2B5EF4-FFF2-40B4-BE49-F238E27FC236}">
+                  <a16:creationId xmlns:a16="http://schemas.microsoft.com/office/drawing/2014/main" id="{93F964F4-DD2F-523A-BCDE-54E696954B83}"/>
+                </a:ext>
+              </a:extLst>
+            </p:cNvPr>
+            <p:cNvSpPr/>
+            <p:nvPr/>
+          </p:nvSpPr>
+          <p:spPr>
+            <a:xfrm>
+              <a:off x="1202267" y="1879600"/>
+              <a:ext cx="2311400" cy="2218267"/>
+            </a:xfrm>
+            <a:prstGeom prst="rect">
+              <a:avLst/>
+            </a:prstGeom>
+            <a:solidFill>
+              <a:schemeClr val="tx2">
+                <a:lumMod val="25000"/>
+                <a:lumOff val="75000"/>
+              </a:schemeClr>
+            </a:solidFill>
+            <a:ln>
+              <a:solidFill>
+                <a:schemeClr val="tx1"/>
+              </a:solidFill>
+            </a:ln>
+          </p:spPr>
+          <p:style>
+            <a:lnRef idx="2">
+              <a:schemeClr val="accent1">
+                <a:shade val="15000"/>
+              </a:schemeClr>
+            </a:lnRef>
+            <a:fillRef idx="1">
+              <a:schemeClr val="accent1"/>
+            </a:fillRef>
+            <a:effectRef idx="0">
+              <a:schemeClr val="accent1"/>
+            </a:effectRef>
+            <a:fontRef idx="minor">
+              <a:schemeClr val="lt1"/>
+            </a:fontRef>
+          </p:style>
+          <p:txBody>
+            <a:bodyPr rtlCol="0" anchor="ctr"/>
+            <a:lstStyle/>
+            <a:p>
+              <a:pPr algn="ctr"/>
+              <a:endParaRPr lang="ko-KR" altLang="en-US"/>
+            </a:p>
+          </p:txBody>
+        </p:sp>
+        <p:pic>
+          <p:nvPicPr>
+            <p:cNvPr id="31" name="그림 30" descr="그래픽, 상징, 클립아트, 만화 영화이(가) 표시된 사진&#10;&#10;자동 생성된 설명">
+              <a:extLst>
+                <a:ext uri="{FF2B5EF4-FFF2-40B4-BE49-F238E27FC236}">
+                  <a16:creationId xmlns:a16="http://schemas.microsoft.com/office/drawing/2014/main" id="{D4D4AF6E-6641-E57D-53C2-E3A5A5A4C2FF}"/>
+                </a:ext>
+              </a:extLst>
+            </p:cNvPr>
+            <p:cNvPicPr>
+              <a:picLocks noChangeAspect="1"/>
+            </p:cNvPicPr>
+            <p:nvPr/>
+          </p:nvPicPr>
+          <p:blipFill>
+            <a:blip r:embed="rId2">
+              <a:extLst>
+                <a:ext uri="{28A0092B-C50C-407E-A947-70E740481C1C}">
+                  <a14:useLocalDpi xmlns:a14="http://schemas.microsoft.com/office/drawing/2010/main" val="0"/>
+                </a:ext>
+              </a:extLst>
+            </a:blip>
+            <a:stretch>
+              <a:fillRect/>
+            </a:stretch>
+          </p:blipFill>
+          <p:spPr>
+            <a:xfrm>
+              <a:off x="2357967" y="1552255"/>
+              <a:ext cx="577183" cy="577183"/>
+            </a:xfrm>
+            <a:prstGeom prst="rect">
+              <a:avLst/>
+            </a:prstGeom>
+          </p:spPr>
+        </p:pic>
+        <p:sp>
+          <p:nvSpPr>
+            <p:cNvPr id="32" name="직사각형 31">
+              <a:extLst>
+                <a:ext uri="{FF2B5EF4-FFF2-40B4-BE49-F238E27FC236}">
+                  <a16:creationId xmlns:a16="http://schemas.microsoft.com/office/drawing/2014/main" id="{C9182431-F191-6D62-B745-F42913DC0445}"/>
+                </a:ext>
+              </a:extLst>
+            </p:cNvPr>
+            <p:cNvSpPr/>
+            <p:nvPr/>
+          </p:nvSpPr>
+          <p:spPr>
+            <a:xfrm>
+              <a:off x="1297518" y="3210312"/>
+              <a:ext cx="690033" cy="690033"/>
+            </a:xfrm>
+            <a:prstGeom prst="rect">
+              <a:avLst/>
+            </a:prstGeom>
+            <a:solidFill>
+              <a:srgbClr val="FFFF00"/>
+            </a:solidFill>
+          </p:spPr>
+          <p:style>
+            <a:lnRef idx="2">
+              <a:schemeClr val="accent1">
+                <a:shade val="15000"/>
+              </a:schemeClr>
+            </a:lnRef>
+            <a:fillRef idx="1">
+              <a:schemeClr val="accent1"/>
+            </a:fillRef>
+            <a:effectRef idx="0">
+              <a:schemeClr val="accent1"/>
+            </a:effectRef>
+            <a:fontRef idx="minor">
+              <a:schemeClr val="lt1"/>
+            </a:fontRef>
+          </p:style>
+          <p:txBody>
+            <a:bodyPr rtlCol="0" anchor="ctr"/>
+            <a:lstStyle/>
+            <a:p>
+              <a:pPr algn="ctr"/>
+              <a:r>
+                <a:rPr lang="ko-KR" altLang="en-US" sz="1200" dirty="0" err="1">
+                  <a:solidFill>
+                    <a:schemeClr val="tx1"/>
+                  </a:solidFill>
+                </a:rPr>
+                <a:t>포션</a:t>
+              </a:r>
+              <a:endParaRPr lang="en-US" altLang="ko-KR" sz="1200" dirty="0">
+                <a:solidFill>
+                  <a:schemeClr val="tx1"/>
+                </a:solidFill>
+              </a:endParaRPr>
+            </a:p>
+            <a:p>
+              <a:pPr algn="ctr"/>
+              <a:r>
+                <a:rPr lang="ko-KR" altLang="en-US" sz="1200" dirty="0">
+                  <a:solidFill>
+                    <a:schemeClr val="tx1"/>
+                  </a:solidFill>
+                </a:rPr>
+                <a:t>이미지</a:t>
+              </a:r>
+            </a:p>
+          </p:txBody>
+        </p:sp>
+        <p:sp>
+          <p:nvSpPr>
+            <p:cNvPr id="33" name="TextBox 32">
+              <a:extLst>
+                <a:ext uri="{FF2B5EF4-FFF2-40B4-BE49-F238E27FC236}">
+                  <a16:creationId xmlns:a16="http://schemas.microsoft.com/office/drawing/2014/main" id="{02F5833D-46E2-FD6B-8756-5C559B5D4FB5}"/>
+                </a:ext>
+              </a:extLst>
+            </p:cNvPr>
+            <p:cNvSpPr txBox="1"/>
+            <p:nvPr/>
+          </p:nvSpPr>
+          <p:spPr>
+            <a:xfrm>
+              <a:off x="1202267" y="2212845"/>
+              <a:ext cx="2339102" cy="523220"/>
+            </a:xfrm>
+            <a:prstGeom prst="rect">
+              <a:avLst/>
+            </a:prstGeom>
+            <a:noFill/>
+          </p:spPr>
+          <p:txBody>
+            <a:bodyPr wrap="none" rtlCol="0">
+              <a:spAutoFit/>
+            </a:bodyPr>
+            <a:lstStyle/>
+            <a:p>
+              <a:r>
+                <a:rPr lang="ko-KR" altLang="en-US" sz="1400" dirty="0"/>
+                <a:t>의뢰 내용</a:t>
+              </a:r>
+              <a:r>
+                <a:rPr lang="en-US" altLang="ko-KR" sz="1400" dirty="0"/>
+                <a:t>text</a:t>
+              </a:r>
+            </a:p>
+            <a:p>
+              <a:r>
+                <a:rPr lang="ko-KR" altLang="en-US" sz="1400" dirty="0"/>
+                <a:t>글씨크기 </a:t>
+              </a:r>
+              <a:r>
+                <a:rPr lang="en-US" altLang="ko-KR" sz="1400" dirty="0"/>
+                <a:t>: 14pt, </a:t>
+              </a:r>
+              <a:r>
+                <a:rPr lang="ko-KR" altLang="en-US" sz="1400" dirty="0"/>
+                <a:t>최대 </a:t>
+              </a:r>
+              <a:r>
+                <a:rPr lang="en-US" altLang="ko-KR" sz="1400" dirty="0"/>
+                <a:t>20</a:t>
+              </a:r>
+              <a:r>
+                <a:rPr lang="ko-KR" altLang="en-US" sz="1400" dirty="0"/>
+                <a:t>자</a:t>
+              </a:r>
+            </a:p>
+          </p:txBody>
+        </p:sp>
+        <p:sp>
+          <p:nvSpPr>
+            <p:cNvPr id="34" name="TextBox 33">
+              <a:extLst>
+                <a:ext uri="{FF2B5EF4-FFF2-40B4-BE49-F238E27FC236}">
+                  <a16:creationId xmlns:a16="http://schemas.microsoft.com/office/drawing/2014/main" id="{73E11684-F48D-4FF9-0FB5-409A6ADB47BE}"/>
+                </a:ext>
+              </a:extLst>
+            </p:cNvPr>
+            <p:cNvSpPr txBox="1"/>
+            <p:nvPr/>
+          </p:nvSpPr>
+          <p:spPr>
+            <a:xfrm>
+              <a:off x="1940131" y="3293718"/>
+              <a:ext cx="1620957" cy="523220"/>
+            </a:xfrm>
+            <a:prstGeom prst="rect">
+              <a:avLst/>
+            </a:prstGeom>
+            <a:noFill/>
+          </p:spPr>
+          <p:txBody>
+            <a:bodyPr wrap="none" rtlCol="0">
+              <a:spAutoFit/>
+            </a:bodyPr>
+            <a:lstStyle/>
+            <a:p>
+              <a:pPr algn="ctr"/>
+              <a:r>
+                <a:rPr lang="ko-KR" altLang="en-US" sz="1400" dirty="0"/>
+                <a:t>요구 </a:t>
+              </a:r>
+              <a:r>
+                <a:rPr lang="ko-KR" altLang="en-US" sz="1400" dirty="0" err="1"/>
+                <a:t>포션</a:t>
+              </a:r>
+              <a:r>
+                <a:rPr lang="ko-KR" altLang="en-US" sz="1400" dirty="0"/>
+                <a:t> 품질</a:t>
+              </a:r>
+              <a:endParaRPr lang="en-US" altLang="ko-KR" sz="1400" dirty="0"/>
+            </a:p>
+            <a:p>
+              <a:pPr algn="ctr"/>
+              <a:r>
+                <a:rPr lang="en-US" altLang="ko-KR" sz="1400" dirty="0"/>
+                <a:t>(</a:t>
+              </a:r>
+              <a:r>
+                <a:rPr lang="ko-KR" altLang="en-US" sz="1400" dirty="0"/>
+                <a:t>최소값 </a:t>
+              </a:r>
+              <a:r>
+                <a:rPr lang="en-US" altLang="ko-KR" sz="1400" dirty="0"/>
+                <a:t>~ </a:t>
+              </a:r>
+              <a:r>
+                <a:rPr lang="ko-KR" altLang="en-US" sz="1400" dirty="0"/>
+                <a:t>최대값</a:t>
+              </a:r>
+              <a:r>
+                <a:rPr lang="en-US" altLang="ko-KR" sz="1400" dirty="0"/>
+                <a:t>)</a:t>
+              </a:r>
+            </a:p>
+          </p:txBody>
+        </p:sp>
+      </p:grpSp>
+      <p:grpSp>
+        <p:nvGrpSpPr>
+          <p:cNvPr id="41" name="그룹 40">
+            <a:extLst>
+              <a:ext uri="{FF2B5EF4-FFF2-40B4-BE49-F238E27FC236}">
+                <a16:creationId xmlns:a16="http://schemas.microsoft.com/office/drawing/2014/main" id="{2CAE2740-8C8A-44AF-7FF4-B1E72B18B4C7}"/>
+              </a:ext>
+            </a:extLst>
+          </p:cNvPr>
+          <p:cNvGrpSpPr/>
+          <p:nvPr/>
+        </p:nvGrpSpPr>
+        <p:grpSpPr>
+          <a:xfrm>
+            <a:off x="7947107" y="2002031"/>
+            <a:ext cx="2358821" cy="2545612"/>
+            <a:chOff x="1202267" y="1552255"/>
+            <a:chExt cx="2358821" cy="2545612"/>
+          </a:xfrm>
+        </p:grpSpPr>
+        <p:sp>
+          <p:nvSpPr>
+            <p:cNvPr id="42" name="직사각형 41">
+              <a:extLst>
+                <a:ext uri="{FF2B5EF4-FFF2-40B4-BE49-F238E27FC236}">
+                  <a16:creationId xmlns:a16="http://schemas.microsoft.com/office/drawing/2014/main" id="{162C68ED-4AB4-AD5E-916E-390A4FE48A13}"/>
+                </a:ext>
+              </a:extLst>
+            </p:cNvPr>
+            <p:cNvSpPr/>
+            <p:nvPr/>
+          </p:nvSpPr>
+          <p:spPr>
+            <a:xfrm>
+              <a:off x="1202267" y="1879600"/>
+              <a:ext cx="2311400" cy="2218267"/>
+            </a:xfrm>
+            <a:prstGeom prst="rect">
+              <a:avLst/>
+            </a:prstGeom>
+            <a:solidFill>
+              <a:schemeClr val="tx2">
+                <a:lumMod val="25000"/>
+                <a:lumOff val="75000"/>
+              </a:schemeClr>
+            </a:solidFill>
+            <a:ln>
+              <a:solidFill>
+                <a:srgbClr val="FFFF00"/>
+              </a:solidFill>
+            </a:ln>
+          </p:spPr>
+          <p:style>
+            <a:lnRef idx="2">
+              <a:schemeClr val="accent1">
+                <a:shade val="15000"/>
+              </a:schemeClr>
+            </a:lnRef>
+            <a:fillRef idx="1">
+              <a:schemeClr val="accent1"/>
+            </a:fillRef>
+            <a:effectRef idx="0">
+              <a:schemeClr val="accent1"/>
+            </a:effectRef>
+            <a:fontRef idx="minor">
+              <a:schemeClr val="lt1"/>
+            </a:fontRef>
+          </p:style>
+          <p:txBody>
+            <a:bodyPr rtlCol="0" anchor="ctr"/>
+            <a:lstStyle/>
+            <a:p>
+              <a:pPr algn="ctr"/>
+              <a:endParaRPr lang="ko-KR" altLang="en-US"/>
+            </a:p>
+          </p:txBody>
+        </p:sp>
+        <p:pic>
+          <p:nvPicPr>
+            <p:cNvPr id="43" name="그림 42" descr="그래픽, 상징, 클립아트, 만화 영화이(가) 표시된 사진&#10;&#10;자동 생성된 설명">
+              <a:extLst>
+                <a:ext uri="{FF2B5EF4-FFF2-40B4-BE49-F238E27FC236}">
+                  <a16:creationId xmlns:a16="http://schemas.microsoft.com/office/drawing/2014/main" id="{68611334-FCD7-C4B8-9E4F-81DD5C0B297C}"/>
+                </a:ext>
+              </a:extLst>
+            </p:cNvPr>
+            <p:cNvPicPr>
+              <a:picLocks noChangeAspect="1"/>
+            </p:cNvPicPr>
+            <p:nvPr/>
+          </p:nvPicPr>
+          <p:blipFill>
+            <a:blip r:embed="rId2">
+              <a:extLst>
+                <a:ext uri="{28A0092B-C50C-407E-A947-70E740481C1C}">
+                  <a14:useLocalDpi xmlns:a14="http://schemas.microsoft.com/office/drawing/2010/main" val="0"/>
+                </a:ext>
+              </a:extLst>
+            </a:blip>
+            <a:stretch>
+              <a:fillRect/>
+            </a:stretch>
+          </p:blipFill>
+          <p:spPr>
+            <a:xfrm>
+              <a:off x="2357967" y="1552255"/>
+              <a:ext cx="577183" cy="577183"/>
+            </a:xfrm>
+            <a:prstGeom prst="rect">
+              <a:avLst/>
+            </a:prstGeom>
+          </p:spPr>
+        </p:pic>
+        <p:sp>
+          <p:nvSpPr>
+            <p:cNvPr id="44" name="직사각형 43">
+              <a:extLst>
+                <a:ext uri="{FF2B5EF4-FFF2-40B4-BE49-F238E27FC236}">
+                  <a16:creationId xmlns:a16="http://schemas.microsoft.com/office/drawing/2014/main" id="{057E6CE3-3031-4BAB-6AD7-B413B5AFE8C0}"/>
+                </a:ext>
+              </a:extLst>
+            </p:cNvPr>
+            <p:cNvSpPr/>
+            <p:nvPr/>
+          </p:nvSpPr>
+          <p:spPr>
+            <a:xfrm>
+              <a:off x="1297518" y="3210312"/>
+              <a:ext cx="690033" cy="690033"/>
+            </a:xfrm>
+            <a:prstGeom prst="rect">
+              <a:avLst/>
+            </a:prstGeom>
+            <a:solidFill>
+              <a:srgbClr val="FFFF00"/>
+            </a:solidFill>
+          </p:spPr>
+          <p:style>
+            <a:lnRef idx="2">
+              <a:schemeClr val="accent1">
+                <a:shade val="15000"/>
+              </a:schemeClr>
+            </a:lnRef>
+            <a:fillRef idx="1">
+              <a:schemeClr val="accent1"/>
+            </a:fillRef>
+            <a:effectRef idx="0">
+              <a:schemeClr val="accent1"/>
+            </a:effectRef>
+            <a:fontRef idx="minor">
+              <a:schemeClr val="lt1"/>
+            </a:fontRef>
+          </p:style>
+          <p:txBody>
+            <a:bodyPr rtlCol="0" anchor="ctr"/>
+            <a:lstStyle/>
+            <a:p>
+              <a:pPr algn="ctr"/>
+              <a:r>
+                <a:rPr lang="ko-KR" altLang="en-US" sz="1200" dirty="0" err="1">
+                  <a:solidFill>
+                    <a:schemeClr val="tx1"/>
+                  </a:solidFill>
+                </a:rPr>
+                <a:t>포션</a:t>
+              </a:r>
+              <a:endParaRPr lang="en-US" altLang="ko-KR" sz="1200" dirty="0">
+                <a:solidFill>
+                  <a:schemeClr val="tx1"/>
+                </a:solidFill>
+              </a:endParaRPr>
+            </a:p>
+            <a:p>
+              <a:pPr algn="ctr"/>
+              <a:r>
+                <a:rPr lang="ko-KR" altLang="en-US" sz="1200" dirty="0">
+                  <a:solidFill>
+                    <a:schemeClr val="tx1"/>
+                  </a:solidFill>
+                </a:rPr>
+                <a:t>이미지</a:t>
+              </a:r>
+            </a:p>
+          </p:txBody>
+        </p:sp>
+        <p:sp>
+          <p:nvSpPr>
+            <p:cNvPr id="45" name="TextBox 44">
+              <a:extLst>
+                <a:ext uri="{FF2B5EF4-FFF2-40B4-BE49-F238E27FC236}">
+                  <a16:creationId xmlns:a16="http://schemas.microsoft.com/office/drawing/2014/main" id="{086DB4D3-05B5-17A9-5FA4-7C99061CF8B8}"/>
+                </a:ext>
+              </a:extLst>
+            </p:cNvPr>
+            <p:cNvSpPr txBox="1"/>
+            <p:nvPr/>
+          </p:nvSpPr>
+          <p:spPr>
+            <a:xfrm>
+              <a:off x="1202267" y="2212845"/>
+              <a:ext cx="2339102" cy="523220"/>
+            </a:xfrm>
+            <a:prstGeom prst="rect">
+              <a:avLst/>
+            </a:prstGeom>
+            <a:noFill/>
+          </p:spPr>
+          <p:txBody>
+            <a:bodyPr wrap="none" rtlCol="0">
+              <a:spAutoFit/>
+            </a:bodyPr>
+            <a:lstStyle/>
+            <a:p>
+              <a:r>
+                <a:rPr lang="ko-KR" altLang="en-US" sz="1400" dirty="0"/>
+                <a:t>의뢰 내용</a:t>
+              </a:r>
+              <a:r>
+                <a:rPr lang="en-US" altLang="ko-KR" sz="1400" dirty="0"/>
+                <a:t>text</a:t>
+              </a:r>
+            </a:p>
+            <a:p>
+              <a:r>
+                <a:rPr lang="ko-KR" altLang="en-US" sz="1400" dirty="0"/>
+                <a:t>글씨크기 </a:t>
+              </a:r>
+              <a:r>
+                <a:rPr lang="en-US" altLang="ko-KR" sz="1400" dirty="0"/>
+                <a:t>: 14pt, </a:t>
+              </a:r>
+              <a:r>
+                <a:rPr lang="ko-KR" altLang="en-US" sz="1400" dirty="0"/>
+                <a:t>최대 </a:t>
+              </a:r>
+              <a:r>
+                <a:rPr lang="en-US" altLang="ko-KR" sz="1400" dirty="0"/>
+                <a:t>20</a:t>
+              </a:r>
+              <a:r>
+                <a:rPr lang="ko-KR" altLang="en-US" sz="1400" dirty="0"/>
+                <a:t>자</a:t>
+              </a:r>
+            </a:p>
+          </p:txBody>
+        </p:sp>
+        <p:sp>
+          <p:nvSpPr>
+            <p:cNvPr id="46" name="TextBox 45">
+              <a:extLst>
+                <a:ext uri="{FF2B5EF4-FFF2-40B4-BE49-F238E27FC236}">
+                  <a16:creationId xmlns:a16="http://schemas.microsoft.com/office/drawing/2014/main" id="{DDF1C7EE-09A2-104F-AC4B-49A27553D38C}"/>
+                </a:ext>
+              </a:extLst>
+            </p:cNvPr>
+            <p:cNvSpPr txBox="1"/>
+            <p:nvPr/>
+          </p:nvSpPr>
+          <p:spPr>
+            <a:xfrm>
+              <a:off x="1940131" y="3293718"/>
+              <a:ext cx="1620957" cy="523220"/>
+            </a:xfrm>
+            <a:prstGeom prst="rect">
+              <a:avLst/>
+            </a:prstGeom>
+            <a:noFill/>
+          </p:spPr>
+          <p:txBody>
+            <a:bodyPr wrap="none" rtlCol="0">
+              <a:spAutoFit/>
+            </a:bodyPr>
+            <a:lstStyle/>
+            <a:p>
+              <a:pPr algn="ctr"/>
+              <a:r>
+                <a:rPr lang="ko-KR" altLang="en-US" sz="1400" dirty="0"/>
+                <a:t>요구 </a:t>
+              </a:r>
+              <a:r>
+                <a:rPr lang="ko-KR" altLang="en-US" sz="1400" dirty="0" err="1"/>
+                <a:t>포션</a:t>
+              </a:r>
+              <a:r>
+                <a:rPr lang="ko-KR" altLang="en-US" sz="1400" dirty="0"/>
+                <a:t> 품질</a:t>
+              </a:r>
+              <a:endParaRPr lang="en-US" altLang="ko-KR" sz="1400" dirty="0"/>
+            </a:p>
+            <a:p>
+              <a:pPr algn="ctr"/>
+              <a:r>
+                <a:rPr lang="en-US" altLang="ko-KR" sz="1400" dirty="0"/>
+                <a:t>(</a:t>
+              </a:r>
+              <a:r>
+                <a:rPr lang="ko-KR" altLang="en-US" sz="1400" dirty="0"/>
+                <a:t>최소값 </a:t>
+              </a:r>
+              <a:r>
+                <a:rPr lang="en-US" altLang="ko-KR" sz="1400" dirty="0"/>
+                <a:t>~ </a:t>
+              </a:r>
+              <a:r>
+                <a:rPr lang="ko-KR" altLang="en-US" sz="1400" dirty="0"/>
+                <a:t>최대값</a:t>
+              </a:r>
+              <a:r>
+                <a:rPr lang="en-US" altLang="ko-KR" sz="1400" dirty="0"/>
+                <a:t>)</a:t>
+              </a:r>
+            </a:p>
+          </p:txBody>
+        </p:sp>
+      </p:grpSp>
+      <p:grpSp>
+        <p:nvGrpSpPr>
+          <p:cNvPr id="47" name="그룹 46">
+            <a:extLst>
+              <a:ext uri="{FF2B5EF4-FFF2-40B4-BE49-F238E27FC236}">
+                <a16:creationId xmlns:a16="http://schemas.microsoft.com/office/drawing/2014/main" id="{C507CAEE-B0BC-AE12-0224-AD88AFCD310E}"/>
+              </a:ext>
+            </a:extLst>
+          </p:cNvPr>
+          <p:cNvGrpSpPr/>
+          <p:nvPr/>
+        </p:nvGrpSpPr>
+        <p:grpSpPr>
+          <a:xfrm>
+            <a:off x="5306789" y="2960698"/>
+            <a:ext cx="2358821" cy="2545612"/>
+            <a:chOff x="1202267" y="1552255"/>
+            <a:chExt cx="2358821" cy="2545612"/>
+          </a:xfrm>
+        </p:grpSpPr>
+        <p:sp>
+          <p:nvSpPr>
+            <p:cNvPr id="48" name="직사각형 47">
+              <a:extLst>
+                <a:ext uri="{FF2B5EF4-FFF2-40B4-BE49-F238E27FC236}">
+                  <a16:creationId xmlns:a16="http://schemas.microsoft.com/office/drawing/2014/main" id="{F427D11D-C81D-B146-6633-CCE0E8CC133D}"/>
+                </a:ext>
+              </a:extLst>
+            </p:cNvPr>
+            <p:cNvSpPr/>
+            <p:nvPr/>
+          </p:nvSpPr>
+          <p:spPr>
+            <a:xfrm>
+              <a:off x="1202267" y="1879600"/>
+              <a:ext cx="2311400" cy="2218267"/>
+            </a:xfrm>
+            <a:prstGeom prst="rect">
+              <a:avLst/>
+            </a:prstGeom>
+            <a:solidFill>
+              <a:schemeClr val="tx2">
+                <a:lumMod val="25000"/>
+                <a:lumOff val="75000"/>
+              </a:schemeClr>
+            </a:solidFill>
+            <a:ln>
+              <a:solidFill>
+                <a:schemeClr val="accent2">
+                  <a:lumMod val="75000"/>
+                </a:schemeClr>
+              </a:solidFill>
+            </a:ln>
+          </p:spPr>
+          <p:style>
+            <a:lnRef idx="2">
+              <a:schemeClr val="accent1">
+                <a:shade val="15000"/>
+              </a:schemeClr>
+            </a:lnRef>
+            <a:fillRef idx="1">
+              <a:schemeClr val="accent1"/>
+            </a:fillRef>
+            <a:effectRef idx="0">
+              <a:schemeClr val="accent1"/>
+            </a:effectRef>
+            <a:fontRef idx="minor">
+              <a:schemeClr val="lt1"/>
+            </a:fontRef>
+          </p:style>
+          <p:txBody>
+            <a:bodyPr rtlCol="0" anchor="ctr"/>
+            <a:lstStyle/>
+            <a:p>
+              <a:pPr algn="ctr"/>
+              <a:endParaRPr lang="ko-KR" altLang="en-US" dirty="0"/>
+            </a:p>
+          </p:txBody>
+        </p:sp>
+        <p:pic>
+          <p:nvPicPr>
+            <p:cNvPr id="70" name="그림 69" descr="그래픽, 상징, 클립아트, 만화 영화이(가) 표시된 사진&#10;&#10;자동 생성된 설명">
+              <a:extLst>
+                <a:ext uri="{FF2B5EF4-FFF2-40B4-BE49-F238E27FC236}">
+                  <a16:creationId xmlns:a16="http://schemas.microsoft.com/office/drawing/2014/main" id="{EC3CC2FB-0FE7-F4D5-6759-36F473DEF5C8}"/>
+                </a:ext>
+              </a:extLst>
+            </p:cNvPr>
+            <p:cNvPicPr>
+              <a:picLocks noChangeAspect="1"/>
+            </p:cNvPicPr>
+            <p:nvPr/>
+          </p:nvPicPr>
+          <p:blipFill>
+            <a:blip r:embed="rId2">
+              <a:extLst>
+                <a:ext uri="{28A0092B-C50C-407E-A947-70E740481C1C}">
+                  <a14:useLocalDpi xmlns:a14="http://schemas.microsoft.com/office/drawing/2010/main" val="0"/>
+                </a:ext>
+              </a:extLst>
+            </a:blip>
+            <a:stretch>
+              <a:fillRect/>
+            </a:stretch>
+          </p:blipFill>
+          <p:spPr>
+            <a:xfrm>
+              <a:off x="2357967" y="1552255"/>
+              <a:ext cx="577183" cy="577183"/>
+            </a:xfrm>
+            <a:prstGeom prst="rect">
+              <a:avLst/>
+            </a:prstGeom>
+          </p:spPr>
+        </p:pic>
+        <p:sp>
+          <p:nvSpPr>
+            <p:cNvPr id="71" name="직사각형 70">
+              <a:extLst>
+                <a:ext uri="{FF2B5EF4-FFF2-40B4-BE49-F238E27FC236}">
+                  <a16:creationId xmlns:a16="http://schemas.microsoft.com/office/drawing/2014/main" id="{690F8680-5892-2CAA-FD51-A5144A56E622}"/>
+                </a:ext>
+              </a:extLst>
+            </p:cNvPr>
+            <p:cNvSpPr/>
+            <p:nvPr/>
+          </p:nvSpPr>
+          <p:spPr>
+            <a:xfrm>
+              <a:off x="1297518" y="3210312"/>
+              <a:ext cx="690033" cy="690033"/>
+            </a:xfrm>
+            <a:prstGeom prst="rect">
+              <a:avLst/>
+            </a:prstGeom>
+            <a:solidFill>
+              <a:srgbClr val="FFFF00"/>
+            </a:solidFill>
+          </p:spPr>
+          <p:style>
+            <a:lnRef idx="2">
+              <a:schemeClr val="accent1">
+                <a:shade val="15000"/>
+              </a:schemeClr>
+            </a:lnRef>
+            <a:fillRef idx="1">
+              <a:schemeClr val="accent1"/>
+            </a:fillRef>
+            <a:effectRef idx="0">
+              <a:schemeClr val="accent1"/>
+            </a:effectRef>
+            <a:fontRef idx="minor">
+              <a:schemeClr val="lt1"/>
+            </a:fontRef>
+          </p:style>
+          <p:txBody>
+            <a:bodyPr rtlCol="0" anchor="ctr"/>
+            <a:lstStyle/>
+            <a:p>
+              <a:pPr algn="ctr"/>
+              <a:r>
+                <a:rPr lang="ko-KR" altLang="en-US" sz="1200" dirty="0" err="1">
+                  <a:solidFill>
+                    <a:schemeClr val="tx1"/>
+                  </a:solidFill>
+                </a:rPr>
+                <a:t>포션</a:t>
+              </a:r>
+              <a:endParaRPr lang="en-US" altLang="ko-KR" sz="1200" dirty="0">
+                <a:solidFill>
+                  <a:schemeClr val="tx1"/>
+                </a:solidFill>
+              </a:endParaRPr>
+            </a:p>
+            <a:p>
+              <a:pPr algn="ctr"/>
+              <a:r>
+                <a:rPr lang="ko-KR" altLang="en-US" sz="1200" dirty="0">
+                  <a:solidFill>
+                    <a:schemeClr val="tx1"/>
+                  </a:solidFill>
+                </a:rPr>
+                <a:t>이미지</a:t>
+              </a:r>
+            </a:p>
+          </p:txBody>
+        </p:sp>
+        <p:sp>
+          <p:nvSpPr>
+            <p:cNvPr id="72" name="TextBox 71">
+              <a:extLst>
+                <a:ext uri="{FF2B5EF4-FFF2-40B4-BE49-F238E27FC236}">
+                  <a16:creationId xmlns:a16="http://schemas.microsoft.com/office/drawing/2014/main" id="{9F5D5C8E-B833-3F9F-D19D-F70B2F5A01B1}"/>
+                </a:ext>
+              </a:extLst>
+            </p:cNvPr>
+            <p:cNvSpPr txBox="1"/>
+            <p:nvPr/>
+          </p:nvSpPr>
+          <p:spPr>
+            <a:xfrm>
+              <a:off x="1202267" y="2212845"/>
+              <a:ext cx="2339102" cy="523220"/>
+            </a:xfrm>
+            <a:prstGeom prst="rect">
+              <a:avLst/>
+            </a:prstGeom>
+            <a:noFill/>
+          </p:spPr>
+          <p:txBody>
+            <a:bodyPr wrap="none" rtlCol="0">
+              <a:spAutoFit/>
+            </a:bodyPr>
+            <a:lstStyle/>
+            <a:p>
+              <a:r>
+                <a:rPr lang="ko-KR" altLang="en-US" sz="1400" dirty="0"/>
+                <a:t>의뢰 내용</a:t>
+              </a:r>
+              <a:r>
+                <a:rPr lang="en-US" altLang="ko-KR" sz="1400" dirty="0"/>
+                <a:t>text</a:t>
+              </a:r>
+            </a:p>
+            <a:p>
+              <a:r>
+                <a:rPr lang="ko-KR" altLang="en-US" sz="1400" dirty="0"/>
+                <a:t>글씨크기 </a:t>
+              </a:r>
+              <a:r>
+                <a:rPr lang="en-US" altLang="ko-KR" sz="1400" dirty="0"/>
+                <a:t>: 14pt, </a:t>
+              </a:r>
+              <a:r>
+                <a:rPr lang="ko-KR" altLang="en-US" sz="1400" dirty="0"/>
+                <a:t>최대 </a:t>
+              </a:r>
+              <a:r>
+                <a:rPr lang="en-US" altLang="ko-KR" sz="1400" dirty="0"/>
+                <a:t>20</a:t>
+              </a:r>
+              <a:r>
+                <a:rPr lang="ko-KR" altLang="en-US" sz="1400" dirty="0"/>
+                <a:t>자</a:t>
+              </a:r>
+            </a:p>
+          </p:txBody>
+        </p:sp>
+        <p:sp>
+          <p:nvSpPr>
+            <p:cNvPr id="73" name="TextBox 72">
+              <a:extLst>
+                <a:ext uri="{FF2B5EF4-FFF2-40B4-BE49-F238E27FC236}">
+                  <a16:creationId xmlns:a16="http://schemas.microsoft.com/office/drawing/2014/main" id="{161EB1AF-6A3E-8CD8-6AC3-EF8911DD12CE}"/>
+                </a:ext>
+              </a:extLst>
+            </p:cNvPr>
+            <p:cNvSpPr txBox="1"/>
+            <p:nvPr/>
+          </p:nvSpPr>
+          <p:spPr>
+            <a:xfrm>
+              <a:off x="1940131" y="3293718"/>
+              <a:ext cx="1620957" cy="523220"/>
+            </a:xfrm>
+            <a:prstGeom prst="rect">
+              <a:avLst/>
+            </a:prstGeom>
+            <a:noFill/>
+          </p:spPr>
+          <p:txBody>
+            <a:bodyPr wrap="none" rtlCol="0">
+              <a:spAutoFit/>
+            </a:bodyPr>
+            <a:lstStyle/>
+            <a:p>
+              <a:pPr algn="ctr"/>
+              <a:r>
+                <a:rPr lang="ko-KR" altLang="en-US" sz="1400" dirty="0"/>
+                <a:t>요구 </a:t>
+              </a:r>
+              <a:r>
+                <a:rPr lang="ko-KR" altLang="en-US" sz="1400" dirty="0" err="1"/>
+                <a:t>포션</a:t>
+              </a:r>
+              <a:r>
+                <a:rPr lang="ko-KR" altLang="en-US" sz="1400" dirty="0"/>
+                <a:t> 품질</a:t>
+              </a:r>
+              <a:endParaRPr lang="en-US" altLang="ko-KR" sz="1400" dirty="0"/>
+            </a:p>
+            <a:p>
+              <a:pPr algn="ctr"/>
+              <a:r>
+                <a:rPr lang="en-US" altLang="ko-KR" sz="1400" dirty="0"/>
+                <a:t>(</a:t>
+              </a:r>
+              <a:r>
+                <a:rPr lang="ko-KR" altLang="en-US" sz="1400" dirty="0"/>
+                <a:t>최소값 </a:t>
+              </a:r>
+              <a:r>
+                <a:rPr lang="en-US" altLang="ko-KR" sz="1400" dirty="0"/>
+                <a:t>~ </a:t>
+              </a:r>
+              <a:r>
+                <a:rPr lang="ko-KR" altLang="en-US" sz="1400" dirty="0"/>
+                <a:t>최대값</a:t>
+              </a:r>
+              <a:r>
+                <a:rPr lang="en-US" altLang="ko-KR" sz="1400" dirty="0"/>
+                <a:t>)</a:t>
+              </a:r>
+            </a:p>
+          </p:txBody>
+        </p:sp>
+      </p:grpSp>
+      <p:grpSp>
+        <p:nvGrpSpPr>
+          <p:cNvPr id="80" name="그룹 79">
+            <a:extLst>
+              <a:ext uri="{FF2B5EF4-FFF2-40B4-BE49-F238E27FC236}">
+                <a16:creationId xmlns:a16="http://schemas.microsoft.com/office/drawing/2014/main" id="{2A8B408C-2D16-3D6D-8CEB-E657AB16B2E3}"/>
+              </a:ext>
+            </a:extLst>
+          </p:cNvPr>
+          <p:cNvGrpSpPr/>
+          <p:nvPr/>
+        </p:nvGrpSpPr>
+        <p:grpSpPr>
+          <a:xfrm>
+            <a:off x="2880691" y="3419720"/>
+            <a:ext cx="2358821" cy="2545612"/>
+            <a:chOff x="1202267" y="1552255"/>
+            <a:chExt cx="2358821" cy="2545612"/>
+          </a:xfrm>
+        </p:grpSpPr>
+        <p:sp>
+          <p:nvSpPr>
+            <p:cNvPr id="81" name="직사각형 80">
+              <a:extLst>
+                <a:ext uri="{FF2B5EF4-FFF2-40B4-BE49-F238E27FC236}">
+                  <a16:creationId xmlns:a16="http://schemas.microsoft.com/office/drawing/2014/main" id="{CA88E5CE-9D65-75D4-D586-87A00B0526EB}"/>
+                </a:ext>
+              </a:extLst>
+            </p:cNvPr>
+            <p:cNvSpPr/>
+            <p:nvPr/>
+          </p:nvSpPr>
+          <p:spPr>
+            <a:xfrm>
+              <a:off x="1202267" y="1879600"/>
+              <a:ext cx="2311400" cy="2218267"/>
+            </a:xfrm>
+            <a:prstGeom prst="rect">
+              <a:avLst/>
+            </a:prstGeom>
+            <a:solidFill>
+              <a:schemeClr val="tx2">
+                <a:lumMod val="25000"/>
+                <a:lumOff val="75000"/>
+              </a:schemeClr>
+            </a:solidFill>
+            <a:ln>
+              <a:solidFill>
+                <a:srgbClr val="FFFF00"/>
+              </a:solidFill>
+            </a:ln>
+          </p:spPr>
+          <p:style>
+            <a:lnRef idx="2">
+              <a:schemeClr val="accent1">
+                <a:shade val="15000"/>
+              </a:schemeClr>
+            </a:lnRef>
+            <a:fillRef idx="1">
+              <a:schemeClr val="accent1"/>
+            </a:fillRef>
+            <a:effectRef idx="0">
+              <a:schemeClr val="accent1"/>
+            </a:effectRef>
+            <a:fontRef idx="minor">
+              <a:schemeClr val="lt1"/>
+            </a:fontRef>
+          </p:style>
+          <p:txBody>
+            <a:bodyPr rtlCol="0" anchor="ctr"/>
+            <a:lstStyle/>
+            <a:p>
+              <a:pPr algn="ctr"/>
+              <a:endParaRPr lang="ko-KR" altLang="en-US"/>
+            </a:p>
+          </p:txBody>
+        </p:sp>
+        <p:pic>
+          <p:nvPicPr>
+            <p:cNvPr id="82" name="그림 81" descr="그래픽, 상징, 클립아트, 만화 영화이(가) 표시된 사진&#10;&#10;자동 생성된 설명">
+              <a:extLst>
+                <a:ext uri="{FF2B5EF4-FFF2-40B4-BE49-F238E27FC236}">
+                  <a16:creationId xmlns:a16="http://schemas.microsoft.com/office/drawing/2014/main" id="{517DFC48-667D-7102-89C4-3E6F258FD500}"/>
+                </a:ext>
+              </a:extLst>
+            </p:cNvPr>
+            <p:cNvPicPr>
+              <a:picLocks noChangeAspect="1"/>
+            </p:cNvPicPr>
+            <p:nvPr/>
+          </p:nvPicPr>
+          <p:blipFill>
+            <a:blip r:embed="rId2">
+              <a:extLst>
+                <a:ext uri="{28A0092B-C50C-407E-A947-70E740481C1C}">
+                  <a14:useLocalDpi xmlns:a14="http://schemas.microsoft.com/office/drawing/2010/main" val="0"/>
+                </a:ext>
+              </a:extLst>
+            </a:blip>
+            <a:stretch>
+              <a:fillRect/>
+            </a:stretch>
+          </p:blipFill>
+          <p:spPr>
+            <a:xfrm>
+              <a:off x="2357967" y="1552255"/>
+              <a:ext cx="577183" cy="577183"/>
+            </a:xfrm>
+            <a:prstGeom prst="rect">
+              <a:avLst/>
+            </a:prstGeom>
+          </p:spPr>
+        </p:pic>
+        <p:sp>
+          <p:nvSpPr>
+            <p:cNvPr id="83" name="직사각형 82">
+              <a:extLst>
+                <a:ext uri="{FF2B5EF4-FFF2-40B4-BE49-F238E27FC236}">
+                  <a16:creationId xmlns:a16="http://schemas.microsoft.com/office/drawing/2014/main" id="{F4BBA8CA-1170-AC02-CAC3-00768E6EDE83}"/>
+                </a:ext>
+              </a:extLst>
+            </p:cNvPr>
+            <p:cNvSpPr/>
+            <p:nvPr/>
+          </p:nvSpPr>
+          <p:spPr>
+            <a:xfrm>
+              <a:off x="1297518" y="3210312"/>
+              <a:ext cx="690033" cy="690033"/>
+            </a:xfrm>
+            <a:prstGeom prst="rect">
+              <a:avLst/>
+            </a:prstGeom>
+            <a:solidFill>
+              <a:srgbClr val="FFFF00"/>
+            </a:solidFill>
+          </p:spPr>
+          <p:style>
+            <a:lnRef idx="2">
+              <a:schemeClr val="accent1">
+                <a:shade val="15000"/>
+              </a:schemeClr>
+            </a:lnRef>
+            <a:fillRef idx="1">
+              <a:schemeClr val="accent1"/>
+            </a:fillRef>
+            <a:effectRef idx="0">
+              <a:schemeClr val="accent1"/>
+            </a:effectRef>
+            <a:fontRef idx="minor">
+              <a:schemeClr val="lt1"/>
+            </a:fontRef>
+          </p:style>
+          <p:txBody>
+            <a:bodyPr rtlCol="0" anchor="ctr"/>
+            <a:lstStyle/>
+            <a:p>
+              <a:pPr algn="ctr"/>
+              <a:r>
+                <a:rPr lang="ko-KR" altLang="en-US" sz="1200" dirty="0" err="1">
+                  <a:solidFill>
+                    <a:schemeClr val="tx1"/>
+                  </a:solidFill>
+                </a:rPr>
+                <a:t>포션</a:t>
+              </a:r>
+              <a:endParaRPr lang="en-US" altLang="ko-KR" sz="1200" dirty="0">
+                <a:solidFill>
+                  <a:schemeClr val="tx1"/>
+                </a:solidFill>
+              </a:endParaRPr>
+            </a:p>
+            <a:p>
+              <a:pPr algn="ctr"/>
+              <a:r>
+                <a:rPr lang="ko-KR" altLang="en-US" sz="1200" dirty="0">
+                  <a:solidFill>
+                    <a:schemeClr val="tx1"/>
+                  </a:solidFill>
+                </a:rPr>
+                <a:t>이미지</a:t>
+              </a:r>
+            </a:p>
+          </p:txBody>
+        </p:sp>
+        <p:sp>
+          <p:nvSpPr>
+            <p:cNvPr id="84" name="TextBox 83">
+              <a:extLst>
+                <a:ext uri="{FF2B5EF4-FFF2-40B4-BE49-F238E27FC236}">
+                  <a16:creationId xmlns:a16="http://schemas.microsoft.com/office/drawing/2014/main" id="{F2D6BDC0-221C-2962-A584-39748DD9754F}"/>
+                </a:ext>
+              </a:extLst>
+            </p:cNvPr>
+            <p:cNvSpPr txBox="1"/>
+            <p:nvPr/>
+          </p:nvSpPr>
+          <p:spPr>
+            <a:xfrm>
+              <a:off x="1202267" y="2212845"/>
+              <a:ext cx="2339102" cy="523220"/>
+            </a:xfrm>
+            <a:prstGeom prst="rect">
+              <a:avLst/>
+            </a:prstGeom>
+            <a:noFill/>
+          </p:spPr>
+          <p:txBody>
+            <a:bodyPr wrap="none" rtlCol="0">
+              <a:spAutoFit/>
+            </a:bodyPr>
+            <a:lstStyle/>
+            <a:p>
+              <a:r>
+                <a:rPr lang="ko-KR" altLang="en-US" sz="1400" dirty="0"/>
+                <a:t>의뢰 내용</a:t>
+              </a:r>
+              <a:r>
+                <a:rPr lang="en-US" altLang="ko-KR" sz="1400" dirty="0"/>
+                <a:t>text</a:t>
+              </a:r>
+            </a:p>
+            <a:p>
+              <a:r>
+                <a:rPr lang="ko-KR" altLang="en-US" sz="1400" dirty="0"/>
+                <a:t>글씨크기 </a:t>
+              </a:r>
+              <a:r>
+                <a:rPr lang="en-US" altLang="ko-KR" sz="1400" dirty="0"/>
+                <a:t>: 14pt, </a:t>
+              </a:r>
+              <a:r>
+                <a:rPr lang="ko-KR" altLang="en-US" sz="1400" dirty="0"/>
+                <a:t>최대 </a:t>
+              </a:r>
+              <a:r>
+                <a:rPr lang="en-US" altLang="ko-KR" sz="1400" dirty="0"/>
+                <a:t>20</a:t>
+              </a:r>
+              <a:r>
+                <a:rPr lang="ko-KR" altLang="en-US" sz="1400" dirty="0"/>
+                <a:t>자</a:t>
+              </a:r>
+            </a:p>
+          </p:txBody>
+        </p:sp>
+        <p:sp>
+          <p:nvSpPr>
+            <p:cNvPr id="85" name="TextBox 84">
+              <a:extLst>
+                <a:ext uri="{FF2B5EF4-FFF2-40B4-BE49-F238E27FC236}">
+                  <a16:creationId xmlns:a16="http://schemas.microsoft.com/office/drawing/2014/main" id="{712D1B7B-F717-CCA4-A2CA-D8B4298A6DC9}"/>
+                </a:ext>
+              </a:extLst>
+            </p:cNvPr>
+            <p:cNvSpPr txBox="1"/>
+            <p:nvPr/>
+          </p:nvSpPr>
+          <p:spPr>
+            <a:xfrm>
+              <a:off x="1940131" y="3293718"/>
+              <a:ext cx="1620957" cy="523220"/>
+            </a:xfrm>
+            <a:prstGeom prst="rect">
+              <a:avLst/>
+            </a:prstGeom>
+            <a:noFill/>
+          </p:spPr>
+          <p:txBody>
+            <a:bodyPr wrap="none" rtlCol="0">
+              <a:spAutoFit/>
+            </a:bodyPr>
+            <a:lstStyle/>
+            <a:p>
+              <a:pPr algn="ctr"/>
+              <a:r>
+                <a:rPr lang="ko-KR" altLang="en-US" sz="1400" dirty="0"/>
+                <a:t>요구 </a:t>
+              </a:r>
+              <a:r>
+                <a:rPr lang="ko-KR" altLang="en-US" sz="1400" dirty="0" err="1"/>
+                <a:t>포션</a:t>
+              </a:r>
+              <a:r>
+                <a:rPr lang="ko-KR" altLang="en-US" sz="1400" dirty="0"/>
+                <a:t> 품질</a:t>
+              </a:r>
+              <a:endParaRPr lang="en-US" altLang="ko-KR" sz="1400" dirty="0"/>
+            </a:p>
+            <a:p>
+              <a:pPr algn="ctr"/>
+              <a:r>
+                <a:rPr lang="en-US" altLang="ko-KR" sz="1400" dirty="0"/>
+                <a:t>(</a:t>
+              </a:r>
+              <a:r>
+                <a:rPr lang="ko-KR" altLang="en-US" sz="1400" dirty="0"/>
+                <a:t>최소값 </a:t>
+              </a:r>
+              <a:r>
+                <a:rPr lang="en-US" altLang="ko-KR" sz="1400" dirty="0"/>
+                <a:t>~ </a:t>
+              </a:r>
+              <a:r>
+                <a:rPr lang="ko-KR" altLang="en-US" sz="1400" dirty="0"/>
+                <a:t>최대값</a:t>
+              </a:r>
+              <a:r>
+                <a:rPr lang="en-US" altLang="ko-KR" sz="1400" dirty="0"/>
+                <a:t>)</a:t>
+              </a:r>
+            </a:p>
+          </p:txBody>
+        </p:sp>
+      </p:grpSp>
       <p:sp>
         <p:nvSpPr>
           <p:cNvPr id="3" name="직사각형 2">
@@ -17278,7 +20706,7 @@
 </p:sld>
 </file>
 
-<file path=ppt/slides/slide6.xml><?xml version="1.0" encoding="utf-8"?>
+<file path=ppt/slides/slide7.xml><?xml version="1.0" encoding="utf-8"?>
 <p:sld xmlns:a="http://schemas.openxmlformats.org/drawingml/2006/main" xmlns:r="http://schemas.openxmlformats.org/officeDocument/2006/relationships" xmlns:p="http://schemas.openxmlformats.org/presentationml/2006/main">
   <p:cSld>
     <p:spTree>
@@ -19781,7 +23209,7 @@
 </p:sld>
 </file>
 
-<file path=ppt/slides/slide7.xml><?xml version="1.0" encoding="utf-8"?>
+<file path=ppt/slides/slide8.xml><?xml version="1.0" encoding="utf-8"?>
 <p:sld xmlns:a="http://schemas.openxmlformats.org/drawingml/2006/main" xmlns:r="http://schemas.openxmlformats.org/officeDocument/2006/relationships" xmlns:p="http://schemas.openxmlformats.org/presentationml/2006/main">
   <p:cSld>
     <p:spTree>

--- a/document/UI.pptx
+++ b/document/UI.pptx
@@ -13,6 +13,8 @@
     <p:sldId id="261" r:id="rId7"/>
     <p:sldId id="258" r:id="rId8"/>
     <p:sldId id="262" r:id="rId9"/>
+    <p:sldId id="264" r:id="rId10"/>
+    <p:sldId id="265" r:id="rId11"/>
   </p:sldIdLst>
   <p:sldSz cx="12192000" cy="6858000"/>
   <p:notesSz cx="6858000" cy="9144000"/>
@@ -266,7 +268,7 @@
           <a:p>
             <a:fld id="{B72E036F-CDEF-47A9-871C-CF66AFA16CFE}" type="datetimeFigureOut">
               <a:rPr lang="ko-KR" altLang="en-US" smtClean="0"/>
-              <a:t>2024-08-05</a:t>
+              <a:t>2024-08-06</a:t>
             </a:fld>
             <a:endParaRPr lang="ko-KR" altLang="en-US"/>
           </a:p>
@@ -464,7 +466,7 @@
           <a:p>
             <a:fld id="{B72E036F-CDEF-47A9-871C-CF66AFA16CFE}" type="datetimeFigureOut">
               <a:rPr lang="ko-KR" altLang="en-US" smtClean="0"/>
-              <a:t>2024-08-05</a:t>
+              <a:t>2024-08-06</a:t>
             </a:fld>
             <a:endParaRPr lang="ko-KR" altLang="en-US"/>
           </a:p>
@@ -672,7 +674,7 @@
           <a:p>
             <a:fld id="{B72E036F-CDEF-47A9-871C-CF66AFA16CFE}" type="datetimeFigureOut">
               <a:rPr lang="ko-KR" altLang="en-US" smtClean="0"/>
-              <a:t>2024-08-05</a:t>
+              <a:t>2024-08-06</a:t>
             </a:fld>
             <a:endParaRPr lang="ko-KR" altLang="en-US"/>
           </a:p>
@@ -870,7 +872,7 @@
           <a:p>
             <a:fld id="{B72E036F-CDEF-47A9-871C-CF66AFA16CFE}" type="datetimeFigureOut">
               <a:rPr lang="ko-KR" altLang="en-US" smtClean="0"/>
-              <a:t>2024-08-05</a:t>
+              <a:t>2024-08-06</a:t>
             </a:fld>
             <a:endParaRPr lang="ko-KR" altLang="en-US"/>
           </a:p>
@@ -1145,7 +1147,7 @@
           <a:p>
             <a:fld id="{B72E036F-CDEF-47A9-871C-CF66AFA16CFE}" type="datetimeFigureOut">
               <a:rPr lang="ko-KR" altLang="en-US" smtClean="0"/>
-              <a:t>2024-08-05</a:t>
+              <a:t>2024-08-06</a:t>
             </a:fld>
             <a:endParaRPr lang="ko-KR" altLang="en-US"/>
           </a:p>
@@ -1410,7 +1412,7 @@
           <a:p>
             <a:fld id="{B72E036F-CDEF-47A9-871C-CF66AFA16CFE}" type="datetimeFigureOut">
               <a:rPr lang="ko-KR" altLang="en-US" smtClean="0"/>
-              <a:t>2024-08-05</a:t>
+              <a:t>2024-08-06</a:t>
             </a:fld>
             <a:endParaRPr lang="ko-KR" altLang="en-US"/>
           </a:p>
@@ -1822,7 +1824,7 @@
           <a:p>
             <a:fld id="{B72E036F-CDEF-47A9-871C-CF66AFA16CFE}" type="datetimeFigureOut">
               <a:rPr lang="ko-KR" altLang="en-US" smtClean="0"/>
-              <a:t>2024-08-05</a:t>
+              <a:t>2024-08-06</a:t>
             </a:fld>
             <a:endParaRPr lang="ko-KR" altLang="en-US"/>
           </a:p>
@@ -1963,7 +1965,7 @@
           <a:p>
             <a:fld id="{B72E036F-CDEF-47A9-871C-CF66AFA16CFE}" type="datetimeFigureOut">
               <a:rPr lang="ko-KR" altLang="en-US" smtClean="0"/>
-              <a:t>2024-08-05</a:t>
+              <a:t>2024-08-06</a:t>
             </a:fld>
             <a:endParaRPr lang="ko-KR" altLang="en-US"/>
           </a:p>
@@ -2076,7 +2078,7 @@
           <a:p>
             <a:fld id="{B72E036F-CDEF-47A9-871C-CF66AFA16CFE}" type="datetimeFigureOut">
               <a:rPr lang="ko-KR" altLang="en-US" smtClean="0"/>
-              <a:t>2024-08-05</a:t>
+              <a:t>2024-08-06</a:t>
             </a:fld>
             <a:endParaRPr lang="ko-KR" altLang="en-US"/>
           </a:p>
@@ -2387,7 +2389,7 @@
           <a:p>
             <a:fld id="{B72E036F-CDEF-47A9-871C-CF66AFA16CFE}" type="datetimeFigureOut">
               <a:rPr lang="ko-KR" altLang="en-US" smtClean="0"/>
-              <a:t>2024-08-05</a:t>
+              <a:t>2024-08-06</a:t>
             </a:fld>
             <a:endParaRPr lang="ko-KR" altLang="en-US"/>
           </a:p>
@@ -2675,7 +2677,7 @@
           <a:p>
             <a:fld id="{B72E036F-CDEF-47A9-871C-CF66AFA16CFE}" type="datetimeFigureOut">
               <a:rPr lang="ko-KR" altLang="en-US" smtClean="0"/>
-              <a:t>2024-08-05</a:t>
+              <a:t>2024-08-06</a:t>
             </a:fld>
             <a:endParaRPr lang="ko-KR" altLang="en-US"/>
           </a:p>
@@ -2916,7 +2918,7 @@
           <a:p>
             <a:fld id="{B72E036F-CDEF-47A9-871C-CF66AFA16CFE}" type="datetimeFigureOut">
               <a:rPr lang="ko-KR" altLang="en-US" smtClean="0"/>
-              <a:t>2024-08-05</a:t>
+              <a:t>2024-08-06</a:t>
             </a:fld>
             <a:endParaRPr lang="ko-KR" altLang="en-US"/>
           </a:p>
@@ -5559,6 +5561,1766 @@
 </p:sld>
 </file>
 
+<file path=ppt/slides/slide10.xml><?xml version="1.0" encoding="utf-8"?>
+<p:sld xmlns:a="http://schemas.openxmlformats.org/drawingml/2006/main" xmlns:r="http://schemas.openxmlformats.org/officeDocument/2006/relationships" xmlns:p="http://schemas.openxmlformats.org/presentationml/2006/main">
+  <p:cSld>
+    <p:spTree>
+      <p:nvGrpSpPr>
+        <p:cNvPr id="1" name=""/>
+        <p:cNvGrpSpPr/>
+        <p:nvPr/>
+      </p:nvGrpSpPr>
+      <p:grpSpPr>
+        <a:xfrm>
+          <a:off x="0" y="0"/>
+          <a:ext cx="0" cy="0"/>
+          <a:chOff x="0" y="0"/>
+          <a:chExt cx="0" cy="0"/>
+        </a:xfrm>
+      </p:grpSpPr>
+      <p:sp>
+        <p:nvSpPr>
+          <p:cNvPr id="4" name="직사각형 3">
+            <a:extLst>
+              <a:ext uri="{FF2B5EF4-FFF2-40B4-BE49-F238E27FC236}">
+                <a16:creationId xmlns:a16="http://schemas.microsoft.com/office/drawing/2014/main" id="{D03DF91F-51A8-4CB1-D93A-FDF53C856A39}"/>
+              </a:ext>
+            </a:extLst>
+          </p:cNvPr>
+          <p:cNvSpPr>
+            <a:spLocks noChangeAspect="1"/>
+          </p:cNvSpPr>
+          <p:nvPr/>
+        </p:nvSpPr>
+        <p:spPr>
+          <a:xfrm>
+            <a:off x="380999" y="193145"/>
+            <a:ext cx="11430001" cy="6429376"/>
+          </a:xfrm>
+          <a:prstGeom prst="rect">
+            <a:avLst/>
+          </a:prstGeom>
+          <a:solidFill>
+            <a:schemeClr val="tx2">
+              <a:lumMod val="25000"/>
+              <a:lumOff val="75000"/>
+            </a:schemeClr>
+          </a:solidFill>
+          <a:ln>
+            <a:noFill/>
+          </a:ln>
+        </p:spPr>
+        <p:style>
+          <a:lnRef idx="2">
+            <a:schemeClr val="accent1">
+              <a:shade val="15000"/>
+            </a:schemeClr>
+          </a:lnRef>
+          <a:fillRef idx="1">
+            <a:schemeClr val="accent1"/>
+          </a:fillRef>
+          <a:effectRef idx="0">
+            <a:schemeClr val="accent1"/>
+          </a:effectRef>
+          <a:fontRef idx="minor">
+            <a:schemeClr val="lt1"/>
+          </a:fontRef>
+        </p:style>
+        <p:txBody>
+          <a:bodyPr rtlCol="0" anchor="ctr"/>
+          <a:lstStyle/>
+          <a:p>
+            <a:pPr algn="ctr"/>
+            <a:endParaRPr lang="ko-KR" altLang="en-US" dirty="0"/>
+          </a:p>
+        </p:txBody>
+      </p:sp>
+      <p:sp>
+        <p:nvSpPr>
+          <p:cNvPr id="28" name="사각형: 둥근 모서리 27">
+            <a:extLst>
+              <a:ext uri="{FF2B5EF4-FFF2-40B4-BE49-F238E27FC236}">
+                <a16:creationId xmlns:a16="http://schemas.microsoft.com/office/drawing/2014/main" id="{51D418FF-09CF-2DDC-D3AD-7BC9C3D80C50}"/>
+              </a:ext>
+            </a:extLst>
+          </p:cNvPr>
+          <p:cNvSpPr/>
+          <p:nvPr/>
+        </p:nvSpPr>
+        <p:spPr>
+          <a:xfrm>
+            <a:off x="732366" y="327241"/>
+            <a:ext cx="10727266" cy="6161185"/>
+          </a:xfrm>
+          <a:prstGeom prst="roundRect">
+            <a:avLst>
+              <a:gd name="adj" fmla="val 1471"/>
+            </a:avLst>
+          </a:prstGeom>
+          <a:solidFill>
+            <a:schemeClr val="bg2">
+              <a:lumMod val="75000"/>
+            </a:schemeClr>
+          </a:solidFill>
+        </p:spPr>
+        <p:style>
+          <a:lnRef idx="2">
+            <a:schemeClr val="accent1">
+              <a:shade val="15000"/>
+            </a:schemeClr>
+          </a:lnRef>
+          <a:fillRef idx="1">
+            <a:schemeClr val="accent1"/>
+          </a:fillRef>
+          <a:effectRef idx="0">
+            <a:schemeClr val="accent1"/>
+          </a:effectRef>
+          <a:fontRef idx="minor">
+            <a:schemeClr val="lt1"/>
+          </a:fontRef>
+        </p:style>
+        <p:txBody>
+          <a:bodyPr rtlCol="0" anchor="ctr"/>
+          <a:lstStyle/>
+          <a:p>
+            <a:pPr algn="ctr"/>
+            <a:endParaRPr lang="ko-KR" altLang="en-US"/>
+          </a:p>
+        </p:txBody>
+      </p:sp>
+      <p:sp>
+        <p:nvSpPr>
+          <p:cNvPr id="2" name="사각형: 둥근 모서리 1">
+            <a:extLst>
+              <a:ext uri="{FF2B5EF4-FFF2-40B4-BE49-F238E27FC236}">
+                <a16:creationId xmlns:a16="http://schemas.microsoft.com/office/drawing/2014/main" id="{82D4989A-45E0-4167-86E3-D6BA5BC031F1}"/>
+              </a:ext>
+            </a:extLst>
+          </p:cNvPr>
+          <p:cNvSpPr/>
+          <p:nvPr/>
+        </p:nvSpPr>
+        <p:spPr>
+          <a:xfrm>
+            <a:off x="2710111" y="535516"/>
+            <a:ext cx="6771776" cy="832329"/>
+          </a:xfrm>
+          <a:prstGeom prst="roundRect">
+            <a:avLst>
+              <a:gd name="adj" fmla="val 30971"/>
+            </a:avLst>
+          </a:prstGeom>
+          <a:solidFill>
+            <a:schemeClr val="accent1">
+              <a:lumMod val="40000"/>
+              <a:lumOff val="60000"/>
+            </a:schemeClr>
+          </a:solidFill>
+        </p:spPr>
+        <p:style>
+          <a:lnRef idx="2">
+            <a:schemeClr val="accent1">
+              <a:shade val="15000"/>
+            </a:schemeClr>
+          </a:lnRef>
+          <a:fillRef idx="1">
+            <a:schemeClr val="accent1"/>
+          </a:fillRef>
+          <a:effectRef idx="0">
+            <a:schemeClr val="accent1"/>
+          </a:effectRef>
+          <a:fontRef idx="minor">
+            <a:schemeClr val="lt1"/>
+          </a:fontRef>
+        </p:style>
+        <p:txBody>
+          <a:bodyPr rtlCol="0" anchor="ctr"/>
+          <a:lstStyle/>
+          <a:p>
+            <a:pPr algn="ctr"/>
+            <a:r>
+              <a:rPr lang="ko-KR" altLang="en-US" sz="2800" b="1" dirty="0">
+                <a:solidFill>
+                  <a:schemeClr val="tx1"/>
+                </a:solidFill>
+              </a:rPr>
+              <a:t>상점</a:t>
+            </a:r>
+          </a:p>
+        </p:txBody>
+      </p:sp>
+      <p:grpSp>
+        <p:nvGrpSpPr>
+          <p:cNvPr id="19" name="그룹 18">
+            <a:extLst>
+              <a:ext uri="{FF2B5EF4-FFF2-40B4-BE49-F238E27FC236}">
+                <a16:creationId xmlns:a16="http://schemas.microsoft.com/office/drawing/2014/main" id="{654C18E8-7F99-43C7-4605-61EB236FC8CE}"/>
+              </a:ext>
+            </a:extLst>
+          </p:cNvPr>
+          <p:cNvGrpSpPr/>
+          <p:nvPr/>
+        </p:nvGrpSpPr>
+        <p:grpSpPr>
+          <a:xfrm>
+            <a:off x="1088721" y="1688031"/>
+            <a:ext cx="1894449" cy="2240104"/>
+            <a:chOff x="984218" y="1731431"/>
+            <a:chExt cx="1894449" cy="2240104"/>
+          </a:xfrm>
+        </p:grpSpPr>
+        <p:sp>
+          <p:nvSpPr>
+            <p:cNvPr id="10" name="사각형: 둥근 모서리 9">
+              <a:extLst>
+                <a:ext uri="{FF2B5EF4-FFF2-40B4-BE49-F238E27FC236}">
+                  <a16:creationId xmlns:a16="http://schemas.microsoft.com/office/drawing/2014/main" id="{7B488CF6-F330-54E0-0FB9-5032A2EBA8EF}"/>
+                </a:ext>
+              </a:extLst>
+            </p:cNvPr>
+            <p:cNvSpPr/>
+            <p:nvPr/>
+          </p:nvSpPr>
+          <p:spPr>
+            <a:xfrm>
+              <a:off x="984218" y="1731431"/>
+              <a:ext cx="1894449" cy="2240104"/>
+            </a:xfrm>
+            <a:prstGeom prst="roundRect">
+              <a:avLst>
+                <a:gd name="adj" fmla="val 7123"/>
+              </a:avLst>
+            </a:prstGeom>
+            <a:solidFill>
+              <a:schemeClr val="accent3">
+                <a:lumMod val="40000"/>
+                <a:lumOff val="60000"/>
+              </a:schemeClr>
+            </a:solidFill>
+          </p:spPr>
+          <p:style>
+            <a:lnRef idx="2">
+              <a:schemeClr val="accent1">
+                <a:shade val="15000"/>
+              </a:schemeClr>
+            </a:lnRef>
+            <a:fillRef idx="1">
+              <a:schemeClr val="accent1"/>
+            </a:fillRef>
+            <a:effectRef idx="0">
+              <a:schemeClr val="accent1"/>
+            </a:effectRef>
+            <a:fontRef idx="minor">
+              <a:schemeClr val="lt1"/>
+            </a:fontRef>
+          </p:style>
+          <p:txBody>
+            <a:bodyPr rtlCol="0" anchor="ctr"/>
+            <a:lstStyle/>
+            <a:p>
+              <a:pPr algn="ctr"/>
+              <a:endParaRPr lang="en-US" altLang="ko-KR" dirty="0">
+                <a:solidFill>
+                  <a:schemeClr val="tx1"/>
+                </a:solidFill>
+              </a:endParaRPr>
+            </a:p>
+          </p:txBody>
+        </p:sp>
+        <p:sp>
+          <p:nvSpPr>
+            <p:cNvPr id="11" name="TextBox 10">
+              <a:extLst>
+                <a:ext uri="{FF2B5EF4-FFF2-40B4-BE49-F238E27FC236}">
+                  <a16:creationId xmlns:a16="http://schemas.microsoft.com/office/drawing/2014/main" id="{10CAE885-EA5F-43F6-AB6B-8DB1B7CAD897}"/>
+                </a:ext>
+              </a:extLst>
+            </p:cNvPr>
+            <p:cNvSpPr txBox="1"/>
+            <p:nvPr/>
+          </p:nvSpPr>
+          <p:spPr>
+            <a:xfrm>
+              <a:off x="1132185" y="3551943"/>
+              <a:ext cx="1598515" cy="369332"/>
+            </a:xfrm>
+            <a:prstGeom prst="rect">
+              <a:avLst/>
+            </a:prstGeom>
+            <a:noFill/>
+          </p:spPr>
+          <p:txBody>
+            <a:bodyPr wrap="none" rtlCol="0">
+              <a:spAutoFit/>
+            </a:bodyPr>
+            <a:lstStyle/>
+            <a:p>
+              <a:pPr algn="ctr"/>
+              <a:r>
+                <a:rPr lang="ko-KR" altLang="en-US" b="1" dirty="0"/>
+                <a:t>가격 </a:t>
+              </a:r>
+              <a:r>
+                <a:rPr lang="en-US" altLang="ko-KR" b="1" dirty="0"/>
+                <a:t>: 45</a:t>
+              </a:r>
+              <a:r>
+                <a:rPr lang="ko-KR" altLang="en-US" b="1" dirty="0"/>
+                <a:t>골드</a:t>
+              </a:r>
+            </a:p>
+          </p:txBody>
+        </p:sp>
+        <p:sp>
+          <p:nvSpPr>
+            <p:cNvPr id="13" name="사각형: 둥근 모서리 12">
+              <a:extLst>
+                <a:ext uri="{FF2B5EF4-FFF2-40B4-BE49-F238E27FC236}">
+                  <a16:creationId xmlns:a16="http://schemas.microsoft.com/office/drawing/2014/main" id="{5EA7A5A9-D8F0-0A8D-B8F6-13CAC4D1A550}"/>
+                </a:ext>
+              </a:extLst>
+            </p:cNvPr>
+            <p:cNvSpPr/>
+            <p:nvPr/>
+          </p:nvSpPr>
+          <p:spPr>
+            <a:xfrm>
+              <a:off x="1400070" y="1819958"/>
+              <a:ext cx="1062745" cy="1134909"/>
+            </a:xfrm>
+            <a:prstGeom prst="roundRect">
+              <a:avLst>
+                <a:gd name="adj" fmla="val 7123"/>
+              </a:avLst>
+            </a:prstGeom>
+            <a:solidFill>
+              <a:srgbClr val="FFFF00"/>
+            </a:solidFill>
+          </p:spPr>
+          <p:style>
+            <a:lnRef idx="2">
+              <a:schemeClr val="accent1">
+                <a:shade val="15000"/>
+              </a:schemeClr>
+            </a:lnRef>
+            <a:fillRef idx="1">
+              <a:schemeClr val="accent1"/>
+            </a:fillRef>
+            <a:effectRef idx="0">
+              <a:schemeClr val="accent1"/>
+            </a:effectRef>
+            <a:fontRef idx="minor">
+              <a:schemeClr val="lt1"/>
+            </a:fontRef>
+          </p:style>
+          <p:txBody>
+            <a:bodyPr rtlCol="0" anchor="ctr"/>
+            <a:lstStyle/>
+            <a:p>
+              <a:pPr algn="ctr"/>
+              <a:r>
+                <a:rPr lang="ko-KR" altLang="en-US" dirty="0">
+                  <a:solidFill>
+                    <a:schemeClr val="tx1"/>
+                  </a:solidFill>
+                </a:rPr>
+                <a:t>레시피 </a:t>
+              </a:r>
+              <a:endParaRPr lang="en-US" altLang="ko-KR" dirty="0">
+                <a:solidFill>
+                  <a:schemeClr val="tx1"/>
+                </a:solidFill>
+              </a:endParaRPr>
+            </a:p>
+            <a:p>
+              <a:pPr algn="ctr"/>
+              <a:r>
+                <a:rPr lang="ko-KR" altLang="en-US" dirty="0">
+                  <a:solidFill>
+                    <a:schemeClr val="tx1"/>
+                  </a:solidFill>
+                </a:rPr>
+                <a:t>이미지</a:t>
+              </a:r>
+              <a:endParaRPr lang="en-US" altLang="ko-KR" dirty="0">
+                <a:solidFill>
+                  <a:schemeClr val="tx1"/>
+                </a:solidFill>
+              </a:endParaRPr>
+            </a:p>
+          </p:txBody>
+        </p:sp>
+        <p:sp>
+          <p:nvSpPr>
+            <p:cNvPr id="17" name="TextBox 16">
+              <a:extLst>
+                <a:ext uri="{FF2B5EF4-FFF2-40B4-BE49-F238E27FC236}">
+                  <a16:creationId xmlns:a16="http://schemas.microsoft.com/office/drawing/2014/main" id="{842337A9-0C68-341B-4F8F-100BC7D351AA}"/>
+                </a:ext>
+              </a:extLst>
+            </p:cNvPr>
+            <p:cNvSpPr txBox="1"/>
+            <p:nvPr/>
+          </p:nvSpPr>
+          <p:spPr>
+            <a:xfrm>
+              <a:off x="1454390" y="3088963"/>
+              <a:ext cx="954107" cy="400110"/>
+            </a:xfrm>
+            <a:prstGeom prst="rect">
+              <a:avLst/>
+            </a:prstGeom>
+            <a:noFill/>
+          </p:spPr>
+          <p:txBody>
+            <a:bodyPr wrap="none" rtlCol="0">
+              <a:spAutoFit/>
+            </a:bodyPr>
+            <a:lstStyle/>
+            <a:p>
+              <a:pPr algn="ctr"/>
+              <a:r>
+                <a:rPr lang="ko-KR" altLang="en-US" sz="2000" b="1" dirty="0"/>
+                <a:t>살충제</a:t>
+              </a:r>
+            </a:p>
+          </p:txBody>
+        </p:sp>
+      </p:grpSp>
+      <p:grpSp>
+        <p:nvGrpSpPr>
+          <p:cNvPr id="24" name="그룹 23">
+            <a:extLst>
+              <a:ext uri="{FF2B5EF4-FFF2-40B4-BE49-F238E27FC236}">
+                <a16:creationId xmlns:a16="http://schemas.microsoft.com/office/drawing/2014/main" id="{0A4890AB-7A72-D2ED-0960-97D915A8EA9C}"/>
+              </a:ext>
+            </a:extLst>
+          </p:cNvPr>
+          <p:cNvGrpSpPr/>
+          <p:nvPr/>
+        </p:nvGrpSpPr>
+        <p:grpSpPr>
+          <a:xfrm>
+            <a:off x="3624517" y="1688031"/>
+            <a:ext cx="1894449" cy="2240104"/>
+            <a:chOff x="984218" y="1731431"/>
+            <a:chExt cx="1894449" cy="2240104"/>
+          </a:xfrm>
+        </p:grpSpPr>
+        <p:sp>
+          <p:nvSpPr>
+            <p:cNvPr id="27" name="사각형: 둥근 모서리 26">
+              <a:extLst>
+                <a:ext uri="{FF2B5EF4-FFF2-40B4-BE49-F238E27FC236}">
+                  <a16:creationId xmlns:a16="http://schemas.microsoft.com/office/drawing/2014/main" id="{5E9795B6-A7A8-DBE9-76F0-7F54FE8190DE}"/>
+                </a:ext>
+              </a:extLst>
+            </p:cNvPr>
+            <p:cNvSpPr/>
+            <p:nvPr/>
+          </p:nvSpPr>
+          <p:spPr>
+            <a:xfrm>
+              <a:off x="984218" y="1731431"/>
+              <a:ext cx="1894449" cy="2240104"/>
+            </a:xfrm>
+            <a:prstGeom prst="roundRect">
+              <a:avLst>
+                <a:gd name="adj" fmla="val 7123"/>
+              </a:avLst>
+            </a:prstGeom>
+            <a:solidFill>
+              <a:schemeClr val="accent3">
+                <a:lumMod val="40000"/>
+                <a:lumOff val="60000"/>
+              </a:schemeClr>
+            </a:solidFill>
+          </p:spPr>
+          <p:style>
+            <a:lnRef idx="2">
+              <a:schemeClr val="accent1">
+                <a:shade val="15000"/>
+              </a:schemeClr>
+            </a:lnRef>
+            <a:fillRef idx="1">
+              <a:schemeClr val="accent1"/>
+            </a:fillRef>
+            <a:effectRef idx="0">
+              <a:schemeClr val="accent1"/>
+            </a:effectRef>
+            <a:fontRef idx="minor">
+              <a:schemeClr val="lt1"/>
+            </a:fontRef>
+          </p:style>
+          <p:txBody>
+            <a:bodyPr rtlCol="0" anchor="ctr"/>
+            <a:lstStyle/>
+            <a:p>
+              <a:pPr algn="ctr"/>
+              <a:endParaRPr lang="en-US" altLang="ko-KR" dirty="0">
+                <a:solidFill>
+                  <a:schemeClr val="tx1"/>
+                </a:solidFill>
+              </a:endParaRPr>
+            </a:p>
+          </p:txBody>
+        </p:sp>
+        <p:sp>
+          <p:nvSpPr>
+            <p:cNvPr id="29" name="TextBox 28">
+              <a:extLst>
+                <a:ext uri="{FF2B5EF4-FFF2-40B4-BE49-F238E27FC236}">
+                  <a16:creationId xmlns:a16="http://schemas.microsoft.com/office/drawing/2014/main" id="{CF0FF806-A783-A5F7-C812-133EAA7332FE}"/>
+                </a:ext>
+              </a:extLst>
+            </p:cNvPr>
+            <p:cNvSpPr txBox="1"/>
+            <p:nvPr/>
+          </p:nvSpPr>
+          <p:spPr>
+            <a:xfrm>
+              <a:off x="1132184" y="3551943"/>
+              <a:ext cx="1598516" cy="369332"/>
+            </a:xfrm>
+            <a:prstGeom prst="rect">
+              <a:avLst/>
+            </a:prstGeom>
+            <a:noFill/>
+          </p:spPr>
+          <p:txBody>
+            <a:bodyPr wrap="none" rtlCol="0">
+              <a:spAutoFit/>
+            </a:bodyPr>
+            <a:lstStyle/>
+            <a:p>
+              <a:pPr algn="ctr"/>
+              <a:r>
+                <a:rPr lang="ko-KR" altLang="en-US" b="1" dirty="0"/>
+                <a:t>가격 </a:t>
+              </a:r>
+              <a:r>
+                <a:rPr lang="en-US" altLang="ko-KR" b="1" dirty="0"/>
+                <a:t>: 75</a:t>
+              </a:r>
+              <a:r>
+                <a:rPr lang="ko-KR" altLang="en-US" b="1" dirty="0"/>
+                <a:t>골드</a:t>
+              </a:r>
+            </a:p>
+          </p:txBody>
+        </p:sp>
+        <p:sp>
+          <p:nvSpPr>
+            <p:cNvPr id="31" name="사각형: 둥근 모서리 30">
+              <a:extLst>
+                <a:ext uri="{FF2B5EF4-FFF2-40B4-BE49-F238E27FC236}">
+                  <a16:creationId xmlns:a16="http://schemas.microsoft.com/office/drawing/2014/main" id="{B721BA3C-06F0-C850-4264-A651DD3B487B}"/>
+                </a:ext>
+              </a:extLst>
+            </p:cNvPr>
+            <p:cNvSpPr/>
+            <p:nvPr/>
+          </p:nvSpPr>
+          <p:spPr>
+            <a:xfrm>
+              <a:off x="1400070" y="1819958"/>
+              <a:ext cx="1062745" cy="1134909"/>
+            </a:xfrm>
+            <a:prstGeom prst="roundRect">
+              <a:avLst>
+                <a:gd name="adj" fmla="val 7123"/>
+              </a:avLst>
+            </a:prstGeom>
+            <a:solidFill>
+              <a:srgbClr val="FFFF00"/>
+            </a:solidFill>
+          </p:spPr>
+          <p:style>
+            <a:lnRef idx="2">
+              <a:schemeClr val="accent1">
+                <a:shade val="15000"/>
+              </a:schemeClr>
+            </a:lnRef>
+            <a:fillRef idx="1">
+              <a:schemeClr val="accent1"/>
+            </a:fillRef>
+            <a:effectRef idx="0">
+              <a:schemeClr val="accent1"/>
+            </a:effectRef>
+            <a:fontRef idx="minor">
+              <a:schemeClr val="lt1"/>
+            </a:fontRef>
+          </p:style>
+          <p:txBody>
+            <a:bodyPr rtlCol="0" anchor="ctr"/>
+            <a:lstStyle/>
+            <a:p>
+              <a:pPr algn="ctr"/>
+              <a:r>
+                <a:rPr lang="ko-KR" altLang="en-US" dirty="0">
+                  <a:solidFill>
+                    <a:schemeClr val="tx1"/>
+                  </a:solidFill>
+                </a:rPr>
+                <a:t>레시피 </a:t>
+              </a:r>
+              <a:endParaRPr lang="en-US" altLang="ko-KR" dirty="0">
+                <a:solidFill>
+                  <a:schemeClr val="tx1"/>
+                </a:solidFill>
+              </a:endParaRPr>
+            </a:p>
+            <a:p>
+              <a:pPr algn="ctr"/>
+              <a:r>
+                <a:rPr lang="ko-KR" altLang="en-US" dirty="0">
+                  <a:solidFill>
+                    <a:schemeClr val="tx1"/>
+                  </a:solidFill>
+                </a:rPr>
+                <a:t>이미지</a:t>
+              </a:r>
+              <a:endParaRPr lang="en-US" altLang="ko-KR" dirty="0">
+                <a:solidFill>
+                  <a:schemeClr val="tx1"/>
+                </a:solidFill>
+              </a:endParaRPr>
+            </a:p>
+          </p:txBody>
+        </p:sp>
+        <p:sp>
+          <p:nvSpPr>
+            <p:cNvPr id="32" name="TextBox 31">
+              <a:extLst>
+                <a:ext uri="{FF2B5EF4-FFF2-40B4-BE49-F238E27FC236}">
+                  <a16:creationId xmlns:a16="http://schemas.microsoft.com/office/drawing/2014/main" id="{9F6D9661-41EA-44EE-4765-A63294A30C2D}"/>
+                </a:ext>
+              </a:extLst>
+            </p:cNvPr>
+            <p:cNvSpPr txBox="1"/>
+            <p:nvPr/>
+          </p:nvSpPr>
+          <p:spPr>
+            <a:xfrm>
+              <a:off x="1153026" y="3088963"/>
+              <a:ext cx="1556836" cy="400110"/>
+            </a:xfrm>
+            <a:prstGeom prst="rect">
+              <a:avLst/>
+            </a:prstGeom>
+            <a:noFill/>
+          </p:spPr>
+          <p:txBody>
+            <a:bodyPr wrap="none" rtlCol="0">
+              <a:spAutoFit/>
+            </a:bodyPr>
+            <a:lstStyle/>
+            <a:p>
+              <a:pPr algn="ctr"/>
+              <a:r>
+                <a:rPr lang="ko-KR" altLang="en-US" sz="2000" b="1" dirty="0"/>
+                <a:t>희귀 </a:t>
+              </a:r>
+              <a:r>
+                <a:rPr lang="ko-KR" altLang="en-US" sz="2000" b="1" dirty="0" err="1"/>
+                <a:t>회복약</a:t>
+              </a:r>
+              <a:endParaRPr lang="ko-KR" altLang="en-US" sz="2000" b="1" dirty="0"/>
+            </a:p>
+          </p:txBody>
+        </p:sp>
+      </p:grpSp>
+      <p:grpSp>
+        <p:nvGrpSpPr>
+          <p:cNvPr id="34" name="그룹 33">
+            <a:extLst>
+              <a:ext uri="{FF2B5EF4-FFF2-40B4-BE49-F238E27FC236}">
+                <a16:creationId xmlns:a16="http://schemas.microsoft.com/office/drawing/2014/main" id="{0BD06C1A-123F-5AAE-DB62-74E760A96E09}"/>
+              </a:ext>
+            </a:extLst>
+          </p:cNvPr>
+          <p:cNvGrpSpPr/>
+          <p:nvPr/>
+        </p:nvGrpSpPr>
+        <p:grpSpPr>
+          <a:xfrm>
+            <a:off x="6160312" y="1688031"/>
+            <a:ext cx="1894449" cy="2240104"/>
+            <a:chOff x="984218" y="1731431"/>
+            <a:chExt cx="1894449" cy="2240104"/>
+          </a:xfrm>
+        </p:grpSpPr>
+        <p:sp>
+          <p:nvSpPr>
+            <p:cNvPr id="35" name="사각형: 둥근 모서리 34">
+              <a:extLst>
+                <a:ext uri="{FF2B5EF4-FFF2-40B4-BE49-F238E27FC236}">
+                  <a16:creationId xmlns:a16="http://schemas.microsoft.com/office/drawing/2014/main" id="{F7BFC224-9F90-82C6-D51F-5ED6D066BB02}"/>
+                </a:ext>
+              </a:extLst>
+            </p:cNvPr>
+            <p:cNvSpPr/>
+            <p:nvPr/>
+          </p:nvSpPr>
+          <p:spPr>
+            <a:xfrm>
+              <a:off x="984218" y="1731431"/>
+              <a:ext cx="1894449" cy="2240104"/>
+            </a:xfrm>
+            <a:prstGeom prst="roundRect">
+              <a:avLst>
+                <a:gd name="adj" fmla="val 7123"/>
+              </a:avLst>
+            </a:prstGeom>
+            <a:solidFill>
+              <a:schemeClr val="accent3">
+                <a:lumMod val="40000"/>
+                <a:lumOff val="60000"/>
+              </a:schemeClr>
+            </a:solidFill>
+          </p:spPr>
+          <p:style>
+            <a:lnRef idx="2">
+              <a:schemeClr val="accent1">
+                <a:shade val="15000"/>
+              </a:schemeClr>
+            </a:lnRef>
+            <a:fillRef idx="1">
+              <a:schemeClr val="accent1"/>
+            </a:fillRef>
+            <a:effectRef idx="0">
+              <a:schemeClr val="accent1"/>
+            </a:effectRef>
+            <a:fontRef idx="minor">
+              <a:schemeClr val="lt1"/>
+            </a:fontRef>
+          </p:style>
+          <p:txBody>
+            <a:bodyPr rtlCol="0" anchor="ctr"/>
+            <a:lstStyle/>
+            <a:p>
+              <a:pPr algn="ctr"/>
+              <a:endParaRPr lang="en-US" altLang="ko-KR" dirty="0">
+                <a:solidFill>
+                  <a:schemeClr val="tx1"/>
+                </a:solidFill>
+              </a:endParaRPr>
+            </a:p>
+          </p:txBody>
+        </p:sp>
+        <p:sp>
+          <p:nvSpPr>
+            <p:cNvPr id="36" name="TextBox 35">
+              <a:extLst>
+                <a:ext uri="{FF2B5EF4-FFF2-40B4-BE49-F238E27FC236}">
+                  <a16:creationId xmlns:a16="http://schemas.microsoft.com/office/drawing/2014/main" id="{7DC4545E-B4D6-694F-9438-C84602F55476}"/>
+                </a:ext>
+              </a:extLst>
+            </p:cNvPr>
+            <p:cNvSpPr txBox="1"/>
+            <p:nvPr/>
+          </p:nvSpPr>
+          <p:spPr>
+            <a:xfrm>
+              <a:off x="1132185" y="3551943"/>
+              <a:ext cx="1598515" cy="369332"/>
+            </a:xfrm>
+            <a:prstGeom prst="rect">
+              <a:avLst/>
+            </a:prstGeom>
+            <a:noFill/>
+          </p:spPr>
+          <p:txBody>
+            <a:bodyPr wrap="none" rtlCol="0">
+              <a:spAutoFit/>
+            </a:bodyPr>
+            <a:lstStyle/>
+            <a:p>
+              <a:pPr algn="ctr"/>
+              <a:r>
+                <a:rPr lang="ko-KR" altLang="en-US" b="1" dirty="0"/>
+                <a:t>가격 </a:t>
+              </a:r>
+              <a:r>
+                <a:rPr lang="en-US" altLang="ko-KR" b="1" dirty="0"/>
+                <a:t>: 45</a:t>
+              </a:r>
+              <a:r>
+                <a:rPr lang="ko-KR" altLang="en-US" b="1" dirty="0"/>
+                <a:t>골드</a:t>
+              </a:r>
+            </a:p>
+          </p:txBody>
+        </p:sp>
+        <p:sp>
+          <p:nvSpPr>
+            <p:cNvPr id="46" name="사각형: 둥근 모서리 45">
+              <a:extLst>
+                <a:ext uri="{FF2B5EF4-FFF2-40B4-BE49-F238E27FC236}">
+                  <a16:creationId xmlns:a16="http://schemas.microsoft.com/office/drawing/2014/main" id="{AE8ED4E1-F20F-64DD-6973-3AC705A47D9A}"/>
+                </a:ext>
+              </a:extLst>
+            </p:cNvPr>
+            <p:cNvSpPr/>
+            <p:nvPr/>
+          </p:nvSpPr>
+          <p:spPr>
+            <a:xfrm>
+              <a:off x="1400070" y="1819958"/>
+              <a:ext cx="1062745" cy="1134909"/>
+            </a:xfrm>
+            <a:prstGeom prst="roundRect">
+              <a:avLst>
+                <a:gd name="adj" fmla="val 7123"/>
+              </a:avLst>
+            </a:prstGeom>
+            <a:solidFill>
+              <a:srgbClr val="FFFF00"/>
+            </a:solidFill>
+          </p:spPr>
+          <p:style>
+            <a:lnRef idx="2">
+              <a:schemeClr val="accent1">
+                <a:shade val="15000"/>
+              </a:schemeClr>
+            </a:lnRef>
+            <a:fillRef idx="1">
+              <a:schemeClr val="accent1"/>
+            </a:fillRef>
+            <a:effectRef idx="0">
+              <a:schemeClr val="accent1"/>
+            </a:effectRef>
+            <a:fontRef idx="minor">
+              <a:schemeClr val="lt1"/>
+            </a:fontRef>
+          </p:style>
+          <p:txBody>
+            <a:bodyPr rtlCol="0" anchor="ctr"/>
+            <a:lstStyle/>
+            <a:p>
+              <a:pPr algn="ctr"/>
+              <a:r>
+                <a:rPr lang="ko-KR" altLang="en-US" dirty="0">
+                  <a:solidFill>
+                    <a:schemeClr val="tx1"/>
+                  </a:solidFill>
+                </a:rPr>
+                <a:t>레시피 </a:t>
+              </a:r>
+              <a:endParaRPr lang="en-US" altLang="ko-KR" dirty="0">
+                <a:solidFill>
+                  <a:schemeClr val="tx1"/>
+                </a:solidFill>
+              </a:endParaRPr>
+            </a:p>
+            <a:p>
+              <a:pPr algn="ctr"/>
+              <a:r>
+                <a:rPr lang="ko-KR" altLang="en-US" dirty="0">
+                  <a:solidFill>
+                    <a:schemeClr val="tx1"/>
+                  </a:solidFill>
+                </a:rPr>
+                <a:t>이미지</a:t>
+              </a:r>
+              <a:endParaRPr lang="en-US" altLang="ko-KR" dirty="0">
+                <a:solidFill>
+                  <a:schemeClr val="tx1"/>
+                </a:solidFill>
+              </a:endParaRPr>
+            </a:p>
+          </p:txBody>
+        </p:sp>
+        <p:sp>
+          <p:nvSpPr>
+            <p:cNvPr id="48" name="TextBox 47">
+              <a:extLst>
+                <a:ext uri="{FF2B5EF4-FFF2-40B4-BE49-F238E27FC236}">
+                  <a16:creationId xmlns:a16="http://schemas.microsoft.com/office/drawing/2014/main" id="{2FECF92E-1C54-F036-A5E1-34CECB739504}"/>
+                </a:ext>
+              </a:extLst>
+            </p:cNvPr>
+            <p:cNvSpPr txBox="1"/>
+            <p:nvPr/>
+          </p:nvSpPr>
+          <p:spPr>
+            <a:xfrm>
+              <a:off x="1582630" y="3088963"/>
+              <a:ext cx="697628" cy="400110"/>
+            </a:xfrm>
+            <a:prstGeom prst="rect">
+              <a:avLst/>
+            </a:prstGeom>
+            <a:noFill/>
+          </p:spPr>
+          <p:txBody>
+            <a:bodyPr wrap="none" rtlCol="0">
+              <a:spAutoFit/>
+            </a:bodyPr>
+            <a:lstStyle/>
+            <a:p>
+              <a:pPr algn="ctr"/>
+              <a:r>
+                <a:rPr lang="ko-KR" altLang="en-US" sz="2000" b="1" dirty="0"/>
+                <a:t>환약</a:t>
+              </a:r>
+            </a:p>
+          </p:txBody>
+        </p:sp>
+      </p:grpSp>
+      <p:grpSp>
+        <p:nvGrpSpPr>
+          <p:cNvPr id="49" name="그룹 48">
+            <a:extLst>
+              <a:ext uri="{FF2B5EF4-FFF2-40B4-BE49-F238E27FC236}">
+                <a16:creationId xmlns:a16="http://schemas.microsoft.com/office/drawing/2014/main" id="{A2F2EE20-5F8D-9676-45FF-3A1B756224C1}"/>
+              </a:ext>
+            </a:extLst>
+          </p:cNvPr>
+          <p:cNvGrpSpPr/>
+          <p:nvPr/>
+        </p:nvGrpSpPr>
+        <p:grpSpPr>
+          <a:xfrm>
+            <a:off x="1088721" y="4088228"/>
+            <a:ext cx="1894449" cy="2240104"/>
+            <a:chOff x="984218" y="1731431"/>
+            <a:chExt cx="1894449" cy="2240104"/>
+          </a:xfrm>
+        </p:grpSpPr>
+        <p:sp>
+          <p:nvSpPr>
+            <p:cNvPr id="50" name="사각형: 둥근 모서리 49">
+              <a:extLst>
+                <a:ext uri="{FF2B5EF4-FFF2-40B4-BE49-F238E27FC236}">
+                  <a16:creationId xmlns:a16="http://schemas.microsoft.com/office/drawing/2014/main" id="{382602BB-3083-BAF9-3676-0B1EF2EE4CC1}"/>
+                </a:ext>
+              </a:extLst>
+            </p:cNvPr>
+            <p:cNvSpPr/>
+            <p:nvPr/>
+          </p:nvSpPr>
+          <p:spPr>
+            <a:xfrm>
+              <a:off x="984218" y="1731431"/>
+              <a:ext cx="1894449" cy="2240104"/>
+            </a:xfrm>
+            <a:prstGeom prst="roundRect">
+              <a:avLst>
+                <a:gd name="adj" fmla="val 7123"/>
+              </a:avLst>
+            </a:prstGeom>
+            <a:solidFill>
+              <a:schemeClr val="accent3">
+                <a:lumMod val="40000"/>
+                <a:lumOff val="60000"/>
+              </a:schemeClr>
+            </a:solidFill>
+          </p:spPr>
+          <p:style>
+            <a:lnRef idx="2">
+              <a:schemeClr val="accent1">
+                <a:shade val="15000"/>
+              </a:schemeClr>
+            </a:lnRef>
+            <a:fillRef idx="1">
+              <a:schemeClr val="accent1"/>
+            </a:fillRef>
+            <a:effectRef idx="0">
+              <a:schemeClr val="accent1"/>
+            </a:effectRef>
+            <a:fontRef idx="minor">
+              <a:schemeClr val="lt1"/>
+            </a:fontRef>
+          </p:style>
+          <p:txBody>
+            <a:bodyPr rtlCol="0" anchor="ctr"/>
+            <a:lstStyle/>
+            <a:p>
+              <a:pPr algn="ctr"/>
+              <a:endParaRPr lang="en-US" altLang="ko-KR" dirty="0">
+                <a:solidFill>
+                  <a:schemeClr val="tx1"/>
+                </a:solidFill>
+              </a:endParaRPr>
+            </a:p>
+          </p:txBody>
+        </p:sp>
+        <p:sp>
+          <p:nvSpPr>
+            <p:cNvPr id="51" name="TextBox 50">
+              <a:extLst>
+                <a:ext uri="{FF2B5EF4-FFF2-40B4-BE49-F238E27FC236}">
+                  <a16:creationId xmlns:a16="http://schemas.microsoft.com/office/drawing/2014/main" id="{A06446F5-432B-7AC6-3732-CAE7AD277F96}"/>
+                </a:ext>
+              </a:extLst>
+            </p:cNvPr>
+            <p:cNvSpPr txBox="1"/>
+            <p:nvPr/>
+          </p:nvSpPr>
+          <p:spPr>
+            <a:xfrm>
+              <a:off x="1132185" y="3551943"/>
+              <a:ext cx="1598515" cy="369332"/>
+            </a:xfrm>
+            <a:prstGeom prst="rect">
+              <a:avLst/>
+            </a:prstGeom>
+            <a:noFill/>
+          </p:spPr>
+          <p:txBody>
+            <a:bodyPr wrap="none" rtlCol="0">
+              <a:spAutoFit/>
+            </a:bodyPr>
+            <a:lstStyle/>
+            <a:p>
+              <a:pPr algn="ctr"/>
+              <a:r>
+                <a:rPr lang="ko-KR" altLang="en-US" b="1" dirty="0"/>
+                <a:t>가격 </a:t>
+              </a:r>
+              <a:r>
+                <a:rPr lang="en-US" altLang="ko-KR" b="1" dirty="0"/>
+                <a:t>: 45</a:t>
+              </a:r>
+              <a:r>
+                <a:rPr lang="ko-KR" altLang="en-US" b="1" dirty="0"/>
+                <a:t>골드</a:t>
+              </a:r>
+            </a:p>
+          </p:txBody>
+        </p:sp>
+        <p:sp>
+          <p:nvSpPr>
+            <p:cNvPr id="52" name="사각형: 둥근 모서리 51">
+              <a:extLst>
+                <a:ext uri="{FF2B5EF4-FFF2-40B4-BE49-F238E27FC236}">
+                  <a16:creationId xmlns:a16="http://schemas.microsoft.com/office/drawing/2014/main" id="{246E31C1-D18A-9EC4-D1E0-F4C01AA206C6}"/>
+                </a:ext>
+              </a:extLst>
+            </p:cNvPr>
+            <p:cNvSpPr/>
+            <p:nvPr/>
+          </p:nvSpPr>
+          <p:spPr>
+            <a:xfrm>
+              <a:off x="1400070" y="1819958"/>
+              <a:ext cx="1062745" cy="1134909"/>
+            </a:xfrm>
+            <a:prstGeom prst="roundRect">
+              <a:avLst>
+                <a:gd name="adj" fmla="val 7123"/>
+              </a:avLst>
+            </a:prstGeom>
+            <a:solidFill>
+              <a:srgbClr val="FFFF00"/>
+            </a:solidFill>
+          </p:spPr>
+          <p:style>
+            <a:lnRef idx="2">
+              <a:schemeClr val="accent1">
+                <a:shade val="15000"/>
+              </a:schemeClr>
+            </a:lnRef>
+            <a:fillRef idx="1">
+              <a:schemeClr val="accent1"/>
+            </a:fillRef>
+            <a:effectRef idx="0">
+              <a:schemeClr val="accent1"/>
+            </a:effectRef>
+            <a:fontRef idx="minor">
+              <a:schemeClr val="lt1"/>
+            </a:fontRef>
+          </p:style>
+          <p:txBody>
+            <a:bodyPr rtlCol="0" anchor="ctr"/>
+            <a:lstStyle/>
+            <a:p>
+              <a:pPr algn="ctr"/>
+              <a:r>
+                <a:rPr lang="ko-KR" altLang="en-US" dirty="0">
+                  <a:solidFill>
+                    <a:schemeClr val="tx1"/>
+                  </a:solidFill>
+                </a:rPr>
+                <a:t>버프 </a:t>
+              </a:r>
+              <a:endParaRPr lang="en-US" altLang="ko-KR" dirty="0">
+                <a:solidFill>
+                  <a:schemeClr val="tx1"/>
+                </a:solidFill>
+              </a:endParaRPr>
+            </a:p>
+            <a:p>
+              <a:pPr algn="ctr"/>
+              <a:r>
+                <a:rPr lang="ko-KR" altLang="en-US" dirty="0">
+                  <a:solidFill>
+                    <a:schemeClr val="tx1"/>
+                  </a:solidFill>
+                </a:rPr>
+                <a:t>이미지</a:t>
+              </a:r>
+              <a:endParaRPr lang="en-US" altLang="ko-KR" dirty="0">
+                <a:solidFill>
+                  <a:schemeClr val="tx1"/>
+                </a:solidFill>
+              </a:endParaRPr>
+            </a:p>
+          </p:txBody>
+        </p:sp>
+        <p:sp>
+          <p:nvSpPr>
+            <p:cNvPr id="53" name="TextBox 52">
+              <a:extLst>
+                <a:ext uri="{FF2B5EF4-FFF2-40B4-BE49-F238E27FC236}">
+                  <a16:creationId xmlns:a16="http://schemas.microsoft.com/office/drawing/2014/main" id="{851FE25F-A298-E32E-FB9C-0065E497E340}"/>
+                </a:ext>
+              </a:extLst>
+            </p:cNvPr>
+            <p:cNvSpPr txBox="1"/>
+            <p:nvPr/>
+          </p:nvSpPr>
+          <p:spPr>
+            <a:xfrm>
+              <a:off x="1281269" y="3088963"/>
+              <a:ext cx="1300357" cy="400110"/>
+            </a:xfrm>
+            <a:prstGeom prst="rect">
+              <a:avLst/>
+            </a:prstGeom>
+            <a:noFill/>
+          </p:spPr>
+          <p:txBody>
+            <a:bodyPr wrap="none" rtlCol="0">
+              <a:spAutoFit/>
+            </a:bodyPr>
+            <a:lstStyle/>
+            <a:p>
+              <a:pPr algn="ctr"/>
+              <a:r>
+                <a:rPr lang="ko-KR" altLang="en-US" sz="2000" b="1" dirty="0"/>
+                <a:t>절구 대여</a:t>
+              </a:r>
+            </a:p>
+          </p:txBody>
+        </p:sp>
+      </p:grpSp>
+      <p:grpSp>
+        <p:nvGrpSpPr>
+          <p:cNvPr id="54" name="그룹 53">
+            <a:extLst>
+              <a:ext uri="{FF2B5EF4-FFF2-40B4-BE49-F238E27FC236}">
+                <a16:creationId xmlns:a16="http://schemas.microsoft.com/office/drawing/2014/main" id="{275EF6BD-93BE-6C15-D640-2B00EBE146A9}"/>
+              </a:ext>
+            </a:extLst>
+          </p:cNvPr>
+          <p:cNvGrpSpPr/>
+          <p:nvPr/>
+        </p:nvGrpSpPr>
+        <p:grpSpPr>
+          <a:xfrm>
+            <a:off x="3624517" y="4088228"/>
+            <a:ext cx="1894449" cy="2240104"/>
+            <a:chOff x="984218" y="1731431"/>
+            <a:chExt cx="1894449" cy="2240104"/>
+          </a:xfrm>
+        </p:grpSpPr>
+        <p:sp>
+          <p:nvSpPr>
+            <p:cNvPr id="55" name="사각형: 둥근 모서리 54">
+              <a:extLst>
+                <a:ext uri="{FF2B5EF4-FFF2-40B4-BE49-F238E27FC236}">
+                  <a16:creationId xmlns:a16="http://schemas.microsoft.com/office/drawing/2014/main" id="{305A66A2-5808-9CB1-4075-6CD96FE892FB}"/>
+                </a:ext>
+              </a:extLst>
+            </p:cNvPr>
+            <p:cNvSpPr/>
+            <p:nvPr/>
+          </p:nvSpPr>
+          <p:spPr>
+            <a:xfrm>
+              <a:off x="984218" y="1731431"/>
+              <a:ext cx="1894449" cy="2240104"/>
+            </a:xfrm>
+            <a:prstGeom prst="roundRect">
+              <a:avLst>
+                <a:gd name="adj" fmla="val 7123"/>
+              </a:avLst>
+            </a:prstGeom>
+            <a:solidFill>
+              <a:schemeClr val="accent3">
+                <a:lumMod val="40000"/>
+                <a:lumOff val="60000"/>
+              </a:schemeClr>
+            </a:solidFill>
+          </p:spPr>
+          <p:style>
+            <a:lnRef idx="2">
+              <a:schemeClr val="accent1">
+                <a:shade val="15000"/>
+              </a:schemeClr>
+            </a:lnRef>
+            <a:fillRef idx="1">
+              <a:schemeClr val="accent1"/>
+            </a:fillRef>
+            <a:effectRef idx="0">
+              <a:schemeClr val="accent1"/>
+            </a:effectRef>
+            <a:fontRef idx="minor">
+              <a:schemeClr val="lt1"/>
+            </a:fontRef>
+          </p:style>
+          <p:txBody>
+            <a:bodyPr rtlCol="0" anchor="ctr"/>
+            <a:lstStyle/>
+            <a:p>
+              <a:pPr algn="ctr"/>
+              <a:endParaRPr lang="en-US" altLang="ko-KR" dirty="0">
+                <a:solidFill>
+                  <a:schemeClr val="tx1"/>
+                </a:solidFill>
+              </a:endParaRPr>
+            </a:p>
+          </p:txBody>
+        </p:sp>
+        <p:sp>
+          <p:nvSpPr>
+            <p:cNvPr id="56" name="TextBox 55">
+              <a:extLst>
+                <a:ext uri="{FF2B5EF4-FFF2-40B4-BE49-F238E27FC236}">
+                  <a16:creationId xmlns:a16="http://schemas.microsoft.com/office/drawing/2014/main" id="{F83572B9-6311-A592-DA1E-24F9A70C1EFC}"/>
+                </a:ext>
+              </a:extLst>
+            </p:cNvPr>
+            <p:cNvSpPr txBox="1"/>
+            <p:nvPr/>
+          </p:nvSpPr>
+          <p:spPr>
+            <a:xfrm>
+              <a:off x="1132184" y="3551943"/>
+              <a:ext cx="1598516" cy="369332"/>
+            </a:xfrm>
+            <a:prstGeom prst="rect">
+              <a:avLst/>
+            </a:prstGeom>
+            <a:noFill/>
+          </p:spPr>
+          <p:txBody>
+            <a:bodyPr wrap="none" rtlCol="0">
+              <a:spAutoFit/>
+            </a:bodyPr>
+            <a:lstStyle/>
+            <a:p>
+              <a:pPr algn="ctr"/>
+              <a:r>
+                <a:rPr lang="ko-KR" altLang="en-US" b="1" dirty="0"/>
+                <a:t>가격 </a:t>
+              </a:r>
+              <a:r>
+                <a:rPr lang="en-US" altLang="ko-KR" b="1" dirty="0"/>
+                <a:t>: 75</a:t>
+              </a:r>
+              <a:r>
+                <a:rPr lang="ko-KR" altLang="en-US" b="1" dirty="0"/>
+                <a:t>골드</a:t>
+              </a:r>
+            </a:p>
+          </p:txBody>
+        </p:sp>
+        <p:sp>
+          <p:nvSpPr>
+            <p:cNvPr id="57" name="사각형: 둥근 모서리 56">
+              <a:extLst>
+                <a:ext uri="{FF2B5EF4-FFF2-40B4-BE49-F238E27FC236}">
+                  <a16:creationId xmlns:a16="http://schemas.microsoft.com/office/drawing/2014/main" id="{AC264AAB-B1E8-E328-9D25-31756D710ECE}"/>
+                </a:ext>
+              </a:extLst>
+            </p:cNvPr>
+            <p:cNvSpPr/>
+            <p:nvPr/>
+          </p:nvSpPr>
+          <p:spPr>
+            <a:xfrm>
+              <a:off x="1400070" y="1819958"/>
+              <a:ext cx="1062745" cy="1134909"/>
+            </a:xfrm>
+            <a:prstGeom prst="roundRect">
+              <a:avLst>
+                <a:gd name="adj" fmla="val 7123"/>
+              </a:avLst>
+            </a:prstGeom>
+            <a:solidFill>
+              <a:srgbClr val="FFFF00"/>
+            </a:solidFill>
+          </p:spPr>
+          <p:style>
+            <a:lnRef idx="2">
+              <a:schemeClr val="accent1">
+                <a:shade val="15000"/>
+              </a:schemeClr>
+            </a:lnRef>
+            <a:fillRef idx="1">
+              <a:schemeClr val="accent1"/>
+            </a:fillRef>
+            <a:effectRef idx="0">
+              <a:schemeClr val="accent1"/>
+            </a:effectRef>
+            <a:fontRef idx="minor">
+              <a:schemeClr val="lt1"/>
+            </a:fontRef>
+          </p:style>
+          <p:txBody>
+            <a:bodyPr rtlCol="0" anchor="ctr"/>
+            <a:lstStyle/>
+            <a:p>
+              <a:pPr algn="ctr"/>
+              <a:r>
+                <a:rPr lang="ko-KR" altLang="en-US" dirty="0">
+                  <a:solidFill>
+                    <a:schemeClr val="tx1"/>
+                  </a:solidFill>
+                </a:rPr>
+                <a:t>버프 </a:t>
+              </a:r>
+              <a:endParaRPr lang="en-US" altLang="ko-KR" dirty="0">
+                <a:solidFill>
+                  <a:schemeClr val="tx1"/>
+                </a:solidFill>
+              </a:endParaRPr>
+            </a:p>
+            <a:p>
+              <a:pPr algn="ctr"/>
+              <a:r>
+                <a:rPr lang="ko-KR" altLang="en-US" dirty="0">
+                  <a:solidFill>
+                    <a:schemeClr val="tx1"/>
+                  </a:solidFill>
+                </a:rPr>
+                <a:t>이미지</a:t>
+              </a:r>
+              <a:endParaRPr lang="en-US" altLang="ko-KR" dirty="0">
+                <a:solidFill>
+                  <a:schemeClr val="tx1"/>
+                </a:solidFill>
+              </a:endParaRPr>
+            </a:p>
+          </p:txBody>
+        </p:sp>
+        <p:sp>
+          <p:nvSpPr>
+            <p:cNvPr id="58" name="TextBox 57">
+              <a:extLst>
+                <a:ext uri="{FF2B5EF4-FFF2-40B4-BE49-F238E27FC236}">
+                  <a16:creationId xmlns:a16="http://schemas.microsoft.com/office/drawing/2014/main" id="{B13AECB8-35B1-6DFF-589E-D836B1D05113}"/>
+                </a:ext>
+              </a:extLst>
+            </p:cNvPr>
+            <p:cNvSpPr txBox="1"/>
+            <p:nvPr/>
+          </p:nvSpPr>
+          <p:spPr>
+            <a:xfrm>
+              <a:off x="1281269" y="3088963"/>
+              <a:ext cx="1300357" cy="400110"/>
+            </a:xfrm>
+            <a:prstGeom prst="rect">
+              <a:avLst/>
+            </a:prstGeom>
+            <a:noFill/>
+          </p:spPr>
+          <p:txBody>
+            <a:bodyPr wrap="none" rtlCol="0">
+              <a:spAutoFit/>
+            </a:bodyPr>
+            <a:lstStyle/>
+            <a:p>
+              <a:pPr algn="ctr"/>
+              <a:r>
+                <a:rPr lang="ko-KR" altLang="en-US" sz="2000" b="1" dirty="0"/>
+                <a:t>증가 가루</a:t>
+              </a:r>
+            </a:p>
+          </p:txBody>
+        </p:sp>
+      </p:grpSp>
+      <p:grpSp>
+        <p:nvGrpSpPr>
+          <p:cNvPr id="59" name="그룹 58">
+            <a:extLst>
+              <a:ext uri="{FF2B5EF4-FFF2-40B4-BE49-F238E27FC236}">
+                <a16:creationId xmlns:a16="http://schemas.microsoft.com/office/drawing/2014/main" id="{972A73AB-6192-EE66-22B9-BEC8CDAFEC08}"/>
+              </a:ext>
+            </a:extLst>
+          </p:cNvPr>
+          <p:cNvGrpSpPr/>
+          <p:nvPr/>
+        </p:nvGrpSpPr>
+        <p:grpSpPr>
+          <a:xfrm>
+            <a:off x="6160312" y="4088228"/>
+            <a:ext cx="1894449" cy="2240104"/>
+            <a:chOff x="984218" y="1731431"/>
+            <a:chExt cx="1894449" cy="2240104"/>
+          </a:xfrm>
+        </p:grpSpPr>
+        <p:sp>
+          <p:nvSpPr>
+            <p:cNvPr id="60" name="사각형: 둥근 모서리 59">
+              <a:extLst>
+                <a:ext uri="{FF2B5EF4-FFF2-40B4-BE49-F238E27FC236}">
+                  <a16:creationId xmlns:a16="http://schemas.microsoft.com/office/drawing/2014/main" id="{A362DE6A-B7DD-90CE-4B83-617C5EE1252D}"/>
+                </a:ext>
+              </a:extLst>
+            </p:cNvPr>
+            <p:cNvSpPr/>
+            <p:nvPr/>
+          </p:nvSpPr>
+          <p:spPr>
+            <a:xfrm>
+              <a:off x="984218" y="1731431"/>
+              <a:ext cx="1894449" cy="2240104"/>
+            </a:xfrm>
+            <a:prstGeom prst="roundRect">
+              <a:avLst>
+                <a:gd name="adj" fmla="val 7123"/>
+              </a:avLst>
+            </a:prstGeom>
+            <a:solidFill>
+              <a:schemeClr val="accent3">
+                <a:lumMod val="40000"/>
+                <a:lumOff val="60000"/>
+              </a:schemeClr>
+            </a:solidFill>
+          </p:spPr>
+          <p:style>
+            <a:lnRef idx="2">
+              <a:schemeClr val="accent1">
+                <a:shade val="15000"/>
+              </a:schemeClr>
+            </a:lnRef>
+            <a:fillRef idx="1">
+              <a:schemeClr val="accent1"/>
+            </a:fillRef>
+            <a:effectRef idx="0">
+              <a:schemeClr val="accent1"/>
+            </a:effectRef>
+            <a:fontRef idx="minor">
+              <a:schemeClr val="lt1"/>
+            </a:fontRef>
+          </p:style>
+          <p:txBody>
+            <a:bodyPr rtlCol="0" anchor="ctr"/>
+            <a:lstStyle/>
+            <a:p>
+              <a:pPr algn="ctr"/>
+              <a:endParaRPr lang="en-US" altLang="ko-KR" dirty="0">
+                <a:solidFill>
+                  <a:schemeClr val="tx1"/>
+                </a:solidFill>
+              </a:endParaRPr>
+            </a:p>
+          </p:txBody>
+        </p:sp>
+        <p:sp>
+          <p:nvSpPr>
+            <p:cNvPr id="61" name="TextBox 60">
+              <a:extLst>
+                <a:ext uri="{FF2B5EF4-FFF2-40B4-BE49-F238E27FC236}">
+                  <a16:creationId xmlns:a16="http://schemas.microsoft.com/office/drawing/2014/main" id="{F593ABDD-0428-BCFD-C764-CE24CD2B6D35}"/>
+                </a:ext>
+              </a:extLst>
+            </p:cNvPr>
+            <p:cNvSpPr txBox="1"/>
+            <p:nvPr/>
+          </p:nvSpPr>
+          <p:spPr>
+            <a:xfrm>
+              <a:off x="1132185" y="3551943"/>
+              <a:ext cx="1598515" cy="369332"/>
+            </a:xfrm>
+            <a:prstGeom prst="rect">
+              <a:avLst/>
+            </a:prstGeom>
+            <a:noFill/>
+          </p:spPr>
+          <p:txBody>
+            <a:bodyPr wrap="none" rtlCol="0">
+              <a:spAutoFit/>
+            </a:bodyPr>
+            <a:lstStyle/>
+            <a:p>
+              <a:pPr algn="ctr"/>
+              <a:r>
+                <a:rPr lang="ko-KR" altLang="en-US" b="1" dirty="0"/>
+                <a:t>가격 </a:t>
+              </a:r>
+              <a:r>
+                <a:rPr lang="en-US" altLang="ko-KR" b="1" dirty="0"/>
+                <a:t>: 45</a:t>
+              </a:r>
+              <a:r>
+                <a:rPr lang="ko-KR" altLang="en-US" b="1" dirty="0"/>
+                <a:t>골드</a:t>
+              </a:r>
+            </a:p>
+          </p:txBody>
+        </p:sp>
+        <p:sp>
+          <p:nvSpPr>
+            <p:cNvPr id="62" name="사각형: 둥근 모서리 61">
+              <a:extLst>
+                <a:ext uri="{FF2B5EF4-FFF2-40B4-BE49-F238E27FC236}">
+                  <a16:creationId xmlns:a16="http://schemas.microsoft.com/office/drawing/2014/main" id="{6BF6BB59-94F0-0D61-5596-DFFB781D465F}"/>
+                </a:ext>
+              </a:extLst>
+            </p:cNvPr>
+            <p:cNvSpPr/>
+            <p:nvPr/>
+          </p:nvSpPr>
+          <p:spPr>
+            <a:xfrm>
+              <a:off x="1400070" y="1819958"/>
+              <a:ext cx="1062745" cy="1134909"/>
+            </a:xfrm>
+            <a:prstGeom prst="roundRect">
+              <a:avLst>
+                <a:gd name="adj" fmla="val 7123"/>
+              </a:avLst>
+            </a:prstGeom>
+            <a:solidFill>
+              <a:srgbClr val="FFFF00"/>
+            </a:solidFill>
+          </p:spPr>
+          <p:style>
+            <a:lnRef idx="2">
+              <a:schemeClr val="accent1">
+                <a:shade val="15000"/>
+              </a:schemeClr>
+            </a:lnRef>
+            <a:fillRef idx="1">
+              <a:schemeClr val="accent1"/>
+            </a:fillRef>
+            <a:effectRef idx="0">
+              <a:schemeClr val="accent1"/>
+            </a:effectRef>
+            <a:fontRef idx="minor">
+              <a:schemeClr val="lt1"/>
+            </a:fontRef>
+          </p:style>
+          <p:txBody>
+            <a:bodyPr rtlCol="0" anchor="ctr"/>
+            <a:lstStyle/>
+            <a:p>
+              <a:pPr algn="ctr"/>
+              <a:r>
+                <a:rPr lang="ko-KR" altLang="en-US" dirty="0">
+                  <a:solidFill>
+                    <a:schemeClr val="tx1"/>
+                  </a:solidFill>
+                </a:rPr>
+                <a:t>버프 </a:t>
+              </a:r>
+              <a:endParaRPr lang="en-US" altLang="ko-KR" dirty="0">
+                <a:solidFill>
+                  <a:schemeClr val="tx1"/>
+                </a:solidFill>
+              </a:endParaRPr>
+            </a:p>
+            <a:p>
+              <a:pPr algn="ctr"/>
+              <a:r>
+                <a:rPr lang="ko-KR" altLang="en-US" dirty="0">
+                  <a:solidFill>
+                    <a:schemeClr val="tx1"/>
+                  </a:solidFill>
+                </a:rPr>
+                <a:t>이미지</a:t>
+              </a:r>
+              <a:endParaRPr lang="en-US" altLang="ko-KR" dirty="0">
+                <a:solidFill>
+                  <a:schemeClr val="tx1"/>
+                </a:solidFill>
+              </a:endParaRPr>
+            </a:p>
+          </p:txBody>
+        </p:sp>
+        <p:sp>
+          <p:nvSpPr>
+            <p:cNvPr id="63" name="TextBox 62">
+              <a:extLst>
+                <a:ext uri="{FF2B5EF4-FFF2-40B4-BE49-F238E27FC236}">
+                  <a16:creationId xmlns:a16="http://schemas.microsoft.com/office/drawing/2014/main" id="{01FC3BA9-9EE6-E141-9468-EAE8A40DE34F}"/>
+                </a:ext>
+              </a:extLst>
+            </p:cNvPr>
+            <p:cNvSpPr txBox="1"/>
+            <p:nvPr/>
+          </p:nvSpPr>
+          <p:spPr>
+            <a:xfrm>
+              <a:off x="1153030" y="3088963"/>
+              <a:ext cx="1556836" cy="400110"/>
+            </a:xfrm>
+            <a:prstGeom prst="rect">
+              <a:avLst/>
+            </a:prstGeom>
+            <a:noFill/>
+          </p:spPr>
+          <p:txBody>
+            <a:bodyPr wrap="none" rtlCol="0">
+              <a:spAutoFit/>
+            </a:bodyPr>
+            <a:lstStyle/>
+            <a:p>
+              <a:pPr algn="ctr"/>
+              <a:r>
+                <a:rPr lang="ko-KR" altLang="en-US" sz="2000" b="1" dirty="0" err="1"/>
+                <a:t>양조기</a:t>
+              </a:r>
+              <a:r>
+                <a:rPr lang="ko-KR" altLang="en-US" sz="2000" b="1" dirty="0"/>
+                <a:t> 강화</a:t>
+              </a:r>
+            </a:p>
+          </p:txBody>
+        </p:sp>
+      </p:grpSp>
+      <p:sp>
+        <p:nvSpPr>
+          <p:cNvPr id="64" name="직사각형 63">
+            <a:extLst>
+              <a:ext uri="{FF2B5EF4-FFF2-40B4-BE49-F238E27FC236}">
+                <a16:creationId xmlns:a16="http://schemas.microsoft.com/office/drawing/2014/main" id="{285554E2-4462-1670-18EB-0BE586A049FA}"/>
+              </a:ext>
+            </a:extLst>
+          </p:cNvPr>
+          <p:cNvSpPr/>
+          <p:nvPr/>
+        </p:nvSpPr>
+        <p:spPr>
+          <a:xfrm>
+            <a:off x="9650212" y="5624682"/>
+            <a:ext cx="1305100" cy="568115"/>
+          </a:xfrm>
+          <a:prstGeom prst="rect">
+            <a:avLst/>
+          </a:prstGeom>
+          <a:solidFill>
+            <a:schemeClr val="accent6"/>
+          </a:solidFill>
+        </p:spPr>
+        <p:style>
+          <a:lnRef idx="2">
+            <a:schemeClr val="accent1">
+              <a:shade val="15000"/>
+            </a:schemeClr>
+          </a:lnRef>
+          <a:fillRef idx="1">
+            <a:schemeClr val="accent1"/>
+          </a:fillRef>
+          <a:effectRef idx="0">
+            <a:schemeClr val="accent1"/>
+          </a:effectRef>
+          <a:fontRef idx="minor">
+            <a:schemeClr val="lt1"/>
+          </a:fontRef>
+        </p:style>
+        <p:txBody>
+          <a:bodyPr rtlCol="0" anchor="ctr"/>
+          <a:lstStyle/>
+          <a:p>
+            <a:pPr algn="ctr"/>
+            <a:r>
+              <a:rPr lang="ko-KR" altLang="en-US" sz="1600">
+                <a:solidFill>
+                  <a:schemeClr val="tx1"/>
+                </a:solidFill>
+              </a:rPr>
+              <a:t>다음 의뢰</a:t>
+            </a:r>
+            <a:endParaRPr lang="ko-KR" altLang="en-US" sz="1600" dirty="0">
+              <a:solidFill>
+                <a:schemeClr val="tx1"/>
+              </a:solidFill>
+            </a:endParaRPr>
+          </a:p>
+        </p:txBody>
+      </p:sp>
+      <p:sp>
+        <p:nvSpPr>
+          <p:cNvPr id="65" name="직사각형 64">
+            <a:extLst>
+              <a:ext uri="{FF2B5EF4-FFF2-40B4-BE49-F238E27FC236}">
+                <a16:creationId xmlns:a16="http://schemas.microsoft.com/office/drawing/2014/main" id="{78497B78-022E-8297-7EB4-59D2818BD4FB}"/>
+              </a:ext>
+            </a:extLst>
+          </p:cNvPr>
+          <p:cNvSpPr/>
+          <p:nvPr/>
+        </p:nvSpPr>
+        <p:spPr>
+          <a:xfrm>
+            <a:off x="9650212" y="1681741"/>
+            <a:ext cx="1305100" cy="1070168"/>
+          </a:xfrm>
+          <a:prstGeom prst="rect">
+            <a:avLst/>
+          </a:prstGeom>
+          <a:solidFill>
+            <a:schemeClr val="accent6"/>
+          </a:solidFill>
+        </p:spPr>
+        <p:style>
+          <a:lnRef idx="2">
+            <a:schemeClr val="accent1">
+              <a:shade val="15000"/>
+            </a:schemeClr>
+          </a:lnRef>
+          <a:fillRef idx="1">
+            <a:schemeClr val="accent1"/>
+          </a:fillRef>
+          <a:effectRef idx="0">
+            <a:schemeClr val="accent1"/>
+          </a:effectRef>
+          <a:fontRef idx="minor">
+            <a:schemeClr val="lt1"/>
+          </a:fontRef>
+        </p:style>
+        <p:txBody>
+          <a:bodyPr rtlCol="0" anchor="ctr"/>
+          <a:lstStyle/>
+          <a:p>
+            <a:pPr algn="ctr"/>
+            <a:r>
+              <a:rPr lang="ko-KR" altLang="en-US" sz="1600" dirty="0">
+                <a:solidFill>
+                  <a:schemeClr val="tx1"/>
+                </a:solidFill>
+              </a:rPr>
+              <a:t>현재 장비</a:t>
+            </a:r>
+            <a:endParaRPr lang="en-US" altLang="ko-KR" sz="1600" dirty="0">
+              <a:solidFill>
+                <a:schemeClr val="tx1"/>
+              </a:solidFill>
+            </a:endParaRPr>
+          </a:p>
+        </p:txBody>
+      </p:sp>
+    </p:spTree>
+    <p:extLst>
+      <p:ext uri="{BB962C8B-B14F-4D97-AF65-F5344CB8AC3E}">
+        <p14:creationId xmlns:p14="http://schemas.microsoft.com/office/powerpoint/2010/main" val="2829364540"/>
+      </p:ext>
+    </p:extLst>
+  </p:cSld>
+  <p:clrMapOvr>
+    <a:masterClrMapping/>
+  </p:clrMapOvr>
+</p:sld>
+</file>
+
 <file path=ppt/slides/slide2.xml><?xml version="1.0" encoding="utf-8"?>
 <p:sld xmlns:a="http://schemas.openxmlformats.org/drawingml/2006/main" xmlns:r="http://schemas.openxmlformats.org/officeDocument/2006/relationships" xmlns:p="http://schemas.openxmlformats.org/presentationml/2006/main">
   <p:cSld>
@@ -23297,7 +25059,7 @@
         </p:nvGrpSpPr>
         <p:grpSpPr>
           <a:xfrm>
-            <a:off x="7956865" y="624328"/>
+            <a:off x="7956867" y="624328"/>
             <a:ext cx="2353032" cy="1129845"/>
             <a:chOff x="2540485" y="1266809"/>
             <a:chExt cx="2353032" cy="1129845"/>
@@ -24062,6 +25824,1516 @@
 </p:sld>
 </file>
 
+<file path=ppt/slides/slide9.xml><?xml version="1.0" encoding="utf-8"?>
+<p:sld xmlns:a="http://schemas.openxmlformats.org/drawingml/2006/main" xmlns:r="http://schemas.openxmlformats.org/officeDocument/2006/relationships" xmlns:p="http://schemas.openxmlformats.org/presentationml/2006/main">
+  <p:cSld>
+    <p:spTree>
+      <p:nvGrpSpPr>
+        <p:cNvPr id="1" name=""/>
+        <p:cNvGrpSpPr/>
+        <p:nvPr/>
+      </p:nvGrpSpPr>
+      <p:grpSpPr>
+        <a:xfrm>
+          <a:off x="0" y="0"/>
+          <a:ext cx="0" cy="0"/>
+          <a:chOff x="0" y="0"/>
+          <a:chExt cx="0" cy="0"/>
+        </a:xfrm>
+      </p:grpSpPr>
+      <p:sp>
+        <p:nvSpPr>
+          <p:cNvPr id="4" name="직사각형 3">
+            <a:extLst>
+              <a:ext uri="{FF2B5EF4-FFF2-40B4-BE49-F238E27FC236}">
+                <a16:creationId xmlns:a16="http://schemas.microsoft.com/office/drawing/2014/main" id="{D03DF91F-51A8-4CB1-D93A-FDF53C856A39}"/>
+              </a:ext>
+            </a:extLst>
+          </p:cNvPr>
+          <p:cNvSpPr>
+            <a:spLocks noChangeAspect="1"/>
+          </p:cNvSpPr>
+          <p:nvPr/>
+        </p:nvSpPr>
+        <p:spPr>
+          <a:xfrm>
+            <a:off x="380999" y="193145"/>
+            <a:ext cx="11430001" cy="6429376"/>
+          </a:xfrm>
+          <a:prstGeom prst="rect">
+            <a:avLst/>
+          </a:prstGeom>
+          <a:solidFill>
+            <a:schemeClr val="tx2">
+              <a:lumMod val="25000"/>
+              <a:lumOff val="75000"/>
+            </a:schemeClr>
+          </a:solidFill>
+          <a:ln>
+            <a:noFill/>
+          </a:ln>
+        </p:spPr>
+        <p:style>
+          <a:lnRef idx="2">
+            <a:schemeClr val="accent1">
+              <a:shade val="15000"/>
+            </a:schemeClr>
+          </a:lnRef>
+          <a:fillRef idx="1">
+            <a:schemeClr val="accent1"/>
+          </a:fillRef>
+          <a:effectRef idx="0">
+            <a:schemeClr val="accent1"/>
+          </a:effectRef>
+          <a:fontRef idx="minor">
+            <a:schemeClr val="lt1"/>
+          </a:fontRef>
+        </p:style>
+        <p:txBody>
+          <a:bodyPr rtlCol="0" anchor="ctr"/>
+          <a:lstStyle/>
+          <a:p>
+            <a:pPr algn="ctr"/>
+            <a:endParaRPr lang="ko-KR" altLang="en-US" dirty="0"/>
+          </a:p>
+        </p:txBody>
+      </p:sp>
+      <p:grpSp>
+        <p:nvGrpSpPr>
+          <p:cNvPr id="47" name="그룹 46">
+            <a:extLst>
+              <a:ext uri="{FF2B5EF4-FFF2-40B4-BE49-F238E27FC236}">
+                <a16:creationId xmlns:a16="http://schemas.microsoft.com/office/drawing/2014/main" id="{85B1221A-130A-2FD1-F5EE-85688098F183}"/>
+              </a:ext>
+            </a:extLst>
+          </p:cNvPr>
+          <p:cNvGrpSpPr/>
+          <p:nvPr/>
+        </p:nvGrpSpPr>
+        <p:grpSpPr>
+          <a:xfrm>
+            <a:off x="609600" y="499533"/>
+            <a:ext cx="2497136" cy="3259667"/>
+            <a:chOff x="609600" y="499533"/>
+            <a:chExt cx="2497136" cy="3259667"/>
+          </a:xfrm>
+        </p:grpSpPr>
+        <p:sp>
+          <p:nvSpPr>
+            <p:cNvPr id="6" name="직사각형 5">
+              <a:extLst>
+                <a:ext uri="{FF2B5EF4-FFF2-40B4-BE49-F238E27FC236}">
+                  <a16:creationId xmlns:a16="http://schemas.microsoft.com/office/drawing/2014/main" id="{6CF4123D-C29B-603B-291D-1FA800A47BA2}"/>
+                </a:ext>
+              </a:extLst>
+            </p:cNvPr>
+            <p:cNvSpPr/>
+            <p:nvPr/>
+          </p:nvSpPr>
+          <p:spPr>
+            <a:xfrm>
+              <a:off x="609600" y="499533"/>
+              <a:ext cx="2497136" cy="3259667"/>
+            </a:xfrm>
+            <a:prstGeom prst="rect">
+              <a:avLst/>
+            </a:prstGeom>
+            <a:solidFill>
+              <a:schemeClr val="bg2">
+                <a:lumMod val="75000"/>
+              </a:schemeClr>
+            </a:solidFill>
+            <a:ln>
+              <a:noFill/>
+            </a:ln>
+          </p:spPr>
+          <p:style>
+            <a:lnRef idx="2">
+              <a:schemeClr val="accent1">
+                <a:shade val="15000"/>
+              </a:schemeClr>
+            </a:lnRef>
+            <a:fillRef idx="1">
+              <a:schemeClr val="accent1"/>
+            </a:fillRef>
+            <a:effectRef idx="0">
+              <a:schemeClr val="accent1"/>
+            </a:effectRef>
+            <a:fontRef idx="minor">
+              <a:schemeClr val="lt1"/>
+            </a:fontRef>
+          </p:style>
+          <p:txBody>
+            <a:bodyPr rtlCol="0" anchor="ctr"/>
+            <a:lstStyle/>
+            <a:p>
+              <a:pPr algn="ctr"/>
+              <a:endParaRPr lang="ko-KR" altLang="en-US"/>
+            </a:p>
+          </p:txBody>
+        </p:sp>
+        <p:sp>
+          <p:nvSpPr>
+            <p:cNvPr id="7" name="직사각형 6">
+              <a:extLst>
+                <a:ext uri="{FF2B5EF4-FFF2-40B4-BE49-F238E27FC236}">
+                  <a16:creationId xmlns:a16="http://schemas.microsoft.com/office/drawing/2014/main" id="{7865FFBA-7CF7-864E-D15B-3B55755C1EDA}"/>
+                </a:ext>
+              </a:extLst>
+            </p:cNvPr>
+            <p:cNvSpPr/>
+            <p:nvPr/>
+          </p:nvSpPr>
+          <p:spPr>
+            <a:xfrm>
+              <a:off x="1045368" y="584200"/>
+              <a:ext cx="1625600" cy="381000"/>
+            </a:xfrm>
+            <a:prstGeom prst="rect">
+              <a:avLst/>
+            </a:prstGeom>
+            <a:solidFill>
+              <a:schemeClr val="tx2">
+                <a:lumMod val="50000"/>
+                <a:lumOff val="50000"/>
+              </a:schemeClr>
+            </a:solidFill>
+            <a:ln>
+              <a:noFill/>
+            </a:ln>
+          </p:spPr>
+          <p:style>
+            <a:lnRef idx="2">
+              <a:schemeClr val="accent1">
+                <a:shade val="15000"/>
+              </a:schemeClr>
+            </a:lnRef>
+            <a:fillRef idx="1">
+              <a:schemeClr val="accent1"/>
+            </a:fillRef>
+            <a:effectRef idx="0">
+              <a:schemeClr val="accent1"/>
+            </a:effectRef>
+            <a:fontRef idx="minor">
+              <a:schemeClr val="lt1"/>
+            </a:fontRef>
+          </p:style>
+          <p:txBody>
+            <a:bodyPr rtlCol="0" anchor="ctr"/>
+            <a:lstStyle/>
+            <a:p>
+              <a:pPr algn="ctr"/>
+              <a:r>
+                <a:rPr lang="ko-KR" altLang="en-US" dirty="0"/>
+                <a:t>의뢰</a:t>
+              </a:r>
+            </a:p>
+          </p:txBody>
+        </p:sp>
+        <p:sp>
+          <p:nvSpPr>
+            <p:cNvPr id="12" name="TextBox 11">
+              <a:extLst>
+                <a:ext uri="{FF2B5EF4-FFF2-40B4-BE49-F238E27FC236}">
+                  <a16:creationId xmlns:a16="http://schemas.microsoft.com/office/drawing/2014/main" id="{18F91391-C323-B517-05CC-AB53B1E1F4C5}"/>
+                </a:ext>
+              </a:extLst>
+            </p:cNvPr>
+            <p:cNvSpPr txBox="1"/>
+            <p:nvPr/>
+          </p:nvSpPr>
+          <p:spPr>
+            <a:xfrm>
+              <a:off x="677335" y="1041400"/>
+              <a:ext cx="2339102" cy="523220"/>
+            </a:xfrm>
+            <a:prstGeom prst="rect">
+              <a:avLst/>
+            </a:prstGeom>
+            <a:noFill/>
+          </p:spPr>
+          <p:txBody>
+            <a:bodyPr wrap="none" rtlCol="0">
+              <a:spAutoFit/>
+            </a:bodyPr>
+            <a:lstStyle/>
+            <a:p>
+              <a:r>
+                <a:rPr lang="ko-KR" altLang="en-US" sz="1400" dirty="0"/>
+                <a:t>의뢰 내용</a:t>
+              </a:r>
+              <a:r>
+                <a:rPr lang="en-US" altLang="ko-KR" sz="1400" dirty="0"/>
+                <a:t>text</a:t>
+              </a:r>
+            </a:p>
+            <a:p>
+              <a:r>
+                <a:rPr lang="ko-KR" altLang="en-US" sz="1400" dirty="0"/>
+                <a:t>글씨크기 </a:t>
+              </a:r>
+              <a:r>
+                <a:rPr lang="en-US" altLang="ko-KR" sz="1400" dirty="0"/>
+                <a:t>: 14pt, </a:t>
+              </a:r>
+              <a:r>
+                <a:rPr lang="ko-KR" altLang="en-US" sz="1400" dirty="0"/>
+                <a:t>최대 </a:t>
+              </a:r>
+              <a:r>
+                <a:rPr lang="en-US" altLang="ko-KR" sz="1400" dirty="0"/>
+                <a:t>20</a:t>
+              </a:r>
+              <a:r>
+                <a:rPr lang="ko-KR" altLang="en-US" sz="1400" dirty="0"/>
+                <a:t>자</a:t>
+              </a:r>
+            </a:p>
+          </p:txBody>
+        </p:sp>
+        <p:cxnSp>
+          <p:nvCxnSpPr>
+            <p:cNvPr id="18" name="직선 연결선 17">
+              <a:extLst>
+                <a:ext uri="{FF2B5EF4-FFF2-40B4-BE49-F238E27FC236}">
+                  <a16:creationId xmlns:a16="http://schemas.microsoft.com/office/drawing/2014/main" id="{AC405AD3-B8BF-D76A-1389-51BAEA3CE2B0}"/>
+                </a:ext>
+              </a:extLst>
+            </p:cNvPr>
+            <p:cNvCxnSpPr>
+              <a:cxnSpLocks/>
+            </p:cNvCxnSpPr>
+            <p:nvPr/>
+          </p:nvCxnSpPr>
+          <p:spPr>
+            <a:xfrm>
+              <a:off x="740569" y="1794933"/>
+              <a:ext cx="2235198" cy="0"/>
+            </a:xfrm>
+            <a:prstGeom prst="line">
+              <a:avLst/>
+            </a:prstGeom>
+            <a:ln>
+              <a:solidFill>
+                <a:schemeClr val="tx1"/>
+              </a:solidFill>
+            </a:ln>
+          </p:spPr>
+          <p:style>
+            <a:lnRef idx="2">
+              <a:schemeClr val="accent1"/>
+            </a:lnRef>
+            <a:fillRef idx="0">
+              <a:schemeClr val="accent1"/>
+            </a:fillRef>
+            <a:effectRef idx="1">
+              <a:schemeClr val="accent1"/>
+            </a:effectRef>
+            <a:fontRef idx="minor">
+              <a:schemeClr val="tx1"/>
+            </a:fontRef>
+          </p:style>
+        </p:cxnSp>
+        <p:sp>
+          <p:nvSpPr>
+            <p:cNvPr id="20" name="직사각형 19">
+              <a:extLst>
+                <a:ext uri="{FF2B5EF4-FFF2-40B4-BE49-F238E27FC236}">
+                  <a16:creationId xmlns:a16="http://schemas.microsoft.com/office/drawing/2014/main" id="{77708601-6948-89FA-152E-B7803FA3586E}"/>
+                </a:ext>
+              </a:extLst>
+            </p:cNvPr>
+            <p:cNvSpPr/>
+            <p:nvPr/>
+          </p:nvSpPr>
+          <p:spPr>
+            <a:xfrm>
+              <a:off x="740569" y="1938010"/>
+              <a:ext cx="738483" cy="847521"/>
+            </a:xfrm>
+            <a:prstGeom prst="rect">
+              <a:avLst/>
+            </a:prstGeom>
+            <a:solidFill>
+              <a:srgbClr val="FFFF00"/>
+            </a:solidFill>
+            <a:ln>
+              <a:noFill/>
+            </a:ln>
+          </p:spPr>
+          <p:style>
+            <a:lnRef idx="2">
+              <a:schemeClr val="accent1">
+                <a:shade val="15000"/>
+              </a:schemeClr>
+            </a:lnRef>
+            <a:fillRef idx="1">
+              <a:schemeClr val="accent1"/>
+            </a:fillRef>
+            <a:effectRef idx="0">
+              <a:schemeClr val="accent1"/>
+            </a:effectRef>
+            <a:fontRef idx="minor">
+              <a:schemeClr val="lt1"/>
+            </a:fontRef>
+          </p:style>
+          <p:txBody>
+            <a:bodyPr rtlCol="0" anchor="ctr"/>
+            <a:lstStyle/>
+            <a:p>
+              <a:pPr algn="ctr"/>
+              <a:r>
+                <a:rPr lang="ko-KR" altLang="en-US" sz="1200" dirty="0" err="1">
+                  <a:solidFill>
+                    <a:schemeClr val="tx1"/>
+                  </a:solidFill>
+                </a:rPr>
+                <a:t>포션</a:t>
+              </a:r>
+              <a:endParaRPr lang="en-US" altLang="ko-KR" sz="1200" dirty="0">
+                <a:solidFill>
+                  <a:schemeClr val="tx1"/>
+                </a:solidFill>
+              </a:endParaRPr>
+            </a:p>
+            <a:p>
+              <a:pPr algn="ctr"/>
+              <a:r>
+                <a:rPr lang="ko-KR" altLang="en-US" sz="1200" dirty="0">
+                  <a:solidFill>
+                    <a:schemeClr val="tx1"/>
+                  </a:solidFill>
+                </a:rPr>
+                <a:t>이미지</a:t>
+              </a:r>
+              <a:endParaRPr lang="en-US" altLang="ko-KR" sz="1200" dirty="0">
+                <a:solidFill>
+                  <a:schemeClr val="tx1"/>
+                </a:solidFill>
+              </a:endParaRPr>
+            </a:p>
+          </p:txBody>
+        </p:sp>
+        <p:sp>
+          <p:nvSpPr>
+            <p:cNvPr id="21" name="TextBox 20">
+              <a:extLst>
+                <a:ext uri="{FF2B5EF4-FFF2-40B4-BE49-F238E27FC236}">
+                  <a16:creationId xmlns:a16="http://schemas.microsoft.com/office/drawing/2014/main" id="{3AC3728D-CBFB-FC69-44AB-216F067D175D}"/>
+                </a:ext>
+              </a:extLst>
+            </p:cNvPr>
+            <p:cNvSpPr txBox="1"/>
+            <p:nvPr/>
+          </p:nvSpPr>
+          <p:spPr>
+            <a:xfrm>
+              <a:off x="1523188" y="1938010"/>
+              <a:ext cx="1268424" cy="738664"/>
+            </a:xfrm>
+            <a:prstGeom prst="rect">
+              <a:avLst/>
+            </a:prstGeom>
+            <a:noFill/>
+          </p:spPr>
+          <p:txBody>
+            <a:bodyPr wrap="none" rtlCol="0">
+              <a:spAutoFit/>
+            </a:bodyPr>
+            <a:lstStyle/>
+            <a:p>
+              <a:r>
+                <a:rPr lang="ko-KR" altLang="en-US" sz="1400" dirty="0" err="1"/>
+                <a:t>포션이름</a:t>
+              </a:r>
+              <a:r>
+                <a:rPr lang="ko-KR" altLang="en-US" sz="1400" dirty="0"/>
+                <a:t> </a:t>
+              </a:r>
+              <a:r>
+                <a:rPr lang="en-US" altLang="ko-KR" sz="1400" dirty="0"/>
+                <a:t>text</a:t>
+              </a:r>
+            </a:p>
+            <a:p>
+              <a:r>
+                <a:rPr lang="ko-KR" altLang="en-US" sz="1400" dirty="0"/>
+                <a:t>크기</a:t>
+              </a:r>
+              <a:r>
+                <a:rPr lang="en-US" altLang="ko-KR" sz="1400" dirty="0"/>
+                <a:t>: 14pt</a:t>
+              </a:r>
+            </a:p>
+            <a:p>
+              <a:r>
+                <a:rPr lang="ko-KR" altLang="en-US" sz="1400" dirty="0"/>
+                <a:t>최대 </a:t>
+              </a:r>
+              <a:r>
+                <a:rPr lang="en-US" altLang="ko-KR" sz="1400" dirty="0"/>
+                <a:t>10</a:t>
+              </a:r>
+              <a:r>
+                <a:rPr lang="ko-KR" altLang="en-US" sz="1400" dirty="0"/>
+                <a:t>자</a:t>
+              </a:r>
+            </a:p>
+          </p:txBody>
+        </p:sp>
+        <p:sp>
+          <p:nvSpPr>
+            <p:cNvPr id="22" name="직사각형 21">
+              <a:extLst>
+                <a:ext uri="{FF2B5EF4-FFF2-40B4-BE49-F238E27FC236}">
+                  <a16:creationId xmlns:a16="http://schemas.microsoft.com/office/drawing/2014/main" id="{1017A8DA-B2D2-E471-BCF7-27058FAACD86}"/>
+                </a:ext>
+              </a:extLst>
+            </p:cNvPr>
+            <p:cNvSpPr/>
+            <p:nvPr/>
+          </p:nvSpPr>
+          <p:spPr>
+            <a:xfrm>
+              <a:off x="740569" y="3217333"/>
+              <a:ext cx="2235198" cy="381000"/>
+            </a:xfrm>
+            <a:prstGeom prst="rect">
+              <a:avLst/>
+            </a:prstGeom>
+            <a:solidFill>
+              <a:schemeClr val="tx2">
+                <a:lumMod val="50000"/>
+                <a:lumOff val="50000"/>
+              </a:schemeClr>
+            </a:solidFill>
+            <a:ln w="38100">
+              <a:solidFill>
+                <a:srgbClr val="FF0000"/>
+              </a:solidFill>
+            </a:ln>
+          </p:spPr>
+          <p:style>
+            <a:lnRef idx="2">
+              <a:schemeClr val="accent1">
+                <a:shade val="15000"/>
+              </a:schemeClr>
+            </a:lnRef>
+            <a:fillRef idx="1">
+              <a:schemeClr val="accent1"/>
+            </a:fillRef>
+            <a:effectRef idx="0">
+              <a:schemeClr val="accent1"/>
+            </a:effectRef>
+            <a:fontRef idx="minor">
+              <a:schemeClr val="lt1"/>
+            </a:fontRef>
+          </p:style>
+          <p:txBody>
+            <a:bodyPr rtlCol="0" anchor="ctr"/>
+            <a:lstStyle/>
+            <a:p>
+              <a:pPr algn="ctr"/>
+              <a:r>
+                <a:rPr lang="en-US" altLang="ko-KR" dirty="0"/>
+                <a:t>21</a:t>
+              </a:r>
+              <a:endParaRPr lang="ko-KR" altLang="en-US" dirty="0"/>
+            </a:p>
+          </p:txBody>
+        </p:sp>
+        <p:sp>
+          <p:nvSpPr>
+            <p:cNvPr id="23" name="TextBox 22">
+              <a:extLst>
+                <a:ext uri="{FF2B5EF4-FFF2-40B4-BE49-F238E27FC236}">
+                  <a16:creationId xmlns:a16="http://schemas.microsoft.com/office/drawing/2014/main" id="{FE2056B6-FC62-BCC6-57B5-4E1180606A2D}"/>
+                </a:ext>
+              </a:extLst>
+            </p:cNvPr>
+            <p:cNvSpPr txBox="1"/>
+            <p:nvPr/>
+          </p:nvSpPr>
+          <p:spPr>
+            <a:xfrm>
+              <a:off x="1250470" y="2916863"/>
+              <a:ext cx="1215397" cy="307777"/>
+            </a:xfrm>
+            <a:prstGeom prst="rect">
+              <a:avLst/>
+            </a:prstGeom>
+            <a:noFill/>
+          </p:spPr>
+          <p:txBody>
+            <a:bodyPr wrap="none" rtlCol="0">
+              <a:spAutoFit/>
+            </a:bodyPr>
+            <a:lstStyle/>
+            <a:p>
+              <a:pPr algn="ctr"/>
+              <a:r>
+                <a:rPr lang="en-US" altLang="ko-KR" sz="1400" dirty="0"/>
+                <a:t>&lt;</a:t>
+              </a:r>
+              <a:r>
+                <a:rPr lang="ko-KR" altLang="en-US" sz="1400" dirty="0"/>
+                <a:t>요구 품질</a:t>
+              </a:r>
+              <a:r>
+                <a:rPr lang="en-US" altLang="ko-KR" sz="1400" dirty="0"/>
+                <a:t>&gt;</a:t>
+              </a:r>
+              <a:endParaRPr lang="ko-KR" altLang="en-US" sz="1400" dirty="0"/>
+            </a:p>
+          </p:txBody>
+        </p:sp>
+      </p:grpSp>
+      <p:grpSp>
+        <p:nvGrpSpPr>
+          <p:cNvPr id="8" name="그룹 7">
+            <a:extLst>
+              <a:ext uri="{FF2B5EF4-FFF2-40B4-BE49-F238E27FC236}">
+                <a16:creationId xmlns:a16="http://schemas.microsoft.com/office/drawing/2014/main" id="{6CFD1E3B-C0D9-FA3E-6ABB-B9A29192AEA6}"/>
+              </a:ext>
+            </a:extLst>
+          </p:cNvPr>
+          <p:cNvGrpSpPr/>
+          <p:nvPr/>
+        </p:nvGrpSpPr>
+        <p:grpSpPr>
+          <a:xfrm>
+            <a:off x="6325470" y="584200"/>
+            <a:ext cx="2353032" cy="1129845"/>
+            <a:chOff x="2540485" y="1266809"/>
+            <a:chExt cx="2353032" cy="1129845"/>
+          </a:xfrm>
+        </p:grpSpPr>
+        <p:sp>
+          <p:nvSpPr>
+            <p:cNvPr id="14" name="사각형: 둥근 모서리 13">
+              <a:extLst>
+                <a:ext uri="{FF2B5EF4-FFF2-40B4-BE49-F238E27FC236}">
+                  <a16:creationId xmlns:a16="http://schemas.microsoft.com/office/drawing/2014/main" id="{9709CFAD-6DC7-98BC-5914-51A828746D32}"/>
+                </a:ext>
+              </a:extLst>
+            </p:cNvPr>
+            <p:cNvSpPr/>
+            <p:nvPr/>
+          </p:nvSpPr>
+          <p:spPr>
+            <a:xfrm>
+              <a:off x="2540485" y="1557137"/>
+              <a:ext cx="2353032" cy="839517"/>
+            </a:xfrm>
+            <a:prstGeom prst="roundRect">
+              <a:avLst>
+                <a:gd name="adj" fmla="val 7123"/>
+              </a:avLst>
+            </a:prstGeom>
+            <a:solidFill>
+              <a:schemeClr val="accent3">
+                <a:lumMod val="40000"/>
+                <a:lumOff val="60000"/>
+              </a:schemeClr>
+            </a:solidFill>
+          </p:spPr>
+          <p:style>
+            <a:lnRef idx="2">
+              <a:schemeClr val="accent1">
+                <a:shade val="15000"/>
+              </a:schemeClr>
+            </a:lnRef>
+            <a:fillRef idx="1">
+              <a:schemeClr val="accent1"/>
+            </a:fillRef>
+            <a:effectRef idx="0">
+              <a:schemeClr val="accent1"/>
+            </a:effectRef>
+            <a:fontRef idx="minor">
+              <a:schemeClr val="lt1"/>
+            </a:fontRef>
+          </p:style>
+          <p:txBody>
+            <a:bodyPr rtlCol="0" anchor="ctr"/>
+            <a:lstStyle/>
+            <a:p>
+              <a:pPr algn="ctr"/>
+              <a:endParaRPr lang="en-US" altLang="ko-KR" dirty="0">
+                <a:solidFill>
+                  <a:schemeClr val="tx1"/>
+                </a:solidFill>
+              </a:endParaRPr>
+            </a:p>
+            <a:p>
+              <a:pPr algn="ctr"/>
+              <a:r>
+                <a:rPr lang="en-US" altLang="ko-KR" dirty="0">
+                  <a:solidFill>
+                    <a:schemeClr val="tx1"/>
+                  </a:solidFill>
+                </a:rPr>
+                <a:t>21</a:t>
+              </a:r>
+              <a:endParaRPr lang="ko-KR" altLang="en-US" dirty="0">
+                <a:solidFill>
+                  <a:schemeClr val="tx1"/>
+                </a:solidFill>
+              </a:endParaRPr>
+            </a:p>
+          </p:txBody>
+        </p:sp>
+        <p:sp>
+          <p:nvSpPr>
+            <p:cNvPr id="15" name="사각형: 둥근 모서리 14">
+              <a:extLst>
+                <a:ext uri="{FF2B5EF4-FFF2-40B4-BE49-F238E27FC236}">
+                  <a16:creationId xmlns:a16="http://schemas.microsoft.com/office/drawing/2014/main" id="{D5E91D79-A90C-5416-3A05-9EBACCFFE577}"/>
+                </a:ext>
+              </a:extLst>
+            </p:cNvPr>
+            <p:cNvSpPr/>
+            <p:nvPr/>
+          </p:nvSpPr>
+          <p:spPr>
+            <a:xfrm>
+              <a:off x="2540485" y="1266809"/>
+              <a:ext cx="2353032" cy="540660"/>
+            </a:xfrm>
+            <a:prstGeom prst="roundRect">
+              <a:avLst>
+                <a:gd name="adj" fmla="val 17373"/>
+              </a:avLst>
+            </a:prstGeom>
+            <a:solidFill>
+              <a:schemeClr val="bg2">
+                <a:lumMod val="75000"/>
+              </a:schemeClr>
+            </a:solidFill>
+          </p:spPr>
+          <p:style>
+            <a:lnRef idx="2">
+              <a:schemeClr val="accent1">
+                <a:shade val="15000"/>
+              </a:schemeClr>
+            </a:lnRef>
+            <a:fillRef idx="1">
+              <a:schemeClr val="accent1"/>
+            </a:fillRef>
+            <a:effectRef idx="0">
+              <a:schemeClr val="accent1"/>
+            </a:effectRef>
+            <a:fontRef idx="minor">
+              <a:schemeClr val="lt1"/>
+            </a:fontRef>
+          </p:style>
+          <p:txBody>
+            <a:bodyPr rtlCol="0" anchor="ctr"/>
+            <a:lstStyle/>
+            <a:p>
+              <a:pPr algn="ctr"/>
+              <a:r>
+                <a:rPr lang="ko-KR" altLang="en-US" dirty="0">
+                  <a:solidFill>
+                    <a:schemeClr val="tx1"/>
+                  </a:solidFill>
+                </a:rPr>
+                <a:t>제작 된 </a:t>
+              </a:r>
+              <a:r>
+                <a:rPr lang="ko-KR" altLang="en-US" dirty="0" err="1">
+                  <a:solidFill>
+                    <a:schemeClr val="tx1"/>
+                  </a:solidFill>
+                </a:rPr>
+                <a:t>포션</a:t>
+              </a:r>
+              <a:r>
+                <a:rPr lang="ko-KR" altLang="en-US" dirty="0">
+                  <a:solidFill>
+                    <a:schemeClr val="tx1"/>
+                  </a:solidFill>
+                </a:rPr>
+                <a:t> 품질</a:t>
+              </a:r>
+            </a:p>
+          </p:txBody>
+        </p:sp>
+      </p:grpSp>
+      <p:sp>
+        <p:nvSpPr>
+          <p:cNvPr id="16" name="사각형: 둥근 모서리 15">
+            <a:extLst>
+              <a:ext uri="{FF2B5EF4-FFF2-40B4-BE49-F238E27FC236}">
+                <a16:creationId xmlns:a16="http://schemas.microsoft.com/office/drawing/2014/main" id="{417F78C0-6CCD-D522-D095-C11D1C637164}"/>
+              </a:ext>
+            </a:extLst>
+          </p:cNvPr>
+          <p:cNvSpPr/>
+          <p:nvPr/>
+        </p:nvSpPr>
+        <p:spPr>
+          <a:xfrm>
+            <a:off x="6317003" y="584200"/>
+            <a:ext cx="2369966" cy="1129845"/>
+          </a:xfrm>
+          <a:prstGeom prst="roundRect">
+            <a:avLst>
+              <a:gd name="adj" fmla="val 6185"/>
+            </a:avLst>
+          </a:prstGeom>
+          <a:noFill/>
+          <a:ln w="38100">
+            <a:solidFill>
+              <a:srgbClr val="FF0000"/>
+            </a:solidFill>
+          </a:ln>
+        </p:spPr>
+        <p:style>
+          <a:lnRef idx="2">
+            <a:schemeClr val="accent1">
+              <a:shade val="15000"/>
+            </a:schemeClr>
+          </a:lnRef>
+          <a:fillRef idx="1">
+            <a:schemeClr val="accent1"/>
+          </a:fillRef>
+          <a:effectRef idx="0">
+            <a:schemeClr val="accent1"/>
+          </a:effectRef>
+          <a:fontRef idx="minor">
+            <a:schemeClr val="lt1"/>
+          </a:fontRef>
+        </p:style>
+        <p:txBody>
+          <a:bodyPr rtlCol="0" anchor="ctr"/>
+          <a:lstStyle/>
+          <a:p>
+            <a:pPr algn="ctr"/>
+            <a:endParaRPr lang="ko-KR" altLang="en-US"/>
+          </a:p>
+        </p:txBody>
+      </p:sp>
+      <p:cxnSp>
+        <p:nvCxnSpPr>
+          <p:cNvPr id="25" name="연결선: 꺾임 24">
+            <a:extLst>
+              <a:ext uri="{FF2B5EF4-FFF2-40B4-BE49-F238E27FC236}">
+                <a16:creationId xmlns:a16="http://schemas.microsoft.com/office/drawing/2014/main" id="{E3C98819-58D2-9FFB-0444-8A7DB3A33D91}"/>
+              </a:ext>
+            </a:extLst>
+          </p:cNvPr>
+          <p:cNvCxnSpPr>
+            <a:cxnSpLocks/>
+            <a:stCxn id="22" idx="3"/>
+            <a:endCxn id="16" idx="1"/>
+          </p:cNvCxnSpPr>
+          <p:nvPr/>
+        </p:nvCxnSpPr>
+        <p:spPr>
+          <a:xfrm flipV="1">
+            <a:off x="2975767" y="1149123"/>
+            <a:ext cx="3341236" cy="2258710"/>
+          </a:xfrm>
+          <a:prstGeom prst="bentConnector3">
+            <a:avLst>
+              <a:gd name="adj1" fmla="val 21619"/>
+            </a:avLst>
+          </a:prstGeom>
+          <a:ln w="38100">
+            <a:solidFill>
+              <a:srgbClr val="FF0000"/>
+            </a:solidFill>
+          </a:ln>
+        </p:spPr>
+        <p:style>
+          <a:lnRef idx="2">
+            <a:schemeClr val="accent1"/>
+          </a:lnRef>
+          <a:fillRef idx="0">
+            <a:schemeClr val="accent1"/>
+          </a:fillRef>
+          <a:effectRef idx="1">
+            <a:schemeClr val="accent1"/>
+          </a:effectRef>
+          <a:fontRef idx="minor">
+            <a:schemeClr val="tx1"/>
+          </a:fontRef>
+        </p:style>
+      </p:cxnSp>
+      <p:sp>
+        <p:nvSpPr>
+          <p:cNvPr id="26" name="직사각형 25">
+            <a:extLst>
+              <a:ext uri="{FF2B5EF4-FFF2-40B4-BE49-F238E27FC236}">
+                <a16:creationId xmlns:a16="http://schemas.microsoft.com/office/drawing/2014/main" id="{BD075AF0-C424-9389-D614-53D1963E90AD}"/>
+              </a:ext>
+            </a:extLst>
+          </p:cNvPr>
+          <p:cNvSpPr/>
+          <p:nvPr/>
+        </p:nvSpPr>
+        <p:spPr>
+          <a:xfrm>
+            <a:off x="4169754" y="891598"/>
+            <a:ext cx="1261533" cy="466523"/>
+          </a:xfrm>
+          <a:prstGeom prst="rect">
+            <a:avLst/>
+          </a:prstGeom>
+        </p:spPr>
+        <p:style>
+          <a:lnRef idx="2">
+            <a:schemeClr val="accent1">
+              <a:shade val="15000"/>
+            </a:schemeClr>
+          </a:lnRef>
+          <a:fillRef idx="1">
+            <a:schemeClr val="accent1"/>
+          </a:fillRef>
+          <a:effectRef idx="0">
+            <a:schemeClr val="accent1"/>
+          </a:effectRef>
+          <a:fontRef idx="minor">
+            <a:schemeClr val="lt1"/>
+          </a:fontRef>
+        </p:style>
+        <p:txBody>
+          <a:bodyPr rtlCol="0" anchor="ctr"/>
+          <a:lstStyle/>
+          <a:p>
+            <a:pPr algn="ctr"/>
+            <a:r>
+              <a:rPr lang="ko-KR" altLang="en-US" dirty="0"/>
+              <a:t>성공</a:t>
+            </a:r>
+          </a:p>
+        </p:txBody>
+      </p:sp>
+      <p:sp>
+        <p:nvSpPr>
+          <p:cNvPr id="28" name="사각형: 둥근 모서리 27">
+            <a:extLst>
+              <a:ext uri="{FF2B5EF4-FFF2-40B4-BE49-F238E27FC236}">
+                <a16:creationId xmlns:a16="http://schemas.microsoft.com/office/drawing/2014/main" id="{51D418FF-09CF-2DDC-D3AD-7BC9C3D80C50}"/>
+              </a:ext>
+            </a:extLst>
+          </p:cNvPr>
+          <p:cNvSpPr/>
+          <p:nvPr/>
+        </p:nvSpPr>
+        <p:spPr>
+          <a:xfrm>
+            <a:off x="4036714" y="1993997"/>
+            <a:ext cx="7050650" cy="4624388"/>
+          </a:xfrm>
+          <a:prstGeom prst="roundRect">
+            <a:avLst>
+              <a:gd name="adj" fmla="val 1471"/>
+            </a:avLst>
+          </a:prstGeom>
+          <a:solidFill>
+            <a:schemeClr val="bg2">
+              <a:lumMod val="75000"/>
+            </a:schemeClr>
+          </a:solidFill>
+        </p:spPr>
+        <p:style>
+          <a:lnRef idx="2">
+            <a:schemeClr val="accent1">
+              <a:shade val="15000"/>
+            </a:schemeClr>
+          </a:lnRef>
+          <a:fillRef idx="1">
+            <a:schemeClr val="accent1"/>
+          </a:fillRef>
+          <a:effectRef idx="0">
+            <a:schemeClr val="accent1"/>
+          </a:effectRef>
+          <a:fontRef idx="minor">
+            <a:schemeClr val="lt1"/>
+          </a:fontRef>
+        </p:style>
+        <p:txBody>
+          <a:bodyPr rtlCol="0" anchor="ctr"/>
+          <a:lstStyle/>
+          <a:p>
+            <a:pPr algn="ctr"/>
+            <a:endParaRPr lang="ko-KR" altLang="en-US"/>
+          </a:p>
+        </p:txBody>
+      </p:sp>
+      <p:sp>
+        <p:nvSpPr>
+          <p:cNvPr id="33" name="사각형: 둥근 모서리 32">
+            <a:extLst>
+              <a:ext uri="{FF2B5EF4-FFF2-40B4-BE49-F238E27FC236}">
+                <a16:creationId xmlns:a16="http://schemas.microsoft.com/office/drawing/2014/main" id="{73882BA3-A748-0A58-2978-BCC1ADA56412}"/>
+              </a:ext>
+            </a:extLst>
+          </p:cNvPr>
+          <p:cNvSpPr/>
+          <p:nvPr/>
+        </p:nvSpPr>
+        <p:spPr>
+          <a:xfrm>
+            <a:off x="4176151" y="2093383"/>
+            <a:ext cx="6771776" cy="832329"/>
+          </a:xfrm>
+          <a:prstGeom prst="roundRect">
+            <a:avLst>
+              <a:gd name="adj" fmla="val 30971"/>
+            </a:avLst>
+          </a:prstGeom>
+          <a:solidFill>
+            <a:schemeClr val="accent1">
+              <a:lumMod val="40000"/>
+              <a:lumOff val="60000"/>
+            </a:schemeClr>
+          </a:solidFill>
+        </p:spPr>
+        <p:style>
+          <a:lnRef idx="2">
+            <a:schemeClr val="accent1">
+              <a:shade val="15000"/>
+            </a:schemeClr>
+          </a:lnRef>
+          <a:fillRef idx="1">
+            <a:schemeClr val="accent1"/>
+          </a:fillRef>
+          <a:effectRef idx="0">
+            <a:schemeClr val="accent1"/>
+          </a:effectRef>
+          <a:fontRef idx="minor">
+            <a:schemeClr val="lt1"/>
+          </a:fontRef>
+        </p:style>
+        <p:txBody>
+          <a:bodyPr rtlCol="0" anchor="ctr"/>
+          <a:lstStyle/>
+          <a:p>
+            <a:pPr algn="ctr"/>
+            <a:endParaRPr lang="ko-KR" altLang="en-US"/>
+          </a:p>
+        </p:txBody>
+      </p:sp>
+      <p:sp>
+        <p:nvSpPr>
+          <p:cNvPr id="30" name="TextBox 29">
+            <a:extLst>
+              <a:ext uri="{FF2B5EF4-FFF2-40B4-BE49-F238E27FC236}">
+                <a16:creationId xmlns:a16="http://schemas.microsoft.com/office/drawing/2014/main" id="{7DD6D41B-1C6B-C026-D84C-218B7E2546EF}"/>
+              </a:ext>
+            </a:extLst>
+          </p:cNvPr>
+          <p:cNvSpPr txBox="1"/>
+          <p:nvPr/>
+        </p:nvSpPr>
+        <p:spPr>
+          <a:xfrm>
+            <a:off x="6390885" y="2185290"/>
+            <a:ext cx="2342308" cy="646331"/>
+          </a:xfrm>
+          <a:prstGeom prst="rect">
+            <a:avLst/>
+          </a:prstGeom>
+          <a:noFill/>
+        </p:spPr>
+        <p:txBody>
+          <a:bodyPr wrap="none" rtlCol="0">
+            <a:spAutoFit/>
+          </a:bodyPr>
+          <a:lstStyle/>
+          <a:p>
+            <a:pPr algn="ctr"/>
+            <a:r>
+              <a:rPr lang="ko-KR" altLang="en-US" sz="3600" b="1" dirty="0">
+                <a:solidFill>
+                  <a:srgbClr val="FF0000"/>
+                </a:solidFill>
+              </a:rPr>
+              <a:t>의뢰 성공</a:t>
+            </a:r>
+            <a:r>
+              <a:rPr lang="en-US" altLang="ko-KR" sz="3600" b="1" dirty="0">
+                <a:solidFill>
+                  <a:srgbClr val="FF0000"/>
+                </a:solidFill>
+              </a:rPr>
+              <a:t>!</a:t>
+            </a:r>
+            <a:endParaRPr lang="ko-KR" altLang="en-US" sz="3600" b="1" dirty="0">
+              <a:solidFill>
+                <a:srgbClr val="FF0000"/>
+              </a:solidFill>
+            </a:endParaRPr>
+          </a:p>
+        </p:txBody>
+      </p:sp>
+      <p:grpSp>
+        <p:nvGrpSpPr>
+          <p:cNvPr id="40" name="그룹 39">
+            <a:extLst>
+              <a:ext uri="{FF2B5EF4-FFF2-40B4-BE49-F238E27FC236}">
+                <a16:creationId xmlns:a16="http://schemas.microsoft.com/office/drawing/2014/main" id="{E58759BF-B94C-20AC-E16E-36B20122568D}"/>
+              </a:ext>
+            </a:extLst>
+          </p:cNvPr>
+          <p:cNvGrpSpPr/>
+          <p:nvPr/>
+        </p:nvGrpSpPr>
+        <p:grpSpPr>
+          <a:xfrm>
+            <a:off x="8467895" y="3323164"/>
+            <a:ext cx="2353032" cy="2782358"/>
+            <a:chOff x="8310113" y="3488377"/>
+            <a:chExt cx="2353032" cy="2782358"/>
+          </a:xfrm>
+        </p:grpSpPr>
+        <p:sp>
+          <p:nvSpPr>
+            <p:cNvPr id="37" name="사각형: 둥근 모서리 36">
+              <a:extLst>
+                <a:ext uri="{FF2B5EF4-FFF2-40B4-BE49-F238E27FC236}">
+                  <a16:creationId xmlns:a16="http://schemas.microsoft.com/office/drawing/2014/main" id="{070B3AB6-ED30-8E43-5F46-D77DAC739A11}"/>
+                </a:ext>
+              </a:extLst>
+            </p:cNvPr>
+            <p:cNvSpPr/>
+            <p:nvPr/>
+          </p:nvSpPr>
+          <p:spPr>
+            <a:xfrm>
+              <a:off x="8310113" y="3488377"/>
+              <a:ext cx="2353032" cy="2782358"/>
+            </a:xfrm>
+            <a:prstGeom prst="roundRect">
+              <a:avLst>
+                <a:gd name="adj" fmla="val 7123"/>
+              </a:avLst>
+            </a:prstGeom>
+            <a:solidFill>
+              <a:schemeClr val="accent3">
+                <a:lumMod val="40000"/>
+                <a:lumOff val="60000"/>
+              </a:schemeClr>
+            </a:solidFill>
+          </p:spPr>
+          <p:style>
+            <a:lnRef idx="2">
+              <a:schemeClr val="accent1">
+                <a:shade val="15000"/>
+              </a:schemeClr>
+            </a:lnRef>
+            <a:fillRef idx="1">
+              <a:schemeClr val="accent1"/>
+            </a:fillRef>
+            <a:effectRef idx="0">
+              <a:schemeClr val="accent1"/>
+            </a:effectRef>
+            <a:fontRef idx="minor">
+              <a:schemeClr val="lt1"/>
+            </a:fontRef>
+          </p:style>
+          <p:txBody>
+            <a:bodyPr rtlCol="0" anchor="ctr"/>
+            <a:lstStyle/>
+            <a:p>
+              <a:pPr algn="ctr"/>
+              <a:endParaRPr lang="en-US" altLang="ko-KR" dirty="0">
+                <a:solidFill>
+                  <a:schemeClr val="tx1"/>
+                </a:solidFill>
+              </a:endParaRPr>
+            </a:p>
+          </p:txBody>
+        </p:sp>
+        <p:sp>
+          <p:nvSpPr>
+            <p:cNvPr id="38" name="TextBox 37">
+              <a:extLst>
+                <a:ext uri="{FF2B5EF4-FFF2-40B4-BE49-F238E27FC236}">
+                  <a16:creationId xmlns:a16="http://schemas.microsoft.com/office/drawing/2014/main" id="{7AF37B81-1FC7-D45A-AA0C-60646F3DDC2C}"/>
+                </a:ext>
+              </a:extLst>
+            </p:cNvPr>
+            <p:cNvSpPr txBox="1"/>
+            <p:nvPr/>
+          </p:nvSpPr>
+          <p:spPr>
+            <a:xfrm>
+              <a:off x="8416466" y="5749574"/>
+              <a:ext cx="2140330" cy="461665"/>
+            </a:xfrm>
+            <a:prstGeom prst="rect">
+              <a:avLst/>
+            </a:prstGeom>
+            <a:noFill/>
+          </p:spPr>
+          <p:txBody>
+            <a:bodyPr wrap="none" rtlCol="0">
+              <a:spAutoFit/>
+            </a:bodyPr>
+            <a:lstStyle/>
+            <a:p>
+              <a:pPr algn="ctr"/>
+              <a:r>
+                <a:rPr lang="ko-KR" altLang="en-US" sz="2400" b="1" err="1"/>
+                <a:t>해충제</a:t>
+              </a:r>
+              <a:r>
+                <a:rPr lang="ko-KR" altLang="en-US" sz="2400" b="1" dirty="0"/>
+                <a:t> 레시피</a:t>
+              </a:r>
+            </a:p>
+          </p:txBody>
+        </p:sp>
+        <p:sp>
+          <p:nvSpPr>
+            <p:cNvPr id="39" name="사각형: 둥근 모서리 38">
+              <a:extLst>
+                <a:ext uri="{FF2B5EF4-FFF2-40B4-BE49-F238E27FC236}">
+                  <a16:creationId xmlns:a16="http://schemas.microsoft.com/office/drawing/2014/main" id="{C1BE28BD-DE50-8D66-93E0-A57407B129FD}"/>
+                </a:ext>
+              </a:extLst>
+            </p:cNvPr>
+            <p:cNvSpPr/>
+            <p:nvPr/>
+          </p:nvSpPr>
+          <p:spPr>
+            <a:xfrm>
+              <a:off x="8498088" y="3598333"/>
+              <a:ext cx="1977083" cy="2111333"/>
+            </a:xfrm>
+            <a:prstGeom prst="roundRect">
+              <a:avLst>
+                <a:gd name="adj" fmla="val 7123"/>
+              </a:avLst>
+            </a:prstGeom>
+            <a:solidFill>
+              <a:srgbClr val="FFFF00"/>
+            </a:solidFill>
+          </p:spPr>
+          <p:style>
+            <a:lnRef idx="2">
+              <a:schemeClr val="accent1">
+                <a:shade val="15000"/>
+              </a:schemeClr>
+            </a:lnRef>
+            <a:fillRef idx="1">
+              <a:schemeClr val="accent1"/>
+            </a:fillRef>
+            <a:effectRef idx="0">
+              <a:schemeClr val="accent1"/>
+            </a:effectRef>
+            <a:fontRef idx="minor">
+              <a:schemeClr val="lt1"/>
+            </a:fontRef>
+          </p:style>
+          <p:txBody>
+            <a:bodyPr rtlCol="0" anchor="ctr"/>
+            <a:lstStyle/>
+            <a:p>
+              <a:pPr algn="ctr"/>
+              <a:r>
+                <a:rPr lang="ko-KR" altLang="en-US" dirty="0">
+                  <a:solidFill>
+                    <a:schemeClr val="tx1"/>
+                  </a:solidFill>
+                </a:rPr>
+                <a:t>레시피</a:t>
+              </a:r>
+              <a:endParaRPr lang="en-US" altLang="ko-KR" dirty="0">
+                <a:solidFill>
+                  <a:schemeClr val="tx1"/>
+                </a:solidFill>
+              </a:endParaRPr>
+            </a:p>
+            <a:p>
+              <a:pPr algn="ctr"/>
+              <a:r>
+                <a:rPr lang="ko-KR" altLang="en-US" dirty="0">
+                  <a:solidFill>
+                    <a:schemeClr val="tx1"/>
+                  </a:solidFill>
+                </a:rPr>
+                <a:t>이미지</a:t>
+              </a:r>
+              <a:endParaRPr lang="en-US" altLang="ko-KR" dirty="0">
+                <a:solidFill>
+                  <a:schemeClr val="tx1"/>
+                </a:solidFill>
+              </a:endParaRPr>
+            </a:p>
+          </p:txBody>
+        </p:sp>
+      </p:grpSp>
+      <p:grpSp>
+        <p:nvGrpSpPr>
+          <p:cNvPr id="41" name="그룹 40">
+            <a:extLst>
+              <a:ext uri="{FF2B5EF4-FFF2-40B4-BE49-F238E27FC236}">
+                <a16:creationId xmlns:a16="http://schemas.microsoft.com/office/drawing/2014/main" id="{B26B65A8-C8F0-D322-D4CC-427B20E37C33}"/>
+              </a:ext>
+            </a:extLst>
+          </p:cNvPr>
+          <p:cNvGrpSpPr/>
+          <p:nvPr/>
+        </p:nvGrpSpPr>
+        <p:grpSpPr>
+          <a:xfrm>
+            <a:off x="4303152" y="3323164"/>
+            <a:ext cx="2353032" cy="2782358"/>
+            <a:chOff x="8310113" y="3488377"/>
+            <a:chExt cx="2353032" cy="2782358"/>
+          </a:xfrm>
+        </p:grpSpPr>
+        <p:sp>
+          <p:nvSpPr>
+            <p:cNvPr id="42" name="사각형: 둥근 모서리 41">
+              <a:extLst>
+                <a:ext uri="{FF2B5EF4-FFF2-40B4-BE49-F238E27FC236}">
+                  <a16:creationId xmlns:a16="http://schemas.microsoft.com/office/drawing/2014/main" id="{B359DF8E-DD1D-D5E2-D9FE-378C54B999B8}"/>
+                </a:ext>
+              </a:extLst>
+            </p:cNvPr>
+            <p:cNvSpPr/>
+            <p:nvPr/>
+          </p:nvSpPr>
+          <p:spPr>
+            <a:xfrm>
+              <a:off x="8310113" y="3488377"/>
+              <a:ext cx="2353032" cy="2782358"/>
+            </a:xfrm>
+            <a:prstGeom prst="roundRect">
+              <a:avLst>
+                <a:gd name="adj" fmla="val 7123"/>
+              </a:avLst>
+            </a:prstGeom>
+            <a:solidFill>
+              <a:schemeClr val="accent3">
+                <a:lumMod val="40000"/>
+                <a:lumOff val="60000"/>
+              </a:schemeClr>
+            </a:solidFill>
+          </p:spPr>
+          <p:style>
+            <a:lnRef idx="2">
+              <a:schemeClr val="accent1">
+                <a:shade val="15000"/>
+              </a:schemeClr>
+            </a:lnRef>
+            <a:fillRef idx="1">
+              <a:schemeClr val="accent1"/>
+            </a:fillRef>
+            <a:effectRef idx="0">
+              <a:schemeClr val="accent1"/>
+            </a:effectRef>
+            <a:fontRef idx="minor">
+              <a:schemeClr val="lt1"/>
+            </a:fontRef>
+          </p:style>
+          <p:txBody>
+            <a:bodyPr rtlCol="0" anchor="ctr"/>
+            <a:lstStyle/>
+            <a:p>
+              <a:pPr algn="ctr"/>
+              <a:endParaRPr lang="en-US" altLang="ko-KR" dirty="0">
+                <a:solidFill>
+                  <a:schemeClr val="tx1"/>
+                </a:solidFill>
+              </a:endParaRPr>
+            </a:p>
+          </p:txBody>
+        </p:sp>
+        <p:sp>
+          <p:nvSpPr>
+            <p:cNvPr id="43" name="TextBox 42">
+              <a:extLst>
+                <a:ext uri="{FF2B5EF4-FFF2-40B4-BE49-F238E27FC236}">
+                  <a16:creationId xmlns:a16="http://schemas.microsoft.com/office/drawing/2014/main" id="{9ADBDC1B-3106-6EA4-C8D6-0AF5ABDBCB2C}"/>
+                </a:ext>
+              </a:extLst>
+            </p:cNvPr>
+            <p:cNvSpPr txBox="1"/>
+            <p:nvPr/>
+          </p:nvSpPr>
+          <p:spPr>
+            <a:xfrm>
+              <a:off x="8908585" y="5749574"/>
+              <a:ext cx="1156087" cy="461665"/>
+            </a:xfrm>
+            <a:prstGeom prst="rect">
+              <a:avLst/>
+            </a:prstGeom>
+            <a:noFill/>
+          </p:spPr>
+          <p:txBody>
+            <a:bodyPr wrap="none" rtlCol="0">
+              <a:spAutoFit/>
+            </a:bodyPr>
+            <a:lstStyle/>
+            <a:p>
+              <a:pPr algn="ctr"/>
+              <a:r>
+                <a:rPr lang="en-US" altLang="ko-KR" sz="2400" b="1" dirty="0"/>
+                <a:t>50</a:t>
+              </a:r>
+              <a:r>
+                <a:rPr lang="ko-KR" altLang="en-US" sz="2400" b="1" dirty="0"/>
+                <a:t>골드</a:t>
+              </a:r>
+            </a:p>
+          </p:txBody>
+        </p:sp>
+        <p:sp>
+          <p:nvSpPr>
+            <p:cNvPr id="44" name="사각형: 둥근 모서리 43">
+              <a:extLst>
+                <a:ext uri="{FF2B5EF4-FFF2-40B4-BE49-F238E27FC236}">
+                  <a16:creationId xmlns:a16="http://schemas.microsoft.com/office/drawing/2014/main" id="{04D8E73A-4629-DCE7-70F5-0FC371B59F44}"/>
+                </a:ext>
+              </a:extLst>
+            </p:cNvPr>
+            <p:cNvSpPr/>
+            <p:nvPr/>
+          </p:nvSpPr>
+          <p:spPr>
+            <a:xfrm>
+              <a:off x="8498088" y="3598333"/>
+              <a:ext cx="1977083" cy="2111333"/>
+            </a:xfrm>
+            <a:prstGeom prst="roundRect">
+              <a:avLst>
+                <a:gd name="adj" fmla="val 7123"/>
+              </a:avLst>
+            </a:prstGeom>
+            <a:solidFill>
+              <a:srgbClr val="FFFF00"/>
+            </a:solidFill>
+          </p:spPr>
+          <p:style>
+            <a:lnRef idx="2">
+              <a:schemeClr val="accent1">
+                <a:shade val="15000"/>
+              </a:schemeClr>
+            </a:lnRef>
+            <a:fillRef idx="1">
+              <a:schemeClr val="accent1"/>
+            </a:fillRef>
+            <a:effectRef idx="0">
+              <a:schemeClr val="accent1"/>
+            </a:effectRef>
+            <a:fontRef idx="minor">
+              <a:schemeClr val="lt1"/>
+            </a:fontRef>
+          </p:style>
+          <p:txBody>
+            <a:bodyPr rtlCol="0" anchor="ctr"/>
+            <a:lstStyle/>
+            <a:p>
+              <a:pPr algn="ctr"/>
+              <a:r>
+                <a:rPr lang="ko-KR" altLang="en-US" dirty="0">
+                  <a:solidFill>
+                    <a:schemeClr val="tx1"/>
+                  </a:solidFill>
+                </a:rPr>
+                <a:t>재화</a:t>
+              </a:r>
+              <a:endParaRPr lang="en-US" altLang="ko-KR" dirty="0">
+                <a:solidFill>
+                  <a:schemeClr val="tx1"/>
+                </a:solidFill>
+              </a:endParaRPr>
+            </a:p>
+            <a:p>
+              <a:pPr algn="ctr"/>
+              <a:r>
+                <a:rPr lang="ko-KR" altLang="en-US" dirty="0">
+                  <a:solidFill>
+                    <a:schemeClr val="tx1"/>
+                  </a:solidFill>
+                </a:rPr>
+                <a:t>이미지</a:t>
+              </a:r>
+              <a:endParaRPr lang="en-US" altLang="ko-KR" dirty="0">
+                <a:solidFill>
+                  <a:schemeClr val="tx1"/>
+                </a:solidFill>
+              </a:endParaRPr>
+            </a:p>
+          </p:txBody>
+        </p:sp>
+      </p:grpSp>
+      <p:sp>
+        <p:nvSpPr>
+          <p:cNvPr id="45" name="직사각형 44">
+            <a:extLst>
+              <a:ext uri="{FF2B5EF4-FFF2-40B4-BE49-F238E27FC236}">
+                <a16:creationId xmlns:a16="http://schemas.microsoft.com/office/drawing/2014/main" id="{5944C9AA-18F6-BBFB-2A40-A3657550CEB1}"/>
+              </a:ext>
+            </a:extLst>
+          </p:cNvPr>
+          <p:cNvSpPr/>
+          <p:nvPr/>
+        </p:nvSpPr>
+        <p:spPr>
+          <a:xfrm>
+            <a:off x="6909490" y="4576826"/>
+            <a:ext cx="1305100" cy="568115"/>
+          </a:xfrm>
+          <a:prstGeom prst="rect">
+            <a:avLst/>
+          </a:prstGeom>
+          <a:solidFill>
+            <a:schemeClr val="accent6"/>
+          </a:solidFill>
+        </p:spPr>
+        <p:style>
+          <a:lnRef idx="2">
+            <a:schemeClr val="accent1">
+              <a:shade val="15000"/>
+            </a:schemeClr>
+          </a:lnRef>
+          <a:fillRef idx="1">
+            <a:schemeClr val="accent1"/>
+          </a:fillRef>
+          <a:effectRef idx="0">
+            <a:schemeClr val="accent1"/>
+          </a:effectRef>
+          <a:fontRef idx="minor">
+            <a:schemeClr val="lt1"/>
+          </a:fontRef>
+        </p:style>
+        <p:txBody>
+          <a:bodyPr rtlCol="0" anchor="ctr"/>
+          <a:lstStyle/>
+          <a:p>
+            <a:pPr algn="ctr"/>
+            <a:r>
+              <a:rPr lang="ko-KR" altLang="en-US" sz="1400" dirty="0">
+                <a:solidFill>
+                  <a:schemeClr val="tx1"/>
+                </a:solidFill>
+              </a:rPr>
+              <a:t>선택</a:t>
+            </a:r>
+          </a:p>
+        </p:txBody>
+      </p:sp>
+    </p:spTree>
+    <p:extLst>
+      <p:ext uri="{BB962C8B-B14F-4D97-AF65-F5344CB8AC3E}">
+        <p14:creationId xmlns:p14="http://schemas.microsoft.com/office/powerpoint/2010/main" val="3230528792"/>
+      </p:ext>
+    </p:extLst>
+  </p:cSld>
+  <p:clrMapOvr>
+    <a:masterClrMapping/>
+  </p:clrMapOvr>
+</p:sld>
+</file>
+
 <file path=ppt/theme/theme1.xml><?xml version="1.0" encoding="utf-8"?>
 <a:theme xmlns:a="http://schemas.openxmlformats.org/drawingml/2006/main" name="Office 테마">
   <a:themeElements>

--- a/document/UI.pptx
+++ b/document/UI.pptx
@@ -268,7 +268,7 @@
           <a:p>
             <a:fld id="{B72E036F-CDEF-47A9-871C-CF66AFA16CFE}" type="datetimeFigureOut">
               <a:rPr lang="ko-KR" altLang="en-US" smtClean="0"/>
-              <a:t>2024-08-06</a:t>
+              <a:t>2024-08-12</a:t>
             </a:fld>
             <a:endParaRPr lang="ko-KR" altLang="en-US"/>
           </a:p>
@@ -466,7 +466,7 @@
           <a:p>
             <a:fld id="{B72E036F-CDEF-47A9-871C-CF66AFA16CFE}" type="datetimeFigureOut">
               <a:rPr lang="ko-KR" altLang="en-US" smtClean="0"/>
-              <a:t>2024-08-06</a:t>
+              <a:t>2024-08-12</a:t>
             </a:fld>
             <a:endParaRPr lang="ko-KR" altLang="en-US"/>
           </a:p>
@@ -674,7 +674,7 @@
           <a:p>
             <a:fld id="{B72E036F-CDEF-47A9-871C-CF66AFA16CFE}" type="datetimeFigureOut">
               <a:rPr lang="ko-KR" altLang="en-US" smtClean="0"/>
-              <a:t>2024-08-06</a:t>
+              <a:t>2024-08-12</a:t>
             </a:fld>
             <a:endParaRPr lang="ko-KR" altLang="en-US"/>
           </a:p>
@@ -872,7 +872,7 @@
           <a:p>
             <a:fld id="{B72E036F-CDEF-47A9-871C-CF66AFA16CFE}" type="datetimeFigureOut">
               <a:rPr lang="ko-KR" altLang="en-US" smtClean="0"/>
-              <a:t>2024-08-06</a:t>
+              <a:t>2024-08-12</a:t>
             </a:fld>
             <a:endParaRPr lang="ko-KR" altLang="en-US"/>
           </a:p>
@@ -1147,7 +1147,7 @@
           <a:p>
             <a:fld id="{B72E036F-CDEF-47A9-871C-CF66AFA16CFE}" type="datetimeFigureOut">
               <a:rPr lang="ko-KR" altLang="en-US" smtClean="0"/>
-              <a:t>2024-08-06</a:t>
+              <a:t>2024-08-12</a:t>
             </a:fld>
             <a:endParaRPr lang="ko-KR" altLang="en-US"/>
           </a:p>
@@ -1412,7 +1412,7 @@
           <a:p>
             <a:fld id="{B72E036F-CDEF-47A9-871C-CF66AFA16CFE}" type="datetimeFigureOut">
               <a:rPr lang="ko-KR" altLang="en-US" smtClean="0"/>
-              <a:t>2024-08-06</a:t>
+              <a:t>2024-08-12</a:t>
             </a:fld>
             <a:endParaRPr lang="ko-KR" altLang="en-US"/>
           </a:p>
@@ -1824,7 +1824,7 @@
           <a:p>
             <a:fld id="{B72E036F-CDEF-47A9-871C-CF66AFA16CFE}" type="datetimeFigureOut">
               <a:rPr lang="ko-KR" altLang="en-US" smtClean="0"/>
-              <a:t>2024-08-06</a:t>
+              <a:t>2024-08-12</a:t>
             </a:fld>
             <a:endParaRPr lang="ko-KR" altLang="en-US"/>
           </a:p>
@@ -1965,7 +1965,7 @@
           <a:p>
             <a:fld id="{B72E036F-CDEF-47A9-871C-CF66AFA16CFE}" type="datetimeFigureOut">
               <a:rPr lang="ko-KR" altLang="en-US" smtClean="0"/>
-              <a:t>2024-08-06</a:t>
+              <a:t>2024-08-12</a:t>
             </a:fld>
             <a:endParaRPr lang="ko-KR" altLang="en-US"/>
           </a:p>
@@ -2078,7 +2078,7 @@
           <a:p>
             <a:fld id="{B72E036F-CDEF-47A9-871C-CF66AFA16CFE}" type="datetimeFigureOut">
               <a:rPr lang="ko-KR" altLang="en-US" smtClean="0"/>
-              <a:t>2024-08-06</a:t>
+              <a:t>2024-08-12</a:t>
             </a:fld>
             <a:endParaRPr lang="ko-KR" altLang="en-US"/>
           </a:p>
@@ -2389,7 +2389,7 @@
           <a:p>
             <a:fld id="{B72E036F-CDEF-47A9-871C-CF66AFA16CFE}" type="datetimeFigureOut">
               <a:rPr lang="ko-KR" altLang="en-US" smtClean="0"/>
-              <a:t>2024-08-06</a:t>
+              <a:t>2024-08-12</a:t>
             </a:fld>
             <a:endParaRPr lang="ko-KR" altLang="en-US"/>
           </a:p>
@@ -2677,7 +2677,7 @@
           <a:p>
             <a:fld id="{B72E036F-CDEF-47A9-871C-CF66AFA16CFE}" type="datetimeFigureOut">
               <a:rPr lang="ko-KR" altLang="en-US" smtClean="0"/>
-              <a:t>2024-08-06</a:t>
+              <a:t>2024-08-12</a:t>
             </a:fld>
             <a:endParaRPr lang="ko-KR" altLang="en-US"/>
           </a:p>
@@ -2918,7 +2918,7 @@
           <a:p>
             <a:fld id="{B72E036F-CDEF-47A9-871C-CF66AFA16CFE}" type="datetimeFigureOut">
               <a:rPr lang="ko-KR" altLang="en-US" smtClean="0"/>
-              <a:t>2024-08-06</a:t>
+              <a:t>2024-08-12</a:t>
             </a:fld>
             <a:endParaRPr lang="ko-KR" altLang="en-US"/>
           </a:p>
@@ -9906,1268 +9906,6 @@
           </a:p>
         </p:txBody>
       </p:sp>
-      <p:grpSp>
-        <p:nvGrpSpPr>
-          <p:cNvPr id="23" name="그룹 22">
-            <a:extLst>
-              <a:ext uri="{FF2B5EF4-FFF2-40B4-BE49-F238E27FC236}">
-                <a16:creationId xmlns:a16="http://schemas.microsoft.com/office/drawing/2014/main" id="{E330D876-1DF3-F9B7-6445-FD40D72C4E0A}"/>
-              </a:ext>
-            </a:extLst>
-          </p:cNvPr>
-          <p:cNvGrpSpPr/>
-          <p:nvPr/>
-        </p:nvGrpSpPr>
-        <p:grpSpPr>
-          <a:xfrm>
-            <a:off x="773251" y="2323411"/>
-            <a:ext cx="2358821" cy="2545612"/>
-            <a:chOff x="1202267" y="1552255"/>
-            <a:chExt cx="2358821" cy="2545612"/>
-          </a:xfrm>
-        </p:grpSpPr>
-        <p:sp>
-          <p:nvSpPr>
-            <p:cNvPr id="17" name="직사각형 16">
-              <a:extLst>
-                <a:ext uri="{FF2B5EF4-FFF2-40B4-BE49-F238E27FC236}">
-                  <a16:creationId xmlns:a16="http://schemas.microsoft.com/office/drawing/2014/main" id="{3D3927F8-AC2C-161F-47C3-F3D5B598E85C}"/>
-                </a:ext>
-              </a:extLst>
-            </p:cNvPr>
-            <p:cNvSpPr/>
-            <p:nvPr/>
-          </p:nvSpPr>
-          <p:spPr>
-            <a:xfrm>
-              <a:off x="1202267" y="1879600"/>
-              <a:ext cx="2311400" cy="2218267"/>
-            </a:xfrm>
-            <a:prstGeom prst="rect">
-              <a:avLst/>
-            </a:prstGeom>
-            <a:solidFill>
-              <a:schemeClr val="tx2">
-                <a:lumMod val="25000"/>
-                <a:lumOff val="75000"/>
-              </a:schemeClr>
-            </a:solidFill>
-            <a:ln>
-              <a:solidFill>
-                <a:schemeClr val="tx1"/>
-              </a:solidFill>
-            </a:ln>
-          </p:spPr>
-          <p:style>
-            <a:lnRef idx="2">
-              <a:schemeClr val="accent1">
-                <a:shade val="15000"/>
-              </a:schemeClr>
-            </a:lnRef>
-            <a:fillRef idx="1">
-              <a:schemeClr val="accent1"/>
-            </a:fillRef>
-            <a:effectRef idx="0">
-              <a:schemeClr val="accent1"/>
-            </a:effectRef>
-            <a:fontRef idx="minor">
-              <a:schemeClr val="lt1"/>
-            </a:fontRef>
-          </p:style>
-          <p:txBody>
-            <a:bodyPr rtlCol="0" anchor="ctr"/>
-            <a:lstStyle/>
-            <a:p>
-              <a:pPr algn="ctr"/>
-              <a:endParaRPr lang="ko-KR" altLang="en-US"/>
-            </a:p>
-          </p:txBody>
-        </p:sp>
-        <p:pic>
-          <p:nvPicPr>
-            <p:cNvPr id="19" name="그림 18" descr="그래픽, 상징, 클립아트, 만화 영화이(가) 표시된 사진&#10;&#10;자동 생성된 설명">
-              <a:extLst>
-                <a:ext uri="{FF2B5EF4-FFF2-40B4-BE49-F238E27FC236}">
-                  <a16:creationId xmlns:a16="http://schemas.microsoft.com/office/drawing/2014/main" id="{1E972C9C-AA02-E542-21FA-F4F65AC792C3}"/>
-                </a:ext>
-              </a:extLst>
-            </p:cNvPr>
-            <p:cNvPicPr>
-              <a:picLocks noChangeAspect="1"/>
-            </p:cNvPicPr>
-            <p:nvPr/>
-          </p:nvPicPr>
-          <p:blipFill>
-            <a:blip r:embed="rId2">
-              <a:extLst>
-                <a:ext uri="{28A0092B-C50C-407E-A947-70E740481C1C}">
-                  <a14:useLocalDpi xmlns:a14="http://schemas.microsoft.com/office/drawing/2010/main" val="0"/>
-                </a:ext>
-              </a:extLst>
-            </a:blip>
-            <a:stretch>
-              <a:fillRect/>
-            </a:stretch>
-          </p:blipFill>
-          <p:spPr>
-            <a:xfrm>
-              <a:off x="2357967" y="1552255"/>
-              <a:ext cx="577183" cy="577183"/>
-            </a:xfrm>
-            <a:prstGeom prst="rect">
-              <a:avLst/>
-            </a:prstGeom>
-          </p:spPr>
-        </p:pic>
-        <p:sp>
-          <p:nvSpPr>
-            <p:cNvPr id="20" name="직사각형 19">
-              <a:extLst>
-                <a:ext uri="{FF2B5EF4-FFF2-40B4-BE49-F238E27FC236}">
-                  <a16:creationId xmlns:a16="http://schemas.microsoft.com/office/drawing/2014/main" id="{56C6F98B-9F0C-B023-4533-09CBC2D51E77}"/>
-                </a:ext>
-              </a:extLst>
-            </p:cNvPr>
-            <p:cNvSpPr/>
-            <p:nvPr/>
-          </p:nvSpPr>
-          <p:spPr>
-            <a:xfrm>
-              <a:off x="1297518" y="3210312"/>
-              <a:ext cx="690033" cy="690033"/>
-            </a:xfrm>
-            <a:prstGeom prst="rect">
-              <a:avLst/>
-            </a:prstGeom>
-            <a:solidFill>
-              <a:srgbClr val="FFFF00"/>
-            </a:solidFill>
-          </p:spPr>
-          <p:style>
-            <a:lnRef idx="2">
-              <a:schemeClr val="accent1">
-                <a:shade val="15000"/>
-              </a:schemeClr>
-            </a:lnRef>
-            <a:fillRef idx="1">
-              <a:schemeClr val="accent1"/>
-            </a:fillRef>
-            <a:effectRef idx="0">
-              <a:schemeClr val="accent1"/>
-            </a:effectRef>
-            <a:fontRef idx="minor">
-              <a:schemeClr val="lt1"/>
-            </a:fontRef>
-          </p:style>
-          <p:txBody>
-            <a:bodyPr rtlCol="0" anchor="ctr"/>
-            <a:lstStyle/>
-            <a:p>
-              <a:pPr algn="ctr"/>
-              <a:r>
-                <a:rPr lang="ko-KR" altLang="en-US" sz="1200" dirty="0" err="1">
-                  <a:solidFill>
-                    <a:schemeClr val="tx1"/>
-                  </a:solidFill>
-                </a:rPr>
-                <a:t>포션</a:t>
-              </a:r>
-              <a:endParaRPr lang="en-US" altLang="ko-KR" sz="1200" dirty="0">
-                <a:solidFill>
-                  <a:schemeClr val="tx1"/>
-                </a:solidFill>
-              </a:endParaRPr>
-            </a:p>
-            <a:p>
-              <a:pPr algn="ctr"/>
-              <a:r>
-                <a:rPr lang="ko-KR" altLang="en-US" sz="1200" dirty="0">
-                  <a:solidFill>
-                    <a:schemeClr val="tx1"/>
-                  </a:solidFill>
-                </a:rPr>
-                <a:t>이미지</a:t>
-              </a:r>
-            </a:p>
-          </p:txBody>
-        </p:sp>
-        <p:sp>
-          <p:nvSpPr>
-            <p:cNvPr id="21" name="TextBox 20">
-              <a:extLst>
-                <a:ext uri="{FF2B5EF4-FFF2-40B4-BE49-F238E27FC236}">
-                  <a16:creationId xmlns:a16="http://schemas.microsoft.com/office/drawing/2014/main" id="{560EBCC7-513F-A7EF-7C2F-9298F9FFA5BE}"/>
-                </a:ext>
-              </a:extLst>
-            </p:cNvPr>
-            <p:cNvSpPr txBox="1"/>
-            <p:nvPr/>
-          </p:nvSpPr>
-          <p:spPr>
-            <a:xfrm>
-              <a:off x="1202267" y="2212845"/>
-              <a:ext cx="2339102" cy="523220"/>
-            </a:xfrm>
-            <a:prstGeom prst="rect">
-              <a:avLst/>
-            </a:prstGeom>
-            <a:noFill/>
-          </p:spPr>
-          <p:txBody>
-            <a:bodyPr wrap="none" rtlCol="0">
-              <a:spAutoFit/>
-            </a:bodyPr>
-            <a:lstStyle/>
-            <a:p>
-              <a:r>
-                <a:rPr lang="ko-KR" altLang="en-US" sz="1400" dirty="0"/>
-                <a:t>의뢰 내용</a:t>
-              </a:r>
-              <a:r>
-                <a:rPr lang="en-US" altLang="ko-KR" sz="1400" dirty="0"/>
-                <a:t>text</a:t>
-              </a:r>
-            </a:p>
-            <a:p>
-              <a:r>
-                <a:rPr lang="ko-KR" altLang="en-US" sz="1400" dirty="0"/>
-                <a:t>글씨크기 </a:t>
-              </a:r>
-              <a:r>
-                <a:rPr lang="en-US" altLang="ko-KR" sz="1400" dirty="0"/>
-                <a:t>: 14pt, </a:t>
-              </a:r>
-              <a:r>
-                <a:rPr lang="ko-KR" altLang="en-US" sz="1400" dirty="0"/>
-                <a:t>최대 </a:t>
-              </a:r>
-              <a:r>
-                <a:rPr lang="en-US" altLang="ko-KR" sz="1400" dirty="0"/>
-                <a:t>20</a:t>
-              </a:r>
-              <a:r>
-                <a:rPr lang="ko-KR" altLang="en-US" sz="1400" dirty="0"/>
-                <a:t>자</a:t>
-              </a:r>
-            </a:p>
-          </p:txBody>
-        </p:sp>
-        <p:sp>
-          <p:nvSpPr>
-            <p:cNvPr id="22" name="TextBox 21">
-              <a:extLst>
-                <a:ext uri="{FF2B5EF4-FFF2-40B4-BE49-F238E27FC236}">
-                  <a16:creationId xmlns:a16="http://schemas.microsoft.com/office/drawing/2014/main" id="{7EB0D257-5728-4222-689A-EDF284DFCCC9}"/>
-                </a:ext>
-              </a:extLst>
-            </p:cNvPr>
-            <p:cNvSpPr txBox="1"/>
-            <p:nvPr/>
-          </p:nvSpPr>
-          <p:spPr>
-            <a:xfrm>
-              <a:off x="1940131" y="3293718"/>
-              <a:ext cx="1620957" cy="523220"/>
-            </a:xfrm>
-            <a:prstGeom prst="rect">
-              <a:avLst/>
-            </a:prstGeom>
-            <a:noFill/>
-          </p:spPr>
-          <p:txBody>
-            <a:bodyPr wrap="none" rtlCol="0">
-              <a:spAutoFit/>
-            </a:bodyPr>
-            <a:lstStyle/>
-            <a:p>
-              <a:pPr algn="ctr"/>
-              <a:r>
-                <a:rPr lang="ko-KR" altLang="en-US" sz="1400" dirty="0"/>
-                <a:t>요구 </a:t>
-              </a:r>
-              <a:r>
-                <a:rPr lang="ko-KR" altLang="en-US" sz="1400" dirty="0" err="1"/>
-                <a:t>포션</a:t>
-              </a:r>
-              <a:r>
-                <a:rPr lang="ko-KR" altLang="en-US" sz="1400" dirty="0"/>
-                <a:t> 품질</a:t>
-              </a:r>
-              <a:endParaRPr lang="en-US" altLang="ko-KR" sz="1400" dirty="0"/>
-            </a:p>
-            <a:p>
-              <a:pPr algn="ctr"/>
-              <a:r>
-                <a:rPr lang="en-US" altLang="ko-KR" sz="1400" dirty="0"/>
-                <a:t>(</a:t>
-              </a:r>
-              <a:r>
-                <a:rPr lang="ko-KR" altLang="en-US" sz="1400" dirty="0"/>
-                <a:t>최소값 </a:t>
-              </a:r>
-              <a:r>
-                <a:rPr lang="en-US" altLang="ko-KR" sz="1400" dirty="0"/>
-                <a:t>~ </a:t>
-              </a:r>
-              <a:r>
-                <a:rPr lang="ko-KR" altLang="en-US" sz="1400" dirty="0"/>
-                <a:t>최대값</a:t>
-              </a:r>
-              <a:r>
-                <a:rPr lang="en-US" altLang="ko-KR" sz="1400" dirty="0"/>
-                <a:t>)</a:t>
-              </a:r>
-            </a:p>
-          </p:txBody>
-        </p:sp>
-      </p:grpSp>
-      <p:grpSp>
-        <p:nvGrpSpPr>
-          <p:cNvPr id="49" name="그룹 48">
-            <a:extLst>
-              <a:ext uri="{FF2B5EF4-FFF2-40B4-BE49-F238E27FC236}">
-                <a16:creationId xmlns:a16="http://schemas.microsoft.com/office/drawing/2014/main" id="{6D855BD2-DD26-A27B-63C2-156C12FB26CB}"/>
-              </a:ext>
-            </a:extLst>
-          </p:cNvPr>
-          <p:cNvGrpSpPr/>
-          <p:nvPr/>
-        </p:nvGrpSpPr>
-        <p:grpSpPr>
-          <a:xfrm>
-            <a:off x="3526305" y="2323411"/>
-            <a:ext cx="2358821" cy="2545612"/>
-            <a:chOff x="1202267" y="1552255"/>
-            <a:chExt cx="2358821" cy="2545612"/>
-          </a:xfrm>
-        </p:grpSpPr>
-        <p:sp>
-          <p:nvSpPr>
-            <p:cNvPr id="50" name="직사각형 49">
-              <a:extLst>
-                <a:ext uri="{FF2B5EF4-FFF2-40B4-BE49-F238E27FC236}">
-                  <a16:creationId xmlns:a16="http://schemas.microsoft.com/office/drawing/2014/main" id="{36E7E254-834B-2E53-06A4-7E7892F13641}"/>
-                </a:ext>
-              </a:extLst>
-            </p:cNvPr>
-            <p:cNvSpPr/>
-            <p:nvPr/>
-          </p:nvSpPr>
-          <p:spPr>
-            <a:xfrm>
-              <a:off x="1202267" y="1879600"/>
-              <a:ext cx="2311400" cy="2218267"/>
-            </a:xfrm>
-            <a:prstGeom prst="rect">
-              <a:avLst/>
-            </a:prstGeom>
-            <a:solidFill>
-              <a:schemeClr val="tx2">
-                <a:lumMod val="25000"/>
-                <a:lumOff val="75000"/>
-              </a:schemeClr>
-            </a:solidFill>
-            <a:ln>
-              <a:solidFill>
-                <a:schemeClr val="accent2">
-                  <a:lumMod val="75000"/>
-                </a:schemeClr>
-              </a:solidFill>
-            </a:ln>
-          </p:spPr>
-          <p:style>
-            <a:lnRef idx="2">
-              <a:schemeClr val="accent1">
-                <a:shade val="15000"/>
-              </a:schemeClr>
-            </a:lnRef>
-            <a:fillRef idx="1">
-              <a:schemeClr val="accent1"/>
-            </a:fillRef>
-            <a:effectRef idx="0">
-              <a:schemeClr val="accent1"/>
-            </a:effectRef>
-            <a:fontRef idx="minor">
-              <a:schemeClr val="lt1"/>
-            </a:fontRef>
-          </p:style>
-          <p:txBody>
-            <a:bodyPr rtlCol="0" anchor="ctr"/>
-            <a:lstStyle/>
-            <a:p>
-              <a:pPr algn="ctr"/>
-              <a:endParaRPr lang="ko-KR" altLang="en-US" dirty="0"/>
-            </a:p>
-          </p:txBody>
-        </p:sp>
-        <p:pic>
-          <p:nvPicPr>
-            <p:cNvPr id="51" name="그림 50" descr="그래픽, 상징, 클립아트, 만화 영화이(가) 표시된 사진&#10;&#10;자동 생성된 설명">
-              <a:extLst>
-                <a:ext uri="{FF2B5EF4-FFF2-40B4-BE49-F238E27FC236}">
-                  <a16:creationId xmlns:a16="http://schemas.microsoft.com/office/drawing/2014/main" id="{01A84404-1D05-368F-5C08-46AF559D4BA9}"/>
-                </a:ext>
-              </a:extLst>
-            </p:cNvPr>
-            <p:cNvPicPr>
-              <a:picLocks noChangeAspect="1"/>
-            </p:cNvPicPr>
-            <p:nvPr/>
-          </p:nvPicPr>
-          <p:blipFill>
-            <a:blip r:embed="rId2">
-              <a:extLst>
-                <a:ext uri="{28A0092B-C50C-407E-A947-70E740481C1C}">
-                  <a14:useLocalDpi xmlns:a14="http://schemas.microsoft.com/office/drawing/2010/main" val="0"/>
-                </a:ext>
-              </a:extLst>
-            </a:blip>
-            <a:stretch>
-              <a:fillRect/>
-            </a:stretch>
-          </p:blipFill>
-          <p:spPr>
-            <a:xfrm>
-              <a:off x="2357967" y="1552255"/>
-              <a:ext cx="577183" cy="577183"/>
-            </a:xfrm>
-            <a:prstGeom prst="rect">
-              <a:avLst/>
-            </a:prstGeom>
-          </p:spPr>
-        </p:pic>
-        <p:sp>
-          <p:nvSpPr>
-            <p:cNvPr id="52" name="직사각형 51">
-              <a:extLst>
-                <a:ext uri="{FF2B5EF4-FFF2-40B4-BE49-F238E27FC236}">
-                  <a16:creationId xmlns:a16="http://schemas.microsoft.com/office/drawing/2014/main" id="{D51F5640-8FA7-2F9D-275D-7A5180474913}"/>
-                </a:ext>
-              </a:extLst>
-            </p:cNvPr>
-            <p:cNvSpPr/>
-            <p:nvPr/>
-          </p:nvSpPr>
-          <p:spPr>
-            <a:xfrm>
-              <a:off x="1297518" y="3210312"/>
-              <a:ext cx="690033" cy="690033"/>
-            </a:xfrm>
-            <a:prstGeom prst="rect">
-              <a:avLst/>
-            </a:prstGeom>
-            <a:solidFill>
-              <a:srgbClr val="FFFF00"/>
-            </a:solidFill>
-          </p:spPr>
-          <p:style>
-            <a:lnRef idx="2">
-              <a:schemeClr val="accent1">
-                <a:shade val="15000"/>
-              </a:schemeClr>
-            </a:lnRef>
-            <a:fillRef idx="1">
-              <a:schemeClr val="accent1"/>
-            </a:fillRef>
-            <a:effectRef idx="0">
-              <a:schemeClr val="accent1"/>
-            </a:effectRef>
-            <a:fontRef idx="minor">
-              <a:schemeClr val="lt1"/>
-            </a:fontRef>
-          </p:style>
-          <p:txBody>
-            <a:bodyPr rtlCol="0" anchor="ctr"/>
-            <a:lstStyle/>
-            <a:p>
-              <a:pPr algn="ctr"/>
-              <a:r>
-                <a:rPr lang="ko-KR" altLang="en-US" sz="1200" dirty="0" err="1">
-                  <a:solidFill>
-                    <a:schemeClr val="tx1"/>
-                  </a:solidFill>
-                </a:rPr>
-                <a:t>포션</a:t>
-              </a:r>
-              <a:endParaRPr lang="en-US" altLang="ko-KR" sz="1200" dirty="0">
-                <a:solidFill>
-                  <a:schemeClr val="tx1"/>
-                </a:solidFill>
-              </a:endParaRPr>
-            </a:p>
-            <a:p>
-              <a:pPr algn="ctr"/>
-              <a:r>
-                <a:rPr lang="ko-KR" altLang="en-US" sz="1200" dirty="0">
-                  <a:solidFill>
-                    <a:schemeClr val="tx1"/>
-                  </a:solidFill>
-                </a:rPr>
-                <a:t>이미지</a:t>
-              </a:r>
-            </a:p>
-          </p:txBody>
-        </p:sp>
-        <p:sp>
-          <p:nvSpPr>
-            <p:cNvPr id="53" name="TextBox 52">
-              <a:extLst>
-                <a:ext uri="{FF2B5EF4-FFF2-40B4-BE49-F238E27FC236}">
-                  <a16:creationId xmlns:a16="http://schemas.microsoft.com/office/drawing/2014/main" id="{8609193F-1B12-2E74-438F-6D2BC65948E2}"/>
-                </a:ext>
-              </a:extLst>
-            </p:cNvPr>
-            <p:cNvSpPr txBox="1"/>
-            <p:nvPr/>
-          </p:nvSpPr>
-          <p:spPr>
-            <a:xfrm>
-              <a:off x="1202267" y="2212845"/>
-              <a:ext cx="2339102" cy="523220"/>
-            </a:xfrm>
-            <a:prstGeom prst="rect">
-              <a:avLst/>
-            </a:prstGeom>
-            <a:noFill/>
-          </p:spPr>
-          <p:txBody>
-            <a:bodyPr wrap="none" rtlCol="0">
-              <a:spAutoFit/>
-            </a:bodyPr>
-            <a:lstStyle/>
-            <a:p>
-              <a:r>
-                <a:rPr lang="ko-KR" altLang="en-US" sz="1400" dirty="0"/>
-                <a:t>의뢰 내용</a:t>
-              </a:r>
-              <a:r>
-                <a:rPr lang="en-US" altLang="ko-KR" sz="1400" dirty="0"/>
-                <a:t>text</a:t>
-              </a:r>
-            </a:p>
-            <a:p>
-              <a:r>
-                <a:rPr lang="ko-KR" altLang="en-US" sz="1400" dirty="0"/>
-                <a:t>글씨크기 </a:t>
-              </a:r>
-              <a:r>
-                <a:rPr lang="en-US" altLang="ko-KR" sz="1400" dirty="0"/>
-                <a:t>: 14pt, </a:t>
-              </a:r>
-              <a:r>
-                <a:rPr lang="ko-KR" altLang="en-US" sz="1400" dirty="0"/>
-                <a:t>최대 </a:t>
-              </a:r>
-              <a:r>
-                <a:rPr lang="en-US" altLang="ko-KR" sz="1400" dirty="0"/>
-                <a:t>20</a:t>
-              </a:r>
-              <a:r>
-                <a:rPr lang="ko-KR" altLang="en-US" sz="1400" dirty="0"/>
-                <a:t>자</a:t>
-              </a:r>
-            </a:p>
-          </p:txBody>
-        </p:sp>
-        <p:sp>
-          <p:nvSpPr>
-            <p:cNvPr id="54" name="TextBox 53">
-              <a:extLst>
-                <a:ext uri="{FF2B5EF4-FFF2-40B4-BE49-F238E27FC236}">
-                  <a16:creationId xmlns:a16="http://schemas.microsoft.com/office/drawing/2014/main" id="{0B034816-F51D-87BB-211B-F95D8C583E2E}"/>
-                </a:ext>
-              </a:extLst>
-            </p:cNvPr>
-            <p:cNvSpPr txBox="1"/>
-            <p:nvPr/>
-          </p:nvSpPr>
-          <p:spPr>
-            <a:xfrm>
-              <a:off x="1940131" y="3293718"/>
-              <a:ext cx="1620957" cy="523220"/>
-            </a:xfrm>
-            <a:prstGeom prst="rect">
-              <a:avLst/>
-            </a:prstGeom>
-            <a:noFill/>
-          </p:spPr>
-          <p:txBody>
-            <a:bodyPr wrap="none" rtlCol="0">
-              <a:spAutoFit/>
-            </a:bodyPr>
-            <a:lstStyle/>
-            <a:p>
-              <a:pPr algn="ctr"/>
-              <a:r>
-                <a:rPr lang="ko-KR" altLang="en-US" sz="1400" dirty="0"/>
-                <a:t>요구 </a:t>
-              </a:r>
-              <a:r>
-                <a:rPr lang="ko-KR" altLang="en-US" sz="1400" dirty="0" err="1"/>
-                <a:t>포션</a:t>
-              </a:r>
-              <a:r>
-                <a:rPr lang="ko-KR" altLang="en-US" sz="1400" dirty="0"/>
-                <a:t> 품질</a:t>
-              </a:r>
-              <a:endParaRPr lang="en-US" altLang="ko-KR" sz="1400" dirty="0"/>
-            </a:p>
-            <a:p>
-              <a:pPr algn="ctr"/>
-              <a:r>
-                <a:rPr lang="en-US" altLang="ko-KR" sz="1400" dirty="0"/>
-                <a:t>(</a:t>
-              </a:r>
-              <a:r>
-                <a:rPr lang="ko-KR" altLang="en-US" sz="1400" dirty="0"/>
-                <a:t>최소값 </a:t>
-              </a:r>
-              <a:r>
-                <a:rPr lang="en-US" altLang="ko-KR" sz="1400" dirty="0"/>
-                <a:t>~ </a:t>
-              </a:r>
-              <a:r>
-                <a:rPr lang="ko-KR" altLang="en-US" sz="1400" dirty="0"/>
-                <a:t>최대값</a:t>
-              </a:r>
-              <a:r>
-                <a:rPr lang="en-US" altLang="ko-KR" sz="1400" dirty="0"/>
-                <a:t>)</a:t>
-              </a:r>
-            </a:p>
-          </p:txBody>
-        </p:sp>
-      </p:grpSp>
-      <p:grpSp>
-        <p:nvGrpSpPr>
-          <p:cNvPr id="55" name="그룹 54">
-            <a:extLst>
-              <a:ext uri="{FF2B5EF4-FFF2-40B4-BE49-F238E27FC236}">
-                <a16:creationId xmlns:a16="http://schemas.microsoft.com/office/drawing/2014/main" id="{5DDBE94F-352B-2556-38A0-2F902AF5368F}"/>
-              </a:ext>
-            </a:extLst>
-          </p:cNvPr>
-          <p:cNvGrpSpPr/>
-          <p:nvPr/>
-        </p:nvGrpSpPr>
-        <p:grpSpPr>
-          <a:xfrm>
-            <a:off x="9032413" y="2323411"/>
-            <a:ext cx="2358821" cy="2545612"/>
-            <a:chOff x="1202267" y="1552255"/>
-            <a:chExt cx="2358821" cy="2545612"/>
-          </a:xfrm>
-        </p:grpSpPr>
-        <p:sp>
-          <p:nvSpPr>
-            <p:cNvPr id="56" name="직사각형 55">
-              <a:extLst>
-                <a:ext uri="{FF2B5EF4-FFF2-40B4-BE49-F238E27FC236}">
-                  <a16:creationId xmlns:a16="http://schemas.microsoft.com/office/drawing/2014/main" id="{6EB60AF0-BC29-F9B2-1878-375552C8E393}"/>
-                </a:ext>
-              </a:extLst>
-            </p:cNvPr>
-            <p:cNvSpPr/>
-            <p:nvPr/>
-          </p:nvSpPr>
-          <p:spPr>
-            <a:xfrm>
-              <a:off x="1202267" y="1879600"/>
-              <a:ext cx="2311400" cy="2218267"/>
-            </a:xfrm>
-            <a:prstGeom prst="rect">
-              <a:avLst/>
-            </a:prstGeom>
-            <a:solidFill>
-              <a:schemeClr val="tx2">
-                <a:lumMod val="25000"/>
-                <a:lumOff val="75000"/>
-              </a:schemeClr>
-            </a:solidFill>
-            <a:ln>
-              <a:solidFill>
-                <a:srgbClr val="FF0000"/>
-              </a:solidFill>
-            </a:ln>
-          </p:spPr>
-          <p:style>
-            <a:lnRef idx="2">
-              <a:schemeClr val="accent1">
-                <a:shade val="15000"/>
-              </a:schemeClr>
-            </a:lnRef>
-            <a:fillRef idx="1">
-              <a:schemeClr val="accent1"/>
-            </a:fillRef>
-            <a:effectRef idx="0">
-              <a:schemeClr val="accent1"/>
-            </a:effectRef>
-            <a:fontRef idx="minor">
-              <a:schemeClr val="lt1"/>
-            </a:fontRef>
-          </p:style>
-          <p:txBody>
-            <a:bodyPr rtlCol="0" anchor="ctr"/>
-            <a:lstStyle/>
-            <a:p>
-              <a:pPr algn="ctr"/>
-              <a:endParaRPr lang="ko-KR" altLang="en-US" dirty="0"/>
-            </a:p>
-          </p:txBody>
-        </p:sp>
-        <p:pic>
-          <p:nvPicPr>
-            <p:cNvPr id="57" name="그림 56" descr="그래픽, 상징, 클립아트, 만화 영화이(가) 표시된 사진&#10;&#10;자동 생성된 설명">
-              <a:extLst>
-                <a:ext uri="{FF2B5EF4-FFF2-40B4-BE49-F238E27FC236}">
-                  <a16:creationId xmlns:a16="http://schemas.microsoft.com/office/drawing/2014/main" id="{E6400624-3871-8220-1A6D-1BC6A4302BD4}"/>
-                </a:ext>
-              </a:extLst>
-            </p:cNvPr>
-            <p:cNvPicPr>
-              <a:picLocks noChangeAspect="1"/>
-            </p:cNvPicPr>
-            <p:nvPr/>
-          </p:nvPicPr>
-          <p:blipFill>
-            <a:blip r:embed="rId2">
-              <a:extLst>
-                <a:ext uri="{28A0092B-C50C-407E-A947-70E740481C1C}">
-                  <a14:useLocalDpi xmlns:a14="http://schemas.microsoft.com/office/drawing/2010/main" val="0"/>
-                </a:ext>
-              </a:extLst>
-            </a:blip>
-            <a:stretch>
-              <a:fillRect/>
-            </a:stretch>
-          </p:blipFill>
-          <p:spPr>
-            <a:xfrm>
-              <a:off x="2357967" y="1552255"/>
-              <a:ext cx="577183" cy="577183"/>
-            </a:xfrm>
-            <a:prstGeom prst="rect">
-              <a:avLst/>
-            </a:prstGeom>
-          </p:spPr>
-        </p:pic>
-        <p:sp>
-          <p:nvSpPr>
-            <p:cNvPr id="58" name="직사각형 57">
-              <a:extLst>
-                <a:ext uri="{FF2B5EF4-FFF2-40B4-BE49-F238E27FC236}">
-                  <a16:creationId xmlns:a16="http://schemas.microsoft.com/office/drawing/2014/main" id="{F57DFBD9-B773-072E-D2B3-B4A3F4703498}"/>
-                </a:ext>
-              </a:extLst>
-            </p:cNvPr>
-            <p:cNvSpPr/>
-            <p:nvPr/>
-          </p:nvSpPr>
-          <p:spPr>
-            <a:xfrm>
-              <a:off x="1297518" y="3210312"/>
-              <a:ext cx="690033" cy="690033"/>
-            </a:xfrm>
-            <a:prstGeom prst="rect">
-              <a:avLst/>
-            </a:prstGeom>
-            <a:solidFill>
-              <a:srgbClr val="FFFF00"/>
-            </a:solidFill>
-          </p:spPr>
-          <p:style>
-            <a:lnRef idx="2">
-              <a:schemeClr val="accent1">
-                <a:shade val="15000"/>
-              </a:schemeClr>
-            </a:lnRef>
-            <a:fillRef idx="1">
-              <a:schemeClr val="accent1"/>
-            </a:fillRef>
-            <a:effectRef idx="0">
-              <a:schemeClr val="accent1"/>
-            </a:effectRef>
-            <a:fontRef idx="minor">
-              <a:schemeClr val="lt1"/>
-            </a:fontRef>
-          </p:style>
-          <p:txBody>
-            <a:bodyPr rtlCol="0" anchor="ctr"/>
-            <a:lstStyle/>
-            <a:p>
-              <a:pPr algn="ctr"/>
-              <a:r>
-                <a:rPr lang="ko-KR" altLang="en-US" sz="1200" dirty="0" err="1">
-                  <a:solidFill>
-                    <a:schemeClr val="tx1"/>
-                  </a:solidFill>
-                </a:rPr>
-                <a:t>포션</a:t>
-              </a:r>
-              <a:endParaRPr lang="en-US" altLang="ko-KR" sz="1200" dirty="0">
-                <a:solidFill>
-                  <a:schemeClr val="tx1"/>
-                </a:solidFill>
-              </a:endParaRPr>
-            </a:p>
-            <a:p>
-              <a:pPr algn="ctr"/>
-              <a:r>
-                <a:rPr lang="ko-KR" altLang="en-US" sz="1200" dirty="0">
-                  <a:solidFill>
-                    <a:schemeClr val="tx1"/>
-                  </a:solidFill>
-                </a:rPr>
-                <a:t>이미지</a:t>
-              </a:r>
-            </a:p>
-          </p:txBody>
-        </p:sp>
-        <p:sp>
-          <p:nvSpPr>
-            <p:cNvPr id="59" name="TextBox 58">
-              <a:extLst>
-                <a:ext uri="{FF2B5EF4-FFF2-40B4-BE49-F238E27FC236}">
-                  <a16:creationId xmlns:a16="http://schemas.microsoft.com/office/drawing/2014/main" id="{FF557F3A-6DC7-B350-FA18-EFB00B74E81F}"/>
-                </a:ext>
-              </a:extLst>
-            </p:cNvPr>
-            <p:cNvSpPr txBox="1"/>
-            <p:nvPr/>
-          </p:nvSpPr>
-          <p:spPr>
-            <a:xfrm>
-              <a:off x="1202267" y="2212845"/>
-              <a:ext cx="2339102" cy="523220"/>
-            </a:xfrm>
-            <a:prstGeom prst="rect">
-              <a:avLst/>
-            </a:prstGeom>
-            <a:noFill/>
-          </p:spPr>
-          <p:txBody>
-            <a:bodyPr wrap="none" rtlCol="0">
-              <a:spAutoFit/>
-            </a:bodyPr>
-            <a:lstStyle/>
-            <a:p>
-              <a:r>
-                <a:rPr lang="ko-KR" altLang="en-US" sz="1400" dirty="0"/>
-                <a:t>의뢰 내용</a:t>
-              </a:r>
-              <a:r>
-                <a:rPr lang="en-US" altLang="ko-KR" sz="1400" dirty="0"/>
-                <a:t>text</a:t>
-              </a:r>
-            </a:p>
-            <a:p>
-              <a:r>
-                <a:rPr lang="ko-KR" altLang="en-US" sz="1400" dirty="0"/>
-                <a:t>글씨크기 </a:t>
-              </a:r>
-              <a:r>
-                <a:rPr lang="en-US" altLang="ko-KR" sz="1400" dirty="0"/>
-                <a:t>: 14pt, </a:t>
-              </a:r>
-              <a:r>
-                <a:rPr lang="ko-KR" altLang="en-US" sz="1400" dirty="0"/>
-                <a:t>최대 </a:t>
-              </a:r>
-              <a:r>
-                <a:rPr lang="en-US" altLang="ko-KR" sz="1400" dirty="0"/>
-                <a:t>20</a:t>
-              </a:r>
-              <a:r>
-                <a:rPr lang="ko-KR" altLang="en-US" sz="1400" dirty="0"/>
-                <a:t>자</a:t>
-              </a:r>
-            </a:p>
-          </p:txBody>
-        </p:sp>
-        <p:sp>
-          <p:nvSpPr>
-            <p:cNvPr id="60" name="TextBox 59">
-              <a:extLst>
-                <a:ext uri="{FF2B5EF4-FFF2-40B4-BE49-F238E27FC236}">
-                  <a16:creationId xmlns:a16="http://schemas.microsoft.com/office/drawing/2014/main" id="{2596CF37-5D91-2A0C-08F0-289B455C2426}"/>
-                </a:ext>
-              </a:extLst>
-            </p:cNvPr>
-            <p:cNvSpPr txBox="1"/>
-            <p:nvPr/>
-          </p:nvSpPr>
-          <p:spPr>
-            <a:xfrm>
-              <a:off x="1940131" y="3293718"/>
-              <a:ext cx="1620957" cy="523220"/>
-            </a:xfrm>
-            <a:prstGeom prst="rect">
-              <a:avLst/>
-            </a:prstGeom>
-            <a:noFill/>
-          </p:spPr>
-          <p:txBody>
-            <a:bodyPr wrap="none" rtlCol="0">
-              <a:spAutoFit/>
-            </a:bodyPr>
-            <a:lstStyle/>
-            <a:p>
-              <a:pPr algn="ctr"/>
-              <a:r>
-                <a:rPr lang="ko-KR" altLang="en-US" sz="1400" dirty="0"/>
-                <a:t>요구 </a:t>
-              </a:r>
-              <a:r>
-                <a:rPr lang="ko-KR" altLang="en-US" sz="1400" dirty="0" err="1"/>
-                <a:t>포션</a:t>
-              </a:r>
-              <a:r>
-                <a:rPr lang="ko-KR" altLang="en-US" sz="1400" dirty="0"/>
-                <a:t> 품질</a:t>
-              </a:r>
-              <a:endParaRPr lang="en-US" altLang="ko-KR" sz="1400" dirty="0"/>
-            </a:p>
-            <a:p>
-              <a:pPr algn="ctr"/>
-              <a:r>
-                <a:rPr lang="en-US" altLang="ko-KR" sz="1400" dirty="0"/>
-                <a:t>(</a:t>
-              </a:r>
-              <a:r>
-                <a:rPr lang="ko-KR" altLang="en-US" sz="1400" dirty="0"/>
-                <a:t>최소값 </a:t>
-              </a:r>
-              <a:r>
-                <a:rPr lang="en-US" altLang="ko-KR" sz="1400" dirty="0"/>
-                <a:t>~ </a:t>
-              </a:r>
-              <a:r>
-                <a:rPr lang="ko-KR" altLang="en-US" sz="1400" dirty="0"/>
-                <a:t>최대값</a:t>
-              </a:r>
-              <a:r>
-                <a:rPr lang="en-US" altLang="ko-KR" sz="1400" dirty="0"/>
-                <a:t>)</a:t>
-              </a:r>
-            </a:p>
-          </p:txBody>
-        </p:sp>
-      </p:grpSp>
-      <p:grpSp>
-        <p:nvGrpSpPr>
-          <p:cNvPr id="61" name="그룹 60">
-            <a:extLst>
-              <a:ext uri="{FF2B5EF4-FFF2-40B4-BE49-F238E27FC236}">
-                <a16:creationId xmlns:a16="http://schemas.microsoft.com/office/drawing/2014/main" id="{C9DBBF95-5C67-79A0-6851-B359FA6AA7C5}"/>
-              </a:ext>
-            </a:extLst>
-          </p:cNvPr>
-          <p:cNvGrpSpPr/>
-          <p:nvPr/>
-        </p:nvGrpSpPr>
-        <p:grpSpPr>
-          <a:xfrm>
-            <a:off x="6279359" y="2323411"/>
-            <a:ext cx="2358821" cy="2545612"/>
-            <a:chOff x="1202267" y="1552255"/>
-            <a:chExt cx="2358821" cy="2545612"/>
-          </a:xfrm>
-        </p:grpSpPr>
-        <p:sp>
-          <p:nvSpPr>
-            <p:cNvPr id="62" name="직사각형 61">
-              <a:extLst>
-                <a:ext uri="{FF2B5EF4-FFF2-40B4-BE49-F238E27FC236}">
-                  <a16:creationId xmlns:a16="http://schemas.microsoft.com/office/drawing/2014/main" id="{E89139F1-EE41-7AE2-DE82-697BBB30706E}"/>
-                </a:ext>
-              </a:extLst>
-            </p:cNvPr>
-            <p:cNvSpPr/>
-            <p:nvPr/>
-          </p:nvSpPr>
-          <p:spPr>
-            <a:xfrm>
-              <a:off x="1202267" y="1879600"/>
-              <a:ext cx="2311400" cy="2218267"/>
-            </a:xfrm>
-            <a:prstGeom prst="rect">
-              <a:avLst/>
-            </a:prstGeom>
-            <a:solidFill>
-              <a:schemeClr val="tx2">
-                <a:lumMod val="25000"/>
-                <a:lumOff val="75000"/>
-              </a:schemeClr>
-            </a:solidFill>
-            <a:ln>
-              <a:solidFill>
-                <a:srgbClr val="FFFF00"/>
-              </a:solidFill>
-            </a:ln>
-          </p:spPr>
-          <p:style>
-            <a:lnRef idx="2">
-              <a:schemeClr val="accent1">
-                <a:shade val="15000"/>
-              </a:schemeClr>
-            </a:lnRef>
-            <a:fillRef idx="1">
-              <a:schemeClr val="accent1"/>
-            </a:fillRef>
-            <a:effectRef idx="0">
-              <a:schemeClr val="accent1"/>
-            </a:effectRef>
-            <a:fontRef idx="minor">
-              <a:schemeClr val="lt1"/>
-            </a:fontRef>
-          </p:style>
-          <p:txBody>
-            <a:bodyPr rtlCol="0" anchor="ctr"/>
-            <a:lstStyle/>
-            <a:p>
-              <a:pPr algn="ctr"/>
-              <a:endParaRPr lang="ko-KR" altLang="en-US"/>
-            </a:p>
-          </p:txBody>
-        </p:sp>
-        <p:pic>
-          <p:nvPicPr>
-            <p:cNvPr id="63" name="그림 62" descr="그래픽, 상징, 클립아트, 만화 영화이(가) 표시된 사진&#10;&#10;자동 생성된 설명">
-              <a:extLst>
-                <a:ext uri="{FF2B5EF4-FFF2-40B4-BE49-F238E27FC236}">
-                  <a16:creationId xmlns:a16="http://schemas.microsoft.com/office/drawing/2014/main" id="{48AB1C0C-CCAD-4E3F-3ECB-41732B301861}"/>
-                </a:ext>
-              </a:extLst>
-            </p:cNvPr>
-            <p:cNvPicPr>
-              <a:picLocks noChangeAspect="1"/>
-            </p:cNvPicPr>
-            <p:nvPr/>
-          </p:nvPicPr>
-          <p:blipFill>
-            <a:blip r:embed="rId2">
-              <a:extLst>
-                <a:ext uri="{28A0092B-C50C-407E-A947-70E740481C1C}">
-                  <a14:useLocalDpi xmlns:a14="http://schemas.microsoft.com/office/drawing/2010/main" val="0"/>
-                </a:ext>
-              </a:extLst>
-            </a:blip>
-            <a:stretch>
-              <a:fillRect/>
-            </a:stretch>
-          </p:blipFill>
-          <p:spPr>
-            <a:xfrm>
-              <a:off x="2357967" y="1552255"/>
-              <a:ext cx="577183" cy="577183"/>
-            </a:xfrm>
-            <a:prstGeom prst="rect">
-              <a:avLst/>
-            </a:prstGeom>
-          </p:spPr>
-        </p:pic>
-        <p:sp>
-          <p:nvSpPr>
-            <p:cNvPr id="64" name="직사각형 63">
-              <a:extLst>
-                <a:ext uri="{FF2B5EF4-FFF2-40B4-BE49-F238E27FC236}">
-                  <a16:creationId xmlns:a16="http://schemas.microsoft.com/office/drawing/2014/main" id="{A55C5DAE-975B-5E1E-8847-39B9FED6DB31}"/>
-                </a:ext>
-              </a:extLst>
-            </p:cNvPr>
-            <p:cNvSpPr/>
-            <p:nvPr/>
-          </p:nvSpPr>
-          <p:spPr>
-            <a:xfrm>
-              <a:off x="1297518" y="3210312"/>
-              <a:ext cx="690033" cy="690033"/>
-            </a:xfrm>
-            <a:prstGeom prst="rect">
-              <a:avLst/>
-            </a:prstGeom>
-            <a:solidFill>
-              <a:srgbClr val="FFFF00"/>
-            </a:solidFill>
-          </p:spPr>
-          <p:style>
-            <a:lnRef idx="2">
-              <a:schemeClr val="accent1">
-                <a:shade val="15000"/>
-              </a:schemeClr>
-            </a:lnRef>
-            <a:fillRef idx="1">
-              <a:schemeClr val="accent1"/>
-            </a:fillRef>
-            <a:effectRef idx="0">
-              <a:schemeClr val="accent1"/>
-            </a:effectRef>
-            <a:fontRef idx="minor">
-              <a:schemeClr val="lt1"/>
-            </a:fontRef>
-          </p:style>
-          <p:txBody>
-            <a:bodyPr rtlCol="0" anchor="ctr"/>
-            <a:lstStyle/>
-            <a:p>
-              <a:pPr algn="ctr"/>
-              <a:r>
-                <a:rPr lang="ko-KR" altLang="en-US" sz="1200" dirty="0" err="1">
-                  <a:solidFill>
-                    <a:schemeClr val="tx1"/>
-                  </a:solidFill>
-                </a:rPr>
-                <a:t>포션</a:t>
-              </a:r>
-              <a:endParaRPr lang="en-US" altLang="ko-KR" sz="1200" dirty="0">
-                <a:solidFill>
-                  <a:schemeClr val="tx1"/>
-                </a:solidFill>
-              </a:endParaRPr>
-            </a:p>
-            <a:p>
-              <a:pPr algn="ctr"/>
-              <a:r>
-                <a:rPr lang="ko-KR" altLang="en-US" sz="1200" dirty="0">
-                  <a:solidFill>
-                    <a:schemeClr val="tx1"/>
-                  </a:solidFill>
-                </a:rPr>
-                <a:t>이미지</a:t>
-              </a:r>
-            </a:p>
-          </p:txBody>
-        </p:sp>
-        <p:sp>
-          <p:nvSpPr>
-            <p:cNvPr id="65" name="TextBox 64">
-              <a:extLst>
-                <a:ext uri="{FF2B5EF4-FFF2-40B4-BE49-F238E27FC236}">
-                  <a16:creationId xmlns:a16="http://schemas.microsoft.com/office/drawing/2014/main" id="{0D96C6D2-E358-67F7-37F7-9FFE4A60DA22}"/>
-                </a:ext>
-              </a:extLst>
-            </p:cNvPr>
-            <p:cNvSpPr txBox="1"/>
-            <p:nvPr/>
-          </p:nvSpPr>
-          <p:spPr>
-            <a:xfrm>
-              <a:off x="1202267" y="2212845"/>
-              <a:ext cx="2339102" cy="523220"/>
-            </a:xfrm>
-            <a:prstGeom prst="rect">
-              <a:avLst/>
-            </a:prstGeom>
-            <a:noFill/>
-          </p:spPr>
-          <p:txBody>
-            <a:bodyPr wrap="none" rtlCol="0">
-              <a:spAutoFit/>
-            </a:bodyPr>
-            <a:lstStyle/>
-            <a:p>
-              <a:r>
-                <a:rPr lang="ko-KR" altLang="en-US" sz="1400" dirty="0"/>
-                <a:t>의뢰 내용</a:t>
-              </a:r>
-              <a:r>
-                <a:rPr lang="en-US" altLang="ko-KR" sz="1400" dirty="0"/>
-                <a:t>text</a:t>
-              </a:r>
-            </a:p>
-            <a:p>
-              <a:r>
-                <a:rPr lang="ko-KR" altLang="en-US" sz="1400" dirty="0"/>
-                <a:t>글씨크기 </a:t>
-              </a:r>
-              <a:r>
-                <a:rPr lang="en-US" altLang="ko-KR" sz="1400" dirty="0"/>
-                <a:t>: 14pt, </a:t>
-              </a:r>
-              <a:r>
-                <a:rPr lang="ko-KR" altLang="en-US" sz="1400" dirty="0"/>
-                <a:t>최대 </a:t>
-              </a:r>
-              <a:r>
-                <a:rPr lang="en-US" altLang="ko-KR" sz="1400" dirty="0"/>
-                <a:t>20</a:t>
-              </a:r>
-              <a:r>
-                <a:rPr lang="ko-KR" altLang="en-US" sz="1400" dirty="0"/>
-                <a:t>자</a:t>
-              </a:r>
-            </a:p>
-          </p:txBody>
-        </p:sp>
-        <p:sp>
-          <p:nvSpPr>
-            <p:cNvPr id="66" name="TextBox 65">
-              <a:extLst>
-                <a:ext uri="{FF2B5EF4-FFF2-40B4-BE49-F238E27FC236}">
-                  <a16:creationId xmlns:a16="http://schemas.microsoft.com/office/drawing/2014/main" id="{BBCA461A-2BC3-8DBC-89BC-3C383BA47A4D}"/>
-                </a:ext>
-              </a:extLst>
-            </p:cNvPr>
-            <p:cNvSpPr txBox="1"/>
-            <p:nvPr/>
-          </p:nvSpPr>
-          <p:spPr>
-            <a:xfrm>
-              <a:off x="1940131" y="3293718"/>
-              <a:ext cx="1620957" cy="523220"/>
-            </a:xfrm>
-            <a:prstGeom prst="rect">
-              <a:avLst/>
-            </a:prstGeom>
-            <a:noFill/>
-          </p:spPr>
-          <p:txBody>
-            <a:bodyPr wrap="none" rtlCol="0">
-              <a:spAutoFit/>
-            </a:bodyPr>
-            <a:lstStyle/>
-            <a:p>
-              <a:pPr algn="ctr"/>
-              <a:r>
-                <a:rPr lang="ko-KR" altLang="en-US" sz="1400" dirty="0"/>
-                <a:t>요구 </a:t>
-              </a:r>
-              <a:r>
-                <a:rPr lang="ko-KR" altLang="en-US" sz="1400" dirty="0" err="1"/>
-                <a:t>포션</a:t>
-              </a:r>
-              <a:r>
-                <a:rPr lang="ko-KR" altLang="en-US" sz="1400" dirty="0"/>
-                <a:t> 품질</a:t>
-              </a:r>
-              <a:endParaRPr lang="en-US" altLang="ko-KR" sz="1400" dirty="0"/>
-            </a:p>
-            <a:p>
-              <a:pPr algn="ctr"/>
-              <a:r>
-                <a:rPr lang="en-US" altLang="ko-KR" sz="1400" dirty="0"/>
-                <a:t>(</a:t>
-              </a:r>
-              <a:r>
-                <a:rPr lang="ko-KR" altLang="en-US" sz="1400" dirty="0"/>
-                <a:t>최소값 </a:t>
-              </a:r>
-              <a:r>
-                <a:rPr lang="en-US" altLang="ko-KR" sz="1400" dirty="0"/>
-                <a:t>~ </a:t>
-              </a:r>
-              <a:r>
-                <a:rPr lang="ko-KR" altLang="en-US" sz="1400" dirty="0"/>
-                <a:t>최대값</a:t>
-              </a:r>
-              <a:r>
-                <a:rPr lang="en-US" altLang="ko-KR" sz="1400" dirty="0"/>
-                <a:t>)</a:t>
-              </a:r>
-            </a:p>
-          </p:txBody>
-        </p:sp>
-      </p:grpSp>
       <p:sp>
         <p:nvSpPr>
           <p:cNvPr id="67" name="직사각형 66">
@@ -11242,10 +9980,10 @@
       </p:sp>
       <p:sp>
         <p:nvSpPr>
-          <p:cNvPr id="68" name="화살표: 오른쪽 67">
+          <p:cNvPr id="3" name="말풍선: 사각형 2">
             <a:extLst>
               <a:ext uri="{FF2B5EF4-FFF2-40B4-BE49-F238E27FC236}">
-                <a16:creationId xmlns:a16="http://schemas.microsoft.com/office/drawing/2014/main" id="{6F0F3314-4398-4F1D-7B42-BE1CF7CE3CA7}"/>
+                <a16:creationId xmlns:a16="http://schemas.microsoft.com/office/drawing/2014/main" id="{7BE6534B-5295-8021-6554-B8B61D048FC8}"/>
               </a:ext>
             </a:extLst>
           </p:cNvPr>
@@ -11254,15 +9992,25 @@
         </p:nvSpPr>
         <p:spPr>
           <a:xfrm>
-            <a:off x="10458849" y="5857280"/>
-            <a:ext cx="978408" cy="484632"/>
+            <a:off x="1237672" y="1626519"/>
+            <a:ext cx="9716655" cy="4378037"/>
           </a:xfrm>
-          <a:prstGeom prst="rightArrow">
-            <a:avLst/>
+          <a:prstGeom prst="wedgeRectCallout">
+            <a:avLst>
+              <a:gd name="adj1" fmla="val 32304"/>
+              <a:gd name="adj2" fmla="val -57542"/>
+            </a:avLst>
           </a:prstGeom>
           <a:solidFill>
-            <a:srgbClr val="4EA72E"/>
+            <a:schemeClr val="bg2">
+              <a:lumMod val="50000"/>
+            </a:schemeClr>
           </a:solidFill>
+          <a:ln>
+            <a:solidFill>
+              <a:schemeClr val="accent1"/>
+            </a:solidFill>
+          </a:ln>
         </p:spPr>
         <p:style>
           <a:lnRef idx="2">
@@ -11289,57 +10037,1717 @@
           </a:p>
         </p:txBody>
       </p:sp>
-      <p:sp>
-        <p:nvSpPr>
-          <p:cNvPr id="69" name="화살표: 오른쪽 68">
+      <p:grpSp>
+        <p:nvGrpSpPr>
+          <p:cNvPr id="49" name="그룹 48">
             <a:extLst>
               <a:ext uri="{FF2B5EF4-FFF2-40B4-BE49-F238E27FC236}">
-                <a16:creationId xmlns:a16="http://schemas.microsoft.com/office/drawing/2014/main" id="{DA0ADE4A-81AB-08EA-3B15-FAD23B3E48CF}"/>
+                <a16:creationId xmlns:a16="http://schemas.microsoft.com/office/drawing/2014/main" id="{6D855BD2-DD26-A27B-63C2-156C12FB26CB}"/>
               </a:ext>
             </a:extLst>
           </p:cNvPr>
-          <p:cNvSpPr/>
+          <p:cNvGrpSpPr/>
           <p:nvPr/>
-        </p:nvSpPr>
-        <p:spPr>
-          <a:xfrm rot="10800000">
-            <a:off x="724314" y="5857280"/>
-            <a:ext cx="978408" cy="484632"/>
+        </p:nvGrpSpPr>
+        <p:grpSpPr>
+          <a:xfrm>
+            <a:off x="1543106" y="1748350"/>
+            <a:ext cx="1884086" cy="2015475"/>
+            <a:chOff x="1202267" y="1552255"/>
+            <a:chExt cx="2379663" cy="2545612"/>
           </a:xfrm>
-          <a:prstGeom prst="rightArrow">
-            <a:avLst/>
-          </a:prstGeom>
-          <a:solidFill>
-            <a:srgbClr val="4EA72E">
-              <a:alpha val="50000"/>
-            </a:srgbClr>
-          </a:solidFill>
-        </p:spPr>
-        <p:style>
-          <a:lnRef idx="2">
-            <a:schemeClr val="accent1">
-              <a:shade val="15000"/>
-            </a:schemeClr>
-          </a:lnRef>
-          <a:fillRef idx="1">
-            <a:schemeClr val="accent1"/>
-          </a:fillRef>
-          <a:effectRef idx="0">
-            <a:schemeClr val="accent1"/>
-          </a:effectRef>
-          <a:fontRef idx="minor">
-            <a:schemeClr val="lt1"/>
-          </a:fontRef>
-        </p:style>
-        <p:txBody>
-          <a:bodyPr rtlCol="0" anchor="ctr"/>
-          <a:lstStyle/>
-          <a:p>
-            <a:pPr algn="ctr"/>
-            <a:endParaRPr lang="ko-KR" altLang="en-US" dirty="0"/>
-          </a:p>
-        </p:txBody>
-      </p:sp>
+        </p:grpSpPr>
+        <p:sp>
+          <p:nvSpPr>
+            <p:cNvPr id="50" name="직사각형 49">
+              <a:extLst>
+                <a:ext uri="{FF2B5EF4-FFF2-40B4-BE49-F238E27FC236}">
+                  <a16:creationId xmlns:a16="http://schemas.microsoft.com/office/drawing/2014/main" id="{36E7E254-834B-2E53-06A4-7E7892F13641}"/>
+                </a:ext>
+              </a:extLst>
+            </p:cNvPr>
+            <p:cNvSpPr/>
+            <p:nvPr/>
+          </p:nvSpPr>
+          <p:spPr>
+            <a:xfrm>
+              <a:off x="1202267" y="1879600"/>
+              <a:ext cx="2311400" cy="2218267"/>
+            </a:xfrm>
+            <a:prstGeom prst="rect">
+              <a:avLst/>
+            </a:prstGeom>
+            <a:solidFill>
+              <a:schemeClr val="tx2">
+                <a:lumMod val="25000"/>
+                <a:lumOff val="75000"/>
+              </a:schemeClr>
+            </a:solidFill>
+            <a:ln>
+              <a:solidFill>
+                <a:schemeClr val="accent2">
+                  <a:lumMod val="75000"/>
+                </a:schemeClr>
+              </a:solidFill>
+            </a:ln>
+          </p:spPr>
+          <p:style>
+            <a:lnRef idx="2">
+              <a:schemeClr val="accent1">
+                <a:shade val="15000"/>
+              </a:schemeClr>
+            </a:lnRef>
+            <a:fillRef idx="1">
+              <a:schemeClr val="accent1"/>
+            </a:fillRef>
+            <a:effectRef idx="0">
+              <a:schemeClr val="accent1"/>
+            </a:effectRef>
+            <a:fontRef idx="minor">
+              <a:schemeClr val="lt1"/>
+            </a:fontRef>
+          </p:style>
+          <p:txBody>
+            <a:bodyPr rtlCol="0" anchor="ctr"/>
+            <a:lstStyle/>
+            <a:p>
+              <a:pPr algn="ctr"/>
+              <a:endParaRPr lang="ko-KR" altLang="en-US" sz="1200" dirty="0"/>
+            </a:p>
+          </p:txBody>
+        </p:sp>
+        <p:pic>
+          <p:nvPicPr>
+            <p:cNvPr id="51" name="그림 50" descr="그래픽, 상징, 클립아트, 만화 영화이(가) 표시된 사진&#10;&#10;자동 생성된 설명">
+              <a:extLst>
+                <a:ext uri="{FF2B5EF4-FFF2-40B4-BE49-F238E27FC236}">
+                  <a16:creationId xmlns:a16="http://schemas.microsoft.com/office/drawing/2014/main" id="{01A84404-1D05-368F-5C08-46AF559D4BA9}"/>
+                </a:ext>
+              </a:extLst>
+            </p:cNvPr>
+            <p:cNvPicPr>
+              <a:picLocks noChangeAspect="1"/>
+            </p:cNvPicPr>
+            <p:nvPr/>
+          </p:nvPicPr>
+          <p:blipFill>
+            <a:blip r:embed="rId2">
+              <a:extLst>
+                <a:ext uri="{28A0092B-C50C-407E-A947-70E740481C1C}">
+                  <a14:useLocalDpi xmlns:a14="http://schemas.microsoft.com/office/drawing/2010/main" val="0"/>
+                </a:ext>
+              </a:extLst>
+            </a:blip>
+            <a:stretch>
+              <a:fillRect/>
+            </a:stretch>
+          </p:blipFill>
+          <p:spPr>
+            <a:xfrm>
+              <a:off x="2357967" y="1552255"/>
+              <a:ext cx="577183" cy="577183"/>
+            </a:xfrm>
+            <a:prstGeom prst="rect">
+              <a:avLst/>
+            </a:prstGeom>
+          </p:spPr>
+        </p:pic>
+        <p:sp>
+          <p:nvSpPr>
+            <p:cNvPr id="52" name="직사각형 51">
+              <a:extLst>
+                <a:ext uri="{FF2B5EF4-FFF2-40B4-BE49-F238E27FC236}">
+                  <a16:creationId xmlns:a16="http://schemas.microsoft.com/office/drawing/2014/main" id="{D51F5640-8FA7-2F9D-275D-7A5180474913}"/>
+                </a:ext>
+              </a:extLst>
+            </p:cNvPr>
+            <p:cNvSpPr/>
+            <p:nvPr/>
+          </p:nvSpPr>
+          <p:spPr>
+            <a:xfrm>
+              <a:off x="1297518" y="3210312"/>
+              <a:ext cx="690033" cy="690033"/>
+            </a:xfrm>
+            <a:prstGeom prst="rect">
+              <a:avLst/>
+            </a:prstGeom>
+            <a:solidFill>
+              <a:srgbClr val="FFFF00"/>
+            </a:solidFill>
+          </p:spPr>
+          <p:style>
+            <a:lnRef idx="2">
+              <a:schemeClr val="accent1">
+                <a:shade val="15000"/>
+              </a:schemeClr>
+            </a:lnRef>
+            <a:fillRef idx="1">
+              <a:schemeClr val="accent1"/>
+            </a:fillRef>
+            <a:effectRef idx="0">
+              <a:schemeClr val="accent1"/>
+            </a:effectRef>
+            <a:fontRef idx="minor">
+              <a:schemeClr val="lt1"/>
+            </a:fontRef>
+          </p:style>
+          <p:txBody>
+            <a:bodyPr rtlCol="0" anchor="ctr"/>
+            <a:lstStyle/>
+            <a:p>
+              <a:pPr algn="ctr"/>
+              <a:r>
+                <a:rPr lang="ko-KR" altLang="en-US" sz="1000" dirty="0" err="1">
+                  <a:solidFill>
+                    <a:schemeClr val="tx1"/>
+                  </a:solidFill>
+                </a:rPr>
+                <a:t>포션</a:t>
+              </a:r>
+              <a:endParaRPr lang="en-US" altLang="ko-KR" sz="1000" dirty="0">
+                <a:solidFill>
+                  <a:schemeClr val="tx1"/>
+                </a:solidFill>
+              </a:endParaRPr>
+            </a:p>
+            <a:p>
+              <a:pPr algn="ctr"/>
+              <a:r>
+                <a:rPr lang="ko-KR" altLang="en-US" sz="1000" dirty="0">
+                  <a:solidFill>
+                    <a:schemeClr val="tx1"/>
+                  </a:solidFill>
+                </a:rPr>
+                <a:t>이미지</a:t>
+              </a:r>
+            </a:p>
+          </p:txBody>
+        </p:sp>
+        <p:sp>
+          <p:nvSpPr>
+            <p:cNvPr id="53" name="TextBox 52">
+              <a:extLst>
+                <a:ext uri="{FF2B5EF4-FFF2-40B4-BE49-F238E27FC236}">
+                  <a16:creationId xmlns:a16="http://schemas.microsoft.com/office/drawing/2014/main" id="{8609193F-1B12-2E74-438F-6D2BC65948E2}"/>
+                </a:ext>
+              </a:extLst>
+            </p:cNvPr>
+            <p:cNvSpPr txBox="1"/>
+            <p:nvPr/>
+          </p:nvSpPr>
+          <p:spPr>
+            <a:xfrm>
+              <a:off x="1202267" y="2212845"/>
+              <a:ext cx="2272058" cy="524788"/>
+            </a:xfrm>
+            <a:prstGeom prst="rect">
+              <a:avLst/>
+            </a:prstGeom>
+            <a:noFill/>
+          </p:spPr>
+          <p:txBody>
+            <a:bodyPr wrap="none" rtlCol="0">
+              <a:spAutoFit/>
+            </a:bodyPr>
+            <a:lstStyle/>
+            <a:p>
+              <a:r>
+                <a:rPr lang="ko-KR" altLang="en-US" sz="1050" dirty="0"/>
+                <a:t>의뢰 내용</a:t>
+              </a:r>
+              <a:r>
+                <a:rPr lang="en-US" altLang="ko-KR" sz="1050" dirty="0"/>
+                <a:t>text</a:t>
+              </a:r>
+            </a:p>
+            <a:p>
+              <a:r>
+                <a:rPr lang="ko-KR" altLang="en-US" sz="1050" dirty="0"/>
+                <a:t>글씨크기 </a:t>
+              </a:r>
+              <a:r>
+                <a:rPr lang="en-US" altLang="ko-KR" sz="1050" dirty="0"/>
+                <a:t>: 14pt, </a:t>
+              </a:r>
+              <a:r>
+                <a:rPr lang="ko-KR" altLang="en-US" sz="1050" dirty="0"/>
+                <a:t>최대 </a:t>
+              </a:r>
+              <a:r>
+                <a:rPr lang="en-US" altLang="ko-KR" sz="1050" dirty="0"/>
+                <a:t>20</a:t>
+              </a:r>
+              <a:r>
+                <a:rPr lang="ko-KR" altLang="en-US" sz="1050" dirty="0"/>
+                <a:t>자</a:t>
+              </a:r>
+            </a:p>
+          </p:txBody>
+        </p:sp>
+        <p:sp>
+          <p:nvSpPr>
+            <p:cNvPr id="54" name="TextBox 53">
+              <a:extLst>
+                <a:ext uri="{FF2B5EF4-FFF2-40B4-BE49-F238E27FC236}">
+                  <a16:creationId xmlns:a16="http://schemas.microsoft.com/office/drawing/2014/main" id="{0B034816-F51D-87BB-211B-F95D8C583E2E}"/>
+                </a:ext>
+              </a:extLst>
+            </p:cNvPr>
+            <p:cNvSpPr txBox="1"/>
+            <p:nvPr/>
+          </p:nvSpPr>
+          <p:spPr>
+            <a:xfrm>
+              <a:off x="1919290" y="3293718"/>
+              <a:ext cx="1662640" cy="544225"/>
+            </a:xfrm>
+            <a:prstGeom prst="rect">
+              <a:avLst/>
+            </a:prstGeom>
+            <a:noFill/>
+          </p:spPr>
+          <p:txBody>
+            <a:bodyPr wrap="none" rtlCol="0">
+              <a:spAutoFit/>
+            </a:bodyPr>
+            <a:lstStyle/>
+            <a:p>
+              <a:pPr algn="ctr"/>
+              <a:r>
+                <a:rPr lang="ko-KR" altLang="en-US" sz="1050" dirty="0"/>
+                <a:t>요구 </a:t>
+              </a:r>
+              <a:r>
+                <a:rPr lang="ko-KR" altLang="en-US" sz="1050" dirty="0" err="1"/>
+                <a:t>포션</a:t>
+              </a:r>
+              <a:r>
+                <a:rPr lang="ko-KR" altLang="en-US" sz="1050" dirty="0"/>
+                <a:t> 품질</a:t>
+              </a:r>
+              <a:endParaRPr lang="en-US" altLang="ko-KR" sz="1050" dirty="0"/>
+            </a:p>
+            <a:p>
+              <a:pPr algn="ctr"/>
+              <a:r>
+                <a:rPr lang="en-US" altLang="ko-KR" sz="1050" dirty="0"/>
+                <a:t>(</a:t>
+              </a:r>
+              <a:r>
+                <a:rPr lang="ko-KR" altLang="en-US" sz="1050" dirty="0"/>
+                <a:t>최소값 </a:t>
+              </a:r>
+              <a:r>
+                <a:rPr lang="en-US" altLang="ko-KR" sz="1050" dirty="0"/>
+                <a:t>~ </a:t>
+              </a:r>
+              <a:r>
+                <a:rPr lang="ko-KR" altLang="en-US" sz="1050" dirty="0"/>
+                <a:t>최대값</a:t>
+              </a:r>
+              <a:r>
+                <a:rPr lang="en-US" altLang="ko-KR" sz="1050" dirty="0"/>
+                <a:t>)</a:t>
+              </a:r>
+            </a:p>
+          </p:txBody>
+        </p:sp>
+      </p:grpSp>
+      <p:grpSp>
+        <p:nvGrpSpPr>
+          <p:cNvPr id="30" name="그룹 29">
+            <a:extLst>
+              <a:ext uri="{FF2B5EF4-FFF2-40B4-BE49-F238E27FC236}">
+                <a16:creationId xmlns:a16="http://schemas.microsoft.com/office/drawing/2014/main" id="{7CAEAB72-24F6-0110-D74E-DAC6FF7702DC}"/>
+              </a:ext>
+            </a:extLst>
+          </p:cNvPr>
+          <p:cNvGrpSpPr/>
+          <p:nvPr/>
+        </p:nvGrpSpPr>
+        <p:grpSpPr>
+          <a:xfrm>
+            <a:off x="3347822" y="3658556"/>
+            <a:ext cx="1884086" cy="2015475"/>
+            <a:chOff x="1202267" y="1552255"/>
+            <a:chExt cx="2379663" cy="2545612"/>
+          </a:xfrm>
+        </p:grpSpPr>
+        <p:sp>
+          <p:nvSpPr>
+            <p:cNvPr id="31" name="직사각형 30">
+              <a:extLst>
+                <a:ext uri="{FF2B5EF4-FFF2-40B4-BE49-F238E27FC236}">
+                  <a16:creationId xmlns:a16="http://schemas.microsoft.com/office/drawing/2014/main" id="{1C47F303-7158-AD1E-824D-34EB60FE8F83}"/>
+                </a:ext>
+              </a:extLst>
+            </p:cNvPr>
+            <p:cNvSpPr/>
+            <p:nvPr/>
+          </p:nvSpPr>
+          <p:spPr>
+            <a:xfrm>
+              <a:off x="1202267" y="1879600"/>
+              <a:ext cx="2311400" cy="2218267"/>
+            </a:xfrm>
+            <a:prstGeom prst="rect">
+              <a:avLst/>
+            </a:prstGeom>
+            <a:solidFill>
+              <a:schemeClr val="tx2">
+                <a:lumMod val="25000"/>
+                <a:lumOff val="75000"/>
+              </a:schemeClr>
+            </a:solidFill>
+            <a:ln>
+              <a:solidFill>
+                <a:schemeClr val="accent2">
+                  <a:lumMod val="75000"/>
+                </a:schemeClr>
+              </a:solidFill>
+            </a:ln>
+          </p:spPr>
+          <p:style>
+            <a:lnRef idx="2">
+              <a:schemeClr val="accent1">
+                <a:shade val="15000"/>
+              </a:schemeClr>
+            </a:lnRef>
+            <a:fillRef idx="1">
+              <a:schemeClr val="accent1"/>
+            </a:fillRef>
+            <a:effectRef idx="0">
+              <a:schemeClr val="accent1"/>
+            </a:effectRef>
+            <a:fontRef idx="minor">
+              <a:schemeClr val="lt1"/>
+            </a:fontRef>
+          </p:style>
+          <p:txBody>
+            <a:bodyPr rtlCol="0" anchor="ctr"/>
+            <a:lstStyle/>
+            <a:p>
+              <a:pPr algn="ctr"/>
+              <a:endParaRPr lang="ko-KR" altLang="en-US" sz="1200" dirty="0"/>
+            </a:p>
+          </p:txBody>
+        </p:sp>
+        <p:pic>
+          <p:nvPicPr>
+            <p:cNvPr id="32" name="그림 31" descr="그래픽, 상징, 클립아트, 만화 영화이(가) 표시된 사진&#10;&#10;자동 생성된 설명">
+              <a:extLst>
+                <a:ext uri="{FF2B5EF4-FFF2-40B4-BE49-F238E27FC236}">
+                  <a16:creationId xmlns:a16="http://schemas.microsoft.com/office/drawing/2014/main" id="{DDF2C6C3-C83C-9831-D968-0BA3A84EAF35}"/>
+                </a:ext>
+              </a:extLst>
+            </p:cNvPr>
+            <p:cNvPicPr>
+              <a:picLocks noChangeAspect="1"/>
+            </p:cNvPicPr>
+            <p:nvPr/>
+          </p:nvPicPr>
+          <p:blipFill>
+            <a:blip r:embed="rId2">
+              <a:extLst>
+                <a:ext uri="{28A0092B-C50C-407E-A947-70E740481C1C}">
+                  <a14:useLocalDpi xmlns:a14="http://schemas.microsoft.com/office/drawing/2010/main" val="0"/>
+                </a:ext>
+              </a:extLst>
+            </a:blip>
+            <a:stretch>
+              <a:fillRect/>
+            </a:stretch>
+          </p:blipFill>
+          <p:spPr>
+            <a:xfrm>
+              <a:off x="2357967" y="1552255"/>
+              <a:ext cx="577183" cy="577183"/>
+            </a:xfrm>
+            <a:prstGeom prst="rect">
+              <a:avLst/>
+            </a:prstGeom>
+          </p:spPr>
+        </p:pic>
+        <p:sp>
+          <p:nvSpPr>
+            <p:cNvPr id="33" name="직사각형 32">
+              <a:extLst>
+                <a:ext uri="{FF2B5EF4-FFF2-40B4-BE49-F238E27FC236}">
+                  <a16:creationId xmlns:a16="http://schemas.microsoft.com/office/drawing/2014/main" id="{4621ED42-30AC-BDA0-122F-5D5F2CEC92AC}"/>
+                </a:ext>
+              </a:extLst>
+            </p:cNvPr>
+            <p:cNvSpPr/>
+            <p:nvPr/>
+          </p:nvSpPr>
+          <p:spPr>
+            <a:xfrm>
+              <a:off x="1297518" y="3210312"/>
+              <a:ext cx="690033" cy="690033"/>
+            </a:xfrm>
+            <a:prstGeom prst="rect">
+              <a:avLst/>
+            </a:prstGeom>
+            <a:solidFill>
+              <a:srgbClr val="FFFF00"/>
+            </a:solidFill>
+          </p:spPr>
+          <p:style>
+            <a:lnRef idx="2">
+              <a:schemeClr val="accent1">
+                <a:shade val="15000"/>
+              </a:schemeClr>
+            </a:lnRef>
+            <a:fillRef idx="1">
+              <a:schemeClr val="accent1"/>
+            </a:fillRef>
+            <a:effectRef idx="0">
+              <a:schemeClr val="accent1"/>
+            </a:effectRef>
+            <a:fontRef idx="minor">
+              <a:schemeClr val="lt1"/>
+            </a:fontRef>
+          </p:style>
+          <p:txBody>
+            <a:bodyPr rtlCol="0" anchor="ctr"/>
+            <a:lstStyle/>
+            <a:p>
+              <a:pPr algn="ctr"/>
+              <a:r>
+                <a:rPr lang="ko-KR" altLang="en-US" sz="1000" dirty="0" err="1">
+                  <a:solidFill>
+                    <a:schemeClr val="tx1"/>
+                  </a:solidFill>
+                </a:rPr>
+                <a:t>포션</a:t>
+              </a:r>
+              <a:endParaRPr lang="en-US" altLang="ko-KR" sz="1000" dirty="0">
+                <a:solidFill>
+                  <a:schemeClr val="tx1"/>
+                </a:solidFill>
+              </a:endParaRPr>
+            </a:p>
+            <a:p>
+              <a:pPr algn="ctr"/>
+              <a:r>
+                <a:rPr lang="ko-KR" altLang="en-US" sz="1000" dirty="0">
+                  <a:solidFill>
+                    <a:schemeClr val="tx1"/>
+                  </a:solidFill>
+                </a:rPr>
+                <a:t>이미지</a:t>
+              </a:r>
+            </a:p>
+          </p:txBody>
+        </p:sp>
+        <p:sp>
+          <p:nvSpPr>
+            <p:cNvPr id="34" name="TextBox 33">
+              <a:extLst>
+                <a:ext uri="{FF2B5EF4-FFF2-40B4-BE49-F238E27FC236}">
+                  <a16:creationId xmlns:a16="http://schemas.microsoft.com/office/drawing/2014/main" id="{202CCED4-22B1-39EC-C61F-5C8D20C2BE1F}"/>
+                </a:ext>
+              </a:extLst>
+            </p:cNvPr>
+            <p:cNvSpPr txBox="1"/>
+            <p:nvPr/>
+          </p:nvSpPr>
+          <p:spPr>
+            <a:xfrm>
+              <a:off x="1202267" y="2212845"/>
+              <a:ext cx="2272058" cy="524788"/>
+            </a:xfrm>
+            <a:prstGeom prst="rect">
+              <a:avLst/>
+            </a:prstGeom>
+            <a:noFill/>
+          </p:spPr>
+          <p:txBody>
+            <a:bodyPr wrap="none" rtlCol="0">
+              <a:spAutoFit/>
+            </a:bodyPr>
+            <a:lstStyle/>
+            <a:p>
+              <a:r>
+                <a:rPr lang="ko-KR" altLang="en-US" sz="1050" dirty="0"/>
+                <a:t>의뢰 내용</a:t>
+              </a:r>
+              <a:r>
+                <a:rPr lang="en-US" altLang="ko-KR" sz="1050" dirty="0"/>
+                <a:t>text</a:t>
+              </a:r>
+            </a:p>
+            <a:p>
+              <a:r>
+                <a:rPr lang="ko-KR" altLang="en-US" sz="1050" dirty="0"/>
+                <a:t>글씨크기 </a:t>
+              </a:r>
+              <a:r>
+                <a:rPr lang="en-US" altLang="ko-KR" sz="1050" dirty="0"/>
+                <a:t>: 14pt, </a:t>
+              </a:r>
+              <a:r>
+                <a:rPr lang="ko-KR" altLang="en-US" sz="1050" dirty="0"/>
+                <a:t>최대 </a:t>
+              </a:r>
+              <a:r>
+                <a:rPr lang="en-US" altLang="ko-KR" sz="1050" dirty="0"/>
+                <a:t>20</a:t>
+              </a:r>
+              <a:r>
+                <a:rPr lang="ko-KR" altLang="en-US" sz="1050" dirty="0"/>
+                <a:t>자</a:t>
+              </a:r>
+            </a:p>
+          </p:txBody>
+        </p:sp>
+        <p:sp>
+          <p:nvSpPr>
+            <p:cNvPr id="35" name="TextBox 34">
+              <a:extLst>
+                <a:ext uri="{FF2B5EF4-FFF2-40B4-BE49-F238E27FC236}">
+                  <a16:creationId xmlns:a16="http://schemas.microsoft.com/office/drawing/2014/main" id="{651D8169-3812-F65F-7DAF-9BBDDABF17EB}"/>
+                </a:ext>
+              </a:extLst>
+            </p:cNvPr>
+            <p:cNvSpPr txBox="1"/>
+            <p:nvPr/>
+          </p:nvSpPr>
+          <p:spPr>
+            <a:xfrm>
+              <a:off x="1919290" y="3293718"/>
+              <a:ext cx="1662640" cy="544225"/>
+            </a:xfrm>
+            <a:prstGeom prst="rect">
+              <a:avLst/>
+            </a:prstGeom>
+            <a:noFill/>
+          </p:spPr>
+          <p:txBody>
+            <a:bodyPr wrap="none" rtlCol="0">
+              <a:spAutoFit/>
+            </a:bodyPr>
+            <a:lstStyle/>
+            <a:p>
+              <a:pPr algn="ctr"/>
+              <a:r>
+                <a:rPr lang="ko-KR" altLang="en-US" sz="1050" dirty="0"/>
+                <a:t>요구 </a:t>
+              </a:r>
+              <a:r>
+                <a:rPr lang="ko-KR" altLang="en-US" sz="1050" dirty="0" err="1"/>
+                <a:t>포션</a:t>
+              </a:r>
+              <a:r>
+                <a:rPr lang="ko-KR" altLang="en-US" sz="1050" dirty="0"/>
+                <a:t> 품질</a:t>
+              </a:r>
+              <a:endParaRPr lang="en-US" altLang="ko-KR" sz="1050" dirty="0"/>
+            </a:p>
+            <a:p>
+              <a:pPr algn="ctr"/>
+              <a:r>
+                <a:rPr lang="en-US" altLang="ko-KR" sz="1050" dirty="0"/>
+                <a:t>(</a:t>
+              </a:r>
+              <a:r>
+                <a:rPr lang="ko-KR" altLang="en-US" sz="1050" dirty="0"/>
+                <a:t>최소값 </a:t>
+              </a:r>
+              <a:r>
+                <a:rPr lang="en-US" altLang="ko-KR" sz="1050" dirty="0"/>
+                <a:t>~ </a:t>
+              </a:r>
+              <a:r>
+                <a:rPr lang="ko-KR" altLang="en-US" sz="1050" dirty="0"/>
+                <a:t>최대값</a:t>
+              </a:r>
+              <a:r>
+                <a:rPr lang="en-US" altLang="ko-KR" sz="1050" dirty="0"/>
+                <a:t>)</a:t>
+              </a:r>
+            </a:p>
+          </p:txBody>
+        </p:sp>
+      </p:grpSp>
+      <p:grpSp>
+        <p:nvGrpSpPr>
+          <p:cNvPr id="36" name="그룹 35">
+            <a:extLst>
+              <a:ext uri="{FF2B5EF4-FFF2-40B4-BE49-F238E27FC236}">
+                <a16:creationId xmlns:a16="http://schemas.microsoft.com/office/drawing/2014/main" id="{DC3BDA66-764B-CEC4-798E-90773D30CFAB}"/>
+              </a:ext>
+            </a:extLst>
+          </p:cNvPr>
+          <p:cNvGrpSpPr/>
+          <p:nvPr/>
+        </p:nvGrpSpPr>
+        <p:grpSpPr>
+          <a:xfrm>
+            <a:off x="5152538" y="1800062"/>
+            <a:ext cx="1884086" cy="2015475"/>
+            <a:chOff x="1202267" y="1552255"/>
+            <a:chExt cx="2379663" cy="2545612"/>
+          </a:xfrm>
+        </p:grpSpPr>
+        <p:sp>
+          <p:nvSpPr>
+            <p:cNvPr id="37" name="직사각형 36">
+              <a:extLst>
+                <a:ext uri="{FF2B5EF4-FFF2-40B4-BE49-F238E27FC236}">
+                  <a16:creationId xmlns:a16="http://schemas.microsoft.com/office/drawing/2014/main" id="{DD5172E7-5B93-C903-2F7F-E78EB206DEAD}"/>
+                </a:ext>
+              </a:extLst>
+            </p:cNvPr>
+            <p:cNvSpPr/>
+            <p:nvPr/>
+          </p:nvSpPr>
+          <p:spPr>
+            <a:xfrm>
+              <a:off x="1202267" y="1879600"/>
+              <a:ext cx="2311400" cy="2218267"/>
+            </a:xfrm>
+            <a:prstGeom prst="rect">
+              <a:avLst/>
+            </a:prstGeom>
+            <a:solidFill>
+              <a:schemeClr val="tx2">
+                <a:lumMod val="25000"/>
+                <a:lumOff val="75000"/>
+              </a:schemeClr>
+            </a:solidFill>
+            <a:ln>
+              <a:solidFill>
+                <a:schemeClr val="accent2">
+                  <a:lumMod val="75000"/>
+                </a:schemeClr>
+              </a:solidFill>
+            </a:ln>
+          </p:spPr>
+          <p:style>
+            <a:lnRef idx="2">
+              <a:schemeClr val="accent1">
+                <a:shade val="15000"/>
+              </a:schemeClr>
+            </a:lnRef>
+            <a:fillRef idx="1">
+              <a:schemeClr val="accent1"/>
+            </a:fillRef>
+            <a:effectRef idx="0">
+              <a:schemeClr val="accent1"/>
+            </a:effectRef>
+            <a:fontRef idx="minor">
+              <a:schemeClr val="lt1"/>
+            </a:fontRef>
+          </p:style>
+          <p:txBody>
+            <a:bodyPr rtlCol="0" anchor="ctr"/>
+            <a:lstStyle/>
+            <a:p>
+              <a:pPr algn="ctr"/>
+              <a:endParaRPr lang="ko-KR" altLang="en-US" sz="1200" dirty="0"/>
+            </a:p>
+          </p:txBody>
+        </p:sp>
+        <p:pic>
+          <p:nvPicPr>
+            <p:cNvPr id="38" name="그림 37" descr="그래픽, 상징, 클립아트, 만화 영화이(가) 표시된 사진&#10;&#10;자동 생성된 설명">
+              <a:extLst>
+                <a:ext uri="{FF2B5EF4-FFF2-40B4-BE49-F238E27FC236}">
+                  <a16:creationId xmlns:a16="http://schemas.microsoft.com/office/drawing/2014/main" id="{1218F6BA-D11D-AFEF-7CA6-22136020FE57}"/>
+                </a:ext>
+              </a:extLst>
+            </p:cNvPr>
+            <p:cNvPicPr>
+              <a:picLocks noChangeAspect="1"/>
+            </p:cNvPicPr>
+            <p:nvPr/>
+          </p:nvPicPr>
+          <p:blipFill>
+            <a:blip r:embed="rId2">
+              <a:extLst>
+                <a:ext uri="{28A0092B-C50C-407E-A947-70E740481C1C}">
+                  <a14:useLocalDpi xmlns:a14="http://schemas.microsoft.com/office/drawing/2010/main" val="0"/>
+                </a:ext>
+              </a:extLst>
+            </a:blip>
+            <a:stretch>
+              <a:fillRect/>
+            </a:stretch>
+          </p:blipFill>
+          <p:spPr>
+            <a:xfrm>
+              <a:off x="2357967" y="1552255"/>
+              <a:ext cx="577183" cy="577183"/>
+            </a:xfrm>
+            <a:prstGeom prst="rect">
+              <a:avLst/>
+            </a:prstGeom>
+          </p:spPr>
+        </p:pic>
+        <p:sp>
+          <p:nvSpPr>
+            <p:cNvPr id="39" name="직사각형 38">
+              <a:extLst>
+                <a:ext uri="{FF2B5EF4-FFF2-40B4-BE49-F238E27FC236}">
+                  <a16:creationId xmlns:a16="http://schemas.microsoft.com/office/drawing/2014/main" id="{93088891-7C3B-7138-7B4A-D34C1CAF31C6}"/>
+                </a:ext>
+              </a:extLst>
+            </p:cNvPr>
+            <p:cNvSpPr/>
+            <p:nvPr/>
+          </p:nvSpPr>
+          <p:spPr>
+            <a:xfrm>
+              <a:off x="1297518" y="3210312"/>
+              <a:ext cx="690033" cy="690033"/>
+            </a:xfrm>
+            <a:prstGeom prst="rect">
+              <a:avLst/>
+            </a:prstGeom>
+            <a:solidFill>
+              <a:srgbClr val="FFFF00"/>
+            </a:solidFill>
+          </p:spPr>
+          <p:style>
+            <a:lnRef idx="2">
+              <a:schemeClr val="accent1">
+                <a:shade val="15000"/>
+              </a:schemeClr>
+            </a:lnRef>
+            <a:fillRef idx="1">
+              <a:schemeClr val="accent1"/>
+            </a:fillRef>
+            <a:effectRef idx="0">
+              <a:schemeClr val="accent1"/>
+            </a:effectRef>
+            <a:fontRef idx="minor">
+              <a:schemeClr val="lt1"/>
+            </a:fontRef>
+          </p:style>
+          <p:txBody>
+            <a:bodyPr rtlCol="0" anchor="ctr"/>
+            <a:lstStyle/>
+            <a:p>
+              <a:pPr algn="ctr"/>
+              <a:r>
+                <a:rPr lang="ko-KR" altLang="en-US" sz="1000" dirty="0" err="1">
+                  <a:solidFill>
+                    <a:schemeClr val="tx1"/>
+                  </a:solidFill>
+                </a:rPr>
+                <a:t>포션</a:t>
+              </a:r>
+              <a:endParaRPr lang="en-US" altLang="ko-KR" sz="1000" dirty="0">
+                <a:solidFill>
+                  <a:schemeClr val="tx1"/>
+                </a:solidFill>
+              </a:endParaRPr>
+            </a:p>
+            <a:p>
+              <a:pPr algn="ctr"/>
+              <a:r>
+                <a:rPr lang="ko-KR" altLang="en-US" sz="1000" dirty="0">
+                  <a:solidFill>
+                    <a:schemeClr val="tx1"/>
+                  </a:solidFill>
+                </a:rPr>
+                <a:t>이미지</a:t>
+              </a:r>
+            </a:p>
+          </p:txBody>
+        </p:sp>
+        <p:sp>
+          <p:nvSpPr>
+            <p:cNvPr id="40" name="TextBox 39">
+              <a:extLst>
+                <a:ext uri="{FF2B5EF4-FFF2-40B4-BE49-F238E27FC236}">
+                  <a16:creationId xmlns:a16="http://schemas.microsoft.com/office/drawing/2014/main" id="{99E2894D-E557-DBAE-3615-46B36C1859F6}"/>
+                </a:ext>
+              </a:extLst>
+            </p:cNvPr>
+            <p:cNvSpPr txBox="1"/>
+            <p:nvPr/>
+          </p:nvSpPr>
+          <p:spPr>
+            <a:xfrm>
+              <a:off x="1202267" y="2212845"/>
+              <a:ext cx="2272058" cy="524788"/>
+            </a:xfrm>
+            <a:prstGeom prst="rect">
+              <a:avLst/>
+            </a:prstGeom>
+            <a:noFill/>
+          </p:spPr>
+          <p:txBody>
+            <a:bodyPr wrap="none" rtlCol="0">
+              <a:spAutoFit/>
+            </a:bodyPr>
+            <a:lstStyle/>
+            <a:p>
+              <a:r>
+                <a:rPr lang="ko-KR" altLang="en-US" sz="1050" dirty="0"/>
+                <a:t>의뢰 내용</a:t>
+              </a:r>
+              <a:r>
+                <a:rPr lang="en-US" altLang="ko-KR" sz="1050" dirty="0"/>
+                <a:t>text</a:t>
+              </a:r>
+            </a:p>
+            <a:p>
+              <a:r>
+                <a:rPr lang="ko-KR" altLang="en-US" sz="1050" dirty="0"/>
+                <a:t>글씨크기 </a:t>
+              </a:r>
+              <a:r>
+                <a:rPr lang="en-US" altLang="ko-KR" sz="1050" dirty="0"/>
+                <a:t>: 14pt, </a:t>
+              </a:r>
+              <a:r>
+                <a:rPr lang="ko-KR" altLang="en-US" sz="1050" dirty="0"/>
+                <a:t>최대 </a:t>
+              </a:r>
+              <a:r>
+                <a:rPr lang="en-US" altLang="ko-KR" sz="1050" dirty="0"/>
+                <a:t>20</a:t>
+              </a:r>
+              <a:r>
+                <a:rPr lang="ko-KR" altLang="en-US" sz="1050" dirty="0"/>
+                <a:t>자</a:t>
+              </a:r>
+            </a:p>
+          </p:txBody>
+        </p:sp>
+        <p:sp>
+          <p:nvSpPr>
+            <p:cNvPr id="41" name="TextBox 40">
+              <a:extLst>
+                <a:ext uri="{FF2B5EF4-FFF2-40B4-BE49-F238E27FC236}">
+                  <a16:creationId xmlns:a16="http://schemas.microsoft.com/office/drawing/2014/main" id="{E2729BFD-2DAE-4743-BE6F-202ACA7D7323}"/>
+                </a:ext>
+              </a:extLst>
+            </p:cNvPr>
+            <p:cNvSpPr txBox="1"/>
+            <p:nvPr/>
+          </p:nvSpPr>
+          <p:spPr>
+            <a:xfrm>
+              <a:off x="1919290" y="3293718"/>
+              <a:ext cx="1662640" cy="544225"/>
+            </a:xfrm>
+            <a:prstGeom prst="rect">
+              <a:avLst/>
+            </a:prstGeom>
+            <a:noFill/>
+          </p:spPr>
+          <p:txBody>
+            <a:bodyPr wrap="none" rtlCol="0">
+              <a:spAutoFit/>
+            </a:bodyPr>
+            <a:lstStyle/>
+            <a:p>
+              <a:pPr algn="ctr"/>
+              <a:r>
+                <a:rPr lang="ko-KR" altLang="en-US" sz="1050" dirty="0"/>
+                <a:t>요구 </a:t>
+              </a:r>
+              <a:r>
+                <a:rPr lang="ko-KR" altLang="en-US" sz="1050" dirty="0" err="1"/>
+                <a:t>포션</a:t>
+              </a:r>
+              <a:r>
+                <a:rPr lang="ko-KR" altLang="en-US" sz="1050" dirty="0"/>
+                <a:t> 품질</a:t>
+              </a:r>
+              <a:endParaRPr lang="en-US" altLang="ko-KR" sz="1050" dirty="0"/>
+            </a:p>
+            <a:p>
+              <a:pPr algn="ctr"/>
+              <a:r>
+                <a:rPr lang="en-US" altLang="ko-KR" sz="1050" dirty="0"/>
+                <a:t>(</a:t>
+              </a:r>
+              <a:r>
+                <a:rPr lang="ko-KR" altLang="en-US" sz="1050" dirty="0"/>
+                <a:t>최소값 </a:t>
+              </a:r>
+              <a:r>
+                <a:rPr lang="en-US" altLang="ko-KR" sz="1050" dirty="0"/>
+                <a:t>~ </a:t>
+              </a:r>
+              <a:r>
+                <a:rPr lang="ko-KR" altLang="en-US" sz="1050" dirty="0"/>
+                <a:t>최대값</a:t>
+              </a:r>
+              <a:r>
+                <a:rPr lang="en-US" altLang="ko-KR" sz="1050" dirty="0"/>
+                <a:t>)</a:t>
+              </a:r>
+            </a:p>
+          </p:txBody>
+        </p:sp>
+      </p:grpSp>
+      <p:grpSp>
+        <p:nvGrpSpPr>
+          <p:cNvPr id="42" name="그룹 41">
+            <a:extLst>
+              <a:ext uri="{FF2B5EF4-FFF2-40B4-BE49-F238E27FC236}">
+                <a16:creationId xmlns:a16="http://schemas.microsoft.com/office/drawing/2014/main" id="{79843B80-3132-A328-E1C4-ED10557213A1}"/>
+              </a:ext>
+            </a:extLst>
+          </p:cNvPr>
+          <p:cNvGrpSpPr/>
+          <p:nvPr/>
+        </p:nvGrpSpPr>
+        <p:grpSpPr>
+          <a:xfrm>
+            <a:off x="8761970" y="1757119"/>
+            <a:ext cx="1884086" cy="2015475"/>
+            <a:chOff x="1202267" y="1552255"/>
+            <a:chExt cx="2379663" cy="2545612"/>
+          </a:xfrm>
+        </p:grpSpPr>
+        <p:sp>
+          <p:nvSpPr>
+            <p:cNvPr id="43" name="직사각형 42">
+              <a:extLst>
+                <a:ext uri="{FF2B5EF4-FFF2-40B4-BE49-F238E27FC236}">
+                  <a16:creationId xmlns:a16="http://schemas.microsoft.com/office/drawing/2014/main" id="{04329984-C74D-2B7B-69F1-37E548E6ED51}"/>
+                </a:ext>
+              </a:extLst>
+            </p:cNvPr>
+            <p:cNvSpPr/>
+            <p:nvPr/>
+          </p:nvSpPr>
+          <p:spPr>
+            <a:xfrm>
+              <a:off x="1202267" y="1879600"/>
+              <a:ext cx="2311400" cy="2218267"/>
+            </a:xfrm>
+            <a:prstGeom prst="rect">
+              <a:avLst/>
+            </a:prstGeom>
+            <a:solidFill>
+              <a:schemeClr val="tx2">
+                <a:lumMod val="25000"/>
+                <a:lumOff val="75000"/>
+              </a:schemeClr>
+            </a:solidFill>
+            <a:ln>
+              <a:solidFill>
+                <a:schemeClr val="accent2">
+                  <a:lumMod val="75000"/>
+                </a:schemeClr>
+              </a:solidFill>
+            </a:ln>
+          </p:spPr>
+          <p:style>
+            <a:lnRef idx="2">
+              <a:schemeClr val="accent1">
+                <a:shade val="15000"/>
+              </a:schemeClr>
+            </a:lnRef>
+            <a:fillRef idx="1">
+              <a:schemeClr val="accent1"/>
+            </a:fillRef>
+            <a:effectRef idx="0">
+              <a:schemeClr val="accent1"/>
+            </a:effectRef>
+            <a:fontRef idx="minor">
+              <a:schemeClr val="lt1"/>
+            </a:fontRef>
+          </p:style>
+          <p:txBody>
+            <a:bodyPr rtlCol="0" anchor="ctr"/>
+            <a:lstStyle/>
+            <a:p>
+              <a:pPr algn="ctr"/>
+              <a:endParaRPr lang="ko-KR" altLang="en-US" sz="1200" dirty="0"/>
+            </a:p>
+          </p:txBody>
+        </p:sp>
+        <p:pic>
+          <p:nvPicPr>
+            <p:cNvPr id="44" name="그림 43" descr="그래픽, 상징, 클립아트, 만화 영화이(가) 표시된 사진&#10;&#10;자동 생성된 설명">
+              <a:extLst>
+                <a:ext uri="{FF2B5EF4-FFF2-40B4-BE49-F238E27FC236}">
+                  <a16:creationId xmlns:a16="http://schemas.microsoft.com/office/drawing/2014/main" id="{2CEDA415-C54B-057C-D669-6F060B0FD863}"/>
+                </a:ext>
+              </a:extLst>
+            </p:cNvPr>
+            <p:cNvPicPr>
+              <a:picLocks noChangeAspect="1"/>
+            </p:cNvPicPr>
+            <p:nvPr/>
+          </p:nvPicPr>
+          <p:blipFill>
+            <a:blip r:embed="rId2">
+              <a:extLst>
+                <a:ext uri="{28A0092B-C50C-407E-A947-70E740481C1C}">
+                  <a14:useLocalDpi xmlns:a14="http://schemas.microsoft.com/office/drawing/2010/main" val="0"/>
+                </a:ext>
+              </a:extLst>
+            </a:blip>
+            <a:stretch>
+              <a:fillRect/>
+            </a:stretch>
+          </p:blipFill>
+          <p:spPr>
+            <a:xfrm>
+              <a:off x="2357967" y="1552255"/>
+              <a:ext cx="577183" cy="577183"/>
+            </a:xfrm>
+            <a:prstGeom prst="rect">
+              <a:avLst/>
+            </a:prstGeom>
+          </p:spPr>
+        </p:pic>
+        <p:sp>
+          <p:nvSpPr>
+            <p:cNvPr id="45" name="직사각형 44">
+              <a:extLst>
+                <a:ext uri="{FF2B5EF4-FFF2-40B4-BE49-F238E27FC236}">
+                  <a16:creationId xmlns:a16="http://schemas.microsoft.com/office/drawing/2014/main" id="{B1774A2E-4436-B387-48EC-02F2FBFCFAA1}"/>
+                </a:ext>
+              </a:extLst>
+            </p:cNvPr>
+            <p:cNvSpPr/>
+            <p:nvPr/>
+          </p:nvSpPr>
+          <p:spPr>
+            <a:xfrm>
+              <a:off x="1297518" y="3210312"/>
+              <a:ext cx="690033" cy="690033"/>
+            </a:xfrm>
+            <a:prstGeom prst="rect">
+              <a:avLst/>
+            </a:prstGeom>
+            <a:solidFill>
+              <a:srgbClr val="FFFF00"/>
+            </a:solidFill>
+          </p:spPr>
+          <p:style>
+            <a:lnRef idx="2">
+              <a:schemeClr val="accent1">
+                <a:shade val="15000"/>
+              </a:schemeClr>
+            </a:lnRef>
+            <a:fillRef idx="1">
+              <a:schemeClr val="accent1"/>
+            </a:fillRef>
+            <a:effectRef idx="0">
+              <a:schemeClr val="accent1"/>
+            </a:effectRef>
+            <a:fontRef idx="minor">
+              <a:schemeClr val="lt1"/>
+            </a:fontRef>
+          </p:style>
+          <p:txBody>
+            <a:bodyPr rtlCol="0" anchor="ctr"/>
+            <a:lstStyle/>
+            <a:p>
+              <a:pPr algn="ctr"/>
+              <a:r>
+                <a:rPr lang="ko-KR" altLang="en-US" sz="1000" dirty="0" err="1">
+                  <a:solidFill>
+                    <a:schemeClr val="tx1"/>
+                  </a:solidFill>
+                </a:rPr>
+                <a:t>포션</a:t>
+              </a:r>
+              <a:endParaRPr lang="en-US" altLang="ko-KR" sz="1000" dirty="0">
+                <a:solidFill>
+                  <a:schemeClr val="tx1"/>
+                </a:solidFill>
+              </a:endParaRPr>
+            </a:p>
+            <a:p>
+              <a:pPr algn="ctr"/>
+              <a:r>
+                <a:rPr lang="ko-KR" altLang="en-US" sz="1000" dirty="0">
+                  <a:solidFill>
+                    <a:schemeClr val="tx1"/>
+                  </a:solidFill>
+                </a:rPr>
+                <a:t>이미지</a:t>
+              </a:r>
+            </a:p>
+          </p:txBody>
+        </p:sp>
+        <p:sp>
+          <p:nvSpPr>
+            <p:cNvPr id="46" name="TextBox 45">
+              <a:extLst>
+                <a:ext uri="{FF2B5EF4-FFF2-40B4-BE49-F238E27FC236}">
+                  <a16:creationId xmlns:a16="http://schemas.microsoft.com/office/drawing/2014/main" id="{B26BC6B9-96B5-559A-AA4D-B31F9D8F2BAC}"/>
+                </a:ext>
+              </a:extLst>
+            </p:cNvPr>
+            <p:cNvSpPr txBox="1"/>
+            <p:nvPr/>
+          </p:nvSpPr>
+          <p:spPr>
+            <a:xfrm>
+              <a:off x="1202267" y="2212845"/>
+              <a:ext cx="2272058" cy="524788"/>
+            </a:xfrm>
+            <a:prstGeom prst="rect">
+              <a:avLst/>
+            </a:prstGeom>
+            <a:noFill/>
+          </p:spPr>
+          <p:txBody>
+            <a:bodyPr wrap="none" rtlCol="0">
+              <a:spAutoFit/>
+            </a:bodyPr>
+            <a:lstStyle/>
+            <a:p>
+              <a:r>
+                <a:rPr lang="ko-KR" altLang="en-US" sz="1050" dirty="0"/>
+                <a:t>의뢰 내용</a:t>
+              </a:r>
+              <a:r>
+                <a:rPr lang="en-US" altLang="ko-KR" sz="1050" dirty="0"/>
+                <a:t>text</a:t>
+              </a:r>
+            </a:p>
+            <a:p>
+              <a:r>
+                <a:rPr lang="ko-KR" altLang="en-US" sz="1050" dirty="0"/>
+                <a:t>글씨크기 </a:t>
+              </a:r>
+              <a:r>
+                <a:rPr lang="en-US" altLang="ko-KR" sz="1050" dirty="0"/>
+                <a:t>: 14pt, </a:t>
+              </a:r>
+              <a:r>
+                <a:rPr lang="ko-KR" altLang="en-US" sz="1050" dirty="0"/>
+                <a:t>최대 </a:t>
+              </a:r>
+              <a:r>
+                <a:rPr lang="en-US" altLang="ko-KR" sz="1050" dirty="0"/>
+                <a:t>20</a:t>
+              </a:r>
+              <a:r>
+                <a:rPr lang="ko-KR" altLang="en-US" sz="1050" dirty="0"/>
+                <a:t>자</a:t>
+              </a:r>
+            </a:p>
+          </p:txBody>
+        </p:sp>
+        <p:sp>
+          <p:nvSpPr>
+            <p:cNvPr id="47" name="TextBox 46">
+              <a:extLst>
+                <a:ext uri="{FF2B5EF4-FFF2-40B4-BE49-F238E27FC236}">
+                  <a16:creationId xmlns:a16="http://schemas.microsoft.com/office/drawing/2014/main" id="{94C349D7-2349-E8D9-5BC1-606F7A3BFF5A}"/>
+                </a:ext>
+              </a:extLst>
+            </p:cNvPr>
+            <p:cNvSpPr txBox="1"/>
+            <p:nvPr/>
+          </p:nvSpPr>
+          <p:spPr>
+            <a:xfrm>
+              <a:off x="1919290" y="3293718"/>
+              <a:ext cx="1662640" cy="544225"/>
+            </a:xfrm>
+            <a:prstGeom prst="rect">
+              <a:avLst/>
+            </a:prstGeom>
+            <a:noFill/>
+          </p:spPr>
+          <p:txBody>
+            <a:bodyPr wrap="none" rtlCol="0">
+              <a:spAutoFit/>
+            </a:bodyPr>
+            <a:lstStyle/>
+            <a:p>
+              <a:pPr algn="ctr"/>
+              <a:r>
+                <a:rPr lang="ko-KR" altLang="en-US" sz="1050" dirty="0"/>
+                <a:t>요구 </a:t>
+              </a:r>
+              <a:r>
+                <a:rPr lang="ko-KR" altLang="en-US" sz="1050" dirty="0" err="1"/>
+                <a:t>포션</a:t>
+              </a:r>
+              <a:r>
+                <a:rPr lang="ko-KR" altLang="en-US" sz="1050" dirty="0"/>
+                <a:t> 품질</a:t>
+              </a:r>
+              <a:endParaRPr lang="en-US" altLang="ko-KR" sz="1050" dirty="0"/>
+            </a:p>
+            <a:p>
+              <a:pPr algn="ctr"/>
+              <a:r>
+                <a:rPr lang="en-US" altLang="ko-KR" sz="1050" dirty="0"/>
+                <a:t>(</a:t>
+              </a:r>
+              <a:r>
+                <a:rPr lang="ko-KR" altLang="en-US" sz="1050" dirty="0"/>
+                <a:t>최소값 </a:t>
+              </a:r>
+              <a:r>
+                <a:rPr lang="en-US" altLang="ko-KR" sz="1050" dirty="0"/>
+                <a:t>~ </a:t>
+              </a:r>
+              <a:r>
+                <a:rPr lang="ko-KR" altLang="en-US" sz="1050" dirty="0"/>
+                <a:t>최대값</a:t>
+              </a:r>
+              <a:r>
+                <a:rPr lang="en-US" altLang="ko-KR" sz="1050" dirty="0"/>
+                <a:t>)</a:t>
+              </a:r>
+            </a:p>
+          </p:txBody>
+        </p:sp>
+      </p:grpSp>
+      <p:grpSp>
+        <p:nvGrpSpPr>
+          <p:cNvPr id="48" name="그룹 47">
+            <a:extLst>
+              <a:ext uri="{FF2B5EF4-FFF2-40B4-BE49-F238E27FC236}">
+                <a16:creationId xmlns:a16="http://schemas.microsoft.com/office/drawing/2014/main" id="{F9EC18D2-E736-BA05-F480-3412E48BFC8D}"/>
+              </a:ext>
+            </a:extLst>
+          </p:cNvPr>
+          <p:cNvGrpSpPr/>
+          <p:nvPr/>
+        </p:nvGrpSpPr>
+        <p:grpSpPr>
+          <a:xfrm>
+            <a:off x="6957254" y="3740773"/>
+            <a:ext cx="1884086" cy="2015475"/>
+            <a:chOff x="1202267" y="1552255"/>
+            <a:chExt cx="2379663" cy="2545612"/>
+          </a:xfrm>
+        </p:grpSpPr>
+        <p:sp>
+          <p:nvSpPr>
+            <p:cNvPr id="70" name="직사각형 69">
+              <a:extLst>
+                <a:ext uri="{FF2B5EF4-FFF2-40B4-BE49-F238E27FC236}">
+                  <a16:creationId xmlns:a16="http://schemas.microsoft.com/office/drawing/2014/main" id="{14BBF518-8F40-56AE-6EAE-6246368DFE32}"/>
+                </a:ext>
+              </a:extLst>
+            </p:cNvPr>
+            <p:cNvSpPr/>
+            <p:nvPr/>
+          </p:nvSpPr>
+          <p:spPr>
+            <a:xfrm>
+              <a:off x="1202267" y="1879600"/>
+              <a:ext cx="2311400" cy="2218267"/>
+            </a:xfrm>
+            <a:prstGeom prst="rect">
+              <a:avLst/>
+            </a:prstGeom>
+            <a:solidFill>
+              <a:schemeClr val="tx2">
+                <a:lumMod val="25000"/>
+                <a:lumOff val="75000"/>
+              </a:schemeClr>
+            </a:solidFill>
+            <a:ln>
+              <a:solidFill>
+                <a:schemeClr val="accent2">
+                  <a:lumMod val="75000"/>
+                </a:schemeClr>
+              </a:solidFill>
+            </a:ln>
+          </p:spPr>
+          <p:style>
+            <a:lnRef idx="2">
+              <a:schemeClr val="accent1">
+                <a:shade val="15000"/>
+              </a:schemeClr>
+            </a:lnRef>
+            <a:fillRef idx="1">
+              <a:schemeClr val="accent1"/>
+            </a:fillRef>
+            <a:effectRef idx="0">
+              <a:schemeClr val="accent1"/>
+            </a:effectRef>
+            <a:fontRef idx="minor">
+              <a:schemeClr val="lt1"/>
+            </a:fontRef>
+          </p:style>
+          <p:txBody>
+            <a:bodyPr rtlCol="0" anchor="ctr"/>
+            <a:lstStyle/>
+            <a:p>
+              <a:pPr algn="ctr"/>
+              <a:endParaRPr lang="ko-KR" altLang="en-US" sz="1200" dirty="0"/>
+            </a:p>
+          </p:txBody>
+        </p:sp>
+        <p:pic>
+          <p:nvPicPr>
+            <p:cNvPr id="71" name="그림 70" descr="그래픽, 상징, 클립아트, 만화 영화이(가) 표시된 사진&#10;&#10;자동 생성된 설명">
+              <a:extLst>
+                <a:ext uri="{FF2B5EF4-FFF2-40B4-BE49-F238E27FC236}">
+                  <a16:creationId xmlns:a16="http://schemas.microsoft.com/office/drawing/2014/main" id="{E20F87E4-6DC4-597C-68BE-6084AFE98D6A}"/>
+                </a:ext>
+              </a:extLst>
+            </p:cNvPr>
+            <p:cNvPicPr>
+              <a:picLocks noChangeAspect="1"/>
+            </p:cNvPicPr>
+            <p:nvPr/>
+          </p:nvPicPr>
+          <p:blipFill>
+            <a:blip r:embed="rId2">
+              <a:extLst>
+                <a:ext uri="{28A0092B-C50C-407E-A947-70E740481C1C}">
+                  <a14:useLocalDpi xmlns:a14="http://schemas.microsoft.com/office/drawing/2010/main" val="0"/>
+                </a:ext>
+              </a:extLst>
+            </a:blip>
+            <a:stretch>
+              <a:fillRect/>
+            </a:stretch>
+          </p:blipFill>
+          <p:spPr>
+            <a:xfrm>
+              <a:off x="2357967" y="1552255"/>
+              <a:ext cx="577183" cy="577183"/>
+            </a:xfrm>
+            <a:prstGeom prst="rect">
+              <a:avLst/>
+            </a:prstGeom>
+          </p:spPr>
+        </p:pic>
+        <p:sp>
+          <p:nvSpPr>
+            <p:cNvPr id="72" name="직사각형 71">
+              <a:extLst>
+                <a:ext uri="{FF2B5EF4-FFF2-40B4-BE49-F238E27FC236}">
+                  <a16:creationId xmlns:a16="http://schemas.microsoft.com/office/drawing/2014/main" id="{ED925B2E-306E-E9F9-E036-D85B436539DD}"/>
+                </a:ext>
+              </a:extLst>
+            </p:cNvPr>
+            <p:cNvSpPr/>
+            <p:nvPr/>
+          </p:nvSpPr>
+          <p:spPr>
+            <a:xfrm>
+              <a:off x="1297518" y="3210312"/>
+              <a:ext cx="690033" cy="690033"/>
+            </a:xfrm>
+            <a:prstGeom prst="rect">
+              <a:avLst/>
+            </a:prstGeom>
+            <a:solidFill>
+              <a:srgbClr val="FFFF00"/>
+            </a:solidFill>
+          </p:spPr>
+          <p:style>
+            <a:lnRef idx="2">
+              <a:schemeClr val="accent1">
+                <a:shade val="15000"/>
+              </a:schemeClr>
+            </a:lnRef>
+            <a:fillRef idx="1">
+              <a:schemeClr val="accent1"/>
+            </a:fillRef>
+            <a:effectRef idx="0">
+              <a:schemeClr val="accent1"/>
+            </a:effectRef>
+            <a:fontRef idx="minor">
+              <a:schemeClr val="lt1"/>
+            </a:fontRef>
+          </p:style>
+          <p:txBody>
+            <a:bodyPr rtlCol="0" anchor="ctr"/>
+            <a:lstStyle/>
+            <a:p>
+              <a:pPr algn="ctr"/>
+              <a:r>
+                <a:rPr lang="ko-KR" altLang="en-US" sz="1000" dirty="0" err="1">
+                  <a:solidFill>
+                    <a:schemeClr val="tx1"/>
+                  </a:solidFill>
+                </a:rPr>
+                <a:t>포션</a:t>
+              </a:r>
+              <a:endParaRPr lang="en-US" altLang="ko-KR" sz="1000" dirty="0">
+                <a:solidFill>
+                  <a:schemeClr val="tx1"/>
+                </a:solidFill>
+              </a:endParaRPr>
+            </a:p>
+            <a:p>
+              <a:pPr algn="ctr"/>
+              <a:r>
+                <a:rPr lang="ko-KR" altLang="en-US" sz="1000" dirty="0">
+                  <a:solidFill>
+                    <a:schemeClr val="tx1"/>
+                  </a:solidFill>
+                </a:rPr>
+                <a:t>이미지</a:t>
+              </a:r>
+            </a:p>
+          </p:txBody>
+        </p:sp>
+        <p:sp>
+          <p:nvSpPr>
+            <p:cNvPr id="73" name="TextBox 72">
+              <a:extLst>
+                <a:ext uri="{FF2B5EF4-FFF2-40B4-BE49-F238E27FC236}">
+                  <a16:creationId xmlns:a16="http://schemas.microsoft.com/office/drawing/2014/main" id="{C0771B93-C3CF-623A-97FF-AD14DFE14B82}"/>
+                </a:ext>
+              </a:extLst>
+            </p:cNvPr>
+            <p:cNvSpPr txBox="1"/>
+            <p:nvPr/>
+          </p:nvSpPr>
+          <p:spPr>
+            <a:xfrm>
+              <a:off x="1202267" y="2212845"/>
+              <a:ext cx="2272058" cy="524788"/>
+            </a:xfrm>
+            <a:prstGeom prst="rect">
+              <a:avLst/>
+            </a:prstGeom>
+            <a:noFill/>
+          </p:spPr>
+          <p:txBody>
+            <a:bodyPr wrap="none" rtlCol="0">
+              <a:spAutoFit/>
+            </a:bodyPr>
+            <a:lstStyle/>
+            <a:p>
+              <a:r>
+                <a:rPr lang="ko-KR" altLang="en-US" sz="1050" dirty="0"/>
+                <a:t>의뢰 내용</a:t>
+              </a:r>
+              <a:r>
+                <a:rPr lang="en-US" altLang="ko-KR" sz="1050" dirty="0"/>
+                <a:t>text</a:t>
+              </a:r>
+            </a:p>
+            <a:p>
+              <a:r>
+                <a:rPr lang="ko-KR" altLang="en-US" sz="1050" dirty="0"/>
+                <a:t>글씨크기 </a:t>
+              </a:r>
+              <a:r>
+                <a:rPr lang="en-US" altLang="ko-KR" sz="1050" dirty="0"/>
+                <a:t>: 14pt, </a:t>
+              </a:r>
+              <a:r>
+                <a:rPr lang="ko-KR" altLang="en-US" sz="1050" dirty="0"/>
+                <a:t>최대 </a:t>
+              </a:r>
+              <a:r>
+                <a:rPr lang="en-US" altLang="ko-KR" sz="1050" dirty="0"/>
+                <a:t>20</a:t>
+              </a:r>
+              <a:r>
+                <a:rPr lang="ko-KR" altLang="en-US" sz="1050" dirty="0"/>
+                <a:t>자</a:t>
+              </a:r>
+            </a:p>
+          </p:txBody>
+        </p:sp>
+        <p:sp>
+          <p:nvSpPr>
+            <p:cNvPr id="74" name="TextBox 73">
+              <a:extLst>
+                <a:ext uri="{FF2B5EF4-FFF2-40B4-BE49-F238E27FC236}">
+                  <a16:creationId xmlns:a16="http://schemas.microsoft.com/office/drawing/2014/main" id="{68E32BD3-5F49-2945-8F08-8B4183DD5088}"/>
+                </a:ext>
+              </a:extLst>
+            </p:cNvPr>
+            <p:cNvSpPr txBox="1"/>
+            <p:nvPr/>
+          </p:nvSpPr>
+          <p:spPr>
+            <a:xfrm>
+              <a:off x="1919290" y="3293718"/>
+              <a:ext cx="1662640" cy="544225"/>
+            </a:xfrm>
+            <a:prstGeom prst="rect">
+              <a:avLst/>
+            </a:prstGeom>
+            <a:noFill/>
+          </p:spPr>
+          <p:txBody>
+            <a:bodyPr wrap="none" rtlCol="0">
+              <a:spAutoFit/>
+            </a:bodyPr>
+            <a:lstStyle/>
+            <a:p>
+              <a:pPr algn="ctr"/>
+              <a:r>
+                <a:rPr lang="ko-KR" altLang="en-US" sz="1050" dirty="0"/>
+                <a:t>요구 </a:t>
+              </a:r>
+              <a:r>
+                <a:rPr lang="ko-KR" altLang="en-US" sz="1050" dirty="0" err="1"/>
+                <a:t>포션</a:t>
+              </a:r>
+              <a:r>
+                <a:rPr lang="ko-KR" altLang="en-US" sz="1050" dirty="0"/>
+                <a:t> 품질</a:t>
+              </a:r>
+              <a:endParaRPr lang="en-US" altLang="ko-KR" sz="1050" dirty="0"/>
+            </a:p>
+            <a:p>
+              <a:pPr algn="ctr"/>
+              <a:r>
+                <a:rPr lang="en-US" altLang="ko-KR" sz="1050" dirty="0"/>
+                <a:t>(</a:t>
+              </a:r>
+              <a:r>
+                <a:rPr lang="ko-KR" altLang="en-US" sz="1050" dirty="0"/>
+                <a:t>최소값 </a:t>
+              </a:r>
+              <a:r>
+                <a:rPr lang="en-US" altLang="ko-KR" sz="1050" dirty="0"/>
+                <a:t>~ </a:t>
+              </a:r>
+              <a:r>
+                <a:rPr lang="ko-KR" altLang="en-US" sz="1050" dirty="0"/>
+                <a:t>최대값</a:t>
+              </a:r>
+              <a:r>
+                <a:rPr lang="en-US" altLang="ko-KR" sz="1050" dirty="0"/>
+                <a:t>)</a:t>
+              </a:r>
+            </a:p>
+          </p:txBody>
+        </p:sp>
+      </p:grpSp>
+      <p:grpSp>
+        <p:nvGrpSpPr>
+          <p:cNvPr id="78" name="그룹 77">
+            <a:extLst>
+              <a:ext uri="{FF2B5EF4-FFF2-40B4-BE49-F238E27FC236}">
+                <a16:creationId xmlns:a16="http://schemas.microsoft.com/office/drawing/2014/main" id="{9A2D2987-91BC-98A2-C205-9D8609D4A966}"/>
+              </a:ext>
+            </a:extLst>
+          </p:cNvPr>
+          <p:cNvGrpSpPr/>
+          <p:nvPr/>
+        </p:nvGrpSpPr>
+        <p:grpSpPr>
+          <a:xfrm>
+            <a:off x="10592009" y="1424690"/>
+            <a:ext cx="484975" cy="484975"/>
+            <a:chOff x="7948810" y="1457855"/>
+            <a:chExt cx="484975" cy="484975"/>
+          </a:xfrm>
+        </p:grpSpPr>
+        <p:sp>
+          <p:nvSpPr>
+            <p:cNvPr id="76" name="타원 75">
+              <a:extLst>
+                <a:ext uri="{FF2B5EF4-FFF2-40B4-BE49-F238E27FC236}">
+                  <a16:creationId xmlns:a16="http://schemas.microsoft.com/office/drawing/2014/main" id="{F95F51C8-0995-11E6-E09A-20AA63C7201A}"/>
+                </a:ext>
+              </a:extLst>
+            </p:cNvPr>
+            <p:cNvSpPr/>
+            <p:nvPr/>
+          </p:nvSpPr>
+          <p:spPr>
+            <a:xfrm>
+              <a:off x="7948810" y="1457855"/>
+              <a:ext cx="484975" cy="484975"/>
+            </a:xfrm>
+            <a:prstGeom prst="ellipse">
+              <a:avLst/>
+            </a:prstGeom>
+            <a:solidFill>
+              <a:schemeClr val="bg1"/>
+            </a:solidFill>
+          </p:spPr>
+          <p:style>
+            <a:lnRef idx="2">
+              <a:schemeClr val="accent1">
+                <a:shade val="15000"/>
+              </a:schemeClr>
+            </a:lnRef>
+            <a:fillRef idx="1">
+              <a:schemeClr val="accent1"/>
+            </a:fillRef>
+            <a:effectRef idx="0">
+              <a:schemeClr val="accent1"/>
+            </a:effectRef>
+            <a:fontRef idx="minor">
+              <a:schemeClr val="lt1"/>
+            </a:fontRef>
+          </p:style>
+          <p:txBody>
+            <a:bodyPr rtlCol="0" anchor="ctr"/>
+            <a:lstStyle/>
+            <a:p>
+              <a:pPr algn="ctr"/>
+              <a:endParaRPr lang="ko-KR" altLang="en-US" sz="1400" dirty="0">
+                <a:solidFill>
+                  <a:schemeClr val="tx1"/>
+                </a:solidFill>
+              </a:endParaRPr>
+            </a:p>
+          </p:txBody>
+        </p:sp>
+        <p:sp>
+          <p:nvSpPr>
+            <p:cNvPr id="77" name="곱하기 기호 76">
+              <a:extLst>
+                <a:ext uri="{FF2B5EF4-FFF2-40B4-BE49-F238E27FC236}">
+                  <a16:creationId xmlns:a16="http://schemas.microsoft.com/office/drawing/2014/main" id="{AD8771F6-1C38-494E-8BFF-6E1C8817849A}"/>
+                </a:ext>
+              </a:extLst>
+            </p:cNvPr>
+            <p:cNvSpPr/>
+            <p:nvPr/>
+          </p:nvSpPr>
+          <p:spPr>
+            <a:xfrm>
+              <a:off x="7948810" y="1457855"/>
+              <a:ext cx="484975" cy="484975"/>
+            </a:xfrm>
+            <a:prstGeom prst="mathMultiply">
+              <a:avLst/>
+            </a:prstGeom>
+            <a:solidFill>
+              <a:srgbClr val="FF0000"/>
+            </a:solidFill>
+            <a:ln>
+              <a:noFill/>
+            </a:ln>
+          </p:spPr>
+          <p:style>
+            <a:lnRef idx="2">
+              <a:schemeClr val="accent1">
+                <a:shade val="15000"/>
+              </a:schemeClr>
+            </a:lnRef>
+            <a:fillRef idx="1">
+              <a:schemeClr val="accent1"/>
+            </a:fillRef>
+            <a:effectRef idx="0">
+              <a:schemeClr val="accent1"/>
+            </a:effectRef>
+            <a:fontRef idx="minor">
+              <a:schemeClr val="lt1"/>
+            </a:fontRef>
+          </p:style>
+          <p:txBody>
+            <a:bodyPr rtlCol="0" anchor="ctr"/>
+            <a:lstStyle/>
+            <a:p>
+              <a:pPr algn="ctr"/>
+              <a:endParaRPr lang="ko-KR" altLang="en-US"/>
+            </a:p>
+          </p:txBody>
+        </p:sp>
+      </p:grpSp>
     </p:spTree>
     <p:extLst>
       <p:ext uri="{BB962C8B-B14F-4D97-AF65-F5344CB8AC3E}">
